--- a/projects_ppts/Nand2Tetris_Project_01.pptx
+++ b/projects_ppts/Nand2Tetris_Project_01.pptx
@@ -12,6 +12,11 @@
     <p:sldId id="260" r:id="rId6"/>
     <p:sldId id="261" r:id="rId7"/>
     <p:sldId id="262" r:id="rId8"/>
+    <p:sldId id="263" r:id="rId9"/>
+    <p:sldId id="264" r:id="rId10"/>
+    <p:sldId id="267" r:id="rId11"/>
+    <p:sldId id="265" r:id="rId12"/>
+    <p:sldId id="266" r:id="rId13"/>
   </p:sldIdLst>
   <p:sldSz cx="12192000" cy="6858000"/>
   <p:notesSz cx="6858000" cy="9144000"/>
@@ -630,7 +635,7 @@
           <a:p>
             <a:fld id="{83284890-85D2-4D7B-8EF5-15A9C1DB8F42}" type="datetimeFigureOut">
               <a:rPr lang="en-US" smtClean="0"/>
-              <a:t>1/26/2021</a:t>
+              <a:t>1/27/2021</a:t>
             </a:fld>
             <a:endParaRPr lang="en-US"/>
           </a:p>
@@ -808,7 +813,7 @@
           <a:p>
             <a:fld id="{87157CC2-0FC8-4686-B024-99790E0F5162}" type="datetimeFigureOut">
               <a:rPr lang="en-US" smtClean="0"/>
-              <a:t>1/26/2021</a:t>
+              <a:t>1/27/2021</a:t>
             </a:fld>
             <a:endParaRPr lang="en-US"/>
           </a:p>
@@ -988,7 +993,7 @@
           <a:p>
             <a:fld id="{F6764DA5-CD3D-4590-A511-FCD3BC7A793E}" type="datetimeFigureOut">
               <a:rPr lang="en-US" smtClean="0"/>
-              <a:t>1/26/2021</a:t>
+              <a:t>1/27/2021</a:t>
             </a:fld>
             <a:endParaRPr lang="en-US"/>
           </a:p>
@@ -1158,7 +1163,7 @@
           <a:p>
             <a:fld id="{82F5661D-6934-4B32-B92C-470368BF1EC6}" type="datetimeFigureOut">
               <a:rPr lang="en-US" smtClean="0"/>
-              <a:t>1/26/2021</a:t>
+              <a:t>1/27/2021</a:t>
             </a:fld>
             <a:endParaRPr lang="en-US"/>
           </a:p>
@@ -1479,7 +1484,7 @@
           <a:p>
             <a:fld id="{C6F822A4-8DA6-4447-9B1F-C5DB58435268}" type="datetimeFigureOut">
               <a:rPr lang="en-US" smtClean="0"/>
-              <a:t>1/26/2021</a:t>
+              <a:t>1/27/2021</a:t>
             </a:fld>
             <a:endParaRPr lang="en-US" dirty="0"/>
           </a:p>
@@ -1940,7 +1945,7 @@
           <a:p>
             <a:fld id="{E548D31E-DCDA-41A7-9C67-C4B11B94D21D}" type="datetimeFigureOut">
               <a:rPr lang="en-US" smtClean="0"/>
-              <a:t>1/26/2021</a:t>
+              <a:t>1/27/2021</a:t>
             </a:fld>
             <a:endParaRPr lang="en-US"/>
           </a:p>
@@ -2351,7 +2356,7 @@
           <a:p>
             <a:fld id="{9B3762C0-B258-48F1-ADE6-176B4174CCDD}" type="datetimeFigureOut">
               <a:rPr lang="en-US" smtClean="0"/>
-              <a:t>1/26/2021</a:t>
+              <a:t>1/27/2021</a:t>
             </a:fld>
             <a:endParaRPr lang="en-US"/>
           </a:p>
@@ -2469,7 +2474,7 @@
           <a:p>
             <a:fld id="{677919A6-33EB-49BD-A62F-1FA56B9F9712}" type="datetimeFigureOut">
               <a:rPr lang="en-US" smtClean="0"/>
-              <a:t>1/26/2021</a:t>
+              <a:t>1/27/2021</a:t>
             </a:fld>
             <a:endParaRPr lang="en-US"/>
           </a:p>
@@ -2586,7 +2591,7 @@
           <a:p>
             <a:fld id="{CA4E7D1B-D673-4CF6-8672-009D42ABD2A0}" type="datetimeFigureOut">
               <a:rPr lang="en-US" smtClean="0"/>
-              <a:t>1/26/2021</a:t>
+              <a:t>1/27/2021</a:t>
             </a:fld>
             <a:endParaRPr lang="en-US"/>
           </a:p>
@@ -2944,7 +2949,7 @@
           <a:p>
             <a:fld id="{DA16AA21-1863-4931-97CB-99D0A168701B}" type="datetimeFigureOut">
               <a:rPr lang="en-US" smtClean="0"/>
-              <a:t>1/26/2021</a:t>
+              <a:t>1/27/2021</a:t>
             </a:fld>
             <a:endParaRPr lang="en-US"/>
           </a:p>
@@ -3451,7 +3456,7 @@
           <a:p>
             <a:fld id="{3772C379-9A7C-4C87-A116-CBE9F58B04C5}" type="datetimeFigureOut">
               <a:rPr lang="en-US" smtClean="0"/>
-              <a:t>1/26/2021</a:t>
+              <a:t>1/27/2021</a:t>
             </a:fld>
             <a:endParaRPr lang="en-US"/>
           </a:p>
@@ -3806,7 +3811,7 @@
           <a:p>
             <a:fld id="{8664C608-40B1-4030-A28D-5B74BC98ADCE}" type="datetimeFigureOut">
               <a:rPr lang="en-US" smtClean="0"/>
-              <a:t>1/26/2021</a:t>
+              <a:t>1/27/2021</a:t>
             </a:fld>
             <a:endParaRPr lang="en-US" dirty="0"/>
           </a:p>
@@ -4535,6 +4540,3113 @@
 </p:sld>
 </file>
 
+<file path=ppt/slides/slide10.xml><?xml version="1.0" encoding="utf-8"?>
+<p:sld xmlns:a="http://schemas.openxmlformats.org/drawingml/2006/main" xmlns:r="http://schemas.openxmlformats.org/officeDocument/2006/relationships" xmlns:p="http://schemas.openxmlformats.org/presentationml/2006/main">
+  <p:cSld>
+    <p:bg>
+      <p:bgPr>
+        <a:solidFill>
+          <a:schemeClr val="bg1"/>
+        </a:solidFill>
+        <a:effectLst/>
+      </p:bgPr>
+    </p:bg>
+    <p:spTree>
+      <p:nvGrpSpPr>
+        <p:cNvPr id="1" name=""/>
+        <p:cNvGrpSpPr/>
+        <p:nvPr/>
+      </p:nvGrpSpPr>
+      <p:grpSpPr>
+        <a:xfrm>
+          <a:off x="0" y="0"/>
+          <a:ext cx="0" cy="0"/>
+          <a:chOff x="0" y="0"/>
+          <a:chExt cx="0" cy="0"/>
+        </a:xfrm>
+      </p:grpSpPr>
+      <p:sp>
+        <p:nvSpPr>
+          <p:cNvPr id="212" name="Rectangle 211">
+            <a:extLst>
+              <a:ext uri="{FF2B5EF4-FFF2-40B4-BE49-F238E27FC236}">
+                <a16:creationId xmlns:a16="http://schemas.microsoft.com/office/drawing/2014/main" id="{2550AE69-AC86-4188-83E5-A856C4F1DCFF}"/>
+              </a:ext>
+              <a:ext uri="{C183D7F6-B498-43B3-948B-1728B52AA6E4}">
+                <adec:decorative xmlns:adec="http://schemas.microsoft.com/office/drawing/2017/decorative" val="1"/>
+              </a:ext>
+            </a:extLst>
+          </p:cNvPr>
+          <p:cNvSpPr>
+            <a:spLocks noGrp="1" noRot="1" noChangeAspect="1" noMove="1" noResize="1" noEditPoints="1" noAdjustHandles="1" noChangeArrowheads="1" noChangeShapeType="1" noTextEdit="1"/>
+          </p:cNvSpPr>
+          <p:nvPr>
+            <p:extLst>
+              <p:ext uri="{386F3935-93C4-4BCD-93E2-E3B085C9AB24}">
+                <p16:designElem xmlns:p16="http://schemas.microsoft.com/office/powerpoint/2015/main" val="1"/>
+              </p:ext>
+            </p:extLst>
+          </p:nvPr>
+        </p:nvSpPr>
+        <p:spPr>
+          <a:xfrm>
+            <a:off x="920834" y="1346946"/>
+            <a:ext cx="10222992" cy="80683"/>
+          </a:xfrm>
+          <a:prstGeom prst="rect">
+            <a:avLst/>
+          </a:prstGeom>
+          <a:blipFill dpi="0" rotWithShape="1">
+            <a:blip r:embed="rId2">
+              <a:alphaModFix amt="85000"/>
+              <a:lum bright="70000" contrast="-70000"/>
+              <a:extLst>
+                <a:ext uri="{BEBA8EAE-BF5A-486C-A8C5-ECC9F3942E4B}">
+                  <a14:imgProps xmlns:a14="http://schemas.microsoft.com/office/drawing/2010/main">
+                    <a14:imgLayer r:embed="rId3">
+                      <a14:imgEffect>
+                        <a14:sharpenSoften amount="61000"/>
+                      </a14:imgEffect>
+                    </a14:imgLayer>
+                  </a14:imgProps>
+                </a:ext>
+                <a:ext uri="{28A0092B-C50C-407E-A947-70E740481C1C}">
+                  <a14:useLocalDpi xmlns:a14="http://schemas.microsoft.com/office/drawing/2010/main" val="0"/>
+                </a:ext>
+              </a:extLst>
+            </a:blip>
+            <a:srcRect/>
+            <a:tile tx="0" ty="-762000" sx="92000" sy="89000" flip="xy" algn="ctr"/>
+          </a:blipFill>
+          <a:ln>
+            <a:noFill/>
+          </a:ln>
+        </p:spPr>
+        <p:style>
+          <a:lnRef idx="2">
+            <a:schemeClr val="accent1">
+              <a:shade val="50000"/>
+            </a:schemeClr>
+          </a:lnRef>
+          <a:fillRef idx="1">
+            <a:schemeClr val="accent1"/>
+          </a:fillRef>
+          <a:effectRef idx="0">
+            <a:schemeClr val="accent1"/>
+          </a:effectRef>
+          <a:fontRef idx="minor">
+            <a:schemeClr val="lt1"/>
+          </a:fontRef>
+        </p:style>
+      </p:sp>
+      <p:sp>
+        <p:nvSpPr>
+          <p:cNvPr id="214" name="Rectangle 213">
+            <a:extLst>
+              <a:ext uri="{FF2B5EF4-FFF2-40B4-BE49-F238E27FC236}">
+                <a16:creationId xmlns:a16="http://schemas.microsoft.com/office/drawing/2014/main" id="{EC4CA156-2C9D-4F0C-B229-88D8B5E17BCF}"/>
+              </a:ext>
+              <a:ext uri="{C183D7F6-B498-43B3-948B-1728B52AA6E4}">
+                <adec:decorative xmlns:adec="http://schemas.microsoft.com/office/drawing/2017/decorative" val="1"/>
+              </a:ext>
+            </a:extLst>
+          </p:cNvPr>
+          <p:cNvSpPr>
+            <a:spLocks noGrp="1" noRot="1" noChangeAspect="1" noMove="1" noResize="1" noEditPoints="1" noAdjustHandles="1" noChangeArrowheads="1" noChangeShapeType="1" noTextEdit="1"/>
+          </p:cNvSpPr>
+          <p:nvPr>
+            <p:extLst>
+              <p:ext uri="{386F3935-93C4-4BCD-93E2-E3B085C9AB24}">
+                <p16:designElem xmlns:p16="http://schemas.microsoft.com/office/powerpoint/2015/main" val="1"/>
+              </p:ext>
+            </p:extLst>
+          </p:nvPr>
+        </p:nvSpPr>
+        <p:spPr>
+          <a:xfrm>
+            <a:off x="920834" y="4299696"/>
+            <a:ext cx="10222992" cy="80683"/>
+          </a:xfrm>
+          <a:prstGeom prst="rect">
+            <a:avLst/>
+          </a:prstGeom>
+          <a:blipFill dpi="0" rotWithShape="1">
+            <a:blip r:embed="rId2">
+              <a:alphaModFix amt="85000"/>
+              <a:lum bright="70000" contrast="-70000"/>
+              <a:extLst>
+                <a:ext uri="{BEBA8EAE-BF5A-486C-A8C5-ECC9F3942E4B}">
+                  <a14:imgProps xmlns:a14="http://schemas.microsoft.com/office/drawing/2010/main">
+                    <a14:imgLayer r:embed="rId3">
+                      <a14:imgEffect>
+                        <a14:sharpenSoften amount="61000"/>
+                      </a14:imgEffect>
+                    </a14:imgLayer>
+                  </a14:imgProps>
+                </a:ext>
+                <a:ext uri="{28A0092B-C50C-407E-A947-70E740481C1C}">
+                  <a14:useLocalDpi xmlns:a14="http://schemas.microsoft.com/office/drawing/2010/main" val="0"/>
+                </a:ext>
+              </a:extLst>
+            </a:blip>
+            <a:srcRect/>
+            <a:tile tx="0" ty="-717550" sx="92000" sy="89000" flip="xy" algn="ctr"/>
+          </a:blipFill>
+          <a:ln>
+            <a:noFill/>
+          </a:ln>
+        </p:spPr>
+        <p:style>
+          <a:lnRef idx="2">
+            <a:schemeClr val="accent1">
+              <a:shade val="50000"/>
+            </a:schemeClr>
+          </a:lnRef>
+          <a:fillRef idx="1">
+            <a:schemeClr val="accent1"/>
+          </a:fillRef>
+          <a:effectRef idx="0">
+            <a:schemeClr val="accent1"/>
+          </a:effectRef>
+          <a:fontRef idx="minor">
+            <a:schemeClr val="lt1"/>
+          </a:fontRef>
+        </p:style>
+      </p:sp>
+      <p:sp>
+        <p:nvSpPr>
+          <p:cNvPr id="216" name="Rectangle 215">
+            <a:extLst>
+              <a:ext uri="{FF2B5EF4-FFF2-40B4-BE49-F238E27FC236}">
+                <a16:creationId xmlns:a16="http://schemas.microsoft.com/office/drawing/2014/main" id="{D7361ED3-EBE5-4EFC-8DA3-D0CE4BF2F4B1}"/>
+              </a:ext>
+              <a:ext uri="{C183D7F6-B498-43B3-948B-1728B52AA6E4}">
+                <adec:decorative xmlns:adec="http://schemas.microsoft.com/office/drawing/2017/decorative" val="1"/>
+              </a:ext>
+            </a:extLst>
+          </p:cNvPr>
+          <p:cNvSpPr>
+            <a:spLocks noGrp="1" noRot="1" noChangeAspect="1" noMove="1" noResize="1" noEditPoints="1" noAdjustHandles="1" noChangeArrowheads="1" noChangeShapeType="1" noTextEdit="1"/>
+          </p:cNvSpPr>
+          <p:nvPr>
+            <p:extLst>
+              <p:ext uri="{386F3935-93C4-4BCD-93E2-E3B085C9AB24}">
+                <p16:designElem xmlns:p16="http://schemas.microsoft.com/office/powerpoint/2015/main" val="1"/>
+              </p:ext>
+            </p:extLst>
+          </p:nvPr>
+        </p:nvSpPr>
+        <p:spPr>
+          <a:xfrm>
+            <a:off x="920834" y="1484779"/>
+            <a:ext cx="10222992" cy="2743200"/>
+          </a:xfrm>
+          <a:prstGeom prst="rect">
+            <a:avLst/>
+          </a:prstGeom>
+          <a:blipFill dpi="0" rotWithShape="1">
+            <a:blip r:embed="rId2">
+              <a:alphaModFix amt="85000"/>
+              <a:lum bright="70000" contrast="-70000"/>
+              <a:extLst>
+                <a:ext uri="{BEBA8EAE-BF5A-486C-A8C5-ECC9F3942E4B}">
+                  <a14:imgProps xmlns:a14="http://schemas.microsoft.com/office/drawing/2010/main">
+                    <a14:imgLayer r:embed="rId3">
+                      <a14:imgEffect>
+                        <a14:sharpenSoften amount="61000"/>
+                      </a14:imgEffect>
+                    </a14:imgLayer>
+                  </a14:imgProps>
+                </a:ext>
+                <a:ext uri="{28A0092B-C50C-407E-A947-70E740481C1C}">
+                  <a14:useLocalDpi xmlns:a14="http://schemas.microsoft.com/office/drawing/2010/main" val="0"/>
+                </a:ext>
+              </a:extLst>
+            </a:blip>
+            <a:srcRect/>
+            <a:tile tx="0" ty="-704850" sx="92000" sy="89000" flip="xy" algn="ctr"/>
+          </a:blipFill>
+          <a:ln>
+            <a:noFill/>
+          </a:ln>
+        </p:spPr>
+        <p:style>
+          <a:lnRef idx="2">
+            <a:schemeClr val="accent1">
+              <a:shade val="50000"/>
+            </a:schemeClr>
+          </a:lnRef>
+          <a:fillRef idx="1">
+            <a:schemeClr val="accent1"/>
+          </a:fillRef>
+          <a:effectRef idx="0">
+            <a:schemeClr val="accent1"/>
+          </a:effectRef>
+          <a:fontRef idx="minor">
+            <a:schemeClr val="lt1"/>
+          </a:fontRef>
+        </p:style>
+      </p:sp>
+      <p:grpSp>
+        <p:nvGrpSpPr>
+          <p:cNvPr id="218" name="Group 217">
+            <a:extLst>
+              <a:ext uri="{FF2B5EF4-FFF2-40B4-BE49-F238E27FC236}">
+                <a16:creationId xmlns:a16="http://schemas.microsoft.com/office/drawing/2014/main" id="{85105087-7F16-4C94-837C-C45445116665}"/>
+              </a:ext>
+              <a:ext uri="{C183D7F6-B498-43B3-948B-1728B52AA6E4}">
+                <adec:decorative xmlns:adec="http://schemas.microsoft.com/office/drawing/2017/decorative" val="1"/>
+              </a:ext>
+            </a:extLst>
+          </p:cNvPr>
+          <p:cNvGrpSpPr>
+            <a:grpSpLocks noGrp="1" noUngrp="1" noRot="1" noChangeAspect="1" noMove="1" noResize="1"/>
+          </p:cNvGrpSpPr>
+          <p:nvPr>
+            <p:extLst>
+              <p:ext uri="{386F3935-93C4-4BCD-93E2-E3B085C9AB24}">
+                <p16:designElem xmlns:p16="http://schemas.microsoft.com/office/powerpoint/2015/main" val="1"/>
+              </p:ext>
+            </p:extLst>
+          </p:nvPr>
+        </p:nvGrpSpPr>
+        <p:grpSpPr>
+          <a:xfrm>
+            <a:off x="9649215" y="4068923"/>
+            <a:ext cx="1080904" cy="1080902"/>
+            <a:chOff x="9685338" y="4460675"/>
+            <a:chExt cx="1080904" cy="1080902"/>
+          </a:xfrm>
+        </p:grpSpPr>
+        <p:sp>
+          <p:nvSpPr>
+            <p:cNvPr id="219" name="Oval 218">
+              <a:extLst>
+                <a:ext uri="{FF2B5EF4-FFF2-40B4-BE49-F238E27FC236}">
+                  <a16:creationId xmlns:a16="http://schemas.microsoft.com/office/drawing/2014/main" id="{4F2F3467-E50F-4A91-B27D-E324936A66D0}"/>
+                </a:ext>
+                <a:ext uri="{C183D7F6-B498-43B3-948B-1728B52AA6E4}">
+                  <adec:decorative xmlns:adec="http://schemas.microsoft.com/office/drawing/2017/decorative" val="1"/>
+                </a:ext>
+              </a:extLst>
+            </p:cNvPr>
+            <p:cNvSpPr/>
+            <p:nvPr>
+              <p:extLst>
+                <p:ext uri="{386F3935-93C4-4BCD-93E2-E3B085C9AB24}">
+                  <p16:designElem xmlns:p16="http://schemas.microsoft.com/office/powerpoint/2015/main" val="1"/>
+                </p:ext>
+              </p:extLst>
+            </p:nvPr>
+          </p:nvSpPr>
+          <p:spPr>
+            <a:xfrm>
+              <a:off x="9685338" y="4460675"/>
+              <a:ext cx="1080904" cy="1080902"/>
+            </a:xfrm>
+            <a:prstGeom prst="ellipse">
+              <a:avLst/>
+            </a:prstGeom>
+            <a:blipFill dpi="0" rotWithShape="1">
+              <a:blip r:embed="rId4">
+                <a:duotone>
+                  <a:schemeClr val="accent1">
+                    <a:shade val="45000"/>
+                    <a:satMod val="135000"/>
+                  </a:schemeClr>
+                  <a:prstClr val="white"/>
+                </a:duotone>
+                <a:extLst>
+                  <a:ext uri="{BEBA8EAE-BF5A-486C-A8C5-ECC9F3942E4B}">
+                    <a14:imgProps xmlns:a14="http://schemas.microsoft.com/office/drawing/2010/main">
+                      <a14:imgLayer r:embed="rId5">
+                        <a14:imgEffect>
+                          <a14:saturation sat="95000"/>
+                        </a14:imgEffect>
+                      </a14:imgLayer>
+                    </a14:imgProps>
+                  </a:ext>
+                </a:extLst>
+              </a:blip>
+              <a:srcRect/>
+              <a:tile tx="0" ty="0" sx="85000" sy="85000" flip="none" algn="tl"/>
+            </a:blipFill>
+            <a:ln w="25400" cap="flat" cmpd="sng" algn="ctr">
+              <a:noFill/>
+              <a:prstDash val="solid"/>
+            </a:ln>
+            <a:effectLst/>
+          </p:spPr>
+        </p:sp>
+        <p:sp>
+          <p:nvSpPr>
+            <p:cNvPr id="220" name="Oval 219">
+              <a:extLst>
+                <a:ext uri="{FF2B5EF4-FFF2-40B4-BE49-F238E27FC236}">
+                  <a16:creationId xmlns:a16="http://schemas.microsoft.com/office/drawing/2014/main" id="{D678BE03-AC84-4940-A7FD-5B143FE2D65D}"/>
+                </a:ext>
+                <a:ext uri="{C183D7F6-B498-43B3-948B-1728B52AA6E4}">
+                  <adec:decorative xmlns:adec="http://schemas.microsoft.com/office/drawing/2017/decorative" val="1"/>
+                </a:ext>
+              </a:extLst>
+            </p:cNvPr>
+            <p:cNvSpPr/>
+            <p:nvPr>
+              <p:extLst>
+                <p:ext uri="{386F3935-93C4-4BCD-93E2-E3B085C9AB24}">
+                  <p16:designElem xmlns:p16="http://schemas.microsoft.com/office/powerpoint/2015/main" val="1"/>
+                </p:ext>
+              </p:extLst>
+            </p:nvPr>
+          </p:nvSpPr>
+          <p:spPr>
+            <a:xfrm>
+              <a:off x="9793429" y="4568765"/>
+              <a:ext cx="864723" cy="864722"/>
+            </a:xfrm>
+            <a:prstGeom prst="ellipse">
+              <a:avLst/>
+            </a:prstGeom>
+            <a:noFill/>
+            <a:ln w="25400" cap="flat" cmpd="sng" algn="ctr">
+              <a:solidFill>
+                <a:sysClr val="window" lastClr="FFFFFF"/>
+              </a:solidFill>
+              <a:prstDash val="solid"/>
+            </a:ln>
+            <a:effectLst/>
+          </p:spPr>
+        </p:sp>
+      </p:grpSp>
+      <p:sp useBgFill="1">
+        <p:nvSpPr>
+          <p:cNvPr id="222" name="Rectangle 221">
+            <a:extLst>
+              <a:ext uri="{FF2B5EF4-FFF2-40B4-BE49-F238E27FC236}">
+                <a16:creationId xmlns:a16="http://schemas.microsoft.com/office/drawing/2014/main" id="{19A1D830-E73C-47A9-A534-323CEEFF5B32}"/>
+              </a:ext>
+              <a:ext uri="{C183D7F6-B498-43B3-948B-1728B52AA6E4}">
+                <adec:decorative xmlns:adec="http://schemas.microsoft.com/office/drawing/2017/decorative" val="1"/>
+              </a:ext>
+            </a:extLst>
+          </p:cNvPr>
+          <p:cNvSpPr>
+            <a:spLocks noGrp="1" noRot="1" noChangeAspect="1" noMove="1" noResize="1" noEditPoints="1" noAdjustHandles="1" noChangeArrowheads="1" noChangeShapeType="1" noTextEdit="1"/>
+          </p:cNvSpPr>
+          <p:nvPr>
+            <p:extLst>
+              <p:ext uri="{386F3935-93C4-4BCD-93E2-E3B085C9AB24}">
+                <p16:designElem xmlns:p16="http://schemas.microsoft.com/office/powerpoint/2015/main" val="1"/>
+              </p:ext>
+            </p:extLst>
+          </p:nvPr>
+        </p:nvSpPr>
+        <p:spPr>
+          <a:xfrm>
+            <a:off x="0" y="0"/>
+            <a:ext cx="12192000" cy="6858000"/>
+          </a:xfrm>
+          <a:prstGeom prst="rect">
+            <a:avLst/>
+          </a:prstGeom>
+          <a:ln>
+            <a:noFill/>
+          </a:ln>
+        </p:spPr>
+        <p:style>
+          <a:lnRef idx="2">
+            <a:schemeClr val="accent1">
+              <a:shade val="50000"/>
+            </a:schemeClr>
+          </a:lnRef>
+          <a:fillRef idx="1">
+            <a:schemeClr val="accent1"/>
+          </a:fillRef>
+          <a:effectRef idx="0">
+            <a:schemeClr val="accent1"/>
+          </a:effectRef>
+          <a:fontRef idx="minor">
+            <a:schemeClr val="lt1"/>
+          </a:fontRef>
+        </p:style>
+        <p:txBody>
+          <a:bodyPr rtlCol="0" anchor="ctr"/>
+          <a:lstStyle/>
+          <a:p>
+            <a:pPr algn="ctr"/>
+            <a:endParaRPr lang="en-US"/>
+          </a:p>
+        </p:txBody>
+      </p:sp>
+      <p:sp>
+        <p:nvSpPr>
+          <p:cNvPr id="224" name="Rectangle 223">
+            <a:extLst>
+              <a:ext uri="{FF2B5EF4-FFF2-40B4-BE49-F238E27FC236}">
+                <a16:creationId xmlns:a16="http://schemas.microsoft.com/office/drawing/2014/main" id="{8F69FBEC-4C47-4288-962D-3FC20C79F3F5}"/>
+              </a:ext>
+              <a:ext uri="{C183D7F6-B498-43B3-948B-1728B52AA6E4}">
+                <adec:decorative xmlns:adec="http://schemas.microsoft.com/office/drawing/2017/decorative" val="1"/>
+              </a:ext>
+            </a:extLst>
+          </p:cNvPr>
+          <p:cNvSpPr>
+            <a:spLocks noGrp="1" noRot="1" noChangeAspect="1" noMove="1" noResize="1" noEditPoints="1" noAdjustHandles="1" noChangeArrowheads="1" noChangeShapeType="1" noTextEdit="1"/>
+          </p:cNvSpPr>
+          <p:nvPr>
+            <p:extLst>
+              <p:ext uri="{386F3935-93C4-4BCD-93E2-E3B085C9AB24}">
+                <p16:designElem xmlns:p16="http://schemas.microsoft.com/office/powerpoint/2015/main" val="1"/>
+              </p:ext>
+            </p:extLst>
+          </p:nvPr>
+        </p:nvSpPr>
+        <p:spPr>
+          <a:xfrm>
+            <a:off x="0" y="0"/>
+            <a:ext cx="12192000" cy="6857999"/>
+          </a:xfrm>
+          <a:prstGeom prst="rect">
+            <a:avLst/>
+          </a:prstGeom>
+          <a:blipFill dpi="0" rotWithShape="1">
+            <a:blip r:embed="rId2">
+              <a:alphaModFix amt="60000"/>
+              <a:lum bright="70000" contrast="-70000"/>
+              <a:extLst>
+                <a:ext uri="{BEBA8EAE-BF5A-486C-A8C5-ECC9F3942E4B}">
+                  <a14:imgProps xmlns:a14="http://schemas.microsoft.com/office/drawing/2010/main">
+                    <a14:imgLayer r:embed="rId3">
+                      <a14:imgEffect>
+                        <a14:sharpenSoften amount="61000"/>
+                      </a14:imgEffect>
+                    </a14:imgLayer>
+                  </a14:imgProps>
+                </a:ext>
+                <a:ext uri="{28A0092B-C50C-407E-A947-70E740481C1C}">
+                  <a14:useLocalDpi xmlns:a14="http://schemas.microsoft.com/office/drawing/2010/main" val="0"/>
+                </a:ext>
+              </a:extLst>
+            </a:blip>
+            <a:srcRect/>
+            <a:tile tx="0" ty="-704850" sx="92000" sy="89000" flip="xy" algn="ctr"/>
+          </a:blipFill>
+          <a:ln>
+            <a:noFill/>
+          </a:ln>
+        </p:spPr>
+        <p:style>
+          <a:lnRef idx="2">
+            <a:schemeClr val="accent1">
+              <a:shade val="50000"/>
+            </a:schemeClr>
+          </a:lnRef>
+          <a:fillRef idx="1">
+            <a:schemeClr val="accent1"/>
+          </a:fillRef>
+          <a:effectRef idx="0">
+            <a:schemeClr val="accent1"/>
+          </a:effectRef>
+          <a:fontRef idx="minor">
+            <a:schemeClr val="lt1"/>
+          </a:fontRef>
+        </p:style>
+        <p:txBody>
+          <a:bodyPr rtlCol="0" anchor="ctr"/>
+          <a:lstStyle/>
+          <a:p>
+            <a:pPr algn="ctr"/>
+            <a:endParaRPr lang="en-US"/>
+          </a:p>
+        </p:txBody>
+      </p:sp>
+      <p:sp>
+        <p:nvSpPr>
+          <p:cNvPr id="6" name="Title 5">
+            <a:extLst>
+              <a:ext uri="{FF2B5EF4-FFF2-40B4-BE49-F238E27FC236}">
+                <a16:creationId xmlns:a16="http://schemas.microsoft.com/office/drawing/2014/main" id="{FF80A452-086D-4E06-8337-88DE2DACE8F2}"/>
+              </a:ext>
+            </a:extLst>
+          </p:cNvPr>
+          <p:cNvSpPr>
+            <a:spLocks noGrp="1"/>
+          </p:cNvSpPr>
+          <p:nvPr>
+            <p:ph type="title"/>
+          </p:nvPr>
+        </p:nvSpPr>
+        <p:spPr>
+          <a:xfrm>
+            <a:off x="7534654" y="702365"/>
+            <a:ext cx="3896264" cy="3765666"/>
+          </a:xfrm>
+        </p:spPr>
+        <p:txBody>
+          <a:bodyPr vert="horz" lIns="91440" tIns="45720" rIns="91440" bIns="45720" rtlCol="0" anchor="b">
+            <a:noAutofit/>
+          </a:bodyPr>
+          <a:lstStyle/>
+          <a:p>
+            <a:pPr>
+              <a:lnSpc>
+                <a:spcPct val="80000"/>
+              </a:lnSpc>
+            </a:pPr>
+            <a:r>
+              <a:rPr lang="en-US" sz="7200">
+                <a:blipFill dpi="0" rotWithShape="1">
+                  <a:blip r:embed="rId4"/>
+                  <a:srcRect/>
+                  <a:tile tx="6350" ty="-127000" sx="65000" sy="64000" flip="none" algn="tl"/>
+                </a:blipFill>
+              </a:rPr>
+              <a:t>And gate HDL CODE</a:t>
+            </a:r>
+          </a:p>
+        </p:txBody>
+      </p:sp>
+      <p:pic>
+        <p:nvPicPr>
+          <p:cNvPr id="3" name="Picture 2">
+            <a:extLst>
+              <a:ext uri="{FF2B5EF4-FFF2-40B4-BE49-F238E27FC236}">
+                <a16:creationId xmlns:a16="http://schemas.microsoft.com/office/drawing/2014/main" id="{2DCC5E84-3BAF-4D8B-9D7C-1186D7D6CDE3}"/>
+              </a:ext>
+            </a:extLst>
+          </p:cNvPr>
+          <p:cNvPicPr>
+            <a:picLocks noChangeAspect="1"/>
+          </p:cNvPicPr>
+          <p:nvPr/>
+        </p:nvPicPr>
+        <p:blipFill rotWithShape="1">
+          <a:blip r:embed="rId6"/>
+          <a:srcRect l="6828" r="1136" b="-1"/>
+          <a:stretch/>
+        </p:blipFill>
+        <p:spPr>
+          <a:xfrm>
+            <a:off x="20" y="10"/>
+            <a:ext cx="6901088" cy="6857990"/>
+          </a:xfrm>
+          <a:prstGeom prst="rect">
+            <a:avLst/>
+          </a:prstGeom>
+        </p:spPr>
+      </p:pic>
+      <p:grpSp>
+        <p:nvGrpSpPr>
+          <p:cNvPr id="226" name="Group 225">
+            <a:extLst>
+              <a:ext uri="{FF2B5EF4-FFF2-40B4-BE49-F238E27FC236}">
+                <a16:creationId xmlns:a16="http://schemas.microsoft.com/office/drawing/2014/main" id="{54F6FC82-E588-4DA0-8096-0C3BD54F17B5}"/>
+              </a:ext>
+              <a:ext uri="{C183D7F6-B498-43B3-948B-1728B52AA6E4}">
+                <adec:decorative xmlns:adec="http://schemas.microsoft.com/office/drawing/2017/decorative" val="1"/>
+              </a:ext>
+            </a:extLst>
+          </p:cNvPr>
+          <p:cNvGrpSpPr>
+            <a:grpSpLocks noGrp="1" noUngrp="1" noRot="1" noChangeAspect="1" noMove="1" noResize="1"/>
+          </p:cNvGrpSpPr>
+          <p:nvPr>
+            <p:extLst>
+              <p:ext uri="{386F3935-93C4-4BCD-93E2-E3B085C9AB24}">
+                <p16:designElem xmlns:p16="http://schemas.microsoft.com/office/powerpoint/2015/main" val="1"/>
+              </p:ext>
+            </p:extLst>
+          </p:nvPr>
+        </p:nvGrpSpPr>
+        <p:grpSpPr>
+          <a:xfrm>
+            <a:off x="11401724" y="6229681"/>
+            <a:ext cx="457200" cy="457200"/>
+            <a:chOff x="11361456" y="6195813"/>
+            <a:chExt cx="548640" cy="548640"/>
+          </a:xfrm>
+        </p:grpSpPr>
+        <p:sp>
+          <p:nvSpPr>
+            <p:cNvPr id="227" name="Oval 226">
+              <a:extLst>
+                <a:ext uri="{FF2B5EF4-FFF2-40B4-BE49-F238E27FC236}">
+                  <a16:creationId xmlns:a16="http://schemas.microsoft.com/office/drawing/2014/main" id="{E8898E90-044F-45FF-8B4D-CE0F6A630A46}"/>
+                </a:ext>
+                <a:ext uri="{C183D7F6-B498-43B3-948B-1728B52AA6E4}">
+                  <adec:decorative xmlns:adec="http://schemas.microsoft.com/office/drawing/2017/decorative" val="1"/>
+                </a:ext>
+              </a:extLst>
+            </p:cNvPr>
+            <p:cNvSpPr/>
+            <p:nvPr>
+              <p:extLst>
+                <p:ext uri="{386F3935-93C4-4BCD-93E2-E3B085C9AB24}">
+                  <p16:designElem xmlns:p16="http://schemas.microsoft.com/office/powerpoint/2015/main" val="1"/>
+                </p:ext>
+              </p:extLst>
+            </p:nvPr>
+          </p:nvSpPr>
+          <p:spPr>
+            <a:xfrm>
+              <a:off x="11361456" y="6195813"/>
+              <a:ext cx="548640" cy="548640"/>
+            </a:xfrm>
+            <a:prstGeom prst="ellipse">
+              <a:avLst/>
+            </a:prstGeom>
+            <a:blipFill dpi="0" rotWithShape="1">
+              <a:blip r:embed="rId7">
+                <a:duotone>
+                  <a:schemeClr val="accent1">
+                    <a:shade val="45000"/>
+                    <a:satMod val="135000"/>
+                  </a:schemeClr>
+                  <a:prstClr val="white"/>
+                </a:duotone>
+              </a:blip>
+              <a:srcRect/>
+              <a:tile tx="50800" ty="0" sx="85000" sy="85000" flip="none" algn="tl"/>
+            </a:blipFill>
+            <a:ln w="25400" cap="flat" cmpd="sng" algn="ctr">
+              <a:noFill/>
+              <a:prstDash val="solid"/>
+            </a:ln>
+            <a:effectLst/>
+          </p:spPr>
+          <p:txBody>
+            <a:bodyPr lIns="0" tIns="0" rIns="0" bIns="0" rtlCol="0" anchor="ctr"/>
+            <a:lstStyle/>
+            <a:p>
+              <a:pPr marL="0" marR="0" lvl="0" indent="0" algn="ctr" defTabSz="914400" eaLnBrk="1" fontAlgn="auto" latinLnBrk="0" hangingPunct="1">
+                <a:lnSpc>
+                  <a:spcPct val="100000"/>
+                </a:lnSpc>
+                <a:spcBef>
+                  <a:spcPts val="0"/>
+                </a:spcBef>
+                <a:spcAft>
+                  <a:spcPts val="0"/>
+                </a:spcAft>
+                <a:buClrTx/>
+                <a:buSzTx/>
+                <a:buFontTx/>
+                <a:buNone/>
+                <a:tabLst/>
+                <a:defRPr/>
+              </a:pPr>
+              <a:endParaRPr kumimoji="0" lang="en-US" sz="2000" b="0" i="0" u="none" strike="noStrike" kern="0" cap="none" spc="0" normalizeH="0" baseline="0" noProof="0" dirty="0">
+                <a:ln>
+                  <a:noFill/>
+                </a:ln>
+                <a:solidFill>
+                  <a:prstClr val="white"/>
+                </a:solidFill>
+                <a:effectLst/>
+                <a:uLnTx/>
+                <a:uFillTx/>
+                <a:latin typeface="Rockwell Extra Bold" pitchFamily="18" charset="0"/>
+                <a:ea typeface="+mn-ea"/>
+                <a:cs typeface="+mn-cs"/>
+              </a:endParaRPr>
+            </a:p>
+          </p:txBody>
+        </p:sp>
+        <p:sp>
+          <p:nvSpPr>
+            <p:cNvPr id="228" name="Oval 227">
+              <a:extLst>
+                <a:ext uri="{FF2B5EF4-FFF2-40B4-BE49-F238E27FC236}">
+                  <a16:creationId xmlns:a16="http://schemas.microsoft.com/office/drawing/2014/main" id="{923BF161-A852-4DA5-BB4C-2DFC336B7779}"/>
+                </a:ext>
+                <a:ext uri="{C183D7F6-B498-43B3-948B-1728B52AA6E4}">
+                  <adec:decorative xmlns:adec="http://schemas.microsoft.com/office/drawing/2017/decorative" val="1"/>
+                </a:ext>
+              </a:extLst>
+            </p:cNvPr>
+            <p:cNvSpPr/>
+            <p:nvPr>
+              <p:extLst>
+                <p:ext uri="{386F3935-93C4-4BCD-93E2-E3B085C9AB24}">
+                  <p16:designElem xmlns:p16="http://schemas.microsoft.com/office/powerpoint/2015/main" val="1"/>
+                </p:ext>
+              </p:extLst>
+            </p:nvPr>
+          </p:nvSpPr>
+          <p:spPr>
+            <a:xfrm>
+              <a:off x="11396488" y="6230844"/>
+              <a:ext cx="478576" cy="478578"/>
+            </a:xfrm>
+            <a:prstGeom prst="ellipse">
+              <a:avLst/>
+            </a:prstGeom>
+            <a:noFill/>
+            <a:ln w="12700" cap="flat" cmpd="sng" algn="ctr">
+              <a:solidFill>
+                <a:srgbClr val="FFFFFF"/>
+              </a:solidFill>
+              <a:prstDash val="solid"/>
+            </a:ln>
+            <a:effectLst/>
+          </p:spPr>
+          <p:txBody>
+            <a:bodyPr rtlCol="0" anchor="ctr"/>
+            <a:lstStyle/>
+            <a:p>
+              <a:pPr marL="0" marR="0" lvl="0" indent="0" algn="ctr" defTabSz="914400" eaLnBrk="1" fontAlgn="auto" latinLnBrk="0" hangingPunct="1">
+                <a:lnSpc>
+                  <a:spcPct val="100000"/>
+                </a:lnSpc>
+                <a:spcBef>
+                  <a:spcPts val="0"/>
+                </a:spcBef>
+                <a:spcAft>
+                  <a:spcPts val="0"/>
+                </a:spcAft>
+                <a:buClrTx/>
+                <a:buSzTx/>
+                <a:buFontTx/>
+                <a:buNone/>
+                <a:tabLst/>
+                <a:defRPr/>
+              </a:pPr>
+              <a:endParaRPr kumimoji="0" lang="en-US" sz="1800" b="0" i="0" u="none" strike="noStrike" kern="0" cap="none" spc="0" normalizeH="0" baseline="0" noProof="0" dirty="0">
+                <a:ln>
+                  <a:noFill/>
+                </a:ln>
+                <a:solidFill>
+                  <a:prstClr val="white"/>
+                </a:solidFill>
+                <a:effectLst/>
+                <a:uLnTx/>
+                <a:uFillTx/>
+                <a:latin typeface="Calibri"/>
+                <a:ea typeface="+mn-ea"/>
+                <a:cs typeface="+mn-cs"/>
+              </a:endParaRPr>
+            </a:p>
+          </p:txBody>
+        </p:sp>
+      </p:grpSp>
+    </p:spTree>
+    <p:extLst>
+      <p:ext uri="{BB962C8B-B14F-4D97-AF65-F5344CB8AC3E}">
+        <p14:creationId xmlns:p14="http://schemas.microsoft.com/office/powerpoint/2010/main" val="2423518518"/>
+      </p:ext>
+    </p:extLst>
+  </p:cSld>
+  <p:clrMapOvr>
+    <a:masterClrMapping/>
+  </p:clrMapOvr>
+</p:sld>
+</file>
+
+<file path=ppt/slides/slide11.xml><?xml version="1.0" encoding="utf-8"?>
+<p:sld xmlns:a="http://schemas.openxmlformats.org/drawingml/2006/main" xmlns:r="http://schemas.openxmlformats.org/officeDocument/2006/relationships" xmlns:p="http://schemas.openxmlformats.org/presentationml/2006/main">
+  <p:cSld>
+    <p:bg>
+      <p:bgPr>
+        <a:solidFill>
+          <a:schemeClr val="bg1"/>
+        </a:solidFill>
+        <a:effectLst/>
+      </p:bgPr>
+    </p:bg>
+    <p:spTree>
+      <p:nvGrpSpPr>
+        <p:cNvPr id="1" name=""/>
+        <p:cNvGrpSpPr/>
+        <p:nvPr/>
+      </p:nvGrpSpPr>
+      <p:grpSpPr>
+        <a:xfrm>
+          <a:off x="0" y="0"/>
+          <a:ext cx="0" cy="0"/>
+          <a:chOff x="0" y="0"/>
+          <a:chExt cx="0" cy="0"/>
+        </a:xfrm>
+      </p:grpSpPr>
+      <p:sp>
+        <p:nvSpPr>
+          <p:cNvPr id="104" name="Rectangle 103">
+            <a:extLst>
+              <a:ext uri="{FF2B5EF4-FFF2-40B4-BE49-F238E27FC236}">
+                <a16:creationId xmlns:a16="http://schemas.microsoft.com/office/drawing/2014/main" id="{501EBB4D-E42B-468D-B801-D16CF43ECBD2}"/>
+              </a:ext>
+              <a:ext uri="{C183D7F6-B498-43B3-948B-1728B52AA6E4}">
+                <adec:decorative xmlns:adec="http://schemas.microsoft.com/office/drawing/2017/decorative" val="1"/>
+              </a:ext>
+            </a:extLst>
+          </p:cNvPr>
+          <p:cNvSpPr>
+            <a:spLocks noGrp="1" noRot="1" noChangeAspect="1" noMove="1" noResize="1" noEditPoints="1" noAdjustHandles="1" noChangeArrowheads="1" noChangeShapeType="1" noTextEdit="1"/>
+          </p:cNvSpPr>
+          <p:nvPr>
+            <p:extLst>
+              <p:ext uri="{386F3935-93C4-4BCD-93E2-E3B085C9AB24}">
+                <p16:designElem xmlns:p16="http://schemas.microsoft.com/office/powerpoint/2015/main" val="1"/>
+              </p:ext>
+            </p:extLst>
+          </p:nvPr>
+        </p:nvSpPr>
+        <p:spPr>
+          <a:xfrm>
+            <a:off x="920834" y="1346946"/>
+            <a:ext cx="10222992" cy="80683"/>
+          </a:xfrm>
+          <a:prstGeom prst="rect">
+            <a:avLst/>
+          </a:prstGeom>
+          <a:blipFill dpi="0" rotWithShape="1">
+            <a:blip r:embed="rId2">
+              <a:alphaModFix amt="85000"/>
+              <a:lum bright="70000" contrast="-70000"/>
+              <a:extLst>
+                <a:ext uri="{BEBA8EAE-BF5A-486C-A8C5-ECC9F3942E4B}">
+                  <a14:imgProps xmlns:a14="http://schemas.microsoft.com/office/drawing/2010/main">
+                    <a14:imgLayer r:embed="rId3">
+                      <a14:imgEffect>
+                        <a14:sharpenSoften amount="61000"/>
+                      </a14:imgEffect>
+                    </a14:imgLayer>
+                  </a14:imgProps>
+                </a:ext>
+                <a:ext uri="{28A0092B-C50C-407E-A947-70E740481C1C}">
+                  <a14:useLocalDpi xmlns:a14="http://schemas.microsoft.com/office/drawing/2010/main" val="0"/>
+                </a:ext>
+              </a:extLst>
+            </a:blip>
+            <a:srcRect/>
+            <a:tile tx="0" ty="-762000" sx="92000" sy="89000" flip="xy" algn="ctr"/>
+          </a:blipFill>
+          <a:ln>
+            <a:noFill/>
+          </a:ln>
+        </p:spPr>
+        <p:style>
+          <a:lnRef idx="2">
+            <a:schemeClr val="accent1">
+              <a:shade val="50000"/>
+            </a:schemeClr>
+          </a:lnRef>
+          <a:fillRef idx="1">
+            <a:schemeClr val="accent1"/>
+          </a:fillRef>
+          <a:effectRef idx="0">
+            <a:schemeClr val="accent1"/>
+          </a:effectRef>
+          <a:fontRef idx="minor">
+            <a:schemeClr val="lt1"/>
+          </a:fontRef>
+        </p:style>
+        <p:txBody>
+          <a:bodyPr rtlCol="0" anchor="ctr"/>
+          <a:lstStyle/>
+          <a:p>
+            <a:pPr algn="ctr"/>
+            <a:endParaRPr lang="en-US"/>
+          </a:p>
+        </p:txBody>
+      </p:sp>
+      <p:sp>
+        <p:nvSpPr>
+          <p:cNvPr id="106" name="Rectangle 105">
+            <a:extLst>
+              <a:ext uri="{FF2B5EF4-FFF2-40B4-BE49-F238E27FC236}">
+                <a16:creationId xmlns:a16="http://schemas.microsoft.com/office/drawing/2014/main" id="{A7FBF63C-B061-4F66-8609-FED8EFFDAFE7}"/>
+              </a:ext>
+              <a:ext uri="{C183D7F6-B498-43B3-948B-1728B52AA6E4}">
+                <adec:decorative xmlns:adec="http://schemas.microsoft.com/office/drawing/2017/decorative" val="1"/>
+              </a:ext>
+            </a:extLst>
+          </p:cNvPr>
+          <p:cNvSpPr>
+            <a:spLocks noGrp="1" noRot="1" noChangeAspect="1" noMove="1" noResize="1" noEditPoints="1" noAdjustHandles="1" noChangeArrowheads="1" noChangeShapeType="1" noTextEdit="1"/>
+          </p:cNvSpPr>
+          <p:nvPr>
+            <p:extLst>
+              <p:ext uri="{386F3935-93C4-4BCD-93E2-E3B085C9AB24}">
+                <p16:designElem xmlns:p16="http://schemas.microsoft.com/office/powerpoint/2015/main" val="1"/>
+              </p:ext>
+            </p:extLst>
+          </p:nvPr>
+        </p:nvSpPr>
+        <p:spPr>
+          <a:xfrm>
+            <a:off x="920834" y="4299696"/>
+            <a:ext cx="10222992" cy="80683"/>
+          </a:xfrm>
+          <a:prstGeom prst="rect">
+            <a:avLst/>
+          </a:prstGeom>
+          <a:blipFill dpi="0" rotWithShape="1">
+            <a:blip r:embed="rId2">
+              <a:alphaModFix amt="85000"/>
+              <a:lum bright="70000" contrast="-70000"/>
+              <a:extLst>
+                <a:ext uri="{BEBA8EAE-BF5A-486C-A8C5-ECC9F3942E4B}">
+                  <a14:imgProps xmlns:a14="http://schemas.microsoft.com/office/drawing/2010/main">
+                    <a14:imgLayer r:embed="rId3">
+                      <a14:imgEffect>
+                        <a14:sharpenSoften amount="61000"/>
+                      </a14:imgEffect>
+                    </a14:imgLayer>
+                  </a14:imgProps>
+                </a:ext>
+                <a:ext uri="{28A0092B-C50C-407E-A947-70E740481C1C}">
+                  <a14:useLocalDpi xmlns:a14="http://schemas.microsoft.com/office/drawing/2010/main" val="0"/>
+                </a:ext>
+              </a:extLst>
+            </a:blip>
+            <a:srcRect/>
+            <a:tile tx="0" ty="-717550" sx="92000" sy="89000" flip="xy" algn="ctr"/>
+          </a:blipFill>
+          <a:ln>
+            <a:noFill/>
+          </a:ln>
+        </p:spPr>
+        <p:style>
+          <a:lnRef idx="2">
+            <a:schemeClr val="accent1">
+              <a:shade val="50000"/>
+            </a:schemeClr>
+          </a:lnRef>
+          <a:fillRef idx="1">
+            <a:schemeClr val="accent1"/>
+          </a:fillRef>
+          <a:effectRef idx="0">
+            <a:schemeClr val="accent1"/>
+          </a:effectRef>
+          <a:fontRef idx="minor">
+            <a:schemeClr val="lt1"/>
+          </a:fontRef>
+        </p:style>
+        <p:txBody>
+          <a:bodyPr rtlCol="0" anchor="ctr"/>
+          <a:lstStyle/>
+          <a:p>
+            <a:pPr algn="ctr"/>
+            <a:endParaRPr lang="en-US"/>
+          </a:p>
+        </p:txBody>
+      </p:sp>
+      <p:sp>
+        <p:nvSpPr>
+          <p:cNvPr id="108" name="Rectangle 107">
+            <a:extLst>
+              <a:ext uri="{FF2B5EF4-FFF2-40B4-BE49-F238E27FC236}">
+                <a16:creationId xmlns:a16="http://schemas.microsoft.com/office/drawing/2014/main" id="{D893CC27-5C56-4F6F-9B94-413AE08B922C}"/>
+              </a:ext>
+              <a:ext uri="{C183D7F6-B498-43B3-948B-1728B52AA6E4}">
+                <adec:decorative xmlns:adec="http://schemas.microsoft.com/office/drawing/2017/decorative" val="1"/>
+              </a:ext>
+            </a:extLst>
+          </p:cNvPr>
+          <p:cNvSpPr>
+            <a:spLocks noGrp="1" noRot="1" noChangeAspect="1" noMove="1" noResize="1" noEditPoints="1" noAdjustHandles="1" noChangeArrowheads="1" noChangeShapeType="1" noTextEdit="1"/>
+          </p:cNvSpPr>
+          <p:nvPr>
+            <p:extLst>
+              <p:ext uri="{386F3935-93C4-4BCD-93E2-E3B085C9AB24}">
+                <p16:designElem xmlns:p16="http://schemas.microsoft.com/office/powerpoint/2015/main" val="1"/>
+              </p:ext>
+            </p:extLst>
+          </p:nvPr>
+        </p:nvSpPr>
+        <p:spPr>
+          <a:xfrm>
+            <a:off x="920834" y="1484779"/>
+            <a:ext cx="10222992" cy="2743200"/>
+          </a:xfrm>
+          <a:prstGeom prst="rect">
+            <a:avLst/>
+          </a:prstGeom>
+          <a:blipFill dpi="0" rotWithShape="1">
+            <a:blip r:embed="rId2">
+              <a:alphaModFix amt="85000"/>
+              <a:lum bright="70000" contrast="-70000"/>
+              <a:extLst>
+                <a:ext uri="{BEBA8EAE-BF5A-486C-A8C5-ECC9F3942E4B}">
+                  <a14:imgProps xmlns:a14="http://schemas.microsoft.com/office/drawing/2010/main">
+                    <a14:imgLayer r:embed="rId3">
+                      <a14:imgEffect>
+                        <a14:sharpenSoften amount="61000"/>
+                      </a14:imgEffect>
+                    </a14:imgLayer>
+                  </a14:imgProps>
+                </a:ext>
+                <a:ext uri="{28A0092B-C50C-407E-A947-70E740481C1C}">
+                  <a14:useLocalDpi xmlns:a14="http://schemas.microsoft.com/office/drawing/2010/main" val="0"/>
+                </a:ext>
+              </a:extLst>
+            </a:blip>
+            <a:srcRect/>
+            <a:tile tx="0" ty="-704850" sx="92000" sy="89000" flip="xy" algn="ctr"/>
+          </a:blipFill>
+          <a:ln>
+            <a:noFill/>
+          </a:ln>
+        </p:spPr>
+        <p:style>
+          <a:lnRef idx="2">
+            <a:schemeClr val="accent1">
+              <a:shade val="50000"/>
+            </a:schemeClr>
+          </a:lnRef>
+          <a:fillRef idx="1">
+            <a:schemeClr val="accent1"/>
+          </a:fillRef>
+          <a:effectRef idx="0">
+            <a:schemeClr val="accent1"/>
+          </a:effectRef>
+          <a:fontRef idx="minor">
+            <a:schemeClr val="lt1"/>
+          </a:fontRef>
+        </p:style>
+        <p:txBody>
+          <a:bodyPr rtlCol="0" anchor="ctr"/>
+          <a:lstStyle/>
+          <a:p>
+            <a:pPr algn="ctr"/>
+            <a:endParaRPr lang="en-US"/>
+          </a:p>
+        </p:txBody>
+      </p:sp>
+      <p:grpSp>
+        <p:nvGrpSpPr>
+          <p:cNvPr id="110" name="Group 109">
+            <a:extLst>
+              <a:ext uri="{FF2B5EF4-FFF2-40B4-BE49-F238E27FC236}">
+                <a16:creationId xmlns:a16="http://schemas.microsoft.com/office/drawing/2014/main" id="{76D64082-5099-45DC-84A9-81EA54822BEE}"/>
+              </a:ext>
+              <a:ext uri="{C183D7F6-B498-43B3-948B-1728B52AA6E4}">
+                <adec:decorative xmlns:adec="http://schemas.microsoft.com/office/drawing/2017/decorative" val="1"/>
+              </a:ext>
+            </a:extLst>
+          </p:cNvPr>
+          <p:cNvGrpSpPr>
+            <a:grpSpLocks noGrp="1" noUngrp="1" noRot="1" noChangeAspect="1" noMove="1" noResize="1"/>
+          </p:cNvGrpSpPr>
+          <p:nvPr>
+            <p:extLst>
+              <p:ext uri="{386F3935-93C4-4BCD-93E2-E3B085C9AB24}">
+                <p16:designElem xmlns:p16="http://schemas.microsoft.com/office/powerpoint/2015/main" val="1"/>
+              </p:ext>
+            </p:extLst>
+          </p:nvPr>
+        </p:nvGrpSpPr>
+        <p:grpSpPr>
+          <a:xfrm>
+            <a:off x="9649215" y="4068923"/>
+            <a:ext cx="1080904" cy="1080902"/>
+            <a:chOff x="9685338" y="4460675"/>
+            <a:chExt cx="1080904" cy="1080902"/>
+          </a:xfrm>
+        </p:grpSpPr>
+        <p:sp>
+          <p:nvSpPr>
+            <p:cNvPr id="111" name="Oval 110">
+              <a:extLst>
+                <a:ext uri="{FF2B5EF4-FFF2-40B4-BE49-F238E27FC236}">
+                  <a16:creationId xmlns:a16="http://schemas.microsoft.com/office/drawing/2014/main" id="{A9E39E47-E101-4CE1-883E-6C6528BECEB6}"/>
+                </a:ext>
+                <a:ext uri="{C183D7F6-B498-43B3-948B-1728B52AA6E4}">
+                  <adec:decorative xmlns:adec="http://schemas.microsoft.com/office/drawing/2017/decorative" val="1"/>
+                </a:ext>
+              </a:extLst>
+            </p:cNvPr>
+            <p:cNvSpPr/>
+            <p:nvPr>
+              <p:extLst>
+                <p:ext uri="{386F3935-93C4-4BCD-93E2-E3B085C9AB24}">
+                  <p16:designElem xmlns:p16="http://schemas.microsoft.com/office/powerpoint/2015/main" val="1"/>
+                </p:ext>
+              </p:extLst>
+            </p:nvPr>
+          </p:nvSpPr>
+          <p:spPr>
+            <a:xfrm>
+              <a:off x="9685338" y="4460675"/>
+              <a:ext cx="1080904" cy="1080902"/>
+            </a:xfrm>
+            <a:prstGeom prst="ellipse">
+              <a:avLst/>
+            </a:prstGeom>
+            <a:blipFill dpi="0" rotWithShape="1">
+              <a:blip r:embed="rId4">
+                <a:duotone>
+                  <a:schemeClr val="accent1">
+                    <a:shade val="45000"/>
+                    <a:satMod val="135000"/>
+                  </a:schemeClr>
+                  <a:prstClr val="white"/>
+                </a:duotone>
+                <a:extLst>
+                  <a:ext uri="{BEBA8EAE-BF5A-486C-A8C5-ECC9F3942E4B}">
+                    <a14:imgProps xmlns:a14="http://schemas.microsoft.com/office/drawing/2010/main">
+                      <a14:imgLayer r:embed="rId5">
+                        <a14:imgEffect>
+                          <a14:saturation sat="95000"/>
+                        </a14:imgEffect>
+                      </a14:imgLayer>
+                    </a14:imgProps>
+                  </a:ext>
+                </a:extLst>
+              </a:blip>
+              <a:srcRect/>
+              <a:tile tx="0" ty="0" sx="85000" sy="85000" flip="none" algn="tl"/>
+            </a:blipFill>
+            <a:ln w="25400" cap="flat" cmpd="sng" algn="ctr">
+              <a:noFill/>
+              <a:prstDash val="solid"/>
+            </a:ln>
+            <a:effectLst/>
+          </p:spPr>
+          <p:txBody>
+            <a:bodyPr lIns="0" tIns="0" rIns="0" bIns="0" rtlCol="0" anchor="ctr"/>
+            <a:lstStyle/>
+            <a:p>
+              <a:pPr marL="0" marR="0" lvl="0" indent="0" algn="ctr" defTabSz="914400" eaLnBrk="1" fontAlgn="auto" latinLnBrk="0" hangingPunct="1">
+                <a:lnSpc>
+                  <a:spcPct val="100000"/>
+                </a:lnSpc>
+                <a:spcBef>
+                  <a:spcPts val="0"/>
+                </a:spcBef>
+                <a:spcAft>
+                  <a:spcPts val="0"/>
+                </a:spcAft>
+                <a:buClrTx/>
+                <a:buSzTx/>
+                <a:buFontTx/>
+                <a:buNone/>
+                <a:tabLst/>
+                <a:defRPr/>
+              </a:pPr>
+              <a:endParaRPr kumimoji="0" lang="en-US" sz="2000" b="0" i="0" u="none" strike="noStrike" kern="0" cap="none" spc="0" normalizeH="0" baseline="0" noProof="0" dirty="0">
+                <a:ln>
+                  <a:noFill/>
+                </a:ln>
+                <a:solidFill>
+                  <a:prstClr val="white"/>
+                </a:solidFill>
+                <a:effectLst/>
+                <a:uLnTx/>
+                <a:uFillTx/>
+                <a:latin typeface="Rockwell Extra Bold" pitchFamily="18" charset="0"/>
+                <a:ea typeface="+mn-ea"/>
+                <a:cs typeface="+mn-cs"/>
+              </a:endParaRPr>
+            </a:p>
+          </p:txBody>
+        </p:sp>
+        <p:sp>
+          <p:nvSpPr>
+            <p:cNvPr id="112" name="Oval 111">
+              <a:extLst>
+                <a:ext uri="{FF2B5EF4-FFF2-40B4-BE49-F238E27FC236}">
+                  <a16:creationId xmlns:a16="http://schemas.microsoft.com/office/drawing/2014/main" id="{2830CD01-B213-47C9-81AD-433E08F7DA95}"/>
+                </a:ext>
+                <a:ext uri="{C183D7F6-B498-43B3-948B-1728B52AA6E4}">
+                  <adec:decorative xmlns:adec="http://schemas.microsoft.com/office/drawing/2017/decorative" val="1"/>
+                </a:ext>
+              </a:extLst>
+            </p:cNvPr>
+            <p:cNvSpPr/>
+            <p:nvPr>
+              <p:extLst>
+                <p:ext uri="{386F3935-93C4-4BCD-93E2-E3B085C9AB24}">
+                  <p16:designElem xmlns:p16="http://schemas.microsoft.com/office/powerpoint/2015/main" val="1"/>
+                </p:ext>
+              </p:extLst>
+            </p:nvPr>
+          </p:nvSpPr>
+          <p:spPr>
+            <a:xfrm>
+              <a:off x="9793429" y="4568765"/>
+              <a:ext cx="864723" cy="864722"/>
+            </a:xfrm>
+            <a:prstGeom prst="ellipse">
+              <a:avLst/>
+            </a:prstGeom>
+            <a:noFill/>
+            <a:ln w="25400" cap="flat" cmpd="sng" algn="ctr">
+              <a:solidFill>
+                <a:sysClr val="window" lastClr="FFFFFF"/>
+              </a:solidFill>
+              <a:prstDash val="solid"/>
+            </a:ln>
+            <a:effectLst/>
+          </p:spPr>
+          <p:txBody>
+            <a:bodyPr rtlCol="0" anchor="ctr"/>
+            <a:lstStyle/>
+            <a:p>
+              <a:pPr marL="0" marR="0" lvl="0" indent="0" algn="ctr" defTabSz="914400" eaLnBrk="1" fontAlgn="auto" latinLnBrk="0" hangingPunct="1">
+                <a:lnSpc>
+                  <a:spcPct val="100000"/>
+                </a:lnSpc>
+                <a:spcBef>
+                  <a:spcPts val="0"/>
+                </a:spcBef>
+                <a:spcAft>
+                  <a:spcPts val="0"/>
+                </a:spcAft>
+                <a:buClrTx/>
+                <a:buSzTx/>
+                <a:buFontTx/>
+                <a:buNone/>
+                <a:tabLst/>
+                <a:defRPr/>
+              </a:pPr>
+              <a:endParaRPr kumimoji="0" lang="en-US" sz="1800" b="0" i="0" u="none" strike="noStrike" kern="0" cap="none" spc="0" normalizeH="0" baseline="0" noProof="0" dirty="0">
+                <a:ln>
+                  <a:noFill/>
+                </a:ln>
+                <a:solidFill>
+                  <a:prstClr val="white"/>
+                </a:solidFill>
+                <a:effectLst/>
+                <a:uLnTx/>
+                <a:uFillTx/>
+                <a:latin typeface="Calibri"/>
+                <a:ea typeface="+mn-ea"/>
+                <a:cs typeface="+mn-cs"/>
+              </a:endParaRPr>
+            </a:p>
+          </p:txBody>
+        </p:sp>
+      </p:grpSp>
+      <p:sp>
+        <p:nvSpPr>
+          <p:cNvPr id="114" name="Rectangle 113">
+            <a:extLst>
+              <a:ext uri="{FF2B5EF4-FFF2-40B4-BE49-F238E27FC236}">
+                <a16:creationId xmlns:a16="http://schemas.microsoft.com/office/drawing/2014/main" id="{D3942243-EB87-47B0-A725-FB513F644AB1}"/>
+              </a:ext>
+              <a:ext uri="{C183D7F6-B498-43B3-948B-1728B52AA6E4}">
+                <adec:decorative xmlns:adec="http://schemas.microsoft.com/office/drawing/2017/decorative" val="1"/>
+              </a:ext>
+            </a:extLst>
+          </p:cNvPr>
+          <p:cNvSpPr>
+            <a:spLocks noGrp="1" noRot="1" noChangeAspect="1" noMove="1" noResize="1" noEditPoints="1" noAdjustHandles="1" noChangeArrowheads="1" noChangeShapeType="1" noTextEdit="1"/>
+          </p:cNvSpPr>
+          <p:nvPr>
+            <p:extLst>
+              <p:ext uri="{386F3935-93C4-4BCD-93E2-E3B085C9AB24}">
+                <p16:designElem xmlns:p16="http://schemas.microsoft.com/office/powerpoint/2015/main" val="1"/>
+              </p:ext>
+            </p:extLst>
+          </p:nvPr>
+        </p:nvSpPr>
+        <p:spPr bwMode="white">
+          <a:xfrm>
+            <a:off x="-7620" y="-1"/>
+            <a:ext cx="12207240" cy="6858001"/>
+          </a:xfrm>
+          <a:prstGeom prst="rect">
+            <a:avLst/>
+          </a:prstGeom>
+          <a:solidFill>
+            <a:schemeClr val="bg1"/>
+          </a:solidFill>
+          <a:ln>
+            <a:noFill/>
+          </a:ln>
+        </p:spPr>
+        <p:style>
+          <a:lnRef idx="2">
+            <a:schemeClr val="accent1">
+              <a:shade val="50000"/>
+            </a:schemeClr>
+          </a:lnRef>
+          <a:fillRef idx="1">
+            <a:schemeClr val="accent1"/>
+          </a:fillRef>
+          <a:effectRef idx="0">
+            <a:schemeClr val="accent1"/>
+          </a:effectRef>
+          <a:fontRef idx="minor">
+            <a:schemeClr val="lt1"/>
+          </a:fontRef>
+        </p:style>
+        <p:txBody>
+          <a:bodyPr rot="0" spcFirstLastPara="0" vert="horz" wrap="square" lIns="91440" tIns="45720" rIns="91440" bIns="45720" numCol="1" spcCol="0" rtlCol="0" fromWordArt="0" anchor="ctr" anchorCtr="0" forceAA="0" compatLnSpc="1">
+            <a:prstTxWarp prst="textNoShape">
+              <a:avLst/>
+            </a:prstTxWarp>
+            <a:noAutofit/>
+          </a:bodyPr>
+          <a:lstStyle>
+            <a:defPPr>
+              <a:defRPr lang="en-US"/>
+            </a:defPPr>
+            <a:lvl1pPr marL="0" algn="l" defTabSz="914400" rtl="0" eaLnBrk="1" latinLnBrk="0" hangingPunct="1">
+              <a:defRPr sz="1800" kern="1200">
+                <a:solidFill>
+                  <a:schemeClr val="lt1"/>
+                </a:solidFill>
+                <a:latin typeface="+mn-lt"/>
+                <a:ea typeface="+mn-ea"/>
+                <a:cs typeface="+mn-cs"/>
+              </a:defRPr>
+            </a:lvl1pPr>
+            <a:lvl2pPr marL="457200" algn="l" defTabSz="914400" rtl="0" eaLnBrk="1" latinLnBrk="0" hangingPunct="1">
+              <a:defRPr sz="1800" kern="1200">
+                <a:solidFill>
+                  <a:schemeClr val="lt1"/>
+                </a:solidFill>
+                <a:latin typeface="+mn-lt"/>
+                <a:ea typeface="+mn-ea"/>
+                <a:cs typeface="+mn-cs"/>
+              </a:defRPr>
+            </a:lvl2pPr>
+            <a:lvl3pPr marL="914400" algn="l" defTabSz="914400" rtl="0" eaLnBrk="1" latinLnBrk="0" hangingPunct="1">
+              <a:defRPr sz="1800" kern="1200">
+                <a:solidFill>
+                  <a:schemeClr val="lt1"/>
+                </a:solidFill>
+                <a:latin typeface="+mn-lt"/>
+                <a:ea typeface="+mn-ea"/>
+                <a:cs typeface="+mn-cs"/>
+              </a:defRPr>
+            </a:lvl3pPr>
+            <a:lvl4pPr marL="1371600" algn="l" defTabSz="914400" rtl="0" eaLnBrk="1" latinLnBrk="0" hangingPunct="1">
+              <a:defRPr sz="1800" kern="1200">
+                <a:solidFill>
+                  <a:schemeClr val="lt1"/>
+                </a:solidFill>
+                <a:latin typeface="+mn-lt"/>
+                <a:ea typeface="+mn-ea"/>
+                <a:cs typeface="+mn-cs"/>
+              </a:defRPr>
+            </a:lvl4pPr>
+            <a:lvl5pPr marL="1828800" algn="l" defTabSz="914400" rtl="0" eaLnBrk="1" latinLnBrk="0" hangingPunct="1">
+              <a:defRPr sz="1800" kern="1200">
+                <a:solidFill>
+                  <a:schemeClr val="lt1"/>
+                </a:solidFill>
+                <a:latin typeface="+mn-lt"/>
+                <a:ea typeface="+mn-ea"/>
+                <a:cs typeface="+mn-cs"/>
+              </a:defRPr>
+            </a:lvl5pPr>
+            <a:lvl6pPr marL="2286000" algn="l" defTabSz="914400" rtl="0" eaLnBrk="1" latinLnBrk="0" hangingPunct="1">
+              <a:defRPr sz="1800" kern="1200">
+                <a:solidFill>
+                  <a:schemeClr val="lt1"/>
+                </a:solidFill>
+                <a:latin typeface="+mn-lt"/>
+                <a:ea typeface="+mn-ea"/>
+                <a:cs typeface="+mn-cs"/>
+              </a:defRPr>
+            </a:lvl6pPr>
+            <a:lvl7pPr marL="2743200" algn="l" defTabSz="914400" rtl="0" eaLnBrk="1" latinLnBrk="0" hangingPunct="1">
+              <a:defRPr sz="1800" kern="1200">
+                <a:solidFill>
+                  <a:schemeClr val="lt1"/>
+                </a:solidFill>
+                <a:latin typeface="+mn-lt"/>
+                <a:ea typeface="+mn-ea"/>
+                <a:cs typeface="+mn-cs"/>
+              </a:defRPr>
+            </a:lvl7pPr>
+            <a:lvl8pPr marL="3200400" algn="l" defTabSz="914400" rtl="0" eaLnBrk="1" latinLnBrk="0" hangingPunct="1">
+              <a:defRPr sz="1800" kern="1200">
+                <a:solidFill>
+                  <a:schemeClr val="lt1"/>
+                </a:solidFill>
+                <a:latin typeface="+mn-lt"/>
+                <a:ea typeface="+mn-ea"/>
+                <a:cs typeface="+mn-cs"/>
+              </a:defRPr>
+            </a:lvl8pPr>
+            <a:lvl9pPr marL="3657600" algn="l" defTabSz="914400" rtl="0" eaLnBrk="1" latinLnBrk="0" hangingPunct="1">
+              <a:defRPr sz="1800" kern="1200">
+                <a:solidFill>
+                  <a:schemeClr val="lt1"/>
+                </a:solidFill>
+                <a:latin typeface="+mn-lt"/>
+                <a:ea typeface="+mn-ea"/>
+                <a:cs typeface="+mn-cs"/>
+              </a:defRPr>
+            </a:lvl9pPr>
+          </a:lstStyle>
+          <a:p>
+            <a:pPr algn="ctr"/>
+            <a:endParaRPr lang="en-US"/>
+          </a:p>
+        </p:txBody>
+      </p:sp>
+      <p:pic>
+        <p:nvPicPr>
+          <p:cNvPr id="6" name="Picture 5">
+            <a:extLst>
+              <a:ext uri="{FF2B5EF4-FFF2-40B4-BE49-F238E27FC236}">
+                <a16:creationId xmlns:a16="http://schemas.microsoft.com/office/drawing/2014/main" id="{0D7670F3-2EFB-455A-91D3-2810C957CC26}"/>
+              </a:ext>
+            </a:extLst>
+          </p:cNvPr>
+          <p:cNvPicPr>
+            <a:picLocks noChangeAspect="1"/>
+          </p:cNvPicPr>
+          <p:nvPr/>
+        </p:nvPicPr>
+        <p:blipFill rotWithShape="1">
+          <a:blip r:embed="rId6"/>
+          <a:srcRect t="9266" r="1" b="1"/>
+          <a:stretch/>
+        </p:blipFill>
+        <p:spPr>
+          <a:xfrm>
+            <a:off x="20" y="1"/>
+            <a:ext cx="6015547" cy="4257366"/>
+          </a:xfrm>
+          <a:prstGeom prst="rect">
+            <a:avLst/>
+          </a:prstGeom>
+        </p:spPr>
+      </p:pic>
+      <p:sp>
+        <p:nvSpPr>
+          <p:cNvPr id="116" name="Rectangle 115">
+            <a:extLst>
+              <a:ext uri="{FF2B5EF4-FFF2-40B4-BE49-F238E27FC236}">
+                <a16:creationId xmlns:a16="http://schemas.microsoft.com/office/drawing/2014/main" id="{51EA2B2F-0614-4D69-B22A-E70BCFCAD79C}"/>
+              </a:ext>
+              <a:ext uri="{C183D7F6-B498-43B3-948B-1728B52AA6E4}">
+                <adec:decorative xmlns:adec="http://schemas.microsoft.com/office/drawing/2017/decorative" val="1"/>
+              </a:ext>
+            </a:extLst>
+          </p:cNvPr>
+          <p:cNvSpPr>
+            <a:spLocks noGrp="1" noRot="1" noChangeAspect="1" noMove="1" noResize="1" noEditPoints="1" noAdjustHandles="1" noChangeArrowheads="1" noChangeShapeType="1" noTextEdit="1"/>
+          </p:cNvSpPr>
+          <p:nvPr>
+            <p:extLst>
+              <p:ext uri="{386F3935-93C4-4BCD-93E2-E3B085C9AB24}">
+                <p16:designElem xmlns:p16="http://schemas.microsoft.com/office/powerpoint/2015/main" val="1"/>
+              </p:ext>
+            </p:extLst>
+          </p:nvPr>
+        </p:nvSpPr>
+        <p:spPr>
+          <a:xfrm>
+            <a:off x="0" y="4257367"/>
+            <a:ext cx="12192000" cy="2610464"/>
+          </a:xfrm>
+          <a:prstGeom prst="rect">
+            <a:avLst/>
+          </a:prstGeom>
+          <a:blipFill dpi="0" rotWithShape="1">
+            <a:blip r:embed="rId2">
+              <a:alphaModFix amt="85000"/>
+              <a:lum bright="70000" contrast="-70000"/>
+              <a:extLst>
+                <a:ext uri="{BEBA8EAE-BF5A-486C-A8C5-ECC9F3942E4B}">
+                  <a14:imgProps xmlns:a14="http://schemas.microsoft.com/office/drawing/2010/main">
+                    <a14:imgLayer r:embed="rId3">
+                      <a14:imgEffect>
+                        <a14:sharpenSoften amount="61000"/>
+                      </a14:imgEffect>
+                    </a14:imgLayer>
+                  </a14:imgProps>
+                </a:ext>
+                <a:ext uri="{28A0092B-C50C-407E-A947-70E740481C1C}">
+                  <a14:useLocalDpi xmlns:a14="http://schemas.microsoft.com/office/drawing/2010/main" val="0"/>
+                </a:ext>
+              </a:extLst>
+            </a:blip>
+            <a:srcRect/>
+            <a:tile tx="0" ty="-704850" sx="92000" sy="89000" flip="xy" algn="ctr"/>
+          </a:blipFill>
+          <a:ln>
+            <a:noFill/>
+          </a:ln>
+        </p:spPr>
+        <p:style>
+          <a:lnRef idx="2">
+            <a:schemeClr val="accent1">
+              <a:shade val="50000"/>
+            </a:schemeClr>
+          </a:lnRef>
+          <a:fillRef idx="1">
+            <a:schemeClr val="accent1"/>
+          </a:fillRef>
+          <a:effectRef idx="0">
+            <a:schemeClr val="accent1"/>
+          </a:effectRef>
+          <a:fontRef idx="minor">
+            <a:schemeClr val="lt1"/>
+          </a:fontRef>
+        </p:style>
+        <p:txBody>
+          <a:bodyPr rtlCol="0" anchor="ctr"/>
+          <a:lstStyle/>
+          <a:p>
+            <a:pPr algn="ctr"/>
+            <a:endParaRPr lang="en-US"/>
+          </a:p>
+        </p:txBody>
+      </p:sp>
+      <p:sp>
+        <p:nvSpPr>
+          <p:cNvPr id="2" name="Title 1">
+            <a:extLst>
+              <a:ext uri="{FF2B5EF4-FFF2-40B4-BE49-F238E27FC236}">
+                <a16:creationId xmlns:a16="http://schemas.microsoft.com/office/drawing/2014/main" id="{1CD25530-E149-42E8-82D8-27CA1F5929D0}"/>
+              </a:ext>
+            </a:extLst>
+          </p:cNvPr>
+          <p:cNvSpPr>
+            <a:spLocks noGrp="1"/>
+          </p:cNvSpPr>
+          <p:nvPr>
+            <p:ph type="title"/>
+          </p:nvPr>
+        </p:nvSpPr>
+        <p:spPr>
+          <a:xfrm>
+            <a:off x="1051560" y="4355692"/>
+            <a:ext cx="9085940" cy="1472224"/>
+          </a:xfrm>
+        </p:spPr>
+        <p:txBody>
+          <a:bodyPr vert="horz" lIns="91440" tIns="45720" rIns="91440" bIns="45720" rtlCol="0" anchor="b">
+            <a:normAutofit/>
+          </a:bodyPr>
+          <a:lstStyle/>
+          <a:p>
+            <a:pPr>
+              <a:lnSpc>
+                <a:spcPct val="80000"/>
+              </a:lnSpc>
+            </a:pPr>
+            <a:r>
+              <a:rPr lang="en-US" sz="7200" kern="1200" cap="all" baseline="0" dirty="0">
+                <a:blipFill dpi="0" rotWithShape="1">
+                  <a:blip r:embed="rId4"/>
+                  <a:srcRect/>
+                  <a:tile tx="6350" ty="-127000" sx="65000" sy="64000" flip="none" algn="tl"/>
+                </a:blipFill>
+                <a:latin typeface="+mj-lt"/>
+                <a:ea typeface="+mj-ea"/>
+                <a:cs typeface="+mj-cs"/>
+              </a:rPr>
+              <a:t>And Test results</a:t>
+            </a:r>
+          </a:p>
+        </p:txBody>
+      </p:sp>
+      <p:pic>
+        <p:nvPicPr>
+          <p:cNvPr id="4" name="Picture 3">
+            <a:extLst>
+              <a:ext uri="{FF2B5EF4-FFF2-40B4-BE49-F238E27FC236}">
+                <a16:creationId xmlns:a16="http://schemas.microsoft.com/office/drawing/2014/main" id="{11F513AE-8FF1-4116-A79E-ADE162ACE710}"/>
+              </a:ext>
+            </a:extLst>
+          </p:cNvPr>
+          <p:cNvPicPr>
+            <a:picLocks noChangeAspect="1"/>
+          </p:cNvPicPr>
+          <p:nvPr/>
+        </p:nvPicPr>
+        <p:blipFill rotWithShape="1">
+          <a:blip r:embed="rId7"/>
+          <a:srcRect t="3882" r="1" b="5304"/>
+          <a:stretch/>
+        </p:blipFill>
+        <p:spPr>
+          <a:xfrm>
+            <a:off x="6176433" y="-2"/>
+            <a:ext cx="6015567" cy="4261104"/>
+          </a:xfrm>
+          <a:prstGeom prst="rect">
+            <a:avLst/>
+          </a:prstGeom>
+        </p:spPr>
+      </p:pic>
+      <p:grpSp>
+        <p:nvGrpSpPr>
+          <p:cNvPr id="118" name="Group 117">
+            <a:extLst>
+              <a:ext uri="{FF2B5EF4-FFF2-40B4-BE49-F238E27FC236}">
+                <a16:creationId xmlns:a16="http://schemas.microsoft.com/office/drawing/2014/main" id="{74F14128-2B23-48F2-BD56-EA0849FACCDA}"/>
+              </a:ext>
+              <a:ext uri="{C183D7F6-B498-43B3-948B-1728B52AA6E4}">
+                <adec:decorative xmlns:adec="http://schemas.microsoft.com/office/drawing/2017/decorative" val="1"/>
+              </a:ext>
+            </a:extLst>
+          </p:cNvPr>
+          <p:cNvGrpSpPr>
+            <a:grpSpLocks noGrp="1" noUngrp="1" noRot="1" noChangeAspect="1" noMove="1" noResize="1"/>
+          </p:cNvGrpSpPr>
+          <p:nvPr>
+            <p:extLst>
+              <p:ext uri="{386F3935-93C4-4BCD-93E2-E3B085C9AB24}">
+                <p16:designElem xmlns:p16="http://schemas.microsoft.com/office/powerpoint/2015/main" val="1"/>
+              </p:ext>
+            </p:extLst>
+          </p:nvPr>
+        </p:nvGrpSpPr>
+        <p:grpSpPr>
+          <a:xfrm>
+            <a:off x="10245590" y="5111496"/>
+            <a:ext cx="1080904" cy="1080902"/>
+            <a:chOff x="9685338" y="4460675"/>
+            <a:chExt cx="1080904" cy="1080902"/>
+          </a:xfrm>
+        </p:grpSpPr>
+        <p:sp>
+          <p:nvSpPr>
+            <p:cNvPr id="119" name="Oval 118">
+              <a:extLst>
+                <a:ext uri="{FF2B5EF4-FFF2-40B4-BE49-F238E27FC236}">
+                  <a16:creationId xmlns:a16="http://schemas.microsoft.com/office/drawing/2014/main" id="{1E646914-1486-4A28-BF54-E138E8A7A2B1}"/>
+                </a:ext>
+                <a:ext uri="{C183D7F6-B498-43B3-948B-1728B52AA6E4}">
+                  <adec:decorative xmlns:adec="http://schemas.microsoft.com/office/drawing/2017/decorative" val="1"/>
+                </a:ext>
+              </a:extLst>
+            </p:cNvPr>
+            <p:cNvSpPr/>
+            <p:nvPr>
+              <p:extLst>
+                <p:ext uri="{386F3935-93C4-4BCD-93E2-E3B085C9AB24}">
+                  <p16:designElem xmlns:p16="http://schemas.microsoft.com/office/powerpoint/2015/main" val="1"/>
+                </p:ext>
+              </p:extLst>
+            </p:nvPr>
+          </p:nvSpPr>
+          <p:spPr>
+            <a:xfrm>
+              <a:off x="9685338" y="4460675"/>
+              <a:ext cx="1080904" cy="1080902"/>
+            </a:xfrm>
+            <a:prstGeom prst="ellipse">
+              <a:avLst/>
+            </a:prstGeom>
+            <a:blipFill dpi="0" rotWithShape="1">
+              <a:blip r:embed="rId4">
+                <a:duotone>
+                  <a:schemeClr val="accent1">
+                    <a:shade val="45000"/>
+                    <a:satMod val="135000"/>
+                  </a:schemeClr>
+                  <a:prstClr val="white"/>
+                </a:duotone>
+              </a:blip>
+              <a:srcRect/>
+              <a:tile tx="0" ty="0" sx="85000" sy="85000" flip="none" algn="tl"/>
+            </a:blipFill>
+            <a:ln w="25400" cap="flat" cmpd="sng" algn="ctr">
+              <a:noFill/>
+              <a:prstDash val="solid"/>
+            </a:ln>
+            <a:effectLst/>
+          </p:spPr>
+          <p:txBody>
+            <a:bodyPr lIns="0" tIns="0" rIns="0" bIns="0" rtlCol="0" anchor="ctr"/>
+            <a:lstStyle/>
+            <a:p>
+              <a:pPr marL="0" marR="0" lvl="0" indent="0" algn="ctr" defTabSz="914400" eaLnBrk="1" fontAlgn="auto" latinLnBrk="0" hangingPunct="1">
+                <a:lnSpc>
+                  <a:spcPct val="100000"/>
+                </a:lnSpc>
+                <a:spcBef>
+                  <a:spcPts val="0"/>
+                </a:spcBef>
+                <a:spcAft>
+                  <a:spcPts val="0"/>
+                </a:spcAft>
+                <a:buClrTx/>
+                <a:buSzTx/>
+                <a:buFontTx/>
+                <a:buNone/>
+                <a:tabLst/>
+                <a:defRPr/>
+              </a:pPr>
+              <a:endParaRPr kumimoji="0" lang="en-US" sz="2000" b="0" i="0" u="none" strike="noStrike" kern="0" cap="none" spc="0" normalizeH="0" baseline="0" noProof="0" dirty="0">
+                <a:ln>
+                  <a:noFill/>
+                </a:ln>
+                <a:solidFill>
+                  <a:prstClr val="white"/>
+                </a:solidFill>
+                <a:effectLst/>
+                <a:uLnTx/>
+                <a:uFillTx/>
+                <a:latin typeface="Rockwell Extra Bold" pitchFamily="18" charset="0"/>
+                <a:ea typeface="+mn-ea"/>
+                <a:cs typeface="+mn-cs"/>
+              </a:endParaRPr>
+            </a:p>
+          </p:txBody>
+        </p:sp>
+        <p:sp>
+          <p:nvSpPr>
+            <p:cNvPr id="120" name="Oval 119">
+              <a:extLst>
+                <a:ext uri="{FF2B5EF4-FFF2-40B4-BE49-F238E27FC236}">
+                  <a16:creationId xmlns:a16="http://schemas.microsoft.com/office/drawing/2014/main" id="{DD627D15-B201-4E06-B8F9-73B6A6D1E09F}"/>
+                </a:ext>
+                <a:ext uri="{C183D7F6-B498-43B3-948B-1728B52AA6E4}">
+                  <adec:decorative xmlns:adec="http://schemas.microsoft.com/office/drawing/2017/decorative" val="1"/>
+                </a:ext>
+              </a:extLst>
+            </p:cNvPr>
+            <p:cNvSpPr/>
+            <p:nvPr>
+              <p:extLst>
+                <p:ext uri="{386F3935-93C4-4BCD-93E2-E3B085C9AB24}">
+                  <p16:designElem xmlns:p16="http://schemas.microsoft.com/office/powerpoint/2015/main" val="1"/>
+                </p:ext>
+              </p:extLst>
+            </p:nvPr>
+          </p:nvSpPr>
+          <p:spPr>
+            <a:xfrm>
+              <a:off x="9793429" y="4568765"/>
+              <a:ext cx="864723" cy="864722"/>
+            </a:xfrm>
+            <a:prstGeom prst="ellipse">
+              <a:avLst/>
+            </a:prstGeom>
+            <a:noFill/>
+            <a:ln w="25400" cap="flat" cmpd="sng" algn="ctr">
+              <a:solidFill>
+                <a:sysClr val="window" lastClr="FFFFFF"/>
+              </a:solidFill>
+              <a:prstDash val="solid"/>
+            </a:ln>
+            <a:effectLst/>
+          </p:spPr>
+          <p:txBody>
+            <a:bodyPr rtlCol="0" anchor="ctr"/>
+            <a:lstStyle/>
+            <a:p>
+              <a:pPr marL="0" marR="0" lvl="0" indent="0" algn="ctr" defTabSz="914400" eaLnBrk="1" fontAlgn="auto" latinLnBrk="0" hangingPunct="1">
+                <a:lnSpc>
+                  <a:spcPct val="100000"/>
+                </a:lnSpc>
+                <a:spcBef>
+                  <a:spcPts val="0"/>
+                </a:spcBef>
+                <a:spcAft>
+                  <a:spcPts val="0"/>
+                </a:spcAft>
+                <a:buClrTx/>
+                <a:buSzTx/>
+                <a:buFontTx/>
+                <a:buNone/>
+                <a:tabLst/>
+                <a:defRPr/>
+              </a:pPr>
+              <a:endParaRPr kumimoji="0" lang="en-US" sz="1800" b="0" i="0" u="none" strike="noStrike" kern="0" cap="none" spc="0" normalizeH="0" baseline="0" noProof="0" dirty="0">
+                <a:ln>
+                  <a:noFill/>
+                </a:ln>
+                <a:solidFill>
+                  <a:prstClr val="white"/>
+                </a:solidFill>
+                <a:effectLst/>
+                <a:uLnTx/>
+                <a:uFillTx/>
+                <a:latin typeface="Calibri"/>
+                <a:ea typeface="+mn-ea"/>
+                <a:cs typeface="+mn-cs"/>
+              </a:endParaRPr>
+            </a:p>
+          </p:txBody>
+        </p:sp>
+      </p:grpSp>
+    </p:spTree>
+    <p:extLst>
+      <p:ext uri="{BB962C8B-B14F-4D97-AF65-F5344CB8AC3E}">
+        <p14:creationId xmlns:p14="http://schemas.microsoft.com/office/powerpoint/2010/main" val="2442706210"/>
+      </p:ext>
+    </p:extLst>
+  </p:cSld>
+  <p:clrMapOvr>
+    <a:masterClrMapping/>
+  </p:clrMapOvr>
+</p:sld>
+</file>
+
+<file path=ppt/slides/slide12.xml><?xml version="1.0" encoding="utf-8"?>
+<p:sld xmlns:a="http://schemas.openxmlformats.org/drawingml/2006/main" xmlns:r="http://schemas.openxmlformats.org/officeDocument/2006/relationships" xmlns:p="http://schemas.openxmlformats.org/presentationml/2006/main">
+  <p:cSld>
+    <p:bg>
+      <p:bgPr>
+        <a:solidFill>
+          <a:schemeClr val="bg1"/>
+        </a:solidFill>
+        <a:effectLst/>
+      </p:bgPr>
+    </p:bg>
+    <p:spTree>
+      <p:nvGrpSpPr>
+        <p:cNvPr id="1" name=""/>
+        <p:cNvGrpSpPr/>
+        <p:nvPr/>
+      </p:nvGrpSpPr>
+      <p:grpSpPr>
+        <a:xfrm>
+          <a:off x="0" y="0"/>
+          <a:ext cx="0" cy="0"/>
+          <a:chOff x="0" y="0"/>
+          <a:chExt cx="0" cy="0"/>
+        </a:xfrm>
+      </p:grpSpPr>
+      <p:sp>
+        <p:nvSpPr>
+          <p:cNvPr id="223" name="Rectangle 44">
+            <a:extLst>
+              <a:ext uri="{FF2B5EF4-FFF2-40B4-BE49-F238E27FC236}">
+                <a16:creationId xmlns:a16="http://schemas.microsoft.com/office/drawing/2014/main" id="{97BF936A-7CB7-4C57-98A3-96928DD27A37}"/>
+              </a:ext>
+              <a:ext uri="{C183D7F6-B498-43B3-948B-1728B52AA6E4}">
+                <adec:decorative xmlns:adec="http://schemas.microsoft.com/office/drawing/2017/decorative" val="1"/>
+              </a:ext>
+            </a:extLst>
+          </p:cNvPr>
+          <p:cNvSpPr>
+            <a:spLocks noGrp="1" noRot="1" noChangeAspect="1" noMove="1" noResize="1" noEditPoints="1" noAdjustHandles="1" noChangeArrowheads="1" noChangeShapeType="1" noTextEdit="1"/>
+          </p:cNvSpPr>
+          <p:nvPr>
+            <p:extLst>
+              <p:ext uri="{386F3935-93C4-4BCD-93E2-E3B085C9AB24}">
+                <p16:designElem xmlns:p16="http://schemas.microsoft.com/office/powerpoint/2015/main" val="1"/>
+              </p:ext>
+            </p:extLst>
+          </p:nvPr>
+        </p:nvSpPr>
+        <p:spPr>
+          <a:xfrm>
+            <a:off x="920834" y="1346946"/>
+            <a:ext cx="10222992" cy="80683"/>
+          </a:xfrm>
+          <a:prstGeom prst="rect">
+            <a:avLst/>
+          </a:prstGeom>
+          <a:blipFill dpi="0" rotWithShape="1">
+            <a:blip r:embed="rId2">
+              <a:alphaModFix amt="85000"/>
+              <a:lum bright="70000" contrast="-70000"/>
+              <a:extLst>
+                <a:ext uri="{BEBA8EAE-BF5A-486C-A8C5-ECC9F3942E4B}">
+                  <a14:imgProps xmlns:a14="http://schemas.microsoft.com/office/drawing/2010/main">
+                    <a14:imgLayer r:embed="rId3">
+                      <a14:imgEffect>
+                        <a14:sharpenSoften amount="61000"/>
+                      </a14:imgEffect>
+                    </a14:imgLayer>
+                  </a14:imgProps>
+                </a:ext>
+                <a:ext uri="{28A0092B-C50C-407E-A947-70E740481C1C}">
+                  <a14:useLocalDpi xmlns:a14="http://schemas.microsoft.com/office/drawing/2010/main" val="0"/>
+                </a:ext>
+              </a:extLst>
+            </a:blip>
+            <a:srcRect/>
+            <a:tile tx="0" ty="-762000" sx="92000" sy="89000" flip="xy" algn="ctr"/>
+          </a:blipFill>
+          <a:ln>
+            <a:noFill/>
+          </a:ln>
+        </p:spPr>
+        <p:style>
+          <a:lnRef idx="2">
+            <a:schemeClr val="accent1">
+              <a:shade val="50000"/>
+            </a:schemeClr>
+          </a:lnRef>
+          <a:fillRef idx="1">
+            <a:schemeClr val="accent1"/>
+          </a:fillRef>
+          <a:effectRef idx="0">
+            <a:schemeClr val="accent1"/>
+          </a:effectRef>
+          <a:fontRef idx="minor">
+            <a:schemeClr val="lt1"/>
+          </a:fontRef>
+        </p:style>
+        <p:txBody>
+          <a:bodyPr rtlCol="0" anchor="ctr"/>
+          <a:lstStyle/>
+          <a:p>
+            <a:pPr algn="ctr"/>
+            <a:endParaRPr lang="en-US"/>
+          </a:p>
+        </p:txBody>
+      </p:sp>
+      <p:sp>
+        <p:nvSpPr>
+          <p:cNvPr id="224" name="Rectangle 46">
+            <a:extLst>
+              <a:ext uri="{FF2B5EF4-FFF2-40B4-BE49-F238E27FC236}">
+                <a16:creationId xmlns:a16="http://schemas.microsoft.com/office/drawing/2014/main" id="{485C791B-FFA1-4943-B5E4-F5F145D8BDFE}"/>
+              </a:ext>
+              <a:ext uri="{C183D7F6-B498-43B3-948B-1728B52AA6E4}">
+                <adec:decorative xmlns:adec="http://schemas.microsoft.com/office/drawing/2017/decorative" val="1"/>
+              </a:ext>
+            </a:extLst>
+          </p:cNvPr>
+          <p:cNvSpPr>
+            <a:spLocks noGrp="1" noRot="1" noChangeAspect="1" noMove="1" noResize="1" noEditPoints="1" noAdjustHandles="1" noChangeArrowheads="1" noChangeShapeType="1" noTextEdit="1"/>
+          </p:cNvSpPr>
+          <p:nvPr>
+            <p:extLst>
+              <p:ext uri="{386F3935-93C4-4BCD-93E2-E3B085C9AB24}">
+                <p16:designElem xmlns:p16="http://schemas.microsoft.com/office/powerpoint/2015/main" val="1"/>
+              </p:ext>
+            </p:extLst>
+          </p:nvPr>
+        </p:nvSpPr>
+        <p:spPr>
+          <a:xfrm>
+            <a:off x="920834" y="4299696"/>
+            <a:ext cx="10222992" cy="80683"/>
+          </a:xfrm>
+          <a:prstGeom prst="rect">
+            <a:avLst/>
+          </a:prstGeom>
+          <a:blipFill dpi="0" rotWithShape="1">
+            <a:blip r:embed="rId2">
+              <a:alphaModFix amt="85000"/>
+              <a:lum bright="70000" contrast="-70000"/>
+              <a:extLst>
+                <a:ext uri="{BEBA8EAE-BF5A-486C-A8C5-ECC9F3942E4B}">
+                  <a14:imgProps xmlns:a14="http://schemas.microsoft.com/office/drawing/2010/main">
+                    <a14:imgLayer r:embed="rId3">
+                      <a14:imgEffect>
+                        <a14:sharpenSoften amount="61000"/>
+                      </a14:imgEffect>
+                    </a14:imgLayer>
+                  </a14:imgProps>
+                </a:ext>
+                <a:ext uri="{28A0092B-C50C-407E-A947-70E740481C1C}">
+                  <a14:useLocalDpi xmlns:a14="http://schemas.microsoft.com/office/drawing/2010/main" val="0"/>
+                </a:ext>
+              </a:extLst>
+            </a:blip>
+            <a:srcRect/>
+            <a:tile tx="0" ty="-717550" sx="92000" sy="89000" flip="xy" algn="ctr"/>
+          </a:blipFill>
+          <a:ln>
+            <a:noFill/>
+          </a:ln>
+        </p:spPr>
+        <p:style>
+          <a:lnRef idx="2">
+            <a:schemeClr val="accent1">
+              <a:shade val="50000"/>
+            </a:schemeClr>
+          </a:lnRef>
+          <a:fillRef idx="1">
+            <a:schemeClr val="accent1"/>
+          </a:fillRef>
+          <a:effectRef idx="0">
+            <a:schemeClr val="accent1"/>
+          </a:effectRef>
+          <a:fontRef idx="minor">
+            <a:schemeClr val="lt1"/>
+          </a:fontRef>
+        </p:style>
+        <p:txBody>
+          <a:bodyPr rtlCol="0" anchor="ctr"/>
+          <a:lstStyle/>
+          <a:p>
+            <a:pPr algn="ctr"/>
+            <a:endParaRPr lang="en-US"/>
+          </a:p>
+        </p:txBody>
+      </p:sp>
+      <p:sp>
+        <p:nvSpPr>
+          <p:cNvPr id="225" name="Rectangle 48">
+            <a:extLst>
+              <a:ext uri="{FF2B5EF4-FFF2-40B4-BE49-F238E27FC236}">
+                <a16:creationId xmlns:a16="http://schemas.microsoft.com/office/drawing/2014/main" id="{D8671DBD-7165-4BE6-80A0-045723A9A3E3}"/>
+              </a:ext>
+              <a:ext uri="{C183D7F6-B498-43B3-948B-1728B52AA6E4}">
+                <adec:decorative xmlns:adec="http://schemas.microsoft.com/office/drawing/2017/decorative" val="1"/>
+              </a:ext>
+            </a:extLst>
+          </p:cNvPr>
+          <p:cNvSpPr>
+            <a:spLocks noGrp="1" noRot="1" noChangeAspect="1" noMove="1" noResize="1" noEditPoints="1" noAdjustHandles="1" noChangeArrowheads="1" noChangeShapeType="1" noTextEdit="1"/>
+          </p:cNvSpPr>
+          <p:nvPr>
+            <p:extLst>
+              <p:ext uri="{386F3935-93C4-4BCD-93E2-E3B085C9AB24}">
+                <p16:designElem xmlns:p16="http://schemas.microsoft.com/office/powerpoint/2015/main" val="1"/>
+              </p:ext>
+            </p:extLst>
+          </p:nvPr>
+        </p:nvSpPr>
+        <p:spPr>
+          <a:xfrm>
+            <a:off x="920834" y="1484779"/>
+            <a:ext cx="10222992" cy="2743200"/>
+          </a:xfrm>
+          <a:prstGeom prst="rect">
+            <a:avLst/>
+          </a:prstGeom>
+          <a:blipFill dpi="0" rotWithShape="1">
+            <a:blip r:embed="rId2">
+              <a:alphaModFix amt="85000"/>
+              <a:lum bright="70000" contrast="-70000"/>
+              <a:extLst>
+                <a:ext uri="{BEBA8EAE-BF5A-486C-A8C5-ECC9F3942E4B}">
+                  <a14:imgProps xmlns:a14="http://schemas.microsoft.com/office/drawing/2010/main">
+                    <a14:imgLayer r:embed="rId3">
+                      <a14:imgEffect>
+                        <a14:sharpenSoften amount="61000"/>
+                      </a14:imgEffect>
+                    </a14:imgLayer>
+                  </a14:imgProps>
+                </a:ext>
+                <a:ext uri="{28A0092B-C50C-407E-A947-70E740481C1C}">
+                  <a14:useLocalDpi xmlns:a14="http://schemas.microsoft.com/office/drawing/2010/main" val="0"/>
+                </a:ext>
+              </a:extLst>
+            </a:blip>
+            <a:srcRect/>
+            <a:tile tx="0" ty="-704850" sx="92000" sy="89000" flip="xy" algn="ctr"/>
+          </a:blipFill>
+          <a:ln>
+            <a:noFill/>
+          </a:ln>
+        </p:spPr>
+        <p:style>
+          <a:lnRef idx="2">
+            <a:schemeClr val="accent1">
+              <a:shade val="50000"/>
+            </a:schemeClr>
+          </a:lnRef>
+          <a:fillRef idx="1">
+            <a:schemeClr val="accent1"/>
+          </a:fillRef>
+          <a:effectRef idx="0">
+            <a:schemeClr val="accent1"/>
+          </a:effectRef>
+          <a:fontRef idx="minor">
+            <a:schemeClr val="lt1"/>
+          </a:fontRef>
+        </p:style>
+        <p:txBody>
+          <a:bodyPr rtlCol="0" anchor="ctr"/>
+          <a:lstStyle/>
+          <a:p>
+            <a:pPr algn="ctr"/>
+            <a:endParaRPr lang="en-US"/>
+          </a:p>
+        </p:txBody>
+      </p:sp>
+      <p:grpSp>
+        <p:nvGrpSpPr>
+          <p:cNvPr id="226" name="Group 50">
+            <a:extLst>
+              <a:ext uri="{FF2B5EF4-FFF2-40B4-BE49-F238E27FC236}">
+                <a16:creationId xmlns:a16="http://schemas.microsoft.com/office/drawing/2014/main" id="{D622AD38-5C0D-490C-A06A-D1F07E29CB11}"/>
+              </a:ext>
+              <a:ext uri="{C183D7F6-B498-43B3-948B-1728B52AA6E4}">
+                <adec:decorative xmlns:adec="http://schemas.microsoft.com/office/drawing/2017/decorative" val="1"/>
+              </a:ext>
+            </a:extLst>
+          </p:cNvPr>
+          <p:cNvGrpSpPr>
+            <a:grpSpLocks noGrp="1" noUngrp="1" noRot="1" noChangeAspect="1" noMove="1" noResize="1"/>
+          </p:cNvGrpSpPr>
+          <p:nvPr>
+            <p:extLst>
+              <p:ext uri="{386F3935-93C4-4BCD-93E2-E3B085C9AB24}">
+                <p16:designElem xmlns:p16="http://schemas.microsoft.com/office/powerpoint/2015/main" val="1"/>
+              </p:ext>
+            </p:extLst>
+          </p:nvPr>
+        </p:nvGrpSpPr>
+        <p:grpSpPr>
+          <a:xfrm>
+            <a:off x="9649215" y="4068923"/>
+            <a:ext cx="1080904" cy="1080902"/>
+            <a:chOff x="9685338" y="4460675"/>
+            <a:chExt cx="1080904" cy="1080902"/>
+          </a:xfrm>
+        </p:grpSpPr>
+        <p:sp>
+          <p:nvSpPr>
+            <p:cNvPr id="52" name="Oval 51">
+              <a:extLst>
+                <a:ext uri="{FF2B5EF4-FFF2-40B4-BE49-F238E27FC236}">
+                  <a16:creationId xmlns:a16="http://schemas.microsoft.com/office/drawing/2014/main" id="{ED57AEAB-0276-4D94-93D9-3A090A1FD75A}"/>
+                </a:ext>
+                <a:ext uri="{C183D7F6-B498-43B3-948B-1728B52AA6E4}">
+                  <adec:decorative xmlns:adec="http://schemas.microsoft.com/office/drawing/2017/decorative" val="1"/>
+                </a:ext>
+              </a:extLst>
+            </p:cNvPr>
+            <p:cNvSpPr/>
+            <p:nvPr>
+              <p:extLst>
+                <p:ext uri="{386F3935-93C4-4BCD-93E2-E3B085C9AB24}">
+                  <p16:designElem xmlns:p16="http://schemas.microsoft.com/office/powerpoint/2015/main" val="1"/>
+                </p:ext>
+              </p:extLst>
+            </p:nvPr>
+          </p:nvSpPr>
+          <p:spPr>
+            <a:xfrm>
+              <a:off x="9685338" y="4460675"/>
+              <a:ext cx="1080904" cy="1080902"/>
+            </a:xfrm>
+            <a:prstGeom prst="ellipse">
+              <a:avLst/>
+            </a:prstGeom>
+            <a:blipFill dpi="0" rotWithShape="1">
+              <a:blip r:embed="rId4">
+                <a:duotone>
+                  <a:schemeClr val="accent1">
+                    <a:shade val="45000"/>
+                    <a:satMod val="135000"/>
+                  </a:schemeClr>
+                  <a:prstClr val="white"/>
+                </a:duotone>
+                <a:extLst>
+                  <a:ext uri="{BEBA8EAE-BF5A-486C-A8C5-ECC9F3942E4B}">
+                    <a14:imgProps xmlns:a14="http://schemas.microsoft.com/office/drawing/2010/main">
+                      <a14:imgLayer r:embed="rId5">
+                        <a14:imgEffect>
+                          <a14:saturation sat="95000"/>
+                        </a14:imgEffect>
+                      </a14:imgLayer>
+                    </a14:imgProps>
+                  </a:ext>
+                </a:extLst>
+              </a:blip>
+              <a:srcRect/>
+              <a:tile tx="0" ty="0" sx="85000" sy="85000" flip="none" algn="tl"/>
+            </a:blipFill>
+            <a:ln w="25400" cap="flat" cmpd="sng" algn="ctr">
+              <a:noFill/>
+              <a:prstDash val="solid"/>
+            </a:ln>
+            <a:effectLst/>
+          </p:spPr>
+          <p:txBody>
+            <a:bodyPr lIns="0" tIns="0" rIns="0" bIns="0" rtlCol="0" anchor="ctr"/>
+            <a:lstStyle/>
+            <a:p>
+              <a:pPr marL="0" marR="0" lvl="0" indent="0" algn="ctr" defTabSz="914400" eaLnBrk="1" fontAlgn="auto" latinLnBrk="0" hangingPunct="1">
+                <a:lnSpc>
+                  <a:spcPct val="100000"/>
+                </a:lnSpc>
+                <a:spcBef>
+                  <a:spcPts val="0"/>
+                </a:spcBef>
+                <a:spcAft>
+                  <a:spcPts val="0"/>
+                </a:spcAft>
+                <a:buClrTx/>
+                <a:buSzTx/>
+                <a:buFontTx/>
+                <a:buNone/>
+                <a:tabLst/>
+                <a:defRPr/>
+              </a:pPr>
+              <a:endParaRPr kumimoji="0" lang="en-US" sz="2000" b="0" i="0" u="none" strike="noStrike" kern="0" cap="none" spc="0" normalizeH="0" baseline="0" noProof="0" dirty="0">
+                <a:ln>
+                  <a:noFill/>
+                </a:ln>
+                <a:solidFill>
+                  <a:prstClr val="white"/>
+                </a:solidFill>
+                <a:effectLst/>
+                <a:uLnTx/>
+                <a:uFillTx/>
+                <a:latin typeface="Rockwell Extra Bold" pitchFamily="18" charset="0"/>
+                <a:ea typeface="+mn-ea"/>
+                <a:cs typeface="+mn-cs"/>
+              </a:endParaRPr>
+            </a:p>
+          </p:txBody>
+        </p:sp>
+        <p:sp>
+          <p:nvSpPr>
+            <p:cNvPr id="53" name="Oval 52">
+              <a:extLst>
+                <a:ext uri="{FF2B5EF4-FFF2-40B4-BE49-F238E27FC236}">
+                  <a16:creationId xmlns:a16="http://schemas.microsoft.com/office/drawing/2014/main" id="{CCF33569-0434-460F-AFA4-D829E476AE56}"/>
+                </a:ext>
+                <a:ext uri="{C183D7F6-B498-43B3-948B-1728B52AA6E4}">
+                  <adec:decorative xmlns:adec="http://schemas.microsoft.com/office/drawing/2017/decorative" val="1"/>
+                </a:ext>
+              </a:extLst>
+            </p:cNvPr>
+            <p:cNvSpPr/>
+            <p:nvPr>
+              <p:extLst>
+                <p:ext uri="{386F3935-93C4-4BCD-93E2-E3B085C9AB24}">
+                  <p16:designElem xmlns:p16="http://schemas.microsoft.com/office/powerpoint/2015/main" val="1"/>
+                </p:ext>
+              </p:extLst>
+            </p:nvPr>
+          </p:nvSpPr>
+          <p:spPr>
+            <a:xfrm>
+              <a:off x="9793429" y="4568765"/>
+              <a:ext cx="864723" cy="864722"/>
+            </a:xfrm>
+            <a:prstGeom prst="ellipse">
+              <a:avLst/>
+            </a:prstGeom>
+            <a:noFill/>
+            <a:ln w="25400" cap="flat" cmpd="sng" algn="ctr">
+              <a:solidFill>
+                <a:sysClr val="window" lastClr="FFFFFF"/>
+              </a:solidFill>
+              <a:prstDash val="solid"/>
+            </a:ln>
+            <a:effectLst/>
+          </p:spPr>
+          <p:txBody>
+            <a:bodyPr rtlCol="0" anchor="ctr"/>
+            <a:lstStyle/>
+            <a:p>
+              <a:pPr marL="0" marR="0" lvl="0" indent="0" algn="ctr" defTabSz="914400" eaLnBrk="1" fontAlgn="auto" latinLnBrk="0" hangingPunct="1">
+                <a:lnSpc>
+                  <a:spcPct val="100000"/>
+                </a:lnSpc>
+                <a:spcBef>
+                  <a:spcPts val="0"/>
+                </a:spcBef>
+                <a:spcAft>
+                  <a:spcPts val="0"/>
+                </a:spcAft>
+                <a:buClrTx/>
+                <a:buSzTx/>
+                <a:buFontTx/>
+                <a:buNone/>
+                <a:tabLst/>
+                <a:defRPr/>
+              </a:pPr>
+              <a:endParaRPr kumimoji="0" lang="en-US" sz="1800" b="0" i="0" u="none" strike="noStrike" kern="0" cap="none" spc="0" normalizeH="0" baseline="0" noProof="0" dirty="0">
+                <a:ln>
+                  <a:noFill/>
+                </a:ln>
+                <a:solidFill>
+                  <a:prstClr val="white"/>
+                </a:solidFill>
+                <a:effectLst/>
+                <a:uLnTx/>
+                <a:uFillTx/>
+                <a:latin typeface="Calibri"/>
+                <a:ea typeface="+mn-ea"/>
+                <a:cs typeface="+mn-cs"/>
+              </a:endParaRPr>
+            </a:p>
+          </p:txBody>
+        </p:sp>
+      </p:grpSp>
+      <p:sp>
+        <p:nvSpPr>
+          <p:cNvPr id="227" name="Rectangle 54">
+            <a:extLst>
+              <a:ext uri="{FF2B5EF4-FFF2-40B4-BE49-F238E27FC236}">
+                <a16:creationId xmlns:a16="http://schemas.microsoft.com/office/drawing/2014/main" id="{FC4A6789-55AC-42E6-9425-33CA7D05C941}"/>
+              </a:ext>
+              <a:ext uri="{C183D7F6-B498-43B3-948B-1728B52AA6E4}">
+                <adec:decorative xmlns:adec="http://schemas.microsoft.com/office/drawing/2017/decorative" val="1"/>
+              </a:ext>
+            </a:extLst>
+          </p:cNvPr>
+          <p:cNvSpPr>
+            <a:spLocks noGrp="1" noRot="1" noChangeAspect="1" noMove="1" noResize="1" noEditPoints="1" noAdjustHandles="1" noChangeArrowheads="1" noChangeShapeType="1" noTextEdit="1"/>
+          </p:cNvSpPr>
+          <p:nvPr>
+            <p:extLst>
+              <p:ext uri="{386F3935-93C4-4BCD-93E2-E3B085C9AB24}">
+                <p16:designElem xmlns:p16="http://schemas.microsoft.com/office/powerpoint/2015/main" val="1"/>
+              </p:ext>
+            </p:extLst>
+          </p:nvPr>
+        </p:nvSpPr>
+        <p:spPr bwMode="white">
+          <a:xfrm>
+            <a:off x="0" y="0"/>
+            <a:ext cx="12188952" cy="6858001"/>
+          </a:xfrm>
+          <a:prstGeom prst="rect">
+            <a:avLst/>
+          </a:prstGeom>
+          <a:solidFill>
+            <a:schemeClr val="bg1"/>
+          </a:solidFill>
+          <a:ln>
+            <a:noFill/>
+          </a:ln>
+        </p:spPr>
+        <p:style>
+          <a:lnRef idx="2">
+            <a:schemeClr val="accent1">
+              <a:shade val="50000"/>
+            </a:schemeClr>
+          </a:lnRef>
+          <a:fillRef idx="1">
+            <a:schemeClr val="accent1"/>
+          </a:fillRef>
+          <a:effectRef idx="0">
+            <a:schemeClr val="accent1"/>
+          </a:effectRef>
+          <a:fontRef idx="minor">
+            <a:schemeClr val="lt1"/>
+          </a:fontRef>
+        </p:style>
+        <p:txBody>
+          <a:bodyPr rot="0" spcFirstLastPara="0" vert="horz" wrap="square" lIns="91440" tIns="45720" rIns="91440" bIns="45720" numCol="1" spcCol="0" rtlCol="0" fromWordArt="0" anchor="ctr" anchorCtr="0" forceAA="0" compatLnSpc="1">
+            <a:prstTxWarp prst="textNoShape">
+              <a:avLst/>
+            </a:prstTxWarp>
+            <a:noAutofit/>
+          </a:bodyPr>
+          <a:lstStyle>
+            <a:defPPr>
+              <a:defRPr lang="en-US"/>
+            </a:defPPr>
+            <a:lvl1pPr marL="0" algn="l" defTabSz="914400" rtl="0" eaLnBrk="1" latinLnBrk="0" hangingPunct="1">
+              <a:defRPr sz="1800" kern="1200">
+                <a:solidFill>
+                  <a:schemeClr val="lt1"/>
+                </a:solidFill>
+                <a:latin typeface="+mn-lt"/>
+                <a:ea typeface="+mn-ea"/>
+                <a:cs typeface="+mn-cs"/>
+              </a:defRPr>
+            </a:lvl1pPr>
+            <a:lvl2pPr marL="457200" algn="l" defTabSz="914400" rtl="0" eaLnBrk="1" latinLnBrk="0" hangingPunct="1">
+              <a:defRPr sz="1800" kern="1200">
+                <a:solidFill>
+                  <a:schemeClr val="lt1"/>
+                </a:solidFill>
+                <a:latin typeface="+mn-lt"/>
+                <a:ea typeface="+mn-ea"/>
+                <a:cs typeface="+mn-cs"/>
+              </a:defRPr>
+            </a:lvl2pPr>
+            <a:lvl3pPr marL="914400" algn="l" defTabSz="914400" rtl="0" eaLnBrk="1" latinLnBrk="0" hangingPunct="1">
+              <a:defRPr sz="1800" kern="1200">
+                <a:solidFill>
+                  <a:schemeClr val="lt1"/>
+                </a:solidFill>
+                <a:latin typeface="+mn-lt"/>
+                <a:ea typeface="+mn-ea"/>
+                <a:cs typeface="+mn-cs"/>
+              </a:defRPr>
+            </a:lvl3pPr>
+            <a:lvl4pPr marL="1371600" algn="l" defTabSz="914400" rtl="0" eaLnBrk="1" latinLnBrk="0" hangingPunct="1">
+              <a:defRPr sz="1800" kern="1200">
+                <a:solidFill>
+                  <a:schemeClr val="lt1"/>
+                </a:solidFill>
+                <a:latin typeface="+mn-lt"/>
+                <a:ea typeface="+mn-ea"/>
+                <a:cs typeface="+mn-cs"/>
+              </a:defRPr>
+            </a:lvl4pPr>
+            <a:lvl5pPr marL="1828800" algn="l" defTabSz="914400" rtl="0" eaLnBrk="1" latinLnBrk="0" hangingPunct="1">
+              <a:defRPr sz="1800" kern="1200">
+                <a:solidFill>
+                  <a:schemeClr val="lt1"/>
+                </a:solidFill>
+                <a:latin typeface="+mn-lt"/>
+                <a:ea typeface="+mn-ea"/>
+                <a:cs typeface="+mn-cs"/>
+              </a:defRPr>
+            </a:lvl5pPr>
+            <a:lvl6pPr marL="2286000" algn="l" defTabSz="914400" rtl="0" eaLnBrk="1" latinLnBrk="0" hangingPunct="1">
+              <a:defRPr sz="1800" kern="1200">
+                <a:solidFill>
+                  <a:schemeClr val="lt1"/>
+                </a:solidFill>
+                <a:latin typeface="+mn-lt"/>
+                <a:ea typeface="+mn-ea"/>
+                <a:cs typeface="+mn-cs"/>
+              </a:defRPr>
+            </a:lvl6pPr>
+            <a:lvl7pPr marL="2743200" algn="l" defTabSz="914400" rtl="0" eaLnBrk="1" latinLnBrk="0" hangingPunct="1">
+              <a:defRPr sz="1800" kern="1200">
+                <a:solidFill>
+                  <a:schemeClr val="lt1"/>
+                </a:solidFill>
+                <a:latin typeface="+mn-lt"/>
+                <a:ea typeface="+mn-ea"/>
+                <a:cs typeface="+mn-cs"/>
+              </a:defRPr>
+            </a:lvl7pPr>
+            <a:lvl8pPr marL="3200400" algn="l" defTabSz="914400" rtl="0" eaLnBrk="1" latinLnBrk="0" hangingPunct="1">
+              <a:defRPr sz="1800" kern="1200">
+                <a:solidFill>
+                  <a:schemeClr val="lt1"/>
+                </a:solidFill>
+                <a:latin typeface="+mn-lt"/>
+                <a:ea typeface="+mn-ea"/>
+                <a:cs typeface="+mn-cs"/>
+              </a:defRPr>
+            </a:lvl8pPr>
+            <a:lvl9pPr marL="3657600" algn="l" defTabSz="914400" rtl="0" eaLnBrk="1" latinLnBrk="0" hangingPunct="1">
+              <a:defRPr sz="1800" kern="1200">
+                <a:solidFill>
+                  <a:schemeClr val="lt1"/>
+                </a:solidFill>
+                <a:latin typeface="+mn-lt"/>
+                <a:ea typeface="+mn-ea"/>
+                <a:cs typeface="+mn-cs"/>
+              </a:defRPr>
+            </a:lvl9pPr>
+          </a:lstStyle>
+          <a:p>
+            <a:pPr algn="ctr"/>
+            <a:endParaRPr lang="en-US"/>
+          </a:p>
+        </p:txBody>
+      </p:sp>
+      <p:sp>
+        <p:nvSpPr>
+          <p:cNvPr id="228" name="Rectangle 56">
+            <a:extLst>
+              <a:ext uri="{FF2B5EF4-FFF2-40B4-BE49-F238E27FC236}">
+                <a16:creationId xmlns:a16="http://schemas.microsoft.com/office/drawing/2014/main" id="{20718D89-30AF-42EF-86AB-FF232D79775F}"/>
+              </a:ext>
+              <a:ext uri="{C183D7F6-B498-43B3-948B-1728B52AA6E4}">
+                <adec:decorative xmlns:adec="http://schemas.microsoft.com/office/drawing/2017/decorative" val="1"/>
+              </a:ext>
+            </a:extLst>
+          </p:cNvPr>
+          <p:cNvSpPr>
+            <a:spLocks noGrp="1" noRot="1" noChangeAspect="1" noMove="1" noResize="1" noEditPoints="1" noAdjustHandles="1" noChangeArrowheads="1" noChangeShapeType="1" noTextEdit="1"/>
+          </p:cNvSpPr>
+          <p:nvPr>
+            <p:extLst>
+              <p:ext uri="{386F3935-93C4-4BCD-93E2-E3B085C9AB24}">
+                <p16:designElem xmlns:p16="http://schemas.microsoft.com/office/powerpoint/2015/main" val="1"/>
+              </p:ext>
+            </p:extLst>
+          </p:nvPr>
+        </p:nvSpPr>
+        <p:spPr>
+          <a:xfrm>
+            <a:off x="799087" y="1110053"/>
+            <a:ext cx="3386371" cy="4580301"/>
+          </a:xfrm>
+          <a:prstGeom prst="rect">
+            <a:avLst/>
+          </a:prstGeom>
+          <a:blipFill dpi="0" rotWithShape="1">
+            <a:blip r:embed="rId2">
+              <a:alphaModFix amt="85000"/>
+              <a:lum bright="70000" contrast="-70000"/>
+              <a:extLst>
+                <a:ext uri="{BEBA8EAE-BF5A-486C-A8C5-ECC9F3942E4B}">
+                  <a14:imgProps xmlns:a14="http://schemas.microsoft.com/office/drawing/2010/main">
+                    <a14:imgLayer r:embed="rId3">
+                      <a14:imgEffect>
+                        <a14:sharpenSoften amount="61000"/>
+                      </a14:imgEffect>
+                    </a14:imgLayer>
+                  </a14:imgProps>
+                </a:ext>
+                <a:ext uri="{28A0092B-C50C-407E-A947-70E740481C1C}">
+                  <a14:useLocalDpi xmlns:a14="http://schemas.microsoft.com/office/drawing/2010/main" val="0"/>
+                </a:ext>
+              </a:extLst>
+            </a:blip>
+            <a:srcRect/>
+            <a:tile tx="0" ty="-704850" sx="92000" sy="89000" flip="xy" algn="ctr"/>
+          </a:blipFill>
+          <a:ln>
+            <a:noFill/>
+          </a:ln>
+        </p:spPr>
+        <p:style>
+          <a:lnRef idx="2">
+            <a:schemeClr val="accent1">
+              <a:shade val="50000"/>
+            </a:schemeClr>
+          </a:lnRef>
+          <a:fillRef idx="1">
+            <a:schemeClr val="accent1"/>
+          </a:fillRef>
+          <a:effectRef idx="0">
+            <a:schemeClr val="accent1"/>
+          </a:effectRef>
+          <a:fontRef idx="minor">
+            <a:schemeClr val="lt1"/>
+          </a:fontRef>
+        </p:style>
+        <p:txBody>
+          <a:bodyPr rtlCol="0" anchor="ctr"/>
+          <a:lstStyle/>
+          <a:p>
+            <a:pPr algn="ctr"/>
+            <a:endParaRPr lang="en-US"/>
+          </a:p>
+        </p:txBody>
+      </p:sp>
+      <p:sp>
+        <p:nvSpPr>
+          <p:cNvPr id="2" name="Title 1">
+            <a:extLst>
+              <a:ext uri="{FF2B5EF4-FFF2-40B4-BE49-F238E27FC236}">
+                <a16:creationId xmlns:a16="http://schemas.microsoft.com/office/drawing/2014/main" id="{4D7CC8EA-65DE-4CED-869D-1A0FEE128838}"/>
+              </a:ext>
+            </a:extLst>
+          </p:cNvPr>
+          <p:cNvSpPr>
+            <a:spLocks noGrp="1"/>
+          </p:cNvSpPr>
+          <p:nvPr>
+            <p:ph type="title"/>
+          </p:nvPr>
+        </p:nvSpPr>
+        <p:spPr>
+          <a:xfrm>
+            <a:off x="1113719" y="1432223"/>
+            <a:ext cx="2897826" cy="3357976"/>
+          </a:xfrm>
+        </p:spPr>
+        <p:txBody>
+          <a:bodyPr vert="horz" lIns="91440" tIns="45720" rIns="91440" bIns="45720" rtlCol="0" anchor="ctr">
+            <a:normAutofit/>
+          </a:bodyPr>
+          <a:lstStyle/>
+          <a:p>
+            <a:pPr>
+              <a:lnSpc>
+                <a:spcPct val="80000"/>
+              </a:lnSpc>
+            </a:pPr>
+            <a:r>
+              <a:rPr lang="en-US" sz="2400" kern="1200" cap="all" baseline="0" dirty="0">
+                <a:blipFill dpi="0" rotWithShape="1">
+                  <a:blip r:embed="rId4"/>
+                  <a:srcRect/>
+                  <a:tile tx="6350" ty="-127000" sx="65000" sy="64000" flip="none" algn="tl"/>
+                </a:blipFill>
+                <a:latin typeface="+mj-lt"/>
+                <a:ea typeface="+mj-ea"/>
+                <a:cs typeface="+mj-cs"/>
+                <a:hlinkClick r:id="rId6"/>
+              </a:rPr>
+              <a:t>https://logic.ly/demo</a:t>
+            </a:r>
+            <a:endParaRPr lang="en-US" sz="2400" kern="1200" cap="all" baseline="0" dirty="0">
+              <a:blipFill dpi="0" rotWithShape="1">
+                <a:blip r:embed="rId4"/>
+                <a:srcRect/>
+                <a:tile tx="6350" ty="-127000" sx="65000" sy="64000" flip="none" algn="tl"/>
+              </a:blipFill>
+              <a:latin typeface="+mj-lt"/>
+              <a:ea typeface="+mj-ea"/>
+              <a:cs typeface="+mj-cs"/>
+            </a:endParaRPr>
+          </a:p>
+        </p:txBody>
+      </p:sp>
+      <p:sp>
+        <p:nvSpPr>
+          <p:cNvPr id="229" name="Rectangle 58">
+            <a:extLst>
+              <a:ext uri="{FF2B5EF4-FFF2-40B4-BE49-F238E27FC236}">
+                <a16:creationId xmlns:a16="http://schemas.microsoft.com/office/drawing/2014/main" id="{0C6CBCA2-E9FC-45B2-A370-2BA218D8A626}"/>
+              </a:ext>
+              <a:ext uri="{C183D7F6-B498-43B3-948B-1728B52AA6E4}">
+                <adec:decorative xmlns:adec="http://schemas.microsoft.com/office/drawing/2017/decorative" val="1"/>
+              </a:ext>
+            </a:extLst>
+          </p:cNvPr>
+          <p:cNvSpPr>
+            <a:spLocks noGrp="1" noRot="1" noChangeAspect="1" noMove="1" noResize="1" noEditPoints="1" noAdjustHandles="1" noChangeArrowheads="1" noChangeShapeType="1" noTextEdit="1"/>
+          </p:cNvSpPr>
+          <p:nvPr>
+            <p:extLst>
+              <p:ext uri="{386F3935-93C4-4BCD-93E2-E3B085C9AB24}">
+                <p16:designElem xmlns:p16="http://schemas.microsoft.com/office/powerpoint/2015/main" val="1"/>
+              </p:ext>
+            </p:extLst>
+          </p:nvPr>
+        </p:nvSpPr>
+        <p:spPr>
+          <a:xfrm>
+            <a:off x="799087" y="928117"/>
+            <a:ext cx="10597896" cy="80683"/>
+          </a:xfrm>
+          <a:prstGeom prst="rect">
+            <a:avLst/>
+          </a:prstGeom>
+          <a:blipFill dpi="0" rotWithShape="1">
+            <a:blip r:embed="rId2">
+              <a:alphaModFix amt="85000"/>
+              <a:lum bright="70000" contrast="-70000"/>
+              <a:extLst>
+                <a:ext uri="{BEBA8EAE-BF5A-486C-A8C5-ECC9F3942E4B}">
+                  <a14:imgProps xmlns:a14="http://schemas.microsoft.com/office/drawing/2010/main">
+                    <a14:imgLayer r:embed="rId3">
+                      <a14:imgEffect>
+                        <a14:sharpenSoften amount="61000"/>
+                      </a14:imgEffect>
+                    </a14:imgLayer>
+                  </a14:imgProps>
+                </a:ext>
+                <a:ext uri="{28A0092B-C50C-407E-A947-70E740481C1C}">
+                  <a14:useLocalDpi xmlns:a14="http://schemas.microsoft.com/office/drawing/2010/main" val="0"/>
+                </a:ext>
+              </a:extLst>
+            </a:blip>
+            <a:srcRect/>
+            <a:tile tx="0" ty="-762000" sx="92000" sy="89000" flip="xy" algn="ctr"/>
+          </a:blipFill>
+          <a:ln>
+            <a:noFill/>
+          </a:ln>
+        </p:spPr>
+        <p:style>
+          <a:lnRef idx="2">
+            <a:schemeClr val="accent1">
+              <a:shade val="50000"/>
+            </a:schemeClr>
+          </a:lnRef>
+          <a:fillRef idx="1">
+            <a:schemeClr val="accent1"/>
+          </a:fillRef>
+          <a:effectRef idx="0">
+            <a:schemeClr val="accent1"/>
+          </a:effectRef>
+          <a:fontRef idx="minor">
+            <a:schemeClr val="lt1"/>
+          </a:fontRef>
+        </p:style>
+        <p:txBody>
+          <a:bodyPr rtlCol="0" anchor="ctr"/>
+          <a:lstStyle/>
+          <a:p>
+            <a:pPr algn="ctr"/>
+            <a:endParaRPr lang="en-US"/>
+          </a:p>
+        </p:txBody>
+      </p:sp>
+      <p:pic>
+        <p:nvPicPr>
+          <p:cNvPr id="5" name="Picture 4">
+            <a:extLst>
+              <a:ext uri="{FF2B5EF4-FFF2-40B4-BE49-F238E27FC236}">
+                <a16:creationId xmlns:a16="http://schemas.microsoft.com/office/drawing/2014/main" id="{4FC4EED6-76B0-49B7-B1AE-3D4857250437}"/>
+              </a:ext>
+            </a:extLst>
+          </p:cNvPr>
+          <p:cNvPicPr>
+            <a:picLocks noChangeAspect="1"/>
+          </p:cNvPicPr>
+          <p:nvPr/>
+        </p:nvPicPr>
+        <p:blipFill>
+          <a:blip r:embed="rId7"/>
+          <a:stretch>
+            <a:fillRect/>
+          </a:stretch>
+        </p:blipFill>
+        <p:spPr>
+          <a:xfrm>
+            <a:off x="4500090" y="1405748"/>
+            <a:ext cx="3287581" cy="1561601"/>
+          </a:xfrm>
+          <a:prstGeom prst="rect">
+            <a:avLst/>
+          </a:prstGeom>
+        </p:spPr>
+      </p:pic>
+      <p:pic>
+        <p:nvPicPr>
+          <p:cNvPr id="8" name="Picture 7">
+            <a:extLst>
+              <a:ext uri="{FF2B5EF4-FFF2-40B4-BE49-F238E27FC236}">
+                <a16:creationId xmlns:a16="http://schemas.microsoft.com/office/drawing/2014/main" id="{6C437250-B2C8-4381-9D2A-73B8F16157DA}"/>
+              </a:ext>
+            </a:extLst>
+          </p:cNvPr>
+          <p:cNvPicPr>
+            <a:picLocks noChangeAspect="1"/>
+          </p:cNvPicPr>
+          <p:nvPr/>
+        </p:nvPicPr>
+        <p:blipFill>
+          <a:blip r:embed="rId8"/>
+          <a:stretch>
+            <a:fillRect/>
+          </a:stretch>
+        </p:blipFill>
+        <p:spPr>
+          <a:xfrm>
+            <a:off x="8109405" y="1397530"/>
+            <a:ext cx="3287578" cy="1578037"/>
+          </a:xfrm>
+          <a:prstGeom prst="rect">
+            <a:avLst/>
+          </a:prstGeom>
+        </p:spPr>
+      </p:pic>
+      <p:pic>
+        <p:nvPicPr>
+          <p:cNvPr id="12" name="Picture 11">
+            <a:extLst>
+              <a:ext uri="{FF2B5EF4-FFF2-40B4-BE49-F238E27FC236}">
+                <a16:creationId xmlns:a16="http://schemas.microsoft.com/office/drawing/2014/main" id="{85F0F7F4-E727-44B5-8026-335A8311098B}"/>
+              </a:ext>
+            </a:extLst>
+          </p:cNvPr>
+          <p:cNvPicPr>
+            <a:picLocks noChangeAspect="1"/>
+          </p:cNvPicPr>
+          <p:nvPr/>
+        </p:nvPicPr>
+        <p:blipFill>
+          <a:blip r:embed="rId9"/>
+          <a:stretch>
+            <a:fillRect/>
+          </a:stretch>
+        </p:blipFill>
+        <p:spPr>
+          <a:xfrm>
+            <a:off x="4500090" y="3836187"/>
+            <a:ext cx="3287581" cy="1545163"/>
+          </a:xfrm>
+          <a:prstGeom prst="rect">
+            <a:avLst/>
+          </a:prstGeom>
+        </p:spPr>
+      </p:pic>
+      <p:pic>
+        <p:nvPicPr>
+          <p:cNvPr id="10" name="Picture 9">
+            <a:extLst>
+              <a:ext uri="{FF2B5EF4-FFF2-40B4-BE49-F238E27FC236}">
+                <a16:creationId xmlns:a16="http://schemas.microsoft.com/office/drawing/2014/main" id="{3D7A7883-8A99-4ADA-9942-7BEA616F9D2D}"/>
+              </a:ext>
+            </a:extLst>
+          </p:cNvPr>
+          <p:cNvPicPr>
+            <a:picLocks noChangeAspect="1"/>
+          </p:cNvPicPr>
+          <p:nvPr/>
+        </p:nvPicPr>
+        <p:blipFill>
+          <a:blip r:embed="rId10"/>
+          <a:stretch>
+            <a:fillRect/>
+          </a:stretch>
+        </p:blipFill>
+        <p:spPr>
+          <a:xfrm>
+            <a:off x="8109405" y="3692283"/>
+            <a:ext cx="3287578" cy="1536942"/>
+          </a:xfrm>
+          <a:prstGeom prst="rect">
+            <a:avLst/>
+          </a:prstGeom>
+        </p:spPr>
+      </p:pic>
+      <p:sp>
+        <p:nvSpPr>
+          <p:cNvPr id="230" name="Rectangle 60">
+            <a:extLst>
+              <a:ext uri="{FF2B5EF4-FFF2-40B4-BE49-F238E27FC236}">
+                <a16:creationId xmlns:a16="http://schemas.microsoft.com/office/drawing/2014/main" id="{609AF6DF-BB66-41AD-AAFF-4B2CF37F1A25}"/>
+              </a:ext>
+              <a:ext uri="{C183D7F6-B498-43B3-948B-1728B52AA6E4}">
+                <adec:decorative xmlns:adec="http://schemas.microsoft.com/office/drawing/2017/decorative" val="1"/>
+              </a:ext>
+            </a:extLst>
+          </p:cNvPr>
+          <p:cNvSpPr>
+            <a:spLocks noGrp="1" noRot="1" noChangeAspect="1" noMove="1" noResize="1" noEditPoints="1" noAdjustHandles="1" noChangeArrowheads="1" noChangeShapeType="1" noTextEdit="1"/>
+          </p:cNvSpPr>
+          <p:nvPr>
+            <p:extLst>
+              <p:ext uri="{386F3935-93C4-4BCD-93E2-E3B085C9AB24}">
+                <p16:designElem xmlns:p16="http://schemas.microsoft.com/office/powerpoint/2015/main" val="1"/>
+              </p:ext>
+            </p:extLst>
+          </p:nvPr>
+        </p:nvSpPr>
+        <p:spPr>
+          <a:xfrm>
+            <a:off x="799087" y="5820583"/>
+            <a:ext cx="10597896" cy="80683"/>
+          </a:xfrm>
+          <a:prstGeom prst="rect">
+            <a:avLst/>
+          </a:prstGeom>
+          <a:blipFill dpi="0" rotWithShape="1">
+            <a:blip r:embed="rId2">
+              <a:alphaModFix amt="85000"/>
+              <a:lum bright="70000" contrast="-70000"/>
+              <a:extLst>
+                <a:ext uri="{BEBA8EAE-BF5A-486C-A8C5-ECC9F3942E4B}">
+                  <a14:imgProps xmlns:a14="http://schemas.microsoft.com/office/drawing/2010/main">
+                    <a14:imgLayer r:embed="rId3">
+                      <a14:imgEffect>
+                        <a14:sharpenSoften amount="61000"/>
+                      </a14:imgEffect>
+                    </a14:imgLayer>
+                  </a14:imgProps>
+                </a:ext>
+                <a:ext uri="{28A0092B-C50C-407E-A947-70E740481C1C}">
+                  <a14:useLocalDpi xmlns:a14="http://schemas.microsoft.com/office/drawing/2010/main" val="0"/>
+                </a:ext>
+              </a:extLst>
+            </a:blip>
+            <a:srcRect/>
+            <a:tile tx="0" ty="-762000" sx="92000" sy="89000" flip="xy" algn="ctr"/>
+          </a:blipFill>
+          <a:ln>
+            <a:noFill/>
+          </a:ln>
+        </p:spPr>
+        <p:style>
+          <a:lnRef idx="2">
+            <a:schemeClr val="accent1">
+              <a:shade val="50000"/>
+            </a:schemeClr>
+          </a:lnRef>
+          <a:fillRef idx="1">
+            <a:schemeClr val="accent1"/>
+          </a:fillRef>
+          <a:effectRef idx="0">
+            <a:schemeClr val="accent1"/>
+          </a:effectRef>
+          <a:fontRef idx="minor">
+            <a:schemeClr val="lt1"/>
+          </a:fontRef>
+        </p:style>
+        <p:txBody>
+          <a:bodyPr rtlCol="0" anchor="ctr"/>
+          <a:lstStyle/>
+          <a:p>
+            <a:pPr algn="ctr"/>
+            <a:endParaRPr lang="en-US"/>
+          </a:p>
+        </p:txBody>
+      </p:sp>
+      <p:grpSp>
+        <p:nvGrpSpPr>
+          <p:cNvPr id="231" name="Group 62">
+            <a:extLst>
+              <a:ext uri="{FF2B5EF4-FFF2-40B4-BE49-F238E27FC236}">
+                <a16:creationId xmlns:a16="http://schemas.microsoft.com/office/drawing/2014/main" id="{9C6DACB6-6C32-4382-9C54-2EA21977F34D}"/>
+              </a:ext>
+              <a:ext uri="{C183D7F6-B498-43B3-948B-1728B52AA6E4}">
+                <adec:decorative xmlns:adec="http://schemas.microsoft.com/office/drawing/2017/decorative" val="1"/>
+              </a:ext>
+            </a:extLst>
+          </p:cNvPr>
+          <p:cNvGrpSpPr>
+            <a:grpSpLocks noGrp="1" noUngrp="1" noRot="1" noChangeAspect="1" noMove="1" noResize="1"/>
+          </p:cNvGrpSpPr>
+          <p:nvPr>
+            <p:extLst>
+              <p:ext uri="{386F3935-93C4-4BCD-93E2-E3B085C9AB24}">
+                <p16:designElem xmlns:p16="http://schemas.microsoft.com/office/powerpoint/2015/main" val="1"/>
+              </p:ext>
+            </p:extLst>
+          </p:nvPr>
+        </p:nvGrpSpPr>
+        <p:grpSpPr>
+          <a:xfrm>
+            <a:off x="9731790" y="5477256"/>
+            <a:ext cx="914400" cy="914400"/>
+            <a:chOff x="9685338" y="4460675"/>
+            <a:chExt cx="1080904" cy="1080902"/>
+          </a:xfrm>
+        </p:grpSpPr>
+        <p:sp>
+          <p:nvSpPr>
+            <p:cNvPr id="64" name="Oval 63">
+              <a:extLst>
+                <a:ext uri="{FF2B5EF4-FFF2-40B4-BE49-F238E27FC236}">
+                  <a16:creationId xmlns:a16="http://schemas.microsoft.com/office/drawing/2014/main" id="{D389BFCA-D695-4FB6-A90C-0D7549676DC3}"/>
+                </a:ext>
+                <a:ext uri="{C183D7F6-B498-43B3-948B-1728B52AA6E4}">
+                  <adec:decorative xmlns:adec="http://schemas.microsoft.com/office/drawing/2017/decorative" val="1"/>
+                </a:ext>
+              </a:extLst>
+            </p:cNvPr>
+            <p:cNvSpPr/>
+            <p:nvPr>
+              <p:extLst>
+                <p:ext uri="{386F3935-93C4-4BCD-93E2-E3B085C9AB24}">
+                  <p16:designElem xmlns:p16="http://schemas.microsoft.com/office/powerpoint/2015/main" val="1"/>
+                </p:ext>
+              </p:extLst>
+            </p:nvPr>
+          </p:nvSpPr>
+          <p:spPr>
+            <a:xfrm>
+              <a:off x="9685338" y="4460675"/>
+              <a:ext cx="1080904" cy="1080902"/>
+            </a:xfrm>
+            <a:prstGeom prst="ellipse">
+              <a:avLst/>
+            </a:prstGeom>
+            <a:blipFill dpi="0" rotWithShape="1">
+              <a:blip r:embed="rId4">
+                <a:duotone>
+                  <a:schemeClr val="accent1">
+                    <a:shade val="45000"/>
+                    <a:satMod val="135000"/>
+                  </a:schemeClr>
+                  <a:prstClr val="white"/>
+                </a:duotone>
+              </a:blip>
+              <a:srcRect/>
+              <a:tile tx="0" ty="0" sx="85000" sy="85000" flip="none" algn="tl"/>
+            </a:blipFill>
+            <a:ln w="25400" cap="flat" cmpd="sng" algn="ctr">
+              <a:noFill/>
+              <a:prstDash val="solid"/>
+            </a:ln>
+            <a:effectLst/>
+          </p:spPr>
+          <p:txBody>
+            <a:bodyPr lIns="0" tIns="0" rIns="0" bIns="0" rtlCol="0" anchor="ctr"/>
+            <a:lstStyle/>
+            <a:p>
+              <a:pPr marL="0" marR="0" lvl="0" indent="0" algn="ctr" defTabSz="914400" eaLnBrk="1" fontAlgn="auto" latinLnBrk="0" hangingPunct="1">
+                <a:lnSpc>
+                  <a:spcPct val="100000"/>
+                </a:lnSpc>
+                <a:spcBef>
+                  <a:spcPts val="0"/>
+                </a:spcBef>
+                <a:spcAft>
+                  <a:spcPts val="0"/>
+                </a:spcAft>
+                <a:buClrTx/>
+                <a:buSzTx/>
+                <a:buFontTx/>
+                <a:buNone/>
+                <a:tabLst/>
+                <a:defRPr/>
+              </a:pPr>
+              <a:endParaRPr kumimoji="0" lang="en-US" sz="2000" b="0" i="0" u="none" strike="noStrike" kern="0" cap="none" spc="0" normalizeH="0" baseline="0" noProof="0" dirty="0">
+                <a:ln>
+                  <a:noFill/>
+                </a:ln>
+                <a:solidFill>
+                  <a:prstClr val="white"/>
+                </a:solidFill>
+                <a:effectLst/>
+                <a:uLnTx/>
+                <a:uFillTx/>
+                <a:latin typeface="Rockwell Extra Bold" pitchFamily="18" charset="0"/>
+                <a:ea typeface="+mn-ea"/>
+                <a:cs typeface="+mn-cs"/>
+              </a:endParaRPr>
+            </a:p>
+          </p:txBody>
+        </p:sp>
+        <p:sp>
+          <p:nvSpPr>
+            <p:cNvPr id="232" name="Oval 64">
+              <a:extLst>
+                <a:ext uri="{FF2B5EF4-FFF2-40B4-BE49-F238E27FC236}">
+                  <a16:creationId xmlns:a16="http://schemas.microsoft.com/office/drawing/2014/main" id="{4F7E4C9C-591E-4C54-9ECF-96F50A57BBBE}"/>
+                </a:ext>
+                <a:ext uri="{C183D7F6-B498-43B3-948B-1728B52AA6E4}">
+                  <adec:decorative xmlns:adec="http://schemas.microsoft.com/office/drawing/2017/decorative" val="1"/>
+                </a:ext>
+              </a:extLst>
+            </p:cNvPr>
+            <p:cNvSpPr/>
+            <p:nvPr>
+              <p:extLst>
+                <p:ext uri="{386F3935-93C4-4BCD-93E2-E3B085C9AB24}">
+                  <p16:designElem xmlns:p16="http://schemas.microsoft.com/office/powerpoint/2015/main" val="1"/>
+                </p:ext>
+              </p:extLst>
+            </p:nvPr>
+          </p:nvSpPr>
+          <p:spPr>
+            <a:xfrm>
+              <a:off x="9793429" y="4568765"/>
+              <a:ext cx="864723" cy="864722"/>
+            </a:xfrm>
+            <a:prstGeom prst="ellipse">
+              <a:avLst/>
+            </a:prstGeom>
+            <a:noFill/>
+            <a:ln w="25400" cap="flat" cmpd="sng" algn="ctr">
+              <a:solidFill>
+                <a:sysClr val="window" lastClr="FFFFFF"/>
+              </a:solidFill>
+              <a:prstDash val="solid"/>
+            </a:ln>
+            <a:effectLst/>
+          </p:spPr>
+          <p:txBody>
+            <a:bodyPr rtlCol="0" anchor="ctr"/>
+            <a:lstStyle/>
+            <a:p>
+              <a:pPr marL="0" marR="0" lvl="0" indent="0" algn="ctr" defTabSz="914400" eaLnBrk="1" fontAlgn="auto" latinLnBrk="0" hangingPunct="1">
+                <a:lnSpc>
+                  <a:spcPct val="100000"/>
+                </a:lnSpc>
+                <a:spcBef>
+                  <a:spcPts val="0"/>
+                </a:spcBef>
+                <a:spcAft>
+                  <a:spcPts val="0"/>
+                </a:spcAft>
+                <a:buClrTx/>
+                <a:buSzTx/>
+                <a:buFontTx/>
+                <a:buNone/>
+                <a:tabLst/>
+                <a:defRPr/>
+              </a:pPr>
+              <a:endParaRPr kumimoji="0" lang="en-US" sz="1800" b="0" i="0" u="none" strike="noStrike" kern="0" cap="none" spc="0" normalizeH="0" baseline="0" noProof="0" dirty="0">
+                <a:ln>
+                  <a:noFill/>
+                </a:ln>
+                <a:solidFill>
+                  <a:prstClr val="white"/>
+                </a:solidFill>
+                <a:effectLst/>
+                <a:uLnTx/>
+                <a:uFillTx/>
+                <a:latin typeface="Calibri"/>
+                <a:ea typeface="+mn-ea"/>
+                <a:cs typeface="+mn-cs"/>
+              </a:endParaRPr>
+            </a:p>
+          </p:txBody>
+        </p:sp>
+      </p:grpSp>
+    </p:spTree>
+    <p:extLst>
+      <p:ext uri="{BB962C8B-B14F-4D97-AF65-F5344CB8AC3E}">
+        <p14:creationId xmlns:p14="http://schemas.microsoft.com/office/powerpoint/2010/main" val="4235519183"/>
+      </p:ext>
+    </p:extLst>
+  </p:cSld>
+  <p:clrMapOvr>
+    <a:masterClrMapping/>
+  </p:clrMapOvr>
+</p:sld>
+</file>
+
 <file path=ppt/slides/slide2.xml><?xml version="1.0" encoding="utf-8"?>
 <p:sld xmlns:a="http://schemas.openxmlformats.org/drawingml/2006/main" xmlns:r="http://schemas.openxmlformats.org/officeDocument/2006/relationships" xmlns:p="http://schemas.openxmlformats.org/presentationml/2006/main">
   <p:cSld>
@@ -5248,14 +8360,14 @@
             <p:ph sz="quarter" idx="4"/>
             <p:extLst>
               <p:ext uri="{D42A27DB-BD31-4B8C-83A1-F6EECF244321}">
-                <p14:modId xmlns:p14="http://schemas.microsoft.com/office/powerpoint/2010/main" val="1886704652"/>
+                <p14:modId xmlns:p14="http://schemas.microsoft.com/office/powerpoint/2010/main" val="225892159"/>
               </p:ext>
             </p:extLst>
           </p:nvPr>
         </p:nvGraphicFramePr>
         <p:xfrm>
           <a:off x="6485118" y="5066075"/>
-          <a:ext cx="4754562" cy="1112520"/>
+          <a:ext cx="4754562" cy="1381760"/>
         </p:xfrm>
         <a:graphic>
           <a:graphicData uri="http://schemas.openxmlformats.org/drawingml/2006/table">
@@ -5323,7 +8435,7 @@
                       <a:pPr algn="ctr"/>
                       <a:r>
                         <a:rPr lang="en-US" dirty="0"/>
-                        <a:t>out=out</a:t>
+                        <a:t>out=out [Nand]</a:t>
                       </a:r>
                     </a:p>
                   </a:txBody>
@@ -5595,10 +8707,10 @@
       </p:grpSpPr>
       <p:sp>
         <p:nvSpPr>
-          <p:cNvPr id="263" name="Rectangle 117">
+          <p:cNvPr id="273" name="Rectangle 211">
             <a:extLst>
               <a:ext uri="{FF2B5EF4-FFF2-40B4-BE49-F238E27FC236}">
-                <a16:creationId xmlns:a16="http://schemas.microsoft.com/office/drawing/2014/main" id="{7049A7D3-684C-4C59-A4B6-7B308A6AD34D}"/>
+                <a16:creationId xmlns:a16="http://schemas.microsoft.com/office/drawing/2014/main" id="{2550AE69-AC86-4188-83E5-A856C4F1DCFF}"/>
               </a:ext>
               <a:ext uri="{C183D7F6-B498-43B3-948B-1728B52AA6E4}">
                 <adec:decorative xmlns:adec="http://schemas.microsoft.com/office/drawing/2017/decorative" val="1"/>
@@ -5666,21 +8778,13 @@
             <a:schemeClr val="lt1"/>
           </a:fontRef>
         </p:style>
-        <p:txBody>
-          <a:bodyPr rtlCol="0" anchor="ctr"/>
-          <a:lstStyle/>
-          <a:p>
-            <a:pPr algn="ctr"/>
-            <a:endParaRPr lang="en-US"/>
-          </a:p>
-        </p:txBody>
       </p:sp>
       <p:sp>
         <p:nvSpPr>
-          <p:cNvPr id="264" name="Rectangle 119">
+          <p:cNvPr id="274" name="Rectangle 213">
             <a:extLst>
               <a:ext uri="{FF2B5EF4-FFF2-40B4-BE49-F238E27FC236}">
-                <a16:creationId xmlns:a16="http://schemas.microsoft.com/office/drawing/2014/main" id="{D7B1087B-C592-40E7-B532-60B453A2FE6A}"/>
+                <a16:creationId xmlns:a16="http://schemas.microsoft.com/office/drawing/2014/main" id="{EC4CA156-2C9D-4F0C-B229-88D8B5E17BCF}"/>
               </a:ext>
               <a:ext uri="{C183D7F6-B498-43B3-948B-1728B52AA6E4}">
                 <adec:decorative xmlns:adec="http://schemas.microsoft.com/office/drawing/2017/decorative" val="1"/>
@@ -5748,21 +8852,13 @@
             <a:schemeClr val="lt1"/>
           </a:fontRef>
         </p:style>
-        <p:txBody>
-          <a:bodyPr rtlCol="0" anchor="ctr"/>
-          <a:lstStyle/>
-          <a:p>
-            <a:pPr algn="ctr"/>
-            <a:endParaRPr lang="en-US"/>
-          </a:p>
-        </p:txBody>
       </p:sp>
       <p:sp>
         <p:nvSpPr>
-          <p:cNvPr id="265" name="Rectangle 121">
+          <p:cNvPr id="275" name="Rectangle 215">
             <a:extLst>
               <a:ext uri="{FF2B5EF4-FFF2-40B4-BE49-F238E27FC236}">
-                <a16:creationId xmlns:a16="http://schemas.microsoft.com/office/drawing/2014/main" id="{14AE7447-E8F8-4A0F-9E3D-94842BFF886E}"/>
+                <a16:creationId xmlns:a16="http://schemas.microsoft.com/office/drawing/2014/main" id="{D7361ED3-EBE5-4EFC-8DA3-D0CE4BF2F4B1}"/>
               </a:ext>
               <a:ext uri="{C183D7F6-B498-43B3-948B-1728B52AA6E4}">
                 <adec:decorative xmlns:adec="http://schemas.microsoft.com/office/drawing/2017/decorative" val="1"/>
@@ -5830,21 +8926,13 @@
             <a:schemeClr val="lt1"/>
           </a:fontRef>
         </p:style>
-        <p:txBody>
-          <a:bodyPr rtlCol="0" anchor="ctr"/>
-          <a:lstStyle/>
-          <a:p>
-            <a:pPr algn="ctr"/>
-            <a:endParaRPr lang="en-US"/>
-          </a:p>
-        </p:txBody>
       </p:sp>
       <p:grpSp>
         <p:nvGrpSpPr>
-          <p:cNvPr id="266" name="Group 123">
+          <p:cNvPr id="276" name="Group 217">
             <a:extLst>
               <a:ext uri="{FF2B5EF4-FFF2-40B4-BE49-F238E27FC236}">
-                <a16:creationId xmlns:a16="http://schemas.microsoft.com/office/drawing/2014/main" id="{85981F80-69EE-4E2B-82A8-47FDFD7720AC}"/>
+                <a16:creationId xmlns:a16="http://schemas.microsoft.com/office/drawing/2014/main" id="{85105087-7F16-4C94-837C-C45445116665}"/>
               </a:ext>
               <a:ext uri="{C183D7F6-B498-43B3-948B-1728B52AA6E4}">
                 <adec:decorative xmlns:adec="http://schemas.microsoft.com/office/drawing/2017/decorative" val="1"/>
@@ -5872,10 +8960,10 @@
         </p:grpSpPr>
         <p:sp>
           <p:nvSpPr>
-            <p:cNvPr id="125" name="Oval 124">
+            <p:cNvPr id="219" name="Oval 218">
               <a:extLst>
                 <a:ext uri="{FF2B5EF4-FFF2-40B4-BE49-F238E27FC236}">
-                  <a16:creationId xmlns:a16="http://schemas.microsoft.com/office/drawing/2014/main" id="{46CE0473-0B07-47EE-A016-EBD87F2C8C9C}"/>
+                  <a16:creationId xmlns:a16="http://schemas.microsoft.com/office/drawing/2014/main" id="{4F2F3467-E50F-4A91-B27D-E324936A66D0}"/>
                 </a:ext>
                 <a:ext uri="{C183D7F6-B498-43B3-948B-1728B52AA6E4}">
                   <adec:decorative xmlns:adec="http://schemas.microsoft.com/office/drawing/2017/decorative" val="1"/>
@@ -5929,50 +9017,13 @@
             </a:ln>
             <a:effectLst/>
           </p:spPr>
-          <p:txBody>
-            <a:bodyPr lIns="0" tIns="0" rIns="0" bIns="0" rtlCol="0" anchor="ctr"/>
-            <a:lstStyle/>
-            <a:p>
-              <a:pPr marL="0" marR="0" lvl="0" indent="0" algn="ctr" defTabSz="914400" eaLnBrk="1" fontAlgn="auto" latinLnBrk="0" hangingPunct="1">
-                <a:lnSpc>
-                  <a:spcPct val="100000"/>
-                </a:lnSpc>
-                <a:spcBef>
-                  <a:spcPts val="0"/>
-                </a:spcBef>
-                <a:spcAft>
-                  <a:spcPts val="0"/>
-                </a:spcAft>
-                <a:buClrTx/>
-                <a:buSzTx/>
-                <a:buFontTx/>
-                <a:buNone/>
-                <a:tabLst/>
-                <a:defRPr/>
-              </a:pPr>
-              <a:endParaRPr kumimoji="0" lang="en-US" sz="2000" b="0" i="0" u="none" strike="noStrike" kern="0" cap="none" spc="0" normalizeH="0" baseline="0" noProof="0" dirty="0">
-                <a:ln>
-                  <a:noFill/>
-                </a:ln>
-                <a:solidFill>
-                  <a:prstClr val="white"/>
-                </a:solidFill>
-                <a:effectLst/>
-                <a:uLnTx/>
-                <a:uFillTx/>
-                <a:latin typeface="Rockwell Extra Bold" pitchFamily="18" charset="0"/>
-                <a:ea typeface="+mn-ea"/>
-                <a:cs typeface="+mn-cs"/>
-              </a:endParaRPr>
-            </a:p>
-          </p:txBody>
         </p:sp>
         <p:sp>
           <p:nvSpPr>
-            <p:cNvPr id="126" name="Oval 125">
+            <p:cNvPr id="220" name="Oval 219">
               <a:extLst>
                 <a:ext uri="{FF2B5EF4-FFF2-40B4-BE49-F238E27FC236}">
-                  <a16:creationId xmlns:a16="http://schemas.microsoft.com/office/drawing/2014/main" id="{EDD0D1E4-DFCA-4DF0-9D37-571A5F529F0A}"/>
+                  <a16:creationId xmlns:a16="http://schemas.microsoft.com/office/drawing/2014/main" id="{D678BE03-AC84-4940-A7FD-5B143FE2D65D}"/>
                 </a:ext>
                 <a:ext uri="{C183D7F6-B498-43B3-948B-1728B52AA6E4}">
                   <adec:decorative xmlns:adec="http://schemas.microsoft.com/office/drawing/2017/decorative" val="1"/>
@@ -6005,51 +9056,14 @@
             </a:ln>
             <a:effectLst/>
           </p:spPr>
-          <p:txBody>
-            <a:bodyPr rtlCol="0" anchor="ctr"/>
-            <a:lstStyle/>
-            <a:p>
-              <a:pPr marL="0" marR="0" lvl="0" indent="0" algn="ctr" defTabSz="914400" eaLnBrk="1" fontAlgn="auto" latinLnBrk="0" hangingPunct="1">
-                <a:lnSpc>
-                  <a:spcPct val="100000"/>
-                </a:lnSpc>
-                <a:spcBef>
-                  <a:spcPts val="0"/>
-                </a:spcBef>
-                <a:spcAft>
-                  <a:spcPts val="0"/>
-                </a:spcAft>
-                <a:buClrTx/>
-                <a:buSzTx/>
-                <a:buFontTx/>
-                <a:buNone/>
-                <a:tabLst/>
-                <a:defRPr/>
-              </a:pPr>
-              <a:endParaRPr kumimoji="0" lang="en-US" sz="1800" b="0" i="0" u="none" strike="noStrike" kern="0" cap="none" spc="0" normalizeH="0" baseline="0" noProof="0" dirty="0">
-                <a:ln>
-                  <a:noFill/>
-                </a:ln>
-                <a:solidFill>
-                  <a:prstClr val="white"/>
-                </a:solidFill>
-                <a:effectLst/>
-                <a:uLnTx/>
-                <a:uFillTx/>
-                <a:latin typeface="Calibri"/>
-                <a:ea typeface="+mn-ea"/>
-                <a:cs typeface="+mn-cs"/>
-              </a:endParaRPr>
-            </a:p>
-          </p:txBody>
         </p:sp>
       </p:grpSp>
       <p:sp useBgFill="1">
         <p:nvSpPr>
-          <p:cNvPr id="267" name="Rectangle 127">
+          <p:cNvPr id="277" name="Rectangle 221">
             <a:extLst>
               <a:ext uri="{FF2B5EF4-FFF2-40B4-BE49-F238E27FC236}">
-                <a16:creationId xmlns:a16="http://schemas.microsoft.com/office/drawing/2014/main" id="{FF0965A7-524A-44F1-B044-48411EA4FD85}"/>
+                <a16:creationId xmlns:a16="http://schemas.microsoft.com/office/drawing/2014/main" id="{19A1D830-E73C-47A9-A534-323CEEFF5B32}"/>
               </a:ext>
               <a:ext uri="{C183D7F6-B498-43B3-948B-1728B52AA6E4}">
                 <adec:decorative xmlns:adec="http://schemas.microsoft.com/office/drawing/2017/decorative" val="1"/>
@@ -6067,10 +9081,10 @@
             </p:extLst>
           </p:nvPr>
         </p:nvSpPr>
-        <p:spPr bwMode="white">
+        <p:spPr>
           <a:xfrm>
             <a:off x="0" y="0"/>
-            <a:ext cx="12188952" cy="6858001"/>
+            <a:ext cx="12192000" cy="6858000"/>
           </a:xfrm>
           <a:prstGeom prst="rect">
             <a:avLst/>
@@ -6096,107 +9110,8 @@
           </a:fontRef>
         </p:style>
         <p:txBody>
-          <a:bodyPr rot="0" spcFirstLastPara="0" vert="horz" wrap="square" lIns="91440" tIns="45720" rIns="91440" bIns="45720" numCol="1" spcCol="0" rtlCol="0" fromWordArt="0" anchor="ctr" anchorCtr="0" forceAA="0" compatLnSpc="1">
-            <a:prstTxWarp prst="textNoShape">
-              <a:avLst/>
-            </a:prstTxWarp>
-            <a:noAutofit/>
-          </a:bodyPr>
-          <a:lstStyle>
-            <a:defPPr>
-              <a:defRPr lang="en-US"/>
-            </a:defPPr>
-            <a:lvl1pPr marL="0" algn="l" defTabSz="914400" rtl="0" eaLnBrk="1" latinLnBrk="0" hangingPunct="1">
-              <a:defRPr sz="1800" kern="1200">
-                <a:solidFill>
-                  <a:schemeClr val="lt1"/>
-                </a:solidFill>
-                <a:latin typeface="+mn-lt"/>
-                <a:ea typeface="+mn-ea"/>
-                <a:cs typeface="+mn-cs"/>
-              </a:defRPr>
-            </a:lvl1pPr>
-            <a:lvl2pPr marL="457200" algn="l" defTabSz="914400" rtl="0" eaLnBrk="1" latinLnBrk="0" hangingPunct="1">
-              <a:defRPr sz="1800" kern="1200">
-                <a:solidFill>
-                  <a:schemeClr val="lt1"/>
-                </a:solidFill>
-                <a:latin typeface="+mn-lt"/>
-                <a:ea typeface="+mn-ea"/>
-                <a:cs typeface="+mn-cs"/>
-              </a:defRPr>
-            </a:lvl2pPr>
-            <a:lvl3pPr marL="914400" algn="l" defTabSz="914400" rtl="0" eaLnBrk="1" latinLnBrk="0" hangingPunct="1">
-              <a:defRPr sz="1800" kern="1200">
-                <a:solidFill>
-                  <a:schemeClr val="lt1"/>
-                </a:solidFill>
-                <a:latin typeface="+mn-lt"/>
-                <a:ea typeface="+mn-ea"/>
-                <a:cs typeface="+mn-cs"/>
-              </a:defRPr>
-            </a:lvl3pPr>
-            <a:lvl4pPr marL="1371600" algn="l" defTabSz="914400" rtl="0" eaLnBrk="1" latinLnBrk="0" hangingPunct="1">
-              <a:defRPr sz="1800" kern="1200">
-                <a:solidFill>
-                  <a:schemeClr val="lt1"/>
-                </a:solidFill>
-                <a:latin typeface="+mn-lt"/>
-                <a:ea typeface="+mn-ea"/>
-                <a:cs typeface="+mn-cs"/>
-              </a:defRPr>
-            </a:lvl4pPr>
-            <a:lvl5pPr marL="1828800" algn="l" defTabSz="914400" rtl="0" eaLnBrk="1" latinLnBrk="0" hangingPunct="1">
-              <a:defRPr sz="1800" kern="1200">
-                <a:solidFill>
-                  <a:schemeClr val="lt1"/>
-                </a:solidFill>
-                <a:latin typeface="+mn-lt"/>
-                <a:ea typeface="+mn-ea"/>
-                <a:cs typeface="+mn-cs"/>
-              </a:defRPr>
-            </a:lvl5pPr>
-            <a:lvl6pPr marL="2286000" algn="l" defTabSz="914400" rtl="0" eaLnBrk="1" latinLnBrk="0" hangingPunct="1">
-              <a:defRPr sz="1800" kern="1200">
-                <a:solidFill>
-                  <a:schemeClr val="lt1"/>
-                </a:solidFill>
-                <a:latin typeface="+mn-lt"/>
-                <a:ea typeface="+mn-ea"/>
-                <a:cs typeface="+mn-cs"/>
-              </a:defRPr>
-            </a:lvl6pPr>
-            <a:lvl7pPr marL="2743200" algn="l" defTabSz="914400" rtl="0" eaLnBrk="1" latinLnBrk="0" hangingPunct="1">
-              <a:defRPr sz="1800" kern="1200">
-                <a:solidFill>
-                  <a:schemeClr val="lt1"/>
-                </a:solidFill>
-                <a:latin typeface="+mn-lt"/>
-                <a:ea typeface="+mn-ea"/>
-                <a:cs typeface="+mn-cs"/>
-              </a:defRPr>
-            </a:lvl7pPr>
-            <a:lvl8pPr marL="3200400" algn="l" defTabSz="914400" rtl="0" eaLnBrk="1" latinLnBrk="0" hangingPunct="1">
-              <a:defRPr sz="1800" kern="1200">
-                <a:solidFill>
-                  <a:schemeClr val="lt1"/>
-                </a:solidFill>
-                <a:latin typeface="+mn-lt"/>
-                <a:ea typeface="+mn-ea"/>
-                <a:cs typeface="+mn-cs"/>
-              </a:defRPr>
-            </a:lvl8pPr>
-            <a:lvl9pPr marL="3657600" algn="l" defTabSz="914400" rtl="0" eaLnBrk="1" latinLnBrk="0" hangingPunct="1">
-              <a:defRPr sz="1800" kern="1200">
-                <a:solidFill>
-                  <a:schemeClr val="lt1"/>
-                </a:solidFill>
-                <a:latin typeface="+mn-lt"/>
-                <a:ea typeface="+mn-ea"/>
-                <a:cs typeface="+mn-cs"/>
-              </a:defRPr>
-            </a:lvl9pPr>
-          </a:lstStyle>
+          <a:bodyPr rtlCol="0" anchor="ctr"/>
+          <a:lstStyle/>
           <a:p>
             <a:pPr algn="ctr"/>
             <a:endParaRPr lang="en-US"/>
@@ -6205,10 +9120,10 @@
       </p:sp>
       <p:sp>
         <p:nvSpPr>
-          <p:cNvPr id="268" name="Rectangle 129">
+          <p:cNvPr id="278" name="Rectangle 223">
             <a:extLst>
               <a:ext uri="{FF2B5EF4-FFF2-40B4-BE49-F238E27FC236}">
-                <a16:creationId xmlns:a16="http://schemas.microsoft.com/office/drawing/2014/main" id="{58EE5433-7B78-4432-965F-8790C3F425BE}"/>
+                <a16:creationId xmlns:a16="http://schemas.microsoft.com/office/drawing/2014/main" id="{8F69FBEC-4C47-4288-962D-3FC20C79F3F5}"/>
               </a:ext>
               <a:ext uri="{C183D7F6-B498-43B3-948B-1728B52AA6E4}">
                 <adec:decorative xmlns:adec="http://schemas.microsoft.com/office/drawing/2017/decorative" val="1"/>
@@ -6228,97 +9143,15 @@
         </p:nvSpPr>
         <p:spPr>
           <a:xfrm>
-            <a:off x="641604" y="653241"/>
-            <a:ext cx="10908792" cy="80683"/>
+            <a:off x="0" y="0"/>
+            <a:ext cx="12192000" cy="6857999"/>
           </a:xfrm>
           <a:prstGeom prst="rect">
             <a:avLst/>
           </a:prstGeom>
           <a:blipFill dpi="0" rotWithShape="1">
             <a:blip r:embed="rId2">
-              <a:alphaModFix amt="85000"/>
-              <a:lum bright="70000" contrast="-70000"/>
-              <a:extLst>
-                <a:ext uri="{BEBA8EAE-BF5A-486C-A8C5-ECC9F3942E4B}">
-                  <a14:imgProps xmlns:a14="http://schemas.microsoft.com/office/drawing/2010/main">
-                    <a14:imgLayer r:embed="rId3">
-                      <a14:imgEffect>
-                        <a14:sharpenSoften amount="61000"/>
-                      </a14:imgEffect>
-                    </a14:imgLayer>
-                  </a14:imgProps>
-                </a:ext>
-                <a:ext uri="{28A0092B-C50C-407E-A947-70E740481C1C}">
-                  <a14:useLocalDpi xmlns:a14="http://schemas.microsoft.com/office/drawing/2010/main" val="0"/>
-                </a:ext>
-              </a:extLst>
-            </a:blip>
-            <a:srcRect/>
-            <a:tile tx="0" ty="-762000" sx="92000" sy="89000" flip="xy" algn="ctr"/>
-          </a:blipFill>
-          <a:ln>
-            <a:noFill/>
-          </a:ln>
-        </p:spPr>
-        <p:style>
-          <a:lnRef idx="2">
-            <a:schemeClr val="accent1">
-              <a:shade val="50000"/>
-            </a:schemeClr>
-          </a:lnRef>
-          <a:fillRef idx="1">
-            <a:schemeClr val="accent1"/>
-          </a:fillRef>
-          <a:effectRef idx="0">
-            <a:schemeClr val="accent1"/>
-          </a:effectRef>
-          <a:fontRef idx="minor">
-            <a:schemeClr val="lt1"/>
-          </a:fontRef>
-        </p:style>
-        <p:txBody>
-          <a:bodyPr rtlCol="0" anchor="ctr"/>
-          <a:lstStyle/>
-          <a:p>
-            <a:pPr algn="ctr"/>
-            <a:endParaRPr lang="en-US"/>
-          </a:p>
-        </p:txBody>
-      </p:sp>
-      <p:sp>
-        <p:nvSpPr>
-          <p:cNvPr id="269" name="Rectangle 131">
-            <a:extLst>
-              <a:ext uri="{FF2B5EF4-FFF2-40B4-BE49-F238E27FC236}">
-                <a16:creationId xmlns:a16="http://schemas.microsoft.com/office/drawing/2014/main" id="{8F7AAA96-ECD9-48EA-B942-1172BB519BB0}"/>
-              </a:ext>
-              <a:ext uri="{C183D7F6-B498-43B3-948B-1728B52AA6E4}">
-                <adec:decorative xmlns:adec="http://schemas.microsoft.com/office/drawing/2017/decorative" val="1"/>
-              </a:ext>
-            </a:extLst>
-          </p:cNvPr>
-          <p:cNvSpPr>
-            <a:spLocks noGrp="1" noRot="1" noChangeAspect="1" noMove="1" noResize="1" noEditPoints="1" noAdjustHandles="1" noChangeArrowheads="1" noChangeShapeType="1" noTextEdit="1"/>
-          </p:cNvSpPr>
-          <p:nvPr>
-            <p:extLst>
-              <p:ext uri="{386F3935-93C4-4BCD-93E2-E3B085C9AB24}">
-                <p16:designElem xmlns:p16="http://schemas.microsoft.com/office/powerpoint/2015/main" val="1"/>
-              </p:ext>
-            </p:extLst>
-          </p:nvPr>
-        </p:nvSpPr>
-        <p:spPr>
-          <a:xfrm>
-            <a:off x="6400801" y="822325"/>
-            <a:ext cx="5149596" cy="4846228"/>
-          </a:xfrm>
-          <a:prstGeom prst="rect">
-            <a:avLst/>
-          </a:prstGeom>
-          <a:blipFill dpi="0" rotWithShape="1">
-            <a:blip r:embed="rId2">
-              <a:alphaModFix amt="85000"/>
+              <a:alphaModFix amt="60000"/>
               <a:lum bright="70000" contrast="-70000"/>
               <a:extLst>
                 <a:ext uri="{BEBA8EAE-BF5A-486C-A8C5-ECC9F3942E4B}">
@@ -6385,12 +9218,12 @@
         </p:nvSpPr>
         <p:spPr>
           <a:xfrm>
-            <a:off x="6713220" y="1054100"/>
-            <a:ext cx="4615180" cy="3736099"/>
+            <a:off x="7534654" y="702365"/>
+            <a:ext cx="3896264" cy="3765666"/>
           </a:xfrm>
         </p:spPr>
         <p:txBody>
-          <a:bodyPr vert="horz" lIns="91440" tIns="45720" rIns="91440" bIns="45720" rtlCol="0" anchor="ctr">
+          <a:bodyPr vert="horz" lIns="91440" tIns="45720" rIns="91440" bIns="45720" rtlCol="0" anchor="b">
             <a:noAutofit/>
           </a:bodyPr>
           <a:lstStyle/>
@@ -6401,106 +9234,24 @@
               </a:lnSpc>
             </a:pPr>
             <a:r>
-              <a:rPr lang="en-US" sz="8000" dirty="0">
+              <a:rPr lang="en-US" sz="7200">
                 <a:blipFill dpi="0" rotWithShape="1">
                   <a:blip r:embed="rId4"/>
                   <a:srcRect/>
                   <a:tile tx="6350" ty="-127000" sx="65000" sy="64000" flip="none" algn="tl"/>
                 </a:blipFill>
               </a:rPr>
-              <a:t>Not gate VHDL CODE</a:t>
+              <a:t>Not gate HDL CODE</a:t>
             </a:r>
-          </a:p>
-        </p:txBody>
-      </p:sp>
-      <p:sp>
-        <p:nvSpPr>
-          <p:cNvPr id="270" name="Rectangle 133">
-            <a:extLst>
-              <a:ext uri="{FF2B5EF4-FFF2-40B4-BE49-F238E27FC236}">
-                <a16:creationId xmlns:a16="http://schemas.microsoft.com/office/drawing/2014/main" id="{248BD5A8-902E-46F3-9C9F-F939987C5E32}"/>
-              </a:ext>
-              <a:ext uri="{C183D7F6-B498-43B3-948B-1728B52AA6E4}">
-                <adec:decorative xmlns:adec="http://schemas.microsoft.com/office/drawing/2017/decorative" val="1"/>
-              </a:ext>
-            </a:extLst>
-          </p:cNvPr>
-          <p:cNvSpPr>
-            <a:spLocks noGrp="1" noRot="1" noChangeAspect="1" noMove="1" noResize="1" noEditPoints="1" noAdjustHandles="1" noChangeArrowheads="1" noChangeShapeType="1" noTextEdit="1"/>
-          </p:cNvSpPr>
-          <p:nvPr>
-            <p:extLst>
-              <p:ext uri="{386F3935-93C4-4BCD-93E2-E3B085C9AB24}">
-                <p16:designElem xmlns:p16="http://schemas.microsoft.com/office/powerpoint/2015/main" val="1"/>
-              </p:ext>
-            </p:extLst>
-          </p:nvPr>
-        </p:nvSpPr>
-        <p:spPr>
-          <a:xfrm>
-            <a:off x="641604" y="5756954"/>
-            <a:ext cx="10908792" cy="80683"/>
-          </a:xfrm>
-          <a:prstGeom prst="rect">
-            <a:avLst/>
-          </a:prstGeom>
-          <a:blipFill dpi="0" rotWithShape="1">
-            <a:blip r:embed="rId2">
-              <a:alphaModFix amt="85000"/>
-              <a:lum bright="70000" contrast="-70000"/>
-              <a:extLst>
-                <a:ext uri="{BEBA8EAE-BF5A-486C-A8C5-ECC9F3942E4B}">
-                  <a14:imgProps xmlns:a14="http://schemas.microsoft.com/office/drawing/2010/main">
-                    <a14:imgLayer r:embed="rId3">
-                      <a14:imgEffect>
-                        <a14:sharpenSoften amount="61000"/>
-                      </a14:imgEffect>
-                    </a14:imgLayer>
-                  </a14:imgProps>
-                </a:ext>
-                <a:ext uri="{28A0092B-C50C-407E-A947-70E740481C1C}">
-                  <a14:useLocalDpi xmlns:a14="http://schemas.microsoft.com/office/drawing/2010/main" val="0"/>
-                </a:ext>
-              </a:extLst>
-            </a:blip>
-            <a:srcRect/>
-            <a:tile tx="0" ty="-762000" sx="92000" sy="89000" flip="xy" algn="ctr"/>
-          </a:blipFill>
-          <a:ln>
-            <a:noFill/>
-          </a:ln>
-        </p:spPr>
-        <p:style>
-          <a:lnRef idx="2">
-            <a:schemeClr val="accent1">
-              <a:shade val="50000"/>
-            </a:schemeClr>
-          </a:lnRef>
-          <a:fillRef idx="1">
-            <a:schemeClr val="accent1"/>
-          </a:fillRef>
-          <a:effectRef idx="0">
-            <a:schemeClr val="accent1"/>
-          </a:effectRef>
-          <a:fontRef idx="minor">
-            <a:schemeClr val="lt1"/>
-          </a:fontRef>
-        </p:style>
-        <p:txBody>
-          <a:bodyPr rtlCol="0" anchor="ctr"/>
-          <a:lstStyle/>
-          <a:p>
-            <a:pPr algn="ctr"/>
-            <a:endParaRPr lang="en-US"/>
           </a:p>
         </p:txBody>
       </p:sp>
       <p:grpSp>
         <p:nvGrpSpPr>
-          <p:cNvPr id="271" name="Group 135">
+          <p:cNvPr id="279" name="Group 225">
             <a:extLst>
               <a:ext uri="{FF2B5EF4-FFF2-40B4-BE49-F238E27FC236}">
-                <a16:creationId xmlns:a16="http://schemas.microsoft.com/office/drawing/2014/main" id="{3800B863-FA71-4FFB-9F30-56E95B0D3DF0}"/>
+                <a16:creationId xmlns:a16="http://schemas.microsoft.com/office/drawing/2014/main" id="{54F6FC82-E588-4DA0-8096-0C3BD54F17B5}"/>
               </a:ext>
               <a:ext uri="{C183D7F6-B498-43B3-948B-1728B52AA6E4}">
                 <adec:decorative xmlns:adec="http://schemas.microsoft.com/office/drawing/2017/decorative" val="1"/>
@@ -6520,18 +9271,18 @@
         </p:nvGrpSpPr>
         <p:grpSpPr>
           <a:xfrm>
-            <a:off x="9646920" y="5257800"/>
-            <a:ext cx="1080904" cy="1080902"/>
-            <a:chOff x="9685338" y="4460675"/>
-            <a:chExt cx="1080904" cy="1080902"/>
+            <a:off x="11401724" y="6229681"/>
+            <a:ext cx="457200" cy="457200"/>
+            <a:chOff x="11361456" y="6195813"/>
+            <a:chExt cx="548640" cy="548640"/>
           </a:xfrm>
         </p:grpSpPr>
         <p:sp>
           <p:nvSpPr>
-            <p:cNvPr id="137" name="Oval 136">
+            <p:cNvPr id="227" name="Oval 226">
               <a:extLst>
                 <a:ext uri="{FF2B5EF4-FFF2-40B4-BE49-F238E27FC236}">
-                  <a16:creationId xmlns:a16="http://schemas.microsoft.com/office/drawing/2014/main" id="{F974AC77-F93C-4C47-8BA3-991BBA2EF1C1}"/>
+                  <a16:creationId xmlns:a16="http://schemas.microsoft.com/office/drawing/2014/main" id="{E8898E90-044F-45FF-8B4D-CE0F6A630A46}"/>
                 </a:ext>
                 <a:ext uri="{C183D7F6-B498-43B3-948B-1728B52AA6E4}">
                   <adec:decorative xmlns:adec="http://schemas.microsoft.com/office/drawing/2017/decorative" val="1"/>
@@ -6549,14 +9300,14 @@
           </p:nvSpPr>
           <p:spPr>
             <a:xfrm>
-              <a:off x="9685338" y="4460675"/>
-              <a:ext cx="1080904" cy="1080902"/>
+              <a:off x="11361456" y="6195813"/>
+              <a:ext cx="548640" cy="548640"/>
             </a:xfrm>
             <a:prstGeom prst="ellipse">
               <a:avLst/>
             </a:prstGeom>
             <a:blipFill dpi="0" rotWithShape="1">
-              <a:blip r:embed="rId4">
+              <a:blip r:embed="rId6">
                 <a:duotone>
                   <a:schemeClr val="accent1">
                     <a:shade val="45000"/>
@@ -6566,7 +9317,7 @@
                 </a:duotone>
               </a:blip>
               <a:srcRect/>
-              <a:tile tx="0" ty="0" sx="85000" sy="85000" flip="none" algn="tl"/>
+              <a:tile tx="50800" ty="0" sx="85000" sy="85000" flip="none" algn="tl"/>
             </a:blipFill>
             <a:ln w="25400" cap="flat" cmpd="sng" algn="ctr">
               <a:noFill/>
@@ -6614,10 +9365,10 @@
         </p:sp>
         <p:sp>
           <p:nvSpPr>
-            <p:cNvPr id="138" name="Oval 137">
+            <p:cNvPr id="228" name="Oval 227">
               <a:extLst>
                 <a:ext uri="{FF2B5EF4-FFF2-40B4-BE49-F238E27FC236}">
-                  <a16:creationId xmlns:a16="http://schemas.microsoft.com/office/drawing/2014/main" id="{B170C1A4-4B9C-47A6-981D-0D71C56856E8}"/>
+                  <a16:creationId xmlns:a16="http://schemas.microsoft.com/office/drawing/2014/main" id="{923BF161-A852-4DA5-BB4C-2DFC336B7779}"/>
                 </a:ext>
                 <a:ext uri="{C183D7F6-B498-43B3-948B-1728B52AA6E4}">
                   <adec:decorative xmlns:adec="http://schemas.microsoft.com/office/drawing/2017/decorative" val="1"/>
@@ -6635,16 +9386,16 @@
           </p:nvSpPr>
           <p:spPr>
             <a:xfrm>
-              <a:off x="9793429" y="4568765"/>
-              <a:ext cx="864723" cy="864722"/>
+              <a:off x="11396488" y="6230844"/>
+              <a:ext cx="478576" cy="478578"/>
             </a:xfrm>
             <a:prstGeom prst="ellipse">
               <a:avLst/>
             </a:prstGeom>
             <a:noFill/>
-            <a:ln w="25400" cap="flat" cmpd="sng" algn="ctr">
+            <a:ln w="12700" cap="flat" cmpd="sng" algn="ctr">
               <a:solidFill>
-                <a:sysClr val="window" lastClr="FFFFFF"/>
+                <a:srgbClr val="FFFFFF"/>
               </a:solidFill>
               <a:prstDash val="solid"/>
             </a:ln>
@@ -6691,10 +9442,10 @@
       </p:grpSp>
       <p:pic>
         <p:nvPicPr>
-          <p:cNvPr id="113" name="Picture 112">
+          <p:cNvPr id="2" name="Picture 1">
             <a:extLst>
               <a:ext uri="{FF2B5EF4-FFF2-40B4-BE49-F238E27FC236}">
-                <a16:creationId xmlns:a16="http://schemas.microsoft.com/office/drawing/2014/main" id="{FE57B1E5-82C3-49F4-A24A-46316EAC314F}"/>
+                <a16:creationId xmlns:a16="http://schemas.microsoft.com/office/drawing/2014/main" id="{31382246-F5DB-42FD-A3E4-9F12F6750CC2}"/>
               </a:ext>
             </a:extLst>
           </p:cNvPr>
@@ -6704,15 +9455,15 @@
           <p:nvPr/>
         </p:nvPicPr>
         <p:blipFill>
-          <a:blip r:embed="rId6"/>
+          <a:blip r:embed="rId7"/>
           <a:stretch>
             <a:fillRect/>
           </a:stretch>
         </p:blipFill>
         <p:spPr>
           <a:xfrm>
-            <a:off x="633999" y="1113645"/>
-            <a:ext cx="5462001" cy="4263587"/>
+            <a:off x="-20954" y="513993"/>
+            <a:ext cx="7359659" cy="5744881"/>
           </a:xfrm>
           <a:prstGeom prst="rect">
             <a:avLst/>
@@ -7515,7 +10266,7 @@
               </a:lnSpc>
             </a:pPr>
             <a:r>
-              <a:rPr lang="en-US" sz="7200" kern="1200" cap="all" baseline="0">
+              <a:rPr lang="en-US" sz="7200" kern="1200" cap="all" baseline="0" dirty="0">
                 <a:blipFill dpi="0" rotWithShape="1">
                   <a:blip r:embed="rId4"/>
                   <a:srcRect/>
@@ -7525,7 +10276,7 @@
                 <a:ea typeface="+mj-ea"/>
                 <a:cs typeface="+mj-cs"/>
               </a:rPr>
-              <a:t>Test results</a:t>
+              <a:t>NOT Test results</a:t>
             </a:r>
           </a:p>
         </p:txBody>
@@ -8807,6 +11558,1557 @@
     <p:extLst>
       <p:ext uri="{BB962C8B-B14F-4D97-AF65-F5344CB8AC3E}">
         <p14:creationId xmlns:p14="http://schemas.microsoft.com/office/powerpoint/2010/main" val="4206837691"/>
+      </p:ext>
+    </p:extLst>
+  </p:cSld>
+  <p:clrMapOvr>
+    <a:masterClrMapping/>
+  </p:clrMapOvr>
+</p:sld>
+</file>
+
+<file path=ppt/slides/slide8.xml><?xml version="1.0" encoding="utf-8"?>
+<p:sld xmlns:a="http://schemas.openxmlformats.org/drawingml/2006/main" xmlns:r="http://schemas.openxmlformats.org/officeDocument/2006/relationships" xmlns:p="http://schemas.openxmlformats.org/presentationml/2006/main">
+  <p:cSld>
+    <p:spTree>
+      <p:nvGrpSpPr>
+        <p:cNvPr id="1" name=""/>
+        <p:cNvGrpSpPr/>
+        <p:nvPr/>
+      </p:nvGrpSpPr>
+      <p:grpSpPr>
+        <a:xfrm>
+          <a:off x="0" y="0"/>
+          <a:ext cx="0" cy="0"/>
+          <a:chOff x="0" y="0"/>
+          <a:chExt cx="0" cy="0"/>
+        </a:xfrm>
+      </p:grpSpPr>
+      <p:sp>
+        <p:nvSpPr>
+          <p:cNvPr id="16" name="Text Placeholder 15">
+            <a:extLst>
+              <a:ext uri="{FF2B5EF4-FFF2-40B4-BE49-F238E27FC236}">
+                <a16:creationId xmlns:a16="http://schemas.microsoft.com/office/drawing/2014/main" id="{A3A91DAF-FDCB-4F62-A374-93A386E0A3A9}"/>
+              </a:ext>
+            </a:extLst>
+          </p:cNvPr>
+          <p:cNvSpPr>
+            <a:spLocks noGrp="1"/>
+          </p:cNvSpPr>
+          <p:nvPr>
+            <p:ph type="body" idx="1"/>
+          </p:nvPr>
+        </p:nvSpPr>
+        <p:spPr>
+          <a:xfrm>
+            <a:off x="1107320" y="1743625"/>
+            <a:ext cx="4754880" cy="640080"/>
+          </a:xfrm>
+        </p:spPr>
+        <p:txBody>
+          <a:bodyPr/>
+          <a:lstStyle/>
+          <a:p>
+            <a:r>
+              <a:rPr lang="en-US" dirty="0"/>
+              <a:t>And Truth Table</a:t>
+            </a:r>
+          </a:p>
+        </p:txBody>
+      </p:sp>
+      <p:sp>
+        <p:nvSpPr>
+          <p:cNvPr id="17" name="Text Placeholder 16">
+            <a:extLst>
+              <a:ext uri="{FF2B5EF4-FFF2-40B4-BE49-F238E27FC236}">
+                <a16:creationId xmlns:a16="http://schemas.microsoft.com/office/drawing/2014/main" id="{4CD70F0D-FF36-4444-8932-21C26F2993B7}"/>
+              </a:ext>
+            </a:extLst>
+          </p:cNvPr>
+          <p:cNvSpPr>
+            <a:spLocks noGrp="1"/>
+          </p:cNvSpPr>
+          <p:nvPr>
+            <p:ph type="body" sz="quarter" idx="3"/>
+          </p:nvPr>
+        </p:nvSpPr>
+        <p:spPr>
+          <a:xfrm>
+            <a:off x="6364224" y="1751076"/>
+            <a:ext cx="4754880" cy="640080"/>
+          </a:xfrm>
+        </p:spPr>
+        <p:txBody>
+          <a:bodyPr/>
+          <a:lstStyle/>
+          <a:p>
+            <a:r>
+              <a:rPr lang="en-US" dirty="0"/>
+              <a:t>Nand Truth Table</a:t>
+            </a:r>
+          </a:p>
+        </p:txBody>
+      </p:sp>
+      <p:sp>
+        <p:nvSpPr>
+          <p:cNvPr id="18" name="Content Placeholder 17">
+            <a:extLst>
+              <a:ext uri="{FF2B5EF4-FFF2-40B4-BE49-F238E27FC236}">
+                <a16:creationId xmlns:a16="http://schemas.microsoft.com/office/drawing/2014/main" id="{2FC9EAF7-3127-45BE-8DAC-1D819489AE6B}"/>
+              </a:ext>
+            </a:extLst>
+          </p:cNvPr>
+          <p:cNvSpPr>
+            <a:spLocks noGrp="1"/>
+          </p:cNvSpPr>
+          <p:nvPr>
+            <p:ph sz="quarter" idx="4"/>
+          </p:nvPr>
+        </p:nvSpPr>
+        <p:spPr/>
+        <p:txBody>
+          <a:bodyPr/>
+          <a:lstStyle/>
+          <a:p>
+            <a:endParaRPr lang="en-US" dirty="0"/>
+          </a:p>
+        </p:txBody>
+      </p:sp>
+      <p:sp>
+        <p:nvSpPr>
+          <p:cNvPr id="2" name="Title 1">
+            <a:extLst>
+              <a:ext uri="{FF2B5EF4-FFF2-40B4-BE49-F238E27FC236}">
+                <a16:creationId xmlns:a16="http://schemas.microsoft.com/office/drawing/2014/main" id="{1F9D9906-EDBF-4E40-916A-7CB1E79D3335}"/>
+              </a:ext>
+            </a:extLst>
+          </p:cNvPr>
+          <p:cNvSpPr>
+            <a:spLocks noGrp="1"/>
+          </p:cNvSpPr>
+          <p:nvPr>
+            <p:ph type="title"/>
+          </p:nvPr>
+        </p:nvSpPr>
+        <p:spPr/>
+        <p:txBody>
+          <a:bodyPr/>
+          <a:lstStyle/>
+          <a:p>
+            <a:r>
+              <a:rPr lang="en-US" dirty="0"/>
+              <a:t>And gate</a:t>
+            </a:r>
+          </a:p>
+        </p:txBody>
+      </p:sp>
+      <p:pic>
+        <p:nvPicPr>
+          <p:cNvPr id="15" name="Picture 14">
+            <a:extLst>
+              <a:ext uri="{FF2B5EF4-FFF2-40B4-BE49-F238E27FC236}">
+                <a16:creationId xmlns:a16="http://schemas.microsoft.com/office/drawing/2014/main" id="{27B3F62C-E68E-4E66-8859-2A3201FB3C05}"/>
+              </a:ext>
+            </a:extLst>
+          </p:cNvPr>
+          <p:cNvPicPr>
+            <a:picLocks noChangeAspect="1"/>
+          </p:cNvPicPr>
+          <p:nvPr/>
+        </p:nvPicPr>
+        <p:blipFill>
+          <a:blip r:embed="rId2"/>
+          <a:stretch>
+            <a:fillRect/>
+          </a:stretch>
+        </p:blipFill>
+        <p:spPr>
+          <a:xfrm>
+            <a:off x="6187398" y="2616018"/>
+            <a:ext cx="4720456" cy="3419022"/>
+          </a:xfrm>
+          <a:prstGeom prst="rect">
+            <a:avLst/>
+          </a:prstGeom>
+        </p:spPr>
+      </p:pic>
+      <p:pic>
+        <p:nvPicPr>
+          <p:cNvPr id="7" name="Content Placeholder 6">
+            <a:extLst>
+              <a:ext uri="{FF2B5EF4-FFF2-40B4-BE49-F238E27FC236}">
+                <a16:creationId xmlns:a16="http://schemas.microsoft.com/office/drawing/2014/main" id="{F44E87E5-7EAE-4C8B-ABF2-4178777C0D57}"/>
+              </a:ext>
+            </a:extLst>
+          </p:cNvPr>
+          <p:cNvPicPr>
+            <a:picLocks noGrp="1" noChangeAspect="1"/>
+          </p:cNvPicPr>
+          <p:nvPr>
+            <p:ph sz="half" idx="2"/>
+          </p:nvPr>
+        </p:nvPicPr>
+        <p:blipFill>
+          <a:blip r:embed="rId3"/>
+          <a:stretch>
+            <a:fillRect/>
+          </a:stretch>
+        </p:blipFill>
+        <p:spPr>
+          <a:xfrm>
+            <a:off x="1107320" y="2285034"/>
+            <a:ext cx="4099840" cy="1917667"/>
+          </a:xfrm>
+          <a:prstGeom prst="rect">
+            <a:avLst/>
+          </a:prstGeom>
+        </p:spPr>
+      </p:pic>
+      <p:sp>
+        <p:nvSpPr>
+          <p:cNvPr id="8" name="Text Placeholder 15">
+            <a:extLst>
+              <a:ext uri="{FF2B5EF4-FFF2-40B4-BE49-F238E27FC236}">
+                <a16:creationId xmlns:a16="http://schemas.microsoft.com/office/drawing/2014/main" id="{D70995A6-86AF-4B05-8C9B-711699168AE4}"/>
+              </a:ext>
+            </a:extLst>
+          </p:cNvPr>
+          <p:cNvSpPr txBox="1">
+            <a:spLocks/>
+          </p:cNvSpPr>
+          <p:nvPr/>
+        </p:nvSpPr>
+        <p:spPr>
+          <a:xfrm>
+            <a:off x="1013600" y="4294523"/>
+            <a:ext cx="4754880" cy="640080"/>
+          </a:xfrm>
+          <a:prstGeom prst="rect">
+            <a:avLst/>
+          </a:prstGeom>
+        </p:spPr>
+        <p:txBody>
+          <a:bodyPr vert="horz" lIns="91440" tIns="45720" rIns="91440" bIns="45720" rtlCol="0" anchor="ctr">
+            <a:normAutofit/>
+          </a:bodyPr>
+          <a:lstStyle>
+            <a:lvl1pPr marL="0" indent="0" algn="l" defTabSz="914400" rtl="0" eaLnBrk="1" latinLnBrk="0" hangingPunct="1">
+              <a:lnSpc>
+                <a:spcPct val="90000"/>
+              </a:lnSpc>
+              <a:spcBef>
+                <a:spcPts val="1200"/>
+              </a:spcBef>
+              <a:buClr>
+                <a:schemeClr val="accent1">
+                  <a:lumMod val="75000"/>
+                </a:schemeClr>
+              </a:buClr>
+              <a:buSzPct val="85000"/>
+              <a:buFont typeface="Wingdings" pitchFamily="2" charset="2"/>
+              <a:buNone/>
+              <a:defRPr sz="2000" b="1" kern="1200">
+                <a:solidFill>
+                  <a:schemeClr val="accent1">
+                    <a:lumMod val="75000"/>
+                  </a:schemeClr>
+                </a:solidFill>
+                <a:latin typeface="+mn-lt"/>
+                <a:ea typeface="+mn-ea"/>
+                <a:cs typeface="+mn-cs"/>
+              </a:defRPr>
+            </a:lvl1pPr>
+            <a:lvl2pPr marL="457200" indent="0" algn="l" defTabSz="914400" rtl="0" eaLnBrk="1" latinLnBrk="0" hangingPunct="1">
+              <a:lnSpc>
+                <a:spcPct val="90000"/>
+              </a:lnSpc>
+              <a:spcBef>
+                <a:spcPts val="400"/>
+              </a:spcBef>
+              <a:spcAft>
+                <a:spcPts val="200"/>
+              </a:spcAft>
+              <a:buClr>
+                <a:schemeClr val="accent1">
+                  <a:lumMod val="75000"/>
+                </a:schemeClr>
+              </a:buClr>
+              <a:buSzPct val="85000"/>
+              <a:buFont typeface="Wingdings" pitchFamily="2" charset="2"/>
+              <a:buNone/>
+              <a:defRPr sz="2000" b="1" kern="1200">
+                <a:solidFill>
+                  <a:schemeClr val="tx1"/>
+                </a:solidFill>
+                <a:latin typeface="+mn-lt"/>
+                <a:ea typeface="+mn-ea"/>
+                <a:cs typeface="+mn-cs"/>
+              </a:defRPr>
+            </a:lvl2pPr>
+            <a:lvl3pPr marL="914400" indent="0" algn="l" defTabSz="914400" rtl="0" eaLnBrk="1" latinLnBrk="0" hangingPunct="1">
+              <a:lnSpc>
+                <a:spcPct val="90000"/>
+              </a:lnSpc>
+              <a:spcBef>
+                <a:spcPts val="400"/>
+              </a:spcBef>
+              <a:spcAft>
+                <a:spcPts val="200"/>
+              </a:spcAft>
+              <a:buClr>
+                <a:schemeClr val="accent1">
+                  <a:lumMod val="75000"/>
+                </a:schemeClr>
+              </a:buClr>
+              <a:buSzPct val="85000"/>
+              <a:buFont typeface="Wingdings" pitchFamily="2" charset="2"/>
+              <a:buNone/>
+              <a:defRPr sz="1800" b="1" kern="1200">
+                <a:solidFill>
+                  <a:schemeClr val="tx1"/>
+                </a:solidFill>
+                <a:latin typeface="+mn-lt"/>
+                <a:ea typeface="+mn-ea"/>
+                <a:cs typeface="+mn-cs"/>
+              </a:defRPr>
+            </a:lvl3pPr>
+            <a:lvl4pPr marL="1371600" indent="0" algn="l" defTabSz="914400" rtl="0" eaLnBrk="1" latinLnBrk="0" hangingPunct="1">
+              <a:lnSpc>
+                <a:spcPct val="90000"/>
+              </a:lnSpc>
+              <a:spcBef>
+                <a:spcPts val="400"/>
+              </a:spcBef>
+              <a:spcAft>
+                <a:spcPts val="200"/>
+              </a:spcAft>
+              <a:buClr>
+                <a:schemeClr val="accent1">
+                  <a:lumMod val="75000"/>
+                </a:schemeClr>
+              </a:buClr>
+              <a:buSzPct val="85000"/>
+              <a:buFont typeface="Wingdings" pitchFamily="2" charset="2"/>
+              <a:buNone/>
+              <a:defRPr sz="1600" b="1" kern="1200">
+                <a:solidFill>
+                  <a:schemeClr val="tx1"/>
+                </a:solidFill>
+                <a:latin typeface="+mn-lt"/>
+                <a:ea typeface="+mn-ea"/>
+                <a:cs typeface="+mn-cs"/>
+              </a:defRPr>
+            </a:lvl4pPr>
+            <a:lvl5pPr marL="1828800" indent="0" algn="l" defTabSz="914400" rtl="0" eaLnBrk="1" latinLnBrk="0" hangingPunct="1">
+              <a:lnSpc>
+                <a:spcPct val="90000"/>
+              </a:lnSpc>
+              <a:spcBef>
+                <a:spcPts val="400"/>
+              </a:spcBef>
+              <a:spcAft>
+                <a:spcPts val="200"/>
+              </a:spcAft>
+              <a:buClr>
+                <a:schemeClr val="accent1">
+                  <a:lumMod val="75000"/>
+                </a:schemeClr>
+              </a:buClr>
+              <a:buSzPct val="85000"/>
+              <a:buFont typeface="Wingdings" pitchFamily="2" charset="2"/>
+              <a:buNone/>
+              <a:defRPr sz="1600" b="1" kern="1200">
+                <a:solidFill>
+                  <a:schemeClr val="tx1"/>
+                </a:solidFill>
+                <a:latin typeface="+mn-lt"/>
+                <a:ea typeface="+mn-ea"/>
+                <a:cs typeface="+mn-cs"/>
+              </a:defRPr>
+            </a:lvl5pPr>
+            <a:lvl6pPr marL="2286000" indent="0" algn="l" defTabSz="914400" rtl="0" eaLnBrk="1" latinLnBrk="0" hangingPunct="1">
+              <a:lnSpc>
+                <a:spcPct val="90000"/>
+              </a:lnSpc>
+              <a:spcBef>
+                <a:spcPts val="400"/>
+              </a:spcBef>
+              <a:spcAft>
+                <a:spcPts val="200"/>
+              </a:spcAft>
+              <a:buClr>
+                <a:schemeClr val="accent1">
+                  <a:lumMod val="75000"/>
+                </a:schemeClr>
+              </a:buClr>
+              <a:buSzPct val="85000"/>
+              <a:buFont typeface="Wingdings" pitchFamily="2" charset="2"/>
+              <a:buNone/>
+              <a:defRPr sz="1600" b="1" kern="1200">
+                <a:solidFill>
+                  <a:schemeClr val="tx1"/>
+                </a:solidFill>
+                <a:latin typeface="+mn-lt"/>
+                <a:ea typeface="+mn-ea"/>
+                <a:cs typeface="+mn-cs"/>
+              </a:defRPr>
+            </a:lvl6pPr>
+            <a:lvl7pPr marL="2743200" indent="0" algn="l" defTabSz="914400" rtl="0" eaLnBrk="1" latinLnBrk="0" hangingPunct="1">
+              <a:lnSpc>
+                <a:spcPct val="90000"/>
+              </a:lnSpc>
+              <a:spcBef>
+                <a:spcPts val="400"/>
+              </a:spcBef>
+              <a:spcAft>
+                <a:spcPts val="200"/>
+              </a:spcAft>
+              <a:buClr>
+                <a:schemeClr val="accent1">
+                  <a:lumMod val="75000"/>
+                </a:schemeClr>
+              </a:buClr>
+              <a:buSzPct val="85000"/>
+              <a:buFont typeface="Wingdings" pitchFamily="2" charset="2"/>
+              <a:buNone/>
+              <a:defRPr sz="1600" b="1" kern="1200">
+                <a:solidFill>
+                  <a:schemeClr val="tx1"/>
+                </a:solidFill>
+                <a:latin typeface="+mn-lt"/>
+                <a:ea typeface="+mn-ea"/>
+                <a:cs typeface="+mn-cs"/>
+              </a:defRPr>
+            </a:lvl7pPr>
+            <a:lvl8pPr marL="3200400" indent="0" algn="l" defTabSz="914400" rtl="0" eaLnBrk="1" latinLnBrk="0" hangingPunct="1">
+              <a:lnSpc>
+                <a:spcPct val="90000"/>
+              </a:lnSpc>
+              <a:spcBef>
+                <a:spcPts val="400"/>
+              </a:spcBef>
+              <a:spcAft>
+                <a:spcPts val="200"/>
+              </a:spcAft>
+              <a:buClr>
+                <a:schemeClr val="accent1">
+                  <a:lumMod val="75000"/>
+                </a:schemeClr>
+              </a:buClr>
+              <a:buSzPct val="85000"/>
+              <a:buFont typeface="Wingdings" pitchFamily="2" charset="2"/>
+              <a:buNone/>
+              <a:defRPr sz="1600" b="1" kern="1200">
+                <a:solidFill>
+                  <a:schemeClr val="tx1"/>
+                </a:solidFill>
+                <a:latin typeface="+mn-lt"/>
+                <a:ea typeface="+mn-ea"/>
+                <a:cs typeface="+mn-cs"/>
+              </a:defRPr>
+            </a:lvl8pPr>
+            <a:lvl9pPr marL="3657600" indent="0" algn="l" defTabSz="914400" rtl="0" eaLnBrk="1" latinLnBrk="0" hangingPunct="1">
+              <a:lnSpc>
+                <a:spcPct val="90000"/>
+              </a:lnSpc>
+              <a:spcBef>
+                <a:spcPts val="400"/>
+              </a:spcBef>
+              <a:spcAft>
+                <a:spcPts val="200"/>
+              </a:spcAft>
+              <a:buClr>
+                <a:schemeClr val="accent1">
+                  <a:lumMod val="75000"/>
+                </a:schemeClr>
+              </a:buClr>
+              <a:buSzPct val="85000"/>
+              <a:buFont typeface="Wingdings" pitchFamily="2" charset="2"/>
+              <a:buNone/>
+              <a:defRPr sz="1600" b="1" kern="1200">
+                <a:solidFill>
+                  <a:schemeClr val="tx1"/>
+                </a:solidFill>
+                <a:latin typeface="+mn-lt"/>
+                <a:ea typeface="+mn-ea"/>
+                <a:cs typeface="+mn-cs"/>
+              </a:defRPr>
+            </a:lvl9pPr>
+          </a:lstStyle>
+          <a:p>
+            <a:r>
+              <a:rPr lang="en-US" dirty="0"/>
+              <a:t>Not Truth Table</a:t>
+            </a:r>
+          </a:p>
+        </p:txBody>
+      </p:sp>
+      <p:pic>
+        <p:nvPicPr>
+          <p:cNvPr id="11" name="Picture 10">
+            <a:extLst>
+              <a:ext uri="{FF2B5EF4-FFF2-40B4-BE49-F238E27FC236}">
+                <a16:creationId xmlns:a16="http://schemas.microsoft.com/office/drawing/2014/main" id="{4C48040C-C179-4B57-8D14-2DA7B79926E2}"/>
+              </a:ext>
+            </a:extLst>
+          </p:cNvPr>
+          <p:cNvPicPr>
+            <a:picLocks noChangeAspect="1"/>
+          </p:cNvPicPr>
+          <p:nvPr/>
+        </p:nvPicPr>
+        <p:blipFill>
+          <a:blip r:embed="rId4"/>
+          <a:stretch>
+            <a:fillRect/>
+          </a:stretch>
+        </p:blipFill>
+        <p:spPr>
+          <a:xfrm>
+            <a:off x="1048024" y="4836774"/>
+            <a:ext cx="3046304" cy="1439462"/>
+          </a:xfrm>
+          <a:prstGeom prst="rect">
+            <a:avLst/>
+          </a:prstGeom>
+        </p:spPr>
+      </p:pic>
+    </p:spTree>
+    <p:extLst>
+      <p:ext uri="{BB962C8B-B14F-4D97-AF65-F5344CB8AC3E}">
+        <p14:creationId xmlns:p14="http://schemas.microsoft.com/office/powerpoint/2010/main" val="3324103575"/>
+      </p:ext>
+    </p:extLst>
+  </p:cSld>
+  <p:clrMapOvr>
+    <a:masterClrMapping/>
+  </p:clrMapOvr>
+</p:sld>
+</file>
+
+<file path=ppt/slides/slide9.xml><?xml version="1.0" encoding="utf-8"?>
+<p:sld xmlns:a="http://schemas.openxmlformats.org/drawingml/2006/main" xmlns:r="http://schemas.openxmlformats.org/officeDocument/2006/relationships" xmlns:p="http://schemas.openxmlformats.org/presentationml/2006/main">
+  <p:cSld>
+    <p:spTree>
+      <p:nvGrpSpPr>
+        <p:cNvPr id="1" name=""/>
+        <p:cNvGrpSpPr/>
+        <p:nvPr/>
+      </p:nvGrpSpPr>
+      <p:grpSpPr>
+        <a:xfrm>
+          <a:off x="0" y="0"/>
+          <a:ext cx="0" cy="0"/>
+          <a:chOff x="0" y="0"/>
+          <a:chExt cx="0" cy="0"/>
+        </a:xfrm>
+      </p:grpSpPr>
+      <p:graphicFrame>
+        <p:nvGraphicFramePr>
+          <p:cNvPr id="31" name="Table 31">
+            <a:extLst>
+              <a:ext uri="{FF2B5EF4-FFF2-40B4-BE49-F238E27FC236}">
+                <a16:creationId xmlns:a16="http://schemas.microsoft.com/office/drawing/2014/main" id="{C488A47D-D64C-4B3F-96D8-E402F5BF1CBA}"/>
+              </a:ext>
+            </a:extLst>
+          </p:cNvPr>
+          <p:cNvGraphicFramePr>
+            <a:graphicFrameLocks noGrp="1"/>
+          </p:cNvGraphicFramePr>
+          <p:nvPr>
+            <p:ph sz="quarter" idx="4"/>
+            <p:extLst>
+              <p:ext uri="{D42A27DB-BD31-4B8C-83A1-F6EECF244321}">
+                <p14:modId xmlns:p14="http://schemas.microsoft.com/office/powerpoint/2010/main" val="847777151"/>
+              </p:ext>
+            </p:extLst>
+          </p:nvPr>
+        </p:nvGraphicFramePr>
+        <p:xfrm>
+          <a:off x="6471332" y="1639327"/>
+          <a:ext cx="5252454" cy="2123440"/>
+        </p:xfrm>
+        <a:graphic>
+          <a:graphicData uri="http://schemas.openxmlformats.org/drawingml/2006/table">
+            <a:tbl>
+              <a:tblPr firstRow="1" bandRow="1">
+                <a:tableStyleId>{073A0DAA-6AF3-43AB-8588-CEC1D06C72B9}</a:tableStyleId>
+              </a:tblPr>
+              <a:tblGrid>
+                <a:gridCol w="1750818">
+                  <a:extLst>
+                    <a:ext uri="{9D8B030D-6E8A-4147-A177-3AD203B41FA5}">
+                      <a16:colId xmlns:a16="http://schemas.microsoft.com/office/drawing/2014/main" val="3568760342"/>
+                    </a:ext>
+                  </a:extLst>
+                </a:gridCol>
+                <a:gridCol w="1750818">
+                  <a:extLst>
+                    <a:ext uri="{9D8B030D-6E8A-4147-A177-3AD203B41FA5}">
+                      <a16:colId xmlns:a16="http://schemas.microsoft.com/office/drawing/2014/main" val="1991023475"/>
+                    </a:ext>
+                  </a:extLst>
+                </a:gridCol>
+                <a:gridCol w="1750818">
+                  <a:extLst>
+                    <a:ext uri="{9D8B030D-6E8A-4147-A177-3AD203B41FA5}">
+                      <a16:colId xmlns:a16="http://schemas.microsoft.com/office/drawing/2014/main" val="947145380"/>
+                    </a:ext>
+                  </a:extLst>
+                </a:gridCol>
+              </a:tblGrid>
+              <a:tr h="370840">
+                <a:tc>
+                  <a:txBody>
+                    <a:bodyPr/>
+                    <a:lstStyle/>
+                    <a:p>
+                      <a:pPr algn="ctr"/>
+                      <a:r>
+                        <a:rPr lang="en-US" dirty="0"/>
+                        <a:t>a=a</a:t>
+                      </a:r>
+                    </a:p>
+                  </a:txBody>
+                  <a:tcPr/>
+                </a:tc>
+                <a:tc>
+                  <a:txBody>
+                    <a:bodyPr/>
+                    <a:lstStyle/>
+                    <a:p>
+                      <a:pPr algn="ctr"/>
+                      <a:r>
+                        <a:rPr lang="en-US" dirty="0"/>
+                        <a:t>b=b</a:t>
+                      </a:r>
+                    </a:p>
+                  </a:txBody>
+                  <a:tcPr/>
+                </a:tc>
+                <a:tc>
+                  <a:txBody>
+                    <a:bodyPr/>
+                    <a:lstStyle/>
+                    <a:p>
+                      <a:pPr algn="ctr"/>
+                      <a:r>
+                        <a:rPr lang="en-US" dirty="0"/>
+                        <a:t>out=</a:t>
+                      </a:r>
+                      <a:r>
+                        <a:rPr lang="en-US" dirty="0" err="1"/>
+                        <a:t>nandOut</a:t>
+                      </a:r>
+                      <a:r>
+                        <a:rPr lang="en-US" dirty="0"/>
+                        <a:t> [Nand]</a:t>
+                      </a:r>
+                    </a:p>
+                  </a:txBody>
+                  <a:tcPr/>
+                </a:tc>
+                <a:extLst>
+                  <a:ext uri="{0D108BD9-81ED-4DB2-BD59-A6C34878D82A}">
+                    <a16:rowId xmlns:a16="http://schemas.microsoft.com/office/drawing/2014/main" val="922385304"/>
+                  </a:ext>
+                </a:extLst>
+              </a:tr>
+              <a:tr h="370840">
+                <a:tc>
+                  <a:txBody>
+                    <a:bodyPr/>
+                    <a:lstStyle/>
+                    <a:p>
+                      <a:pPr algn="ctr"/>
+                      <a:r>
+                        <a:rPr lang="en-US" dirty="0"/>
+                        <a:t>0</a:t>
+                      </a:r>
+                    </a:p>
+                  </a:txBody>
+                  <a:tcPr/>
+                </a:tc>
+                <a:tc>
+                  <a:txBody>
+                    <a:bodyPr/>
+                    <a:lstStyle/>
+                    <a:p>
+                      <a:pPr algn="ctr"/>
+                      <a:r>
+                        <a:rPr lang="en-US" dirty="0"/>
+                        <a:t>0</a:t>
+                      </a:r>
+                    </a:p>
+                  </a:txBody>
+                  <a:tcPr/>
+                </a:tc>
+                <a:tc>
+                  <a:txBody>
+                    <a:bodyPr/>
+                    <a:lstStyle/>
+                    <a:p>
+                      <a:pPr algn="ctr"/>
+                      <a:r>
+                        <a:rPr lang="en-US" dirty="0"/>
+                        <a:t>1</a:t>
+                      </a:r>
+                    </a:p>
+                  </a:txBody>
+                  <a:tcPr/>
+                </a:tc>
+                <a:extLst>
+                  <a:ext uri="{0D108BD9-81ED-4DB2-BD59-A6C34878D82A}">
+                    <a16:rowId xmlns:a16="http://schemas.microsoft.com/office/drawing/2014/main" val="3961031326"/>
+                  </a:ext>
+                </a:extLst>
+              </a:tr>
+              <a:tr h="370840">
+                <a:tc>
+                  <a:txBody>
+                    <a:bodyPr/>
+                    <a:lstStyle/>
+                    <a:p>
+                      <a:pPr algn="ctr"/>
+                      <a:r>
+                        <a:rPr lang="en-US" dirty="0"/>
+                        <a:t>0</a:t>
+                      </a:r>
+                    </a:p>
+                  </a:txBody>
+                  <a:tcPr/>
+                </a:tc>
+                <a:tc>
+                  <a:txBody>
+                    <a:bodyPr/>
+                    <a:lstStyle/>
+                    <a:p>
+                      <a:pPr algn="ctr"/>
+                      <a:r>
+                        <a:rPr lang="en-US" dirty="0"/>
+                        <a:t>1</a:t>
+                      </a:r>
+                    </a:p>
+                  </a:txBody>
+                  <a:tcPr/>
+                </a:tc>
+                <a:tc>
+                  <a:txBody>
+                    <a:bodyPr/>
+                    <a:lstStyle/>
+                    <a:p>
+                      <a:pPr algn="ctr"/>
+                      <a:r>
+                        <a:rPr lang="en-US" dirty="0"/>
+                        <a:t>1</a:t>
+                      </a:r>
+                    </a:p>
+                  </a:txBody>
+                  <a:tcPr/>
+                </a:tc>
+                <a:extLst>
+                  <a:ext uri="{0D108BD9-81ED-4DB2-BD59-A6C34878D82A}">
+                    <a16:rowId xmlns:a16="http://schemas.microsoft.com/office/drawing/2014/main" val="2701135623"/>
+                  </a:ext>
+                </a:extLst>
+              </a:tr>
+              <a:tr h="370840">
+                <a:tc>
+                  <a:txBody>
+                    <a:bodyPr/>
+                    <a:lstStyle/>
+                    <a:p>
+                      <a:pPr algn="ctr"/>
+                      <a:r>
+                        <a:rPr lang="en-US" dirty="0"/>
+                        <a:t>1</a:t>
+                      </a:r>
+                    </a:p>
+                  </a:txBody>
+                  <a:tcPr/>
+                </a:tc>
+                <a:tc>
+                  <a:txBody>
+                    <a:bodyPr/>
+                    <a:lstStyle/>
+                    <a:p>
+                      <a:pPr algn="ctr"/>
+                      <a:r>
+                        <a:rPr lang="en-US" dirty="0"/>
+                        <a:t>0</a:t>
+                      </a:r>
+                    </a:p>
+                  </a:txBody>
+                  <a:tcPr/>
+                </a:tc>
+                <a:tc>
+                  <a:txBody>
+                    <a:bodyPr/>
+                    <a:lstStyle/>
+                    <a:p>
+                      <a:pPr algn="ctr"/>
+                      <a:r>
+                        <a:rPr lang="en-US" dirty="0"/>
+                        <a:t>1</a:t>
+                      </a:r>
+                    </a:p>
+                  </a:txBody>
+                  <a:tcPr/>
+                </a:tc>
+                <a:extLst>
+                  <a:ext uri="{0D108BD9-81ED-4DB2-BD59-A6C34878D82A}">
+                    <a16:rowId xmlns:a16="http://schemas.microsoft.com/office/drawing/2014/main" val="2041362489"/>
+                  </a:ext>
+                </a:extLst>
+              </a:tr>
+              <a:tr h="370840">
+                <a:tc>
+                  <a:txBody>
+                    <a:bodyPr/>
+                    <a:lstStyle/>
+                    <a:p>
+                      <a:pPr algn="ctr"/>
+                      <a:r>
+                        <a:rPr lang="en-US" dirty="0"/>
+                        <a:t>1</a:t>
+                      </a:r>
+                    </a:p>
+                  </a:txBody>
+                  <a:tcPr/>
+                </a:tc>
+                <a:tc>
+                  <a:txBody>
+                    <a:bodyPr/>
+                    <a:lstStyle/>
+                    <a:p>
+                      <a:pPr algn="ctr"/>
+                      <a:r>
+                        <a:rPr lang="en-US" dirty="0"/>
+                        <a:t>1</a:t>
+                      </a:r>
+                    </a:p>
+                  </a:txBody>
+                  <a:tcPr/>
+                </a:tc>
+                <a:tc>
+                  <a:txBody>
+                    <a:bodyPr/>
+                    <a:lstStyle/>
+                    <a:p>
+                      <a:pPr algn="ctr"/>
+                      <a:r>
+                        <a:rPr lang="en-US" dirty="0"/>
+                        <a:t>0</a:t>
+                      </a:r>
+                    </a:p>
+                  </a:txBody>
+                  <a:tcPr/>
+                </a:tc>
+                <a:extLst>
+                  <a:ext uri="{0D108BD9-81ED-4DB2-BD59-A6C34878D82A}">
+                    <a16:rowId xmlns:a16="http://schemas.microsoft.com/office/drawing/2014/main" val="163547046"/>
+                  </a:ext>
+                </a:extLst>
+              </a:tr>
+            </a:tbl>
+          </a:graphicData>
+        </a:graphic>
+      </p:graphicFrame>
+      <p:sp>
+        <p:nvSpPr>
+          <p:cNvPr id="6" name="Title 5">
+            <a:extLst>
+              <a:ext uri="{FF2B5EF4-FFF2-40B4-BE49-F238E27FC236}">
+                <a16:creationId xmlns:a16="http://schemas.microsoft.com/office/drawing/2014/main" id="{960C21AD-3ACD-4B97-923A-6BA5689D1A90}"/>
+              </a:ext>
+            </a:extLst>
+          </p:cNvPr>
+          <p:cNvSpPr>
+            <a:spLocks noGrp="1"/>
+          </p:cNvSpPr>
+          <p:nvPr>
+            <p:ph type="title"/>
+          </p:nvPr>
+        </p:nvSpPr>
+        <p:spPr/>
+        <p:txBody>
+          <a:bodyPr/>
+          <a:lstStyle/>
+          <a:p>
+            <a:r>
+              <a:rPr lang="en-US" dirty="0"/>
+              <a:t>And gate design</a:t>
+            </a:r>
+          </a:p>
+        </p:txBody>
+      </p:sp>
+      <p:pic>
+        <p:nvPicPr>
+          <p:cNvPr id="33" name="Picture 32">
+            <a:extLst>
+              <a:ext uri="{FF2B5EF4-FFF2-40B4-BE49-F238E27FC236}">
+                <a16:creationId xmlns:a16="http://schemas.microsoft.com/office/drawing/2014/main" id="{FA7F41C4-82AA-4FB1-BDF5-35305222876E}"/>
+              </a:ext>
+            </a:extLst>
+          </p:cNvPr>
+          <p:cNvPicPr>
+            <a:picLocks noChangeAspect="1"/>
+          </p:cNvPicPr>
+          <p:nvPr/>
+        </p:nvPicPr>
+        <p:blipFill>
+          <a:blip r:embed="rId2"/>
+          <a:stretch>
+            <a:fillRect/>
+          </a:stretch>
+        </p:blipFill>
+        <p:spPr>
+          <a:xfrm>
+            <a:off x="812298" y="2980352"/>
+            <a:ext cx="2210203" cy="1600847"/>
+          </a:xfrm>
+          <a:prstGeom prst="rect">
+            <a:avLst/>
+          </a:prstGeom>
+        </p:spPr>
+      </p:pic>
+      <p:pic>
+        <p:nvPicPr>
+          <p:cNvPr id="3" name="Picture 2">
+            <a:extLst>
+              <a:ext uri="{FF2B5EF4-FFF2-40B4-BE49-F238E27FC236}">
+                <a16:creationId xmlns:a16="http://schemas.microsoft.com/office/drawing/2014/main" id="{AEC8B950-2F9C-4D07-BFB9-F57BA531E752}"/>
+              </a:ext>
+            </a:extLst>
+          </p:cNvPr>
+          <p:cNvPicPr>
+            <a:picLocks noChangeAspect="1"/>
+          </p:cNvPicPr>
+          <p:nvPr/>
+        </p:nvPicPr>
+        <p:blipFill>
+          <a:blip r:embed="rId3"/>
+          <a:stretch>
+            <a:fillRect/>
+          </a:stretch>
+        </p:blipFill>
+        <p:spPr>
+          <a:xfrm>
+            <a:off x="1006503" y="4581199"/>
+            <a:ext cx="2684906" cy="2166975"/>
+          </a:xfrm>
+          <a:prstGeom prst="rect">
+            <a:avLst/>
+          </a:prstGeom>
+        </p:spPr>
+      </p:pic>
+      <p:pic>
+        <p:nvPicPr>
+          <p:cNvPr id="4" name="Picture 3">
+            <a:extLst>
+              <a:ext uri="{FF2B5EF4-FFF2-40B4-BE49-F238E27FC236}">
+                <a16:creationId xmlns:a16="http://schemas.microsoft.com/office/drawing/2014/main" id="{1823E0D5-8936-4F54-9ECF-56A06022D1EE}"/>
+              </a:ext>
+            </a:extLst>
+          </p:cNvPr>
+          <p:cNvPicPr>
+            <a:picLocks noChangeAspect="1"/>
+          </p:cNvPicPr>
+          <p:nvPr/>
+        </p:nvPicPr>
+        <p:blipFill>
+          <a:blip r:embed="rId4"/>
+          <a:stretch>
+            <a:fillRect/>
+          </a:stretch>
+        </p:blipFill>
+        <p:spPr>
+          <a:xfrm>
+            <a:off x="3835483" y="3429000"/>
+            <a:ext cx="2210203" cy="1044382"/>
+          </a:xfrm>
+          <a:prstGeom prst="rect">
+            <a:avLst/>
+          </a:prstGeom>
+        </p:spPr>
+      </p:pic>
+      <p:sp>
+        <p:nvSpPr>
+          <p:cNvPr id="5" name="Text Placeholder 15">
+            <a:extLst>
+              <a:ext uri="{FF2B5EF4-FFF2-40B4-BE49-F238E27FC236}">
+                <a16:creationId xmlns:a16="http://schemas.microsoft.com/office/drawing/2014/main" id="{25B7CCE9-7C3E-45CF-9691-F3A740B029D2}"/>
+              </a:ext>
+            </a:extLst>
+          </p:cNvPr>
+          <p:cNvSpPr txBox="1">
+            <a:spLocks/>
+          </p:cNvSpPr>
+          <p:nvPr/>
+        </p:nvSpPr>
+        <p:spPr>
+          <a:xfrm>
+            <a:off x="3835483" y="2996912"/>
+            <a:ext cx="2210203" cy="504344"/>
+          </a:xfrm>
+          <a:prstGeom prst="rect">
+            <a:avLst/>
+          </a:prstGeom>
+        </p:spPr>
+        <p:txBody>
+          <a:bodyPr vert="horz" lIns="91440" tIns="45720" rIns="91440" bIns="45720" rtlCol="0" anchor="ctr">
+            <a:normAutofit/>
+          </a:bodyPr>
+          <a:lstStyle>
+            <a:lvl1pPr marL="0" indent="0" algn="l" defTabSz="914400" rtl="0" eaLnBrk="1" latinLnBrk="0" hangingPunct="1">
+              <a:lnSpc>
+                <a:spcPct val="90000"/>
+              </a:lnSpc>
+              <a:spcBef>
+                <a:spcPts val="1200"/>
+              </a:spcBef>
+              <a:buClr>
+                <a:schemeClr val="accent1">
+                  <a:lumMod val="75000"/>
+                </a:schemeClr>
+              </a:buClr>
+              <a:buSzPct val="85000"/>
+              <a:buFont typeface="Wingdings" pitchFamily="2" charset="2"/>
+              <a:buNone/>
+              <a:defRPr sz="2000" b="1" kern="1200">
+                <a:solidFill>
+                  <a:schemeClr val="accent1">
+                    <a:lumMod val="75000"/>
+                  </a:schemeClr>
+                </a:solidFill>
+                <a:latin typeface="+mn-lt"/>
+                <a:ea typeface="+mn-ea"/>
+                <a:cs typeface="+mn-cs"/>
+              </a:defRPr>
+            </a:lvl1pPr>
+            <a:lvl2pPr marL="457200" indent="0" algn="l" defTabSz="914400" rtl="0" eaLnBrk="1" latinLnBrk="0" hangingPunct="1">
+              <a:lnSpc>
+                <a:spcPct val="90000"/>
+              </a:lnSpc>
+              <a:spcBef>
+                <a:spcPts val="400"/>
+              </a:spcBef>
+              <a:spcAft>
+                <a:spcPts val="200"/>
+              </a:spcAft>
+              <a:buClr>
+                <a:schemeClr val="accent1">
+                  <a:lumMod val="75000"/>
+                </a:schemeClr>
+              </a:buClr>
+              <a:buSzPct val="85000"/>
+              <a:buFont typeface="Wingdings" pitchFamily="2" charset="2"/>
+              <a:buNone/>
+              <a:defRPr sz="2000" b="1" kern="1200">
+                <a:solidFill>
+                  <a:schemeClr val="tx1"/>
+                </a:solidFill>
+                <a:latin typeface="+mn-lt"/>
+                <a:ea typeface="+mn-ea"/>
+                <a:cs typeface="+mn-cs"/>
+              </a:defRPr>
+            </a:lvl2pPr>
+            <a:lvl3pPr marL="914400" indent="0" algn="l" defTabSz="914400" rtl="0" eaLnBrk="1" latinLnBrk="0" hangingPunct="1">
+              <a:lnSpc>
+                <a:spcPct val="90000"/>
+              </a:lnSpc>
+              <a:spcBef>
+                <a:spcPts val="400"/>
+              </a:spcBef>
+              <a:spcAft>
+                <a:spcPts val="200"/>
+              </a:spcAft>
+              <a:buClr>
+                <a:schemeClr val="accent1">
+                  <a:lumMod val="75000"/>
+                </a:schemeClr>
+              </a:buClr>
+              <a:buSzPct val="85000"/>
+              <a:buFont typeface="Wingdings" pitchFamily="2" charset="2"/>
+              <a:buNone/>
+              <a:defRPr sz="1800" b="1" kern="1200">
+                <a:solidFill>
+                  <a:schemeClr val="tx1"/>
+                </a:solidFill>
+                <a:latin typeface="+mn-lt"/>
+                <a:ea typeface="+mn-ea"/>
+                <a:cs typeface="+mn-cs"/>
+              </a:defRPr>
+            </a:lvl3pPr>
+            <a:lvl4pPr marL="1371600" indent="0" algn="l" defTabSz="914400" rtl="0" eaLnBrk="1" latinLnBrk="0" hangingPunct="1">
+              <a:lnSpc>
+                <a:spcPct val="90000"/>
+              </a:lnSpc>
+              <a:spcBef>
+                <a:spcPts val="400"/>
+              </a:spcBef>
+              <a:spcAft>
+                <a:spcPts val="200"/>
+              </a:spcAft>
+              <a:buClr>
+                <a:schemeClr val="accent1">
+                  <a:lumMod val="75000"/>
+                </a:schemeClr>
+              </a:buClr>
+              <a:buSzPct val="85000"/>
+              <a:buFont typeface="Wingdings" pitchFamily="2" charset="2"/>
+              <a:buNone/>
+              <a:defRPr sz="1600" b="1" kern="1200">
+                <a:solidFill>
+                  <a:schemeClr val="tx1"/>
+                </a:solidFill>
+                <a:latin typeface="+mn-lt"/>
+                <a:ea typeface="+mn-ea"/>
+                <a:cs typeface="+mn-cs"/>
+              </a:defRPr>
+            </a:lvl4pPr>
+            <a:lvl5pPr marL="1828800" indent="0" algn="l" defTabSz="914400" rtl="0" eaLnBrk="1" latinLnBrk="0" hangingPunct="1">
+              <a:lnSpc>
+                <a:spcPct val="90000"/>
+              </a:lnSpc>
+              <a:spcBef>
+                <a:spcPts val="400"/>
+              </a:spcBef>
+              <a:spcAft>
+                <a:spcPts val="200"/>
+              </a:spcAft>
+              <a:buClr>
+                <a:schemeClr val="accent1">
+                  <a:lumMod val="75000"/>
+                </a:schemeClr>
+              </a:buClr>
+              <a:buSzPct val="85000"/>
+              <a:buFont typeface="Wingdings" pitchFamily="2" charset="2"/>
+              <a:buNone/>
+              <a:defRPr sz="1600" b="1" kern="1200">
+                <a:solidFill>
+                  <a:schemeClr val="tx1"/>
+                </a:solidFill>
+                <a:latin typeface="+mn-lt"/>
+                <a:ea typeface="+mn-ea"/>
+                <a:cs typeface="+mn-cs"/>
+              </a:defRPr>
+            </a:lvl5pPr>
+            <a:lvl6pPr marL="2286000" indent="0" algn="l" defTabSz="914400" rtl="0" eaLnBrk="1" latinLnBrk="0" hangingPunct="1">
+              <a:lnSpc>
+                <a:spcPct val="90000"/>
+              </a:lnSpc>
+              <a:spcBef>
+                <a:spcPts val="400"/>
+              </a:spcBef>
+              <a:spcAft>
+                <a:spcPts val="200"/>
+              </a:spcAft>
+              <a:buClr>
+                <a:schemeClr val="accent1">
+                  <a:lumMod val="75000"/>
+                </a:schemeClr>
+              </a:buClr>
+              <a:buSzPct val="85000"/>
+              <a:buFont typeface="Wingdings" pitchFamily="2" charset="2"/>
+              <a:buNone/>
+              <a:defRPr sz="1600" b="1" kern="1200">
+                <a:solidFill>
+                  <a:schemeClr val="tx1"/>
+                </a:solidFill>
+                <a:latin typeface="+mn-lt"/>
+                <a:ea typeface="+mn-ea"/>
+                <a:cs typeface="+mn-cs"/>
+              </a:defRPr>
+            </a:lvl6pPr>
+            <a:lvl7pPr marL="2743200" indent="0" algn="l" defTabSz="914400" rtl="0" eaLnBrk="1" latinLnBrk="0" hangingPunct="1">
+              <a:lnSpc>
+                <a:spcPct val="90000"/>
+              </a:lnSpc>
+              <a:spcBef>
+                <a:spcPts val="400"/>
+              </a:spcBef>
+              <a:spcAft>
+                <a:spcPts val="200"/>
+              </a:spcAft>
+              <a:buClr>
+                <a:schemeClr val="accent1">
+                  <a:lumMod val="75000"/>
+                </a:schemeClr>
+              </a:buClr>
+              <a:buSzPct val="85000"/>
+              <a:buFont typeface="Wingdings" pitchFamily="2" charset="2"/>
+              <a:buNone/>
+              <a:defRPr sz="1600" b="1" kern="1200">
+                <a:solidFill>
+                  <a:schemeClr val="tx1"/>
+                </a:solidFill>
+                <a:latin typeface="+mn-lt"/>
+                <a:ea typeface="+mn-ea"/>
+                <a:cs typeface="+mn-cs"/>
+              </a:defRPr>
+            </a:lvl7pPr>
+            <a:lvl8pPr marL="3200400" indent="0" algn="l" defTabSz="914400" rtl="0" eaLnBrk="1" latinLnBrk="0" hangingPunct="1">
+              <a:lnSpc>
+                <a:spcPct val="90000"/>
+              </a:lnSpc>
+              <a:spcBef>
+                <a:spcPts val="400"/>
+              </a:spcBef>
+              <a:spcAft>
+                <a:spcPts val="200"/>
+              </a:spcAft>
+              <a:buClr>
+                <a:schemeClr val="accent1">
+                  <a:lumMod val="75000"/>
+                </a:schemeClr>
+              </a:buClr>
+              <a:buSzPct val="85000"/>
+              <a:buFont typeface="Wingdings" pitchFamily="2" charset="2"/>
+              <a:buNone/>
+              <a:defRPr sz="1600" b="1" kern="1200">
+                <a:solidFill>
+                  <a:schemeClr val="tx1"/>
+                </a:solidFill>
+                <a:latin typeface="+mn-lt"/>
+                <a:ea typeface="+mn-ea"/>
+                <a:cs typeface="+mn-cs"/>
+              </a:defRPr>
+            </a:lvl8pPr>
+            <a:lvl9pPr marL="3657600" indent="0" algn="l" defTabSz="914400" rtl="0" eaLnBrk="1" latinLnBrk="0" hangingPunct="1">
+              <a:lnSpc>
+                <a:spcPct val="90000"/>
+              </a:lnSpc>
+              <a:spcBef>
+                <a:spcPts val="400"/>
+              </a:spcBef>
+              <a:spcAft>
+                <a:spcPts val="200"/>
+              </a:spcAft>
+              <a:buClr>
+                <a:schemeClr val="accent1">
+                  <a:lumMod val="75000"/>
+                </a:schemeClr>
+              </a:buClr>
+              <a:buSzPct val="85000"/>
+              <a:buFont typeface="Wingdings" pitchFamily="2" charset="2"/>
+              <a:buNone/>
+              <a:defRPr sz="1600" b="1" kern="1200">
+                <a:solidFill>
+                  <a:schemeClr val="tx1"/>
+                </a:solidFill>
+                <a:latin typeface="+mn-lt"/>
+                <a:ea typeface="+mn-ea"/>
+                <a:cs typeface="+mn-cs"/>
+              </a:defRPr>
+            </a:lvl9pPr>
+          </a:lstStyle>
+          <a:p>
+            <a:r>
+              <a:rPr lang="en-US" dirty="0"/>
+              <a:t>Not Truth Table</a:t>
+            </a:r>
+          </a:p>
+        </p:txBody>
+      </p:sp>
+      <p:pic>
+        <p:nvPicPr>
+          <p:cNvPr id="15" name="Picture 14">
+            <a:extLst>
+              <a:ext uri="{FF2B5EF4-FFF2-40B4-BE49-F238E27FC236}">
+                <a16:creationId xmlns:a16="http://schemas.microsoft.com/office/drawing/2014/main" id="{32A2260C-D423-44A5-806E-FF33FBA6CCEF}"/>
+              </a:ext>
+            </a:extLst>
+          </p:cNvPr>
+          <p:cNvPicPr>
+            <a:picLocks noChangeAspect="1"/>
+          </p:cNvPicPr>
+          <p:nvPr/>
+        </p:nvPicPr>
+        <p:blipFill>
+          <a:blip r:embed="rId5"/>
+          <a:stretch>
+            <a:fillRect/>
+          </a:stretch>
+        </p:blipFill>
+        <p:spPr>
+          <a:xfrm>
+            <a:off x="1006503" y="1639327"/>
+            <a:ext cx="2879334" cy="1376237"/>
+          </a:xfrm>
+          <a:prstGeom prst="rect">
+            <a:avLst/>
+          </a:prstGeom>
+        </p:spPr>
+      </p:pic>
+      <p:graphicFrame>
+        <p:nvGraphicFramePr>
+          <p:cNvPr id="25" name="Table 31">
+            <a:extLst>
+              <a:ext uri="{FF2B5EF4-FFF2-40B4-BE49-F238E27FC236}">
+                <a16:creationId xmlns:a16="http://schemas.microsoft.com/office/drawing/2014/main" id="{B1CC2B68-CC8A-4F0D-AEBD-2F0E330847C6}"/>
+              </a:ext>
+            </a:extLst>
+          </p:cNvPr>
+          <p:cNvGraphicFramePr>
+            <a:graphicFrameLocks noGrp="1"/>
+          </p:cNvGraphicFramePr>
+          <p:nvPr>
+            <p:ph sz="quarter" idx="4"/>
+            <p:extLst>
+              <p:ext uri="{D42A27DB-BD31-4B8C-83A1-F6EECF244321}">
+                <p14:modId xmlns:p14="http://schemas.microsoft.com/office/powerpoint/2010/main" val="1911906193"/>
+              </p:ext>
+            </p:extLst>
+          </p:nvPr>
+        </p:nvGraphicFramePr>
+        <p:xfrm>
+          <a:off x="7383811" y="4156953"/>
+          <a:ext cx="3231506" cy="2123440"/>
+        </p:xfrm>
+        <a:graphic>
+          <a:graphicData uri="http://schemas.openxmlformats.org/drawingml/2006/table">
+            <a:tbl>
+              <a:tblPr firstRow="1" bandRow="1">
+                <a:tableStyleId>{073A0DAA-6AF3-43AB-8588-CEC1D06C72B9}</a:tableStyleId>
+              </a:tblPr>
+              <a:tblGrid>
+                <a:gridCol w="1615753">
+                  <a:extLst>
+                    <a:ext uri="{9D8B030D-6E8A-4147-A177-3AD203B41FA5}">
+                      <a16:colId xmlns:a16="http://schemas.microsoft.com/office/drawing/2014/main" val="3568760342"/>
+                    </a:ext>
+                  </a:extLst>
+                </a:gridCol>
+                <a:gridCol w="1615753">
+                  <a:extLst>
+                    <a:ext uri="{9D8B030D-6E8A-4147-A177-3AD203B41FA5}">
+                      <a16:colId xmlns:a16="http://schemas.microsoft.com/office/drawing/2014/main" val="947145380"/>
+                    </a:ext>
+                  </a:extLst>
+                </a:gridCol>
+              </a:tblGrid>
+              <a:tr h="370840">
+                <a:tc>
+                  <a:txBody>
+                    <a:bodyPr/>
+                    <a:lstStyle/>
+                    <a:p>
+                      <a:pPr algn="ctr"/>
+                      <a:r>
+                        <a:rPr lang="en-US" dirty="0"/>
+                        <a:t>in=</a:t>
+                      </a:r>
+                      <a:r>
+                        <a:rPr lang="en-US" dirty="0" err="1"/>
+                        <a:t>nandOut</a:t>
+                      </a:r>
+                      <a:endParaRPr lang="en-US" dirty="0"/>
+                    </a:p>
+                  </a:txBody>
+                  <a:tcPr/>
+                </a:tc>
+                <a:tc>
+                  <a:txBody>
+                    <a:bodyPr/>
+                    <a:lstStyle/>
+                    <a:p>
+                      <a:pPr algn="ctr"/>
+                      <a:r>
+                        <a:rPr lang="en-US" dirty="0"/>
+                        <a:t>out=out [Not]</a:t>
+                      </a:r>
+                    </a:p>
+                  </a:txBody>
+                  <a:tcPr/>
+                </a:tc>
+                <a:extLst>
+                  <a:ext uri="{0D108BD9-81ED-4DB2-BD59-A6C34878D82A}">
+                    <a16:rowId xmlns:a16="http://schemas.microsoft.com/office/drawing/2014/main" val="922385304"/>
+                  </a:ext>
+                </a:extLst>
+              </a:tr>
+              <a:tr h="370840">
+                <a:tc>
+                  <a:txBody>
+                    <a:bodyPr/>
+                    <a:lstStyle/>
+                    <a:p>
+                      <a:pPr marL="0" algn="ctr" defTabSz="914400" rtl="0" eaLnBrk="1" latinLnBrk="0" hangingPunct="1"/>
+                      <a:r>
+                        <a:rPr lang="en-US" dirty="0"/>
+                        <a:t>1</a:t>
+                      </a:r>
+                      <a:endParaRPr lang="en-US" sz="1800" b="1" kern="1200" dirty="0">
+                        <a:solidFill>
+                          <a:schemeClr val="lt1"/>
+                        </a:solidFill>
+                        <a:latin typeface="+mn-lt"/>
+                        <a:ea typeface="+mn-ea"/>
+                        <a:cs typeface="+mn-cs"/>
+                      </a:endParaRPr>
+                    </a:p>
+                  </a:txBody>
+                  <a:tcPr/>
+                </a:tc>
+                <a:tc>
+                  <a:txBody>
+                    <a:bodyPr/>
+                    <a:lstStyle/>
+                    <a:p>
+                      <a:pPr algn="ctr"/>
+                      <a:r>
+                        <a:rPr lang="en-US" dirty="0"/>
+                        <a:t>0</a:t>
+                      </a:r>
+                    </a:p>
+                  </a:txBody>
+                  <a:tcPr/>
+                </a:tc>
+                <a:extLst>
+                  <a:ext uri="{0D108BD9-81ED-4DB2-BD59-A6C34878D82A}">
+                    <a16:rowId xmlns:a16="http://schemas.microsoft.com/office/drawing/2014/main" val="3961031326"/>
+                  </a:ext>
+                </a:extLst>
+              </a:tr>
+              <a:tr h="370840">
+                <a:tc>
+                  <a:txBody>
+                    <a:bodyPr/>
+                    <a:lstStyle/>
+                    <a:p>
+                      <a:pPr marL="0" algn="ctr" defTabSz="914400" rtl="0" eaLnBrk="1" latinLnBrk="0" hangingPunct="1"/>
+                      <a:r>
+                        <a:rPr lang="en-US"/>
+                        <a:t>1</a:t>
+                      </a:r>
+                      <a:endParaRPr lang="en-US" sz="1800" kern="1200" dirty="0">
+                        <a:solidFill>
+                          <a:schemeClr val="dk1"/>
+                        </a:solidFill>
+                        <a:latin typeface="+mn-lt"/>
+                        <a:ea typeface="+mn-ea"/>
+                        <a:cs typeface="+mn-cs"/>
+                      </a:endParaRPr>
+                    </a:p>
+                  </a:txBody>
+                  <a:tcPr/>
+                </a:tc>
+                <a:tc>
+                  <a:txBody>
+                    <a:bodyPr/>
+                    <a:lstStyle/>
+                    <a:p>
+                      <a:pPr algn="ctr"/>
+                      <a:r>
+                        <a:rPr lang="en-US" dirty="0"/>
+                        <a:t>0</a:t>
+                      </a:r>
+                    </a:p>
+                  </a:txBody>
+                  <a:tcPr/>
+                </a:tc>
+                <a:extLst>
+                  <a:ext uri="{0D108BD9-81ED-4DB2-BD59-A6C34878D82A}">
+                    <a16:rowId xmlns:a16="http://schemas.microsoft.com/office/drawing/2014/main" val="2701135623"/>
+                  </a:ext>
+                </a:extLst>
+              </a:tr>
+              <a:tr h="370840">
+                <a:tc>
+                  <a:txBody>
+                    <a:bodyPr/>
+                    <a:lstStyle/>
+                    <a:p>
+                      <a:pPr marL="0" algn="ctr" defTabSz="914400" rtl="0" eaLnBrk="1" latinLnBrk="0" hangingPunct="1"/>
+                      <a:r>
+                        <a:rPr lang="en-US"/>
+                        <a:t>1</a:t>
+                      </a:r>
+                      <a:endParaRPr lang="en-US" sz="1800" kern="1200" dirty="0">
+                        <a:solidFill>
+                          <a:schemeClr val="dk1"/>
+                        </a:solidFill>
+                        <a:latin typeface="+mn-lt"/>
+                        <a:ea typeface="+mn-ea"/>
+                        <a:cs typeface="+mn-cs"/>
+                      </a:endParaRPr>
+                    </a:p>
+                  </a:txBody>
+                  <a:tcPr/>
+                </a:tc>
+                <a:tc>
+                  <a:txBody>
+                    <a:bodyPr/>
+                    <a:lstStyle/>
+                    <a:p>
+                      <a:pPr algn="ctr"/>
+                      <a:r>
+                        <a:rPr lang="en-US" dirty="0"/>
+                        <a:t>0</a:t>
+                      </a:r>
+                    </a:p>
+                  </a:txBody>
+                  <a:tcPr/>
+                </a:tc>
+                <a:extLst>
+                  <a:ext uri="{0D108BD9-81ED-4DB2-BD59-A6C34878D82A}">
+                    <a16:rowId xmlns:a16="http://schemas.microsoft.com/office/drawing/2014/main" val="2041362489"/>
+                  </a:ext>
+                </a:extLst>
+              </a:tr>
+              <a:tr h="370840">
+                <a:tc>
+                  <a:txBody>
+                    <a:bodyPr/>
+                    <a:lstStyle/>
+                    <a:p>
+                      <a:pPr marL="0" algn="ctr" defTabSz="914400" rtl="0" eaLnBrk="1" latinLnBrk="0" hangingPunct="1"/>
+                      <a:r>
+                        <a:rPr lang="en-US" dirty="0"/>
+                        <a:t>0</a:t>
+                      </a:r>
+                      <a:endParaRPr lang="en-US" sz="1800" kern="1200" dirty="0">
+                        <a:solidFill>
+                          <a:schemeClr val="dk1"/>
+                        </a:solidFill>
+                        <a:latin typeface="+mn-lt"/>
+                        <a:ea typeface="+mn-ea"/>
+                        <a:cs typeface="+mn-cs"/>
+                      </a:endParaRPr>
+                    </a:p>
+                  </a:txBody>
+                  <a:tcPr/>
+                </a:tc>
+                <a:tc>
+                  <a:txBody>
+                    <a:bodyPr/>
+                    <a:lstStyle/>
+                    <a:p>
+                      <a:pPr algn="ctr"/>
+                      <a:r>
+                        <a:rPr lang="en-US" dirty="0"/>
+                        <a:t>1</a:t>
+                      </a:r>
+                    </a:p>
+                  </a:txBody>
+                  <a:tcPr/>
+                </a:tc>
+                <a:extLst>
+                  <a:ext uri="{0D108BD9-81ED-4DB2-BD59-A6C34878D82A}">
+                    <a16:rowId xmlns:a16="http://schemas.microsoft.com/office/drawing/2014/main" val="163547046"/>
+                  </a:ext>
+                </a:extLst>
+              </a:tr>
+            </a:tbl>
+          </a:graphicData>
+        </a:graphic>
+      </p:graphicFrame>
+    </p:spTree>
+    <p:extLst>
+      <p:ext uri="{BB962C8B-B14F-4D97-AF65-F5344CB8AC3E}">
+        <p14:creationId xmlns:p14="http://schemas.microsoft.com/office/powerpoint/2010/main" val="2964076207"/>
       </p:ext>
     </p:extLst>
   </p:cSld>

--- a/projects_ppts/Nand2Tetris_Project_01.pptx
+++ b/projects_ppts/Nand2Tetris_Project_01.pptx
@@ -14,9 +14,14 @@
     <p:sldId id="262" r:id="rId8"/>
     <p:sldId id="263" r:id="rId9"/>
     <p:sldId id="264" r:id="rId10"/>
-    <p:sldId id="267" r:id="rId11"/>
+    <p:sldId id="270" r:id="rId11"/>
     <p:sldId id="265" r:id="rId12"/>
-    <p:sldId id="266" r:id="rId13"/>
+    <p:sldId id="272" r:id="rId13"/>
+    <p:sldId id="268" r:id="rId14"/>
+    <p:sldId id="269" r:id="rId15"/>
+    <p:sldId id="267" r:id="rId16"/>
+    <p:sldId id="271" r:id="rId17"/>
+    <p:sldId id="266" r:id="rId18"/>
   </p:sldIdLst>
   <p:sldSz cx="12192000" cy="6858000"/>
   <p:notesSz cx="6858000" cy="9144000"/>
@@ -5332,7 +5337,7 @@
     </p:spTree>
     <p:extLst>
       <p:ext uri="{BB962C8B-B14F-4D97-AF65-F5344CB8AC3E}">
-        <p14:creationId xmlns:p14="http://schemas.microsoft.com/office/powerpoint/2010/main" val="2423518518"/>
+        <p14:creationId xmlns:p14="http://schemas.microsoft.com/office/powerpoint/2010/main" val="552323095"/>
       </p:ext>
     </p:extLst>
   </p:cSld>
@@ -7560,6 +7565,3383 @@
         <p:sp>
           <p:nvSpPr>
             <p:cNvPr id="232" name="Oval 64">
+              <a:extLst>
+                <a:ext uri="{FF2B5EF4-FFF2-40B4-BE49-F238E27FC236}">
+                  <a16:creationId xmlns:a16="http://schemas.microsoft.com/office/drawing/2014/main" id="{4F7E4C9C-591E-4C54-9ECF-96F50A57BBBE}"/>
+                </a:ext>
+                <a:ext uri="{C183D7F6-B498-43B3-948B-1728B52AA6E4}">
+                  <adec:decorative xmlns:adec="http://schemas.microsoft.com/office/drawing/2017/decorative" val="1"/>
+                </a:ext>
+              </a:extLst>
+            </p:cNvPr>
+            <p:cNvSpPr/>
+            <p:nvPr>
+              <p:extLst>
+                <p:ext uri="{386F3935-93C4-4BCD-93E2-E3B085C9AB24}">
+                  <p16:designElem xmlns:p16="http://schemas.microsoft.com/office/powerpoint/2015/main" val="1"/>
+                </p:ext>
+              </p:extLst>
+            </p:nvPr>
+          </p:nvSpPr>
+          <p:spPr>
+            <a:xfrm>
+              <a:off x="9793429" y="4568765"/>
+              <a:ext cx="864723" cy="864722"/>
+            </a:xfrm>
+            <a:prstGeom prst="ellipse">
+              <a:avLst/>
+            </a:prstGeom>
+            <a:noFill/>
+            <a:ln w="25400" cap="flat" cmpd="sng" algn="ctr">
+              <a:solidFill>
+                <a:sysClr val="window" lastClr="FFFFFF"/>
+              </a:solidFill>
+              <a:prstDash val="solid"/>
+            </a:ln>
+            <a:effectLst/>
+          </p:spPr>
+          <p:txBody>
+            <a:bodyPr rtlCol="0" anchor="ctr"/>
+            <a:lstStyle/>
+            <a:p>
+              <a:pPr marL="0" marR="0" lvl="0" indent="0" algn="ctr" defTabSz="914400" eaLnBrk="1" fontAlgn="auto" latinLnBrk="0" hangingPunct="1">
+                <a:lnSpc>
+                  <a:spcPct val="100000"/>
+                </a:lnSpc>
+                <a:spcBef>
+                  <a:spcPts val="0"/>
+                </a:spcBef>
+                <a:spcAft>
+                  <a:spcPts val="0"/>
+                </a:spcAft>
+                <a:buClrTx/>
+                <a:buSzTx/>
+                <a:buFontTx/>
+                <a:buNone/>
+                <a:tabLst/>
+                <a:defRPr/>
+              </a:pPr>
+              <a:endParaRPr kumimoji="0" lang="en-US" sz="1800" b="0" i="0" u="none" strike="noStrike" kern="0" cap="none" spc="0" normalizeH="0" baseline="0" noProof="0" dirty="0">
+                <a:ln>
+                  <a:noFill/>
+                </a:ln>
+                <a:solidFill>
+                  <a:prstClr val="white"/>
+                </a:solidFill>
+                <a:effectLst/>
+                <a:uLnTx/>
+                <a:uFillTx/>
+                <a:latin typeface="Calibri"/>
+                <a:ea typeface="+mn-ea"/>
+                <a:cs typeface="+mn-cs"/>
+              </a:endParaRPr>
+            </a:p>
+          </p:txBody>
+        </p:sp>
+      </p:grpSp>
+    </p:spTree>
+    <p:extLst>
+      <p:ext uri="{BB962C8B-B14F-4D97-AF65-F5344CB8AC3E}">
+        <p14:creationId xmlns:p14="http://schemas.microsoft.com/office/powerpoint/2010/main" val="2211406599"/>
+      </p:ext>
+    </p:extLst>
+  </p:cSld>
+  <p:clrMapOvr>
+    <a:masterClrMapping/>
+  </p:clrMapOvr>
+</p:sld>
+</file>
+
+<file path=ppt/slides/slide13.xml><?xml version="1.0" encoding="utf-8"?>
+<p:sld xmlns:a="http://schemas.openxmlformats.org/drawingml/2006/main" xmlns:r="http://schemas.openxmlformats.org/officeDocument/2006/relationships" xmlns:p="http://schemas.openxmlformats.org/presentationml/2006/main">
+  <p:cSld>
+    <p:spTree>
+      <p:nvGrpSpPr>
+        <p:cNvPr id="1" name=""/>
+        <p:cNvGrpSpPr/>
+        <p:nvPr/>
+      </p:nvGrpSpPr>
+      <p:grpSpPr>
+        <a:xfrm>
+          <a:off x="0" y="0"/>
+          <a:ext cx="0" cy="0"/>
+          <a:chOff x="0" y="0"/>
+          <a:chExt cx="0" cy="0"/>
+        </a:xfrm>
+      </p:grpSpPr>
+      <p:sp>
+        <p:nvSpPr>
+          <p:cNvPr id="16" name="Text Placeholder 15">
+            <a:extLst>
+              <a:ext uri="{FF2B5EF4-FFF2-40B4-BE49-F238E27FC236}">
+                <a16:creationId xmlns:a16="http://schemas.microsoft.com/office/drawing/2014/main" id="{A3A91DAF-FDCB-4F62-A374-93A386E0A3A9}"/>
+              </a:ext>
+            </a:extLst>
+          </p:cNvPr>
+          <p:cNvSpPr>
+            <a:spLocks noGrp="1"/>
+          </p:cNvSpPr>
+          <p:nvPr>
+            <p:ph type="body" idx="1"/>
+          </p:nvPr>
+        </p:nvSpPr>
+        <p:spPr>
+          <a:xfrm>
+            <a:off x="1107320" y="1743625"/>
+            <a:ext cx="4754880" cy="640080"/>
+          </a:xfrm>
+        </p:spPr>
+        <p:txBody>
+          <a:bodyPr/>
+          <a:lstStyle/>
+          <a:p>
+            <a:r>
+              <a:rPr lang="en-US" dirty="0"/>
+              <a:t>Or Truth Table</a:t>
+            </a:r>
+          </a:p>
+        </p:txBody>
+      </p:sp>
+      <p:sp>
+        <p:nvSpPr>
+          <p:cNvPr id="2" name="Title 1">
+            <a:extLst>
+              <a:ext uri="{FF2B5EF4-FFF2-40B4-BE49-F238E27FC236}">
+                <a16:creationId xmlns:a16="http://schemas.microsoft.com/office/drawing/2014/main" id="{1F9D9906-EDBF-4E40-916A-7CB1E79D3335}"/>
+              </a:ext>
+            </a:extLst>
+          </p:cNvPr>
+          <p:cNvSpPr>
+            <a:spLocks noGrp="1"/>
+          </p:cNvSpPr>
+          <p:nvPr>
+            <p:ph type="title"/>
+          </p:nvPr>
+        </p:nvSpPr>
+        <p:spPr/>
+        <p:txBody>
+          <a:bodyPr/>
+          <a:lstStyle/>
+          <a:p>
+            <a:r>
+              <a:rPr lang="en-US" dirty="0"/>
+              <a:t>Or gate</a:t>
+            </a:r>
+          </a:p>
+        </p:txBody>
+      </p:sp>
+      <p:pic>
+        <p:nvPicPr>
+          <p:cNvPr id="13" name="Content Placeholder 12">
+            <a:extLst>
+              <a:ext uri="{FF2B5EF4-FFF2-40B4-BE49-F238E27FC236}">
+                <a16:creationId xmlns:a16="http://schemas.microsoft.com/office/drawing/2014/main" id="{A475DC22-ED94-446D-B00F-3DC5BBD2B4EA}"/>
+              </a:ext>
+            </a:extLst>
+          </p:cNvPr>
+          <p:cNvPicPr>
+            <a:picLocks noGrp="1" noChangeAspect="1"/>
+          </p:cNvPicPr>
+          <p:nvPr>
+            <p:ph sz="half" idx="2"/>
+          </p:nvPr>
+        </p:nvPicPr>
+        <p:blipFill>
+          <a:blip r:embed="rId2"/>
+          <a:stretch>
+            <a:fillRect/>
+          </a:stretch>
+        </p:blipFill>
+        <p:spPr>
+          <a:xfrm>
+            <a:off x="1107319" y="2405579"/>
+            <a:ext cx="3671027" cy="1765216"/>
+          </a:xfrm>
+          <a:prstGeom prst="rect">
+            <a:avLst/>
+          </a:prstGeom>
+        </p:spPr>
+      </p:pic>
+      <p:pic>
+        <p:nvPicPr>
+          <p:cNvPr id="22" name="Picture 21">
+            <a:extLst>
+              <a:ext uri="{FF2B5EF4-FFF2-40B4-BE49-F238E27FC236}">
+                <a16:creationId xmlns:a16="http://schemas.microsoft.com/office/drawing/2014/main" id="{805550CF-11F5-443D-8E2C-07587BC6CE78}"/>
+              </a:ext>
+            </a:extLst>
+          </p:cNvPr>
+          <p:cNvPicPr>
+            <a:picLocks noChangeAspect="1"/>
+          </p:cNvPicPr>
+          <p:nvPr/>
+        </p:nvPicPr>
+        <p:blipFill>
+          <a:blip r:embed="rId3"/>
+          <a:stretch>
+            <a:fillRect/>
+          </a:stretch>
+        </p:blipFill>
+        <p:spPr>
+          <a:xfrm>
+            <a:off x="5987526" y="1743625"/>
+            <a:ext cx="5284112" cy="4423352"/>
+          </a:xfrm>
+          <a:prstGeom prst="rect">
+            <a:avLst/>
+          </a:prstGeom>
+        </p:spPr>
+      </p:pic>
+    </p:spTree>
+    <p:extLst>
+      <p:ext uri="{BB962C8B-B14F-4D97-AF65-F5344CB8AC3E}">
+        <p14:creationId xmlns:p14="http://schemas.microsoft.com/office/powerpoint/2010/main" val="3180921398"/>
+      </p:ext>
+    </p:extLst>
+  </p:cSld>
+  <p:clrMapOvr>
+    <a:masterClrMapping/>
+  </p:clrMapOvr>
+</p:sld>
+</file>
+
+<file path=ppt/slides/slide14.xml><?xml version="1.0" encoding="utf-8"?>
+<p:sld xmlns:a="http://schemas.openxmlformats.org/drawingml/2006/main" xmlns:r="http://schemas.openxmlformats.org/officeDocument/2006/relationships" xmlns:p="http://schemas.openxmlformats.org/presentationml/2006/main">
+  <p:cSld>
+    <p:spTree>
+      <p:nvGrpSpPr>
+        <p:cNvPr id="1" name=""/>
+        <p:cNvGrpSpPr/>
+        <p:nvPr/>
+      </p:nvGrpSpPr>
+      <p:grpSpPr>
+        <a:xfrm>
+          <a:off x="0" y="0"/>
+          <a:ext cx="0" cy="0"/>
+          <a:chOff x="0" y="0"/>
+          <a:chExt cx="0" cy="0"/>
+        </a:xfrm>
+      </p:grpSpPr>
+      <p:sp>
+        <p:nvSpPr>
+          <p:cNvPr id="2" name="Title 1">
+            <a:extLst>
+              <a:ext uri="{FF2B5EF4-FFF2-40B4-BE49-F238E27FC236}">
+                <a16:creationId xmlns:a16="http://schemas.microsoft.com/office/drawing/2014/main" id="{1F9D9906-EDBF-4E40-916A-7CB1E79D3335}"/>
+              </a:ext>
+            </a:extLst>
+          </p:cNvPr>
+          <p:cNvSpPr>
+            <a:spLocks noGrp="1"/>
+          </p:cNvSpPr>
+          <p:nvPr>
+            <p:ph type="title"/>
+          </p:nvPr>
+        </p:nvSpPr>
+        <p:spPr/>
+        <p:txBody>
+          <a:bodyPr/>
+          <a:lstStyle/>
+          <a:p>
+            <a:r>
+              <a:rPr lang="en-US" dirty="0"/>
+              <a:t>Or gate Design</a:t>
+            </a:r>
+          </a:p>
+        </p:txBody>
+      </p:sp>
+      <p:pic>
+        <p:nvPicPr>
+          <p:cNvPr id="6" name="Picture 5">
+            <a:extLst>
+              <a:ext uri="{FF2B5EF4-FFF2-40B4-BE49-F238E27FC236}">
+                <a16:creationId xmlns:a16="http://schemas.microsoft.com/office/drawing/2014/main" id="{176E3001-42A8-46E2-9835-908A3ABA7D98}"/>
+              </a:ext>
+            </a:extLst>
+          </p:cNvPr>
+          <p:cNvPicPr>
+            <a:picLocks noChangeAspect="1"/>
+          </p:cNvPicPr>
+          <p:nvPr/>
+        </p:nvPicPr>
+        <p:blipFill rotWithShape="1">
+          <a:blip r:embed="rId2"/>
+          <a:srcRect b="15586"/>
+          <a:stretch/>
+        </p:blipFill>
+        <p:spPr>
+          <a:xfrm>
+            <a:off x="1063752" y="1756271"/>
+            <a:ext cx="9396981" cy="1672730"/>
+          </a:xfrm>
+          <a:prstGeom prst="rect">
+            <a:avLst/>
+          </a:prstGeom>
+        </p:spPr>
+      </p:pic>
+      <p:pic>
+        <p:nvPicPr>
+          <p:cNvPr id="17" name="Picture 16">
+            <a:extLst>
+              <a:ext uri="{FF2B5EF4-FFF2-40B4-BE49-F238E27FC236}">
+                <a16:creationId xmlns:a16="http://schemas.microsoft.com/office/drawing/2014/main" id="{6F9C69E8-C36E-49CF-8976-B1AB725A3817}"/>
+              </a:ext>
+            </a:extLst>
+          </p:cNvPr>
+          <p:cNvPicPr>
+            <a:picLocks noChangeAspect="1"/>
+          </p:cNvPicPr>
+          <p:nvPr/>
+        </p:nvPicPr>
+        <p:blipFill>
+          <a:blip r:embed="rId3"/>
+          <a:stretch>
+            <a:fillRect/>
+          </a:stretch>
+        </p:blipFill>
+        <p:spPr>
+          <a:xfrm>
+            <a:off x="1063752" y="3636817"/>
+            <a:ext cx="9396981" cy="2982090"/>
+          </a:xfrm>
+          <a:prstGeom prst="rect">
+            <a:avLst/>
+          </a:prstGeom>
+        </p:spPr>
+      </p:pic>
+    </p:spTree>
+    <p:extLst>
+      <p:ext uri="{BB962C8B-B14F-4D97-AF65-F5344CB8AC3E}">
+        <p14:creationId xmlns:p14="http://schemas.microsoft.com/office/powerpoint/2010/main" val="3153881472"/>
+      </p:ext>
+    </p:extLst>
+  </p:cSld>
+  <p:clrMapOvr>
+    <a:masterClrMapping/>
+  </p:clrMapOvr>
+</p:sld>
+</file>
+
+<file path=ppt/slides/slide15.xml><?xml version="1.0" encoding="utf-8"?>
+<p:sld xmlns:a="http://schemas.openxmlformats.org/drawingml/2006/main" xmlns:r="http://schemas.openxmlformats.org/officeDocument/2006/relationships" xmlns:p="http://schemas.openxmlformats.org/presentationml/2006/main">
+  <p:cSld>
+    <p:bg>
+      <p:bgPr>
+        <a:solidFill>
+          <a:schemeClr val="bg1"/>
+        </a:solidFill>
+        <a:effectLst/>
+      </p:bgPr>
+    </p:bg>
+    <p:spTree>
+      <p:nvGrpSpPr>
+        <p:cNvPr id="1" name=""/>
+        <p:cNvGrpSpPr/>
+        <p:nvPr/>
+      </p:nvGrpSpPr>
+      <p:grpSpPr>
+        <a:xfrm>
+          <a:off x="0" y="0"/>
+          <a:ext cx="0" cy="0"/>
+          <a:chOff x="0" y="0"/>
+          <a:chExt cx="0" cy="0"/>
+        </a:xfrm>
+      </p:grpSpPr>
+      <p:sp>
+        <p:nvSpPr>
+          <p:cNvPr id="105" name="Rectangle 104">
+            <a:extLst>
+              <a:ext uri="{FF2B5EF4-FFF2-40B4-BE49-F238E27FC236}">
+                <a16:creationId xmlns:a16="http://schemas.microsoft.com/office/drawing/2014/main" id="{2550AE69-AC86-4188-83E5-A856C4F1DCFF}"/>
+              </a:ext>
+              <a:ext uri="{C183D7F6-B498-43B3-948B-1728B52AA6E4}">
+                <adec:decorative xmlns:adec="http://schemas.microsoft.com/office/drawing/2017/decorative" val="1"/>
+              </a:ext>
+            </a:extLst>
+          </p:cNvPr>
+          <p:cNvSpPr>
+            <a:spLocks noGrp="1" noRot="1" noChangeAspect="1" noMove="1" noResize="1" noEditPoints="1" noAdjustHandles="1" noChangeArrowheads="1" noChangeShapeType="1" noTextEdit="1"/>
+          </p:cNvSpPr>
+          <p:nvPr>
+            <p:extLst>
+              <p:ext uri="{386F3935-93C4-4BCD-93E2-E3B085C9AB24}">
+                <p16:designElem xmlns:p16="http://schemas.microsoft.com/office/powerpoint/2015/main" val="1"/>
+              </p:ext>
+            </p:extLst>
+          </p:nvPr>
+        </p:nvSpPr>
+        <p:spPr>
+          <a:xfrm>
+            <a:off x="920834" y="1346946"/>
+            <a:ext cx="10222992" cy="80683"/>
+          </a:xfrm>
+          <a:prstGeom prst="rect">
+            <a:avLst/>
+          </a:prstGeom>
+          <a:blipFill dpi="0" rotWithShape="1">
+            <a:blip r:embed="rId2">
+              <a:alphaModFix amt="85000"/>
+              <a:lum bright="70000" contrast="-70000"/>
+              <a:extLst>
+                <a:ext uri="{BEBA8EAE-BF5A-486C-A8C5-ECC9F3942E4B}">
+                  <a14:imgProps xmlns:a14="http://schemas.microsoft.com/office/drawing/2010/main">
+                    <a14:imgLayer r:embed="rId3">
+                      <a14:imgEffect>
+                        <a14:sharpenSoften amount="61000"/>
+                      </a14:imgEffect>
+                    </a14:imgLayer>
+                  </a14:imgProps>
+                </a:ext>
+                <a:ext uri="{28A0092B-C50C-407E-A947-70E740481C1C}">
+                  <a14:useLocalDpi xmlns:a14="http://schemas.microsoft.com/office/drawing/2010/main" val="0"/>
+                </a:ext>
+              </a:extLst>
+            </a:blip>
+            <a:srcRect/>
+            <a:tile tx="0" ty="-762000" sx="92000" sy="89000" flip="xy" algn="ctr"/>
+          </a:blipFill>
+          <a:ln>
+            <a:noFill/>
+          </a:ln>
+        </p:spPr>
+        <p:style>
+          <a:lnRef idx="2">
+            <a:schemeClr val="accent1">
+              <a:shade val="50000"/>
+            </a:schemeClr>
+          </a:lnRef>
+          <a:fillRef idx="1">
+            <a:schemeClr val="accent1"/>
+          </a:fillRef>
+          <a:effectRef idx="0">
+            <a:schemeClr val="accent1"/>
+          </a:effectRef>
+          <a:fontRef idx="minor">
+            <a:schemeClr val="lt1"/>
+          </a:fontRef>
+        </p:style>
+      </p:sp>
+      <p:sp>
+        <p:nvSpPr>
+          <p:cNvPr id="107" name="Rectangle 106">
+            <a:extLst>
+              <a:ext uri="{FF2B5EF4-FFF2-40B4-BE49-F238E27FC236}">
+                <a16:creationId xmlns:a16="http://schemas.microsoft.com/office/drawing/2014/main" id="{EC4CA156-2C9D-4F0C-B229-88D8B5E17BCF}"/>
+              </a:ext>
+              <a:ext uri="{C183D7F6-B498-43B3-948B-1728B52AA6E4}">
+                <adec:decorative xmlns:adec="http://schemas.microsoft.com/office/drawing/2017/decorative" val="1"/>
+              </a:ext>
+            </a:extLst>
+          </p:cNvPr>
+          <p:cNvSpPr>
+            <a:spLocks noGrp="1" noRot="1" noChangeAspect="1" noMove="1" noResize="1" noEditPoints="1" noAdjustHandles="1" noChangeArrowheads="1" noChangeShapeType="1" noTextEdit="1"/>
+          </p:cNvSpPr>
+          <p:nvPr>
+            <p:extLst>
+              <p:ext uri="{386F3935-93C4-4BCD-93E2-E3B085C9AB24}">
+                <p16:designElem xmlns:p16="http://schemas.microsoft.com/office/powerpoint/2015/main" val="1"/>
+              </p:ext>
+            </p:extLst>
+          </p:nvPr>
+        </p:nvSpPr>
+        <p:spPr>
+          <a:xfrm>
+            <a:off x="920834" y="4299696"/>
+            <a:ext cx="10222992" cy="80683"/>
+          </a:xfrm>
+          <a:prstGeom prst="rect">
+            <a:avLst/>
+          </a:prstGeom>
+          <a:blipFill dpi="0" rotWithShape="1">
+            <a:blip r:embed="rId2">
+              <a:alphaModFix amt="85000"/>
+              <a:lum bright="70000" contrast="-70000"/>
+              <a:extLst>
+                <a:ext uri="{BEBA8EAE-BF5A-486C-A8C5-ECC9F3942E4B}">
+                  <a14:imgProps xmlns:a14="http://schemas.microsoft.com/office/drawing/2010/main">
+                    <a14:imgLayer r:embed="rId3">
+                      <a14:imgEffect>
+                        <a14:sharpenSoften amount="61000"/>
+                      </a14:imgEffect>
+                    </a14:imgLayer>
+                  </a14:imgProps>
+                </a:ext>
+                <a:ext uri="{28A0092B-C50C-407E-A947-70E740481C1C}">
+                  <a14:useLocalDpi xmlns:a14="http://schemas.microsoft.com/office/drawing/2010/main" val="0"/>
+                </a:ext>
+              </a:extLst>
+            </a:blip>
+            <a:srcRect/>
+            <a:tile tx="0" ty="-717550" sx="92000" sy="89000" flip="xy" algn="ctr"/>
+          </a:blipFill>
+          <a:ln>
+            <a:noFill/>
+          </a:ln>
+        </p:spPr>
+        <p:style>
+          <a:lnRef idx="2">
+            <a:schemeClr val="accent1">
+              <a:shade val="50000"/>
+            </a:schemeClr>
+          </a:lnRef>
+          <a:fillRef idx="1">
+            <a:schemeClr val="accent1"/>
+          </a:fillRef>
+          <a:effectRef idx="0">
+            <a:schemeClr val="accent1"/>
+          </a:effectRef>
+          <a:fontRef idx="minor">
+            <a:schemeClr val="lt1"/>
+          </a:fontRef>
+        </p:style>
+      </p:sp>
+      <p:sp>
+        <p:nvSpPr>
+          <p:cNvPr id="109" name="Rectangle 108">
+            <a:extLst>
+              <a:ext uri="{FF2B5EF4-FFF2-40B4-BE49-F238E27FC236}">
+                <a16:creationId xmlns:a16="http://schemas.microsoft.com/office/drawing/2014/main" id="{D7361ED3-EBE5-4EFC-8DA3-D0CE4BF2F4B1}"/>
+              </a:ext>
+              <a:ext uri="{C183D7F6-B498-43B3-948B-1728B52AA6E4}">
+                <adec:decorative xmlns:adec="http://schemas.microsoft.com/office/drawing/2017/decorative" val="1"/>
+              </a:ext>
+            </a:extLst>
+          </p:cNvPr>
+          <p:cNvSpPr>
+            <a:spLocks noGrp="1" noRot="1" noChangeAspect="1" noMove="1" noResize="1" noEditPoints="1" noAdjustHandles="1" noChangeArrowheads="1" noChangeShapeType="1" noTextEdit="1"/>
+          </p:cNvSpPr>
+          <p:nvPr>
+            <p:extLst>
+              <p:ext uri="{386F3935-93C4-4BCD-93E2-E3B085C9AB24}">
+                <p16:designElem xmlns:p16="http://schemas.microsoft.com/office/powerpoint/2015/main" val="1"/>
+              </p:ext>
+            </p:extLst>
+          </p:nvPr>
+        </p:nvSpPr>
+        <p:spPr>
+          <a:xfrm>
+            <a:off x="920834" y="1484779"/>
+            <a:ext cx="10222992" cy="2743200"/>
+          </a:xfrm>
+          <a:prstGeom prst="rect">
+            <a:avLst/>
+          </a:prstGeom>
+          <a:blipFill dpi="0" rotWithShape="1">
+            <a:blip r:embed="rId2">
+              <a:alphaModFix amt="85000"/>
+              <a:lum bright="70000" contrast="-70000"/>
+              <a:extLst>
+                <a:ext uri="{BEBA8EAE-BF5A-486C-A8C5-ECC9F3942E4B}">
+                  <a14:imgProps xmlns:a14="http://schemas.microsoft.com/office/drawing/2010/main">
+                    <a14:imgLayer r:embed="rId3">
+                      <a14:imgEffect>
+                        <a14:sharpenSoften amount="61000"/>
+                      </a14:imgEffect>
+                    </a14:imgLayer>
+                  </a14:imgProps>
+                </a:ext>
+                <a:ext uri="{28A0092B-C50C-407E-A947-70E740481C1C}">
+                  <a14:useLocalDpi xmlns:a14="http://schemas.microsoft.com/office/drawing/2010/main" val="0"/>
+                </a:ext>
+              </a:extLst>
+            </a:blip>
+            <a:srcRect/>
+            <a:tile tx="0" ty="-704850" sx="92000" sy="89000" flip="xy" algn="ctr"/>
+          </a:blipFill>
+          <a:ln>
+            <a:noFill/>
+          </a:ln>
+        </p:spPr>
+        <p:style>
+          <a:lnRef idx="2">
+            <a:schemeClr val="accent1">
+              <a:shade val="50000"/>
+            </a:schemeClr>
+          </a:lnRef>
+          <a:fillRef idx="1">
+            <a:schemeClr val="accent1"/>
+          </a:fillRef>
+          <a:effectRef idx="0">
+            <a:schemeClr val="accent1"/>
+          </a:effectRef>
+          <a:fontRef idx="minor">
+            <a:schemeClr val="lt1"/>
+          </a:fontRef>
+        </p:style>
+      </p:sp>
+      <p:grpSp>
+        <p:nvGrpSpPr>
+          <p:cNvPr id="111" name="Group 110">
+            <a:extLst>
+              <a:ext uri="{FF2B5EF4-FFF2-40B4-BE49-F238E27FC236}">
+                <a16:creationId xmlns:a16="http://schemas.microsoft.com/office/drawing/2014/main" id="{85105087-7F16-4C94-837C-C45445116665}"/>
+              </a:ext>
+              <a:ext uri="{C183D7F6-B498-43B3-948B-1728B52AA6E4}">
+                <adec:decorative xmlns:adec="http://schemas.microsoft.com/office/drawing/2017/decorative" val="1"/>
+              </a:ext>
+            </a:extLst>
+          </p:cNvPr>
+          <p:cNvGrpSpPr>
+            <a:grpSpLocks noGrp="1" noUngrp="1" noRot="1" noChangeAspect="1" noMove="1" noResize="1"/>
+          </p:cNvGrpSpPr>
+          <p:nvPr>
+            <p:extLst>
+              <p:ext uri="{386F3935-93C4-4BCD-93E2-E3B085C9AB24}">
+                <p16:designElem xmlns:p16="http://schemas.microsoft.com/office/powerpoint/2015/main" val="1"/>
+              </p:ext>
+            </p:extLst>
+          </p:nvPr>
+        </p:nvGrpSpPr>
+        <p:grpSpPr>
+          <a:xfrm>
+            <a:off x="9649215" y="4068923"/>
+            <a:ext cx="1080904" cy="1080902"/>
+            <a:chOff x="9685338" y="4460675"/>
+            <a:chExt cx="1080904" cy="1080902"/>
+          </a:xfrm>
+        </p:grpSpPr>
+        <p:sp>
+          <p:nvSpPr>
+            <p:cNvPr id="112" name="Oval 111">
+              <a:extLst>
+                <a:ext uri="{FF2B5EF4-FFF2-40B4-BE49-F238E27FC236}">
+                  <a16:creationId xmlns:a16="http://schemas.microsoft.com/office/drawing/2014/main" id="{4F2F3467-E50F-4A91-B27D-E324936A66D0}"/>
+                </a:ext>
+                <a:ext uri="{C183D7F6-B498-43B3-948B-1728B52AA6E4}">
+                  <adec:decorative xmlns:adec="http://schemas.microsoft.com/office/drawing/2017/decorative" val="1"/>
+                </a:ext>
+              </a:extLst>
+            </p:cNvPr>
+            <p:cNvSpPr/>
+            <p:nvPr>
+              <p:extLst>
+                <p:ext uri="{386F3935-93C4-4BCD-93E2-E3B085C9AB24}">
+                  <p16:designElem xmlns:p16="http://schemas.microsoft.com/office/powerpoint/2015/main" val="1"/>
+                </p:ext>
+              </p:extLst>
+            </p:nvPr>
+          </p:nvSpPr>
+          <p:spPr>
+            <a:xfrm>
+              <a:off x="9685338" y="4460675"/>
+              <a:ext cx="1080904" cy="1080902"/>
+            </a:xfrm>
+            <a:prstGeom prst="ellipse">
+              <a:avLst/>
+            </a:prstGeom>
+            <a:blipFill dpi="0" rotWithShape="1">
+              <a:blip r:embed="rId4">
+                <a:duotone>
+                  <a:schemeClr val="accent1">
+                    <a:shade val="45000"/>
+                    <a:satMod val="135000"/>
+                  </a:schemeClr>
+                  <a:prstClr val="white"/>
+                </a:duotone>
+                <a:extLst>
+                  <a:ext uri="{BEBA8EAE-BF5A-486C-A8C5-ECC9F3942E4B}">
+                    <a14:imgProps xmlns:a14="http://schemas.microsoft.com/office/drawing/2010/main">
+                      <a14:imgLayer r:embed="rId5">
+                        <a14:imgEffect>
+                          <a14:saturation sat="95000"/>
+                        </a14:imgEffect>
+                      </a14:imgLayer>
+                    </a14:imgProps>
+                  </a:ext>
+                </a:extLst>
+              </a:blip>
+              <a:srcRect/>
+              <a:tile tx="0" ty="0" sx="85000" sy="85000" flip="none" algn="tl"/>
+            </a:blipFill>
+            <a:ln w="25400" cap="flat" cmpd="sng" algn="ctr">
+              <a:noFill/>
+              <a:prstDash val="solid"/>
+            </a:ln>
+            <a:effectLst/>
+          </p:spPr>
+        </p:sp>
+        <p:sp>
+          <p:nvSpPr>
+            <p:cNvPr id="113" name="Oval 112">
+              <a:extLst>
+                <a:ext uri="{FF2B5EF4-FFF2-40B4-BE49-F238E27FC236}">
+                  <a16:creationId xmlns:a16="http://schemas.microsoft.com/office/drawing/2014/main" id="{D678BE03-AC84-4940-A7FD-5B143FE2D65D}"/>
+                </a:ext>
+                <a:ext uri="{C183D7F6-B498-43B3-948B-1728B52AA6E4}">
+                  <adec:decorative xmlns:adec="http://schemas.microsoft.com/office/drawing/2017/decorative" val="1"/>
+                </a:ext>
+              </a:extLst>
+            </p:cNvPr>
+            <p:cNvSpPr/>
+            <p:nvPr>
+              <p:extLst>
+                <p:ext uri="{386F3935-93C4-4BCD-93E2-E3B085C9AB24}">
+                  <p16:designElem xmlns:p16="http://schemas.microsoft.com/office/powerpoint/2015/main" val="1"/>
+                </p:ext>
+              </p:extLst>
+            </p:nvPr>
+          </p:nvSpPr>
+          <p:spPr>
+            <a:xfrm>
+              <a:off x="9793429" y="4568765"/>
+              <a:ext cx="864723" cy="864722"/>
+            </a:xfrm>
+            <a:prstGeom prst="ellipse">
+              <a:avLst/>
+            </a:prstGeom>
+            <a:noFill/>
+            <a:ln w="25400" cap="flat" cmpd="sng" algn="ctr">
+              <a:solidFill>
+                <a:sysClr val="window" lastClr="FFFFFF"/>
+              </a:solidFill>
+              <a:prstDash val="solid"/>
+            </a:ln>
+            <a:effectLst/>
+          </p:spPr>
+        </p:sp>
+      </p:grpSp>
+      <p:sp useBgFill="1">
+        <p:nvSpPr>
+          <p:cNvPr id="115" name="Rectangle 114">
+            <a:extLst>
+              <a:ext uri="{FF2B5EF4-FFF2-40B4-BE49-F238E27FC236}">
+                <a16:creationId xmlns:a16="http://schemas.microsoft.com/office/drawing/2014/main" id="{19A1D830-E73C-47A9-A534-323CEEFF5B32}"/>
+              </a:ext>
+              <a:ext uri="{C183D7F6-B498-43B3-948B-1728B52AA6E4}">
+                <adec:decorative xmlns:adec="http://schemas.microsoft.com/office/drawing/2017/decorative" val="1"/>
+              </a:ext>
+            </a:extLst>
+          </p:cNvPr>
+          <p:cNvSpPr>
+            <a:spLocks noGrp="1" noRot="1" noChangeAspect="1" noMove="1" noResize="1" noEditPoints="1" noAdjustHandles="1" noChangeArrowheads="1" noChangeShapeType="1" noTextEdit="1"/>
+          </p:cNvSpPr>
+          <p:nvPr>
+            <p:extLst>
+              <p:ext uri="{386F3935-93C4-4BCD-93E2-E3B085C9AB24}">
+                <p16:designElem xmlns:p16="http://schemas.microsoft.com/office/powerpoint/2015/main" val="1"/>
+              </p:ext>
+            </p:extLst>
+          </p:nvPr>
+        </p:nvSpPr>
+        <p:spPr>
+          <a:xfrm>
+            <a:off x="0" y="0"/>
+            <a:ext cx="12192000" cy="6858000"/>
+          </a:xfrm>
+          <a:prstGeom prst="rect">
+            <a:avLst/>
+          </a:prstGeom>
+          <a:ln>
+            <a:noFill/>
+          </a:ln>
+        </p:spPr>
+        <p:style>
+          <a:lnRef idx="2">
+            <a:schemeClr val="accent1">
+              <a:shade val="50000"/>
+            </a:schemeClr>
+          </a:lnRef>
+          <a:fillRef idx="1">
+            <a:schemeClr val="accent1"/>
+          </a:fillRef>
+          <a:effectRef idx="0">
+            <a:schemeClr val="accent1"/>
+          </a:effectRef>
+          <a:fontRef idx="minor">
+            <a:schemeClr val="lt1"/>
+          </a:fontRef>
+        </p:style>
+        <p:txBody>
+          <a:bodyPr rtlCol="0" anchor="ctr"/>
+          <a:lstStyle/>
+          <a:p>
+            <a:pPr algn="ctr"/>
+            <a:endParaRPr lang="en-US"/>
+          </a:p>
+        </p:txBody>
+      </p:sp>
+      <p:sp>
+        <p:nvSpPr>
+          <p:cNvPr id="117" name="Rectangle 116">
+            <a:extLst>
+              <a:ext uri="{FF2B5EF4-FFF2-40B4-BE49-F238E27FC236}">
+                <a16:creationId xmlns:a16="http://schemas.microsoft.com/office/drawing/2014/main" id="{8F69FBEC-4C47-4288-962D-3FC20C79F3F5}"/>
+              </a:ext>
+              <a:ext uri="{C183D7F6-B498-43B3-948B-1728B52AA6E4}">
+                <adec:decorative xmlns:adec="http://schemas.microsoft.com/office/drawing/2017/decorative" val="1"/>
+              </a:ext>
+            </a:extLst>
+          </p:cNvPr>
+          <p:cNvSpPr>
+            <a:spLocks noGrp="1" noRot="1" noChangeAspect="1" noMove="1" noResize="1" noEditPoints="1" noAdjustHandles="1" noChangeArrowheads="1" noChangeShapeType="1" noTextEdit="1"/>
+          </p:cNvSpPr>
+          <p:nvPr>
+            <p:extLst>
+              <p:ext uri="{386F3935-93C4-4BCD-93E2-E3B085C9AB24}">
+                <p16:designElem xmlns:p16="http://schemas.microsoft.com/office/powerpoint/2015/main" val="1"/>
+              </p:ext>
+            </p:extLst>
+          </p:nvPr>
+        </p:nvSpPr>
+        <p:spPr>
+          <a:xfrm>
+            <a:off x="0" y="0"/>
+            <a:ext cx="12192000" cy="6857999"/>
+          </a:xfrm>
+          <a:prstGeom prst="rect">
+            <a:avLst/>
+          </a:prstGeom>
+          <a:blipFill dpi="0" rotWithShape="1">
+            <a:blip r:embed="rId2">
+              <a:alphaModFix amt="60000"/>
+              <a:lum bright="70000" contrast="-70000"/>
+              <a:extLst>
+                <a:ext uri="{BEBA8EAE-BF5A-486C-A8C5-ECC9F3942E4B}">
+                  <a14:imgProps xmlns:a14="http://schemas.microsoft.com/office/drawing/2010/main">
+                    <a14:imgLayer r:embed="rId3">
+                      <a14:imgEffect>
+                        <a14:sharpenSoften amount="61000"/>
+                      </a14:imgEffect>
+                    </a14:imgLayer>
+                  </a14:imgProps>
+                </a:ext>
+                <a:ext uri="{28A0092B-C50C-407E-A947-70E740481C1C}">
+                  <a14:useLocalDpi xmlns:a14="http://schemas.microsoft.com/office/drawing/2010/main" val="0"/>
+                </a:ext>
+              </a:extLst>
+            </a:blip>
+            <a:srcRect/>
+            <a:tile tx="0" ty="-704850" sx="92000" sy="89000" flip="xy" algn="ctr"/>
+          </a:blipFill>
+          <a:ln>
+            <a:noFill/>
+          </a:ln>
+        </p:spPr>
+        <p:style>
+          <a:lnRef idx="2">
+            <a:schemeClr val="accent1">
+              <a:shade val="50000"/>
+            </a:schemeClr>
+          </a:lnRef>
+          <a:fillRef idx="1">
+            <a:schemeClr val="accent1"/>
+          </a:fillRef>
+          <a:effectRef idx="0">
+            <a:schemeClr val="accent1"/>
+          </a:effectRef>
+          <a:fontRef idx="minor">
+            <a:schemeClr val="lt1"/>
+          </a:fontRef>
+        </p:style>
+        <p:txBody>
+          <a:bodyPr rtlCol="0" anchor="ctr"/>
+          <a:lstStyle/>
+          <a:p>
+            <a:pPr algn="ctr"/>
+            <a:endParaRPr lang="en-US"/>
+          </a:p>
+        </p:txBody>
+      </p:sp>
+      <p:sp>
+        <p:nvSpPr>
+          <p:cNvPr id="6" name="Title 5">
+            <a:extLst>
+              <a:ext uri="{FF2B5EF4-FFF2-40B4-BE49-F238E27FC236}">
+                <a16:creationId xmlns:a16="http://schemas.microsoft.com/office/drawing/2014/main" id="{FF80A452-086D-4E06-8337-88DE2DACE8F2}"/>
+              </a:ext>
+            </a:extLst>
+          </p:cNvPr>
+          <p:cNvSpPr>
+            <a:spLocks noGrp="1"/>
+          </p:cNvSpPr>
+          <p:nvPr>
+            <p:ph type="title"/>
+          </p:nvPr>
+        </p:nvSpPr>
+        <p:spPr>
+          <a:xfrm>
+            <a:off x="7534654" y="702365"/>
+            <a:ext cx="3896264" cy="3765666"/>
+          </a:xfrm>
+        </p:spPr>
+        <p:txBody>
+          <a:bodyPr vert="horz" lIns="91440" tIns="45720" rIns="91440" bIns="45720" rtlCol="0" anchor="b">
+            <a:noAutofit/>
+          </a:bodyPr>
+          <a:lstStyle/>
+          <a:p>
+            <a:pPr>
+              <a:lnSpc>
+                <a:spcPct val="80000"/>
+              </a:lnSpc>
+            </a:pPr>
+            <a:r>
+              <a:rPr lang="en-US" sz="7200" dirty="0">
+                <a:blipFill dpi="0" rotWithShape="1">
+                  <a:blip r:embed="rId4"/>
+                  <a:srcRect/>
+                  <a:tile tx="6350" ty="-127000" sx="65000" sy="64000" flip="none" algn="tl"/>
+                </a:blipFill>
+              </a:rPr>
+              <a:t>Or gate HDL CODE</a:t>
+            </a:r>
+          </a:p>
+        </p:txBody>
+      </p:sp>
+      <p:pic>
+        <p:nvPicPr>
+          <p:cNvPr id="4" name="Picture 3">
+            <a:extLst>
+              <a:ext uri="{FF2B5EF4-FFF2-40B4-BE49-F238E27FC236}">
+                <a16:creationId xmlns:a16="http://schemas.microsoft.com/office/drawing/2014/main" id="{18B96BD5-6FBE-40EB-9353-BD8DBE18ADAC}"/>
+              </a:ext>
+            </a:extLst>
+          </p:cNvPr>
+          <p:cNvPicPr>
+            <a:picLocks noChangeAspect="1"/>
+          </p:cNvPicPr>
+          <p:nvPr/>
+        </p:nvPicPr>
+        <p:blipFill rotWithShape="1">
+          <a:blip r:embed="rId6"/>
+          <a:srcRect l="6304" r="3" b="3"/>
+          <a:stretch/>
+        </p:blipFill>
+        <p:spPr>
+          <a:xfrm>
+            <a:off x="20" y="10"/>
+            <a:ext cx="6901088" cy="6857990"/>
+          </a:xfrm>
+          <a:prstGeom prst="rect">
+            <a:avLst/>
+          </a:prstGeom>
+        </p:spPr>
+      </p:pic>
+      <p:grpSp>
+        <p:nvGrpSpPr>
+          <p:cNvPr id="119" name="Group 118">
+            <a:extLst>
+              <a:ext uri="{FF2B5EF4-FFF2-40B4-BE49-F238E27FC236}">
+                <a16:creationId xmlns:a16="http://schemas.microsoft.com/office/drawing/2014/main" id="{54F6FC82-E588-4DA0-8096-0C3BD54F17B5}"/>
+              </a:ext>
+              <a:ext uri="{C183D7F6-B498-43B3-948B-1728B52AA6E4}">
+                <adec:decorative xmlns:adec="http://schemas.microsoft.com/office/drawing/2017/decorative" val="1"/>
+              </a:ext>
+            </a:extLst>
+          </p:cNvPr>
+          <p:cNvGrpSpPr>
+            <a:grpSpLocks noGrp="1" noUngrp="1" noRot="1" noChangeAspect="1" noMove="1" noResize="1"/>
+          </p:cNvGrpSpPr>
+          <p:nvPr>
+            <p:extLst>
+              <p:ext uri="{386F3935-93C4-4BCD-93E2-E3B085C9AB24}">
+                <p16:designElem xmlns:p16="http://schemas.microsoft.com/office/powerpoint/2015/main" val="1"/>
+              </p:ext>
+            </p:extLst>
+          </p:nvPr>
+        </p:nvGrpSpPr>
+        <p:grpSpPr>
+          <a:xfrm>
+            <a:off x="11401724" y="6229681"/>
+            <a:ext cx="457200" cy="457200"/>
+            <a:chOff x="11361456" y="6195813"/>
+            <a:chExt cx="548640" cy="548640"/>
+          </a:xfrm>
+        </p:grpSpPr>
+        <p:sp>
+          <p:nvSpPr>
+            <p:cNvPr id="120" name="Oval 119">
+              <a:extLst>
+                <a:ext uri="{FF2B5EF4-FFF2-40B4-BE49-F238E27FC236}">
+                  <a16:creationId xmlns:a16="http://schemas.microsoft.com/office/drawing/2014/main" id="{E8898E90-044F-45FF-8B4D-CE0F6A630A46}"/>
+                </a:ext>
+                <a:ext uri="{C183D7F6-B498-43B3-948B-1728B52AA6E4}">
+                  <adec:decorative xmlns:adec="http://schemas.microsoft.com/office/drawing/2017/decorative" val="1"/>
+                </a:ext>
+              </a:extLst>
+            </p:cNvPr>
+            <p:cNvSpPr/>
+            <p:nvPr>
+              <p:extLst>
+                <p:ext uri="{386F3935-93C4-4BCD-93E2-E3B085C9AB24}">
+                  <p16:designElem xmlns:p16="http://schemas.microsoft.com/office/powerpoint/2015/main" val="1"/>
+                </p:ext>
+              </p:extLst>
+            </p:nvPr>
+          </p:nvSpPr>
+          <p:spPr>
+            <a:xfrm>
+              <a:off x="11361456" y="6195813"/>
+              <a:ext cx="548640" cy="548640"/>
+            </a:xfrm>
+            <a:prstGeom prst="ellipse">
+              <a:avLst/>
+            </a:prstGeom>
+            <a:blipFill dpi="0" rotWithShape="1">
+              <a:blip r:embed="rId7">
+                <a:duotone>
+                  <a:schemeClr val="accent1">
+                    <a:shade val="45000"/>
+                    <a:satMod val="135000"/>
+                  </a:schemeClr>
+                  <a:prstClr val="white"/>
+                </a:duotone>
+              </a:blip>
+              <a:srcRect/>
+              <a:tile tx="50800" ty="0" sx="85000" sy="85000" flip="none" algn="tl"/>
+            </a:blipFill>
+            <a:ln w="25400" cap="flat" cmpd="sng" algn="ctr">
+              <a:noFill/>
+              <a:prstDash val="solid"/>
+            </a:ln>
+            <a:effectLst/>
+          </p:spPr>
+          <p:txBody>
+            <a:bodyPr lIns="0" tIns="0" rIns="0" bIns="0" rtlCol="0" anchor="ctr"/>
+            <a:lstStyle/>
+            <a:p>
+              <a:pPr marL="0" marR="0" lvl="0" indent="0" algn="ctr" defTabSz="914400" eaLnBrk="1" fontAlgn="auto" latinLnBrk="0" hangingPunct="1">
+                <a:lnSpc>
+                  <a:spcPct val="100000"/>
+                </a:lnSpc>
+                <a:spcBef>
+                  <a:spcPts val="0"/>
+                </a:spcBef>
+                <a:spcAft>
+                  <a:spcPts val="0"/>
+                </a:spcAft>
+                <a:buClrTx/>
+                <a:buSzTx/>
+                <a:buFontTx/>
+                <a:buNone/>
+                <a:tabLst/>
+                <a:defRPr/>
+              </a:pPr>
+              <a:endParaRPr kumimoji="0" lang="en-US" sz="2000" b="0" i="0" u="none" strike="noStrike" kern="0" cap="none" spc="0" normalizeH="0" baseline="0" noProof="0" dirty="0">
+                <a:ln>
+                  <a:noFill/>
+                </a:ln>
+                <a:solidFill>
+                  <a:prstClr val="white"/>
+                </a:solidFill>
+                <a:effectLst/>
+                <a:uLnTx/>
+                <a:uFillTx/>
+                <a:latin typeface="Rockwell Extra Bold" pitchFamily="18" charset="0"/>
+                <a:ea typeface="+mn-ea"/>
+                <a:cs typeface="+mn-cs"/>
+              </a:endParaRPr>
+            </a:p>
+          </p:txBody>
+        </p:sp>
+        <p:sp>
+          <p:nvSpPr>
+            <p:cNvPr id="121" name="Oval 120">
+              <a:extLst>
+                <a:ext uri="{FF2B5EF4-FFF2-40B4-BE49-F238E27FC236}">
+                  <a16:creationId xmlns:a16="http://schemas.microsoft.com/office/drawing/2014/main" id="{923BF161-A852-4DA5-BB4C-2DFC336B7779}"/>
+                </a:ext>
+                <a:ext uri="{C183D7F6-B498-43B3-948B-1728B52AA6E4}">
+                  <adec:decorative xmlns:adec="http://schemas.microsoft.com/office/drawing/2017/decorative" val="1"/>
+                </a:ext>
+              </a:extLst>
+            </p:cNvPr>
+            <p:cNvSpPr/>
+            <p:nvPr>
+              <p:extLst>
+                <p:ext uri="{386F3935-93C4-4BCD-93E2-E3B085C9AB24}">
+                  <p16:designElem xmlns:p16="http://schemas.microsoft.com/office/powerpoint/2015/main" val="1"/>
+                </p:ext>
+              </p:extLst>
+            </p:nvPr>
+          </p:nvSpPr>
+          <p:spPr>
+            <a:xfrm>
+              <a:off x="11396488" y="6230844"/>
+              <a:ext cx="478576" cy="478578"/>
+            </a:xfrm>
+            <a:prstGeom prst="ellipse">
+              <a:avLst/>
+            </a:prstGeom>
+            <a:noFill/>
+            <a:ln w="12700" cap="flat" cmpd="sng" algn="ctr">
+              <a:solidFill>
+                <a:srgbClr val="FFFFFF"/>
+              </a:solidFill>
+              <a:prstDash val="solid"/>
+            </a:ln>
+            <a:effectLst/>
+          </p:spPr>
+          <p:txBody>
+            <a:bodyPr rtlCol="0" anchor="ctr"/>
+            <a:lstStyle/>
+            <a:p>
+              <a:pPr marL="0" marR="0" lvl="0" indent="0" algn="ctr" defTabSz="914400" eaLnBrk="1" fontAlgn="auto" latinLnBrk="0" hangingPunct="1">
+                <a:lnSpc>
+                  <a:spcPct val="100000"/>
+                </a:lnSpc>
+                <a:spcBef>
+                  <a:spcPts val="0"/>
+                </a:spcBef>
+                <a:spcAft>
+                  <a:spcPts val="0"/>
+                </a:spcAft>
+                <a:buClrTx/>
+                <a:buSzTx/>
+                <a:buFontTx/>
+                <a:buNone/>
+                <a:tabLst/>
+                <a:defRPr/>
+              </a:pPr>
+              <a:endParaRPr kumimoji="0" lang="en-US" sz="1800" b="0" i="0" u="none" strike="noStrike" kern="0" cap="none" spc="0" normalizeH="0" baseline="0" noProof="0" dirty="0">
+                <a:ln>
+                  <a:noFill/>
+                </a:ln>
+                <a:solidFill>
+                  <a:prstClr val="white"/>
+                </a:solidFill>
+                <a:effectLst/>
+                <a:uLnTx/>
+                <a:uFillTx/>
+                <a:latin typeface="Calibri"/>
+                <a:ea typeface="+mn-ea"/>
+                <a:cs typeface="+mn-cs"/>
+              </a:endParaRPr>
+            </a:p>
+          </p:txBody>
+        </p:sp>
+      </p:grpSp>
+    </p:spTree>
+    <p:extLst>
+      <p:ext uri="{BB962C8B-B14F-4D97-AF65-F5344CB8AC3E}">
+        <p14:creationId xmlns:p14="http://schemas.microsoft.com/office/powerpoint/2010/main" val="2423518518"/>
+      </p:ext>
+    </p:extLst>
+  </p:cSld>
+  <p:clrMapOvr>
+    <a:masterClrMapping/>
+  </p:clrMapOvr>
+</p:sld>
+</file>
+
+<file path=ppt/slides/slide16.xml><?xml version="1.0" encoding="utf-8"?>
+<p:sld xmlns:a="http://schemas.openxmlformats.org/drawingml/2006/main" xmlns:r="http://schemas.openxmlformats.org/officeDocument/2006/relationships" xmlns:p="http://schemas.openxmlformats.org/presentationml/2006/main">
+  <p:cSld>
+    <p:bg>
+      <p:bgPr>
+        <a:solidFill>
+          <a:schemeClr val="bg1"/>
+        </a:solidFill>
+        <a:effectLst/>
+      </p:bgPr>
+    </p:bg>
+    <p:spTree>
+      <p:nvGrpSpPr>
+        <p:cNvPr id="1" name=""/>
+        <p:cNvGrpSpPr/>
+        <p:nvPr/>
+      </p:nvGrpSpPr>
+      <p:grpSpPr>
+        <a:xfrm>
+          <a:off x="0" y="0"/>
+          <a:ext cx="0" cy="0"/>
+          <a:chOff x="0" y="0"/>
+          <a:chExt cx="0" cy="0"/>
+        </a:xfrm>
+      </p:grpSpPr>
+      <p:sp>
+        <p:nvSpPr>
+          <p:cNvPr id="125" name="Rectangle 124">
+            <a:extLst>
+              <a:ext uri="{FF2B5EF4-FFF2-40B4-BE49-F238E27FC236}">
+                <a16:creationId xmlns:a16="http://schemas.microsoft.com/office/drawing/2014/main" id="{501EBB4D-E42B-468D-B801-D16CF43ECBD2}"/>
+              </a:ext>
+              <a:ext uri="{C183D7F6-B498-43B3-948B-1728B52AA6E4}">
+                <adec:decorative xmlns:adec="http://schemas.microsoft.com/office/drawing/2017/decorative" val="1"/>
+              </a:ext>
+            </a:extLst>
+          </p:cNvPr>
+          <p:cNvSpPr>
+            <a:spLocks noGrp="1" noRot="1" noChangeAspect="1" noMove="1" noResize="1" noEditPoints="1" noAdjustHandles="1" noChangeArrowheads="1" noChangeShapeType="1" noTextEdit="1"/>
+          </p:cNvSpPr>
+          <p:nvPr>
+            <p:extLst>
+              <p:ext uri="{386F3935-93C4-4BCD-93E2-E3B085C9AB24}">
+                <p16:designElem xmlns:p16="http://schemas.microsoft.com/office/powerpoint/2015/main" val="1"/>
+              </p:ext>
+            </p:extLst>
+          </p:nvPr>
+        </p:nvSpPr>
+        <p:spPr>
+          <a:xfrm>
+            <a:off x="920834" y="1346946"/>
+            <a:ext cx="10222992" cy="80683"/>
+          </a:xfrm>
+          <a:prstGeom prst="rect">
+            <a:avLst/>
+          </a:prstGeom>
+          <a:blipFill dpi="0" rotWithShape="1">
+            <a:blip r:embed="rId2">
+              <a:alphaModFix amt="85000"/>
+              <a:lum bright="70000" contrast="-70000"/>
+              <a:extLst>
+                <a:ext uri="{BEBA8EAE-BF5A-486C-A8C5-ECC9F3942E4B}">
+                  <a14:imgProps xmlns:a14="http://schemas.microsoft.com/office/drawing/2010/main">
+                    <a14:imgLayer r:embed="rId3">
+                      <a14:imgEffect>
+                        <a14:sharpenSoften amount="61000"/>
+                      </a14:imgEffect>
+                    </a14:imgLayer>
+                  </a14:imgProps>
+                </a:ext>
+                <a:ext uri="{28A0092B-C50C-407E-A947-70E740481C1C}">
+                  <a14:useLocalDpi xmlns:a14="http://schemas.microsoft.com/office/drawing/2010/main" val="0"/>
+                </a:ext>
+              </a:extLst>
+            </a:blip>
+            <a:srcRect/>
+            <a:tile tx="0" ty="-762000" sx="92000" sy="89000" flip="xy" algn="ctr"/>
+          </a:blipFill>
+          <a:ln>
+            <a:noFill/>
+          </a:ln>
+        </p:spPr>
+        <p:style>
+          <a:lnRef idx="2">
+            <a:schemeClr val="accent1">
+              <a:shade val="50000"/>
+            </a:schemeClr>
+          </a:lnRef>
+          <a:fillRef idx="1">
+            <a:schemeClr val="accent1"/>
+          </a:fillRef>
+          <a:effectRef idx="0">
+            <a:schemeClr val="accent1"/>
+          </a:effectRef>
+          <a:fontRef idx="minor">
+            <a:schemeClr val="lt1"/>
+          </a:fontRef>
+        </p:style>
+        <p:txBody>
+          <a:bodyPr rtlCol="0" anchor="ctr"/>
+          <a:lstStyle/>
+          <a:p>
+            <a:pPr algn="ctr"/>
+            <a:endParaRPr lang="en-US"/>
+          </a:p>
+        </p:txBody>
+      </p:sp>
+      <p:sp>
+        <p:nvSpPr>
+          <p:cNvPr id="127" name="Rectangle 126">
+            <a:extLst>
+              <a:ext uri="{FF2B5EF4-FFF2-40B4-BE49-F238E27FC236}">
+                <a16:creationId xmlns:a16="http://schemas.microsoft.com/office/drawing/2014/main" id="{A7FBF63C-B061-4F66-8609-FED8EFFDAFE7}"/>
+              </a:ext>
+              <a:ext uri="{C183D7F6-B498-43B3-948B-1728B52AA6E4}">
+                <adec:decorative xmlns:adec="http://schemas.microsoft.com/office/drawing/2017/decorative" val="1"/>
+              </a:ext>
+            </a:extLst>
+          </p:cNvPr>
+          <p:cNvSpPr>
+            <a:spLocks noGrp="1" noRot="1" noChangeAspect="1" noMove="1" noResize="1" noEditPoints="1" noAdjustHandles="1" noChangeArrowheads="1" noChangeShapeType="1" noTextEdit="1"/>
+          </p:cNvSpPr>
+          <p:nvPr>
+            <p:extLst>
+              <p:ext uri="{386F3935-93C4-4BCD-93E2-E3B085C9AB24}">
+                <p16:designElem xmlns:p16="http://schemas.microsoft.com/office/powerpoint/2015/main" val="1"/>
+              </p:ext>
+            </p:extLst>
+          </p:nvPr>
+        </p:nvSpPr>
+        <p:spPr>
+          <a:xfrm>
+            <a:off x="920834" y="4299696"/>
+            <a:ext cx="10222992" cy="80683"/>
+          </a:xfrm>
+          <a:prstGeom prst="rect">
+            <a:avLst/>
+          </a:prstGeom>
+          <a:blipFill dpi="0" rotWithShape="1">
+            <a:blip r:embed="rId2">
+              <a:alphaModFix amt="85000"/>
+              <a:lum bright="70000" contrast="-70000"/>
+              <a:extLst>
+                <a:ext uri="{BEBA8EAE-BF5A-486C-A8C5-ECC9F3942E4B}">
+                  <a14:imgProps xmlns:a14="http://schemas.microsoft.com/office/drawing/2010/main">
+                    <a14:imgLayer r:embed="rId3">
+                      <a14:imgEffect>
+                        <a14:sharpenSoften amount="61000"/>
+                      </a14:imgEffect>
+                    </a14:imgLayer>
+                  </a14:imgProps>
+                </a:ext>
+                <a:ext uri="{28A0092B-C50C-407E-A947-70E740481C1C}">
+                  <a14:useLocalDpi xmlns:a14="http://schemas.microsoft.com/office/drawing/2010/main" val="0"/>
+                </a:ext>
+              </a:extLst>
+            </a:blip>
+            <a:srcRect/>
+            <a:tile tx="0" ty="-717550" sx="92000" sy="89000" flip="xy" algn="ctr"/>
+          </a:blipFill>
+          <a:ln>
+            <a:noFill/>
+          </a:ln>
+        </p:spPr>
+        <p:style>
+          <a:lnRef idx="2">
+            <a:schemeClr val="accent1">
+              <a:shade val="50000"/>
+            </a:schemeClr>
+          </a:lnRef>
+          <a:fillRef idx="1">
+            <a:schemeClr val="accent1"/>
+          </a:fillRef>
+          <a:effectRef idx="0">
+            <a:schemeClr val="accent1"/>
+          </a:effectRef>
+          <a:fontRef idx="minor">
+            <a:schemeClr val="lt1"/>
+          </a:fontRef>
+        </p:style>
+        <p:txBody>
+          <a:bodyPr rtlCol="0" anchor="ctr"/>
+          <a:lstStyle/>
+          <a:p>
+            <a:pPr algn="ctr"/>
+            <a:endParaRPr lang="en-US"/>
+          </a:p>
+        </p:txBody>
+      </p:sp>
+      <p:sp>
+        <p:nvSpPr>
+          <p:cNvPr id="129" name="Rectangle 128">
+            <a:extLst>
+              <a:ext uri="{FF2B5EF4-FFF2-40B4-BE49-F238E27FC236}">
+                <a16:creationId xmlns:a16="http://schemas.microsoft.com/office/drawing/2014/main" id="{D893CC27-5C56-4F6F-9B94-413AE08B922C}"/>
+              </a:ext>
+              <a:ext uri="{C183D7F6-B498-43B3-948B-1728B52AA6E4}">
+                <adec:decorative xmlns:adec="http://schemas.microsoft.com/office/drawing/2017/decorative" val="1"/>
+              </a:ext>
+            </a:extLst>
+          </p:cNvPr>
+          <p:cNvSpPr>
+            <a:spLocks noGrp="1" noRot="1" noChangeAspect="1" noMove="1" noResize="1" noEditPoints="1" noAdjustHandles="1" noChangeArrowheads="1" noChangeShapeType="1" noTextEdit="1"/>
+          </p:cNvSpPr>
+          <p:nvPr>
+            <p:extLst>
+              <p:ext uri="{386F3935-93C4-4BCD-93E2-E3B085C9AB24}">
+                <p16:designElem xmlns:p16="http://schemas.microsoft.com/office/powerpoint/2015/main" val="1"/>
+              </p:ext>
+            </p:extLst>
+          </p:nvPr>
+        </p:nvSpPr>
+        <p:spPr>
+          <a:xfrm>
+            <a:off x="920834" y="1484779"/>
+            <a:ext cx="10222992" cy="2743200"/>
+          </a:xfrm>
+          <a:prstGeom prst="rect">
+            <a:avLst/>
+          </a:prstGeom>
+          <a:blipFill dpi="0" rotWithShape="1">
+            <a:blip r:embed="rId2">
+              <a:alphaModFix amt="85000"/>
+              <a:lum bright="70000" contrast="-70000"/>
+              <a:extLst>
+                <a:ext uri="{BEBA8EAE-BF5A-486C-A8C5-ECC9F3942E4B}">
+                  <a14:imgProps xmlns:a14="http://schemas.microsoft.com/office/drawing/2010/main">
+                    <a14:imgLayer r:embed="rId3">
+                      <a14:imgEffect>
+                        <a14:sharpenSoften amount="61000"/>
+                      </a14:imgEffect>
+                    </a14:imgLayer>
+                  </a14:imgProps>
+                </a:ext>
+                <a:ext uri="{28A0092B-C50C-407E-A947-70E740481C1C}">
+                  <a14:useLocalDpi xmlns:a14="http://schemas.microsoft.com/office/drawing/2010/main" val="0"/>
+                </a:ext>
+              </a:extLst>
+            </a:blip>
+            <a:srcRect/>
+            <a:tile tx="0" ty="-704850" sx="92000" sy="89000" flip="xy" algn="ctr"/>
+          </a:blipFill>
+          <a:ln>
+            <a:noFill/>
+          </a:ln>
+        </p:spPr>
+        <p:style>
+          <a:lnRef idx="2">
+            <a:schemeClr val="accent1">
+              <a:shade val="50000"/>
+            </a:schemeClr>
+          </a:lnRef>
+          <a:fillRef idx="1">
+            <a:schemeClr val="accent1"/>
+          </a:fillRef>
+          <a:effectRef idx="0">
+            <a:schemeClr val="accent1"/>
+          </a:effectRef>
+          <a:fontRef idx="minor">
+            <a:schemeClr val="lt1"/>
+          </a:fontRef>
+        </p:style>
+        <p:txBody>
+          <a:bodyPr rtlCol="0" anchor="ctr"/>
+          <a:lstStyle/>
+          <a:p>
+            <a:pPr algn="ctr"/>
+            <a:endParaRPr lang="en-US"/>
+          </a:p>
+        </p:txBody>
+      </p:sp>
+      <p:grpSp>
+        <p:nvGrpSpPr>
+          <p:cNvPr id="131" name="Group 130">
+            <a:extLst>
+              <a:ext uri="{FF2B5EF4-FFF2-40B4-BE49-F238E27FC236}">
+                <a16:creationId xmlns:a16="http://schemas.microsoft.com/office/drawing/2014/main" id="{76D64082-5099-45DC-84A9-81EA54822BEE}"/>
+              </a:ext>
+              <a:ext uri="{C183D7F6-B498-43B3-948B-1728B52AA6E4}">
+                <adec:decorative xmlns:adec="http://schemas.microsoft.com/office/drawing/2017/decorative" val="1"/>
+              </a:ext>
+            </a:extLst>
+          </p:cNvPr>
+          <p:cNvGrpSpPr>
+            <a:grpSpLocks noGrp="1" noUngrp="1" noRot="1" noChangeAspect="1" noMove="1" noResize="1"/>
+          </p:cNvGrpSpPr>
+          <p:nvPr>
+            <p:extLst>
+              <p:ext uri="{386F3935-93C4-4BCD-93E2-E3B085C9AB24}">
+                <p16:designElem xmlns:p16="http://schemas.microsoft.com/office/powerpoint/2015/main" val="1"/>
+              </p:ext>
+            </p:extLst>
+          </p:nvPr>
+        </p:nvGrpSpPr>
+        <p:grpSpPr>
+          <a:xfrm>
+            <a:off x="9649215" y="4068923"/>
+            <a:ext cx="1080904" cy="1080902"/>
+            <a:chOff x="9685338" y="4460675"/>
+            <a:chExt cx="1080904" cy="1080902"/>
+          </a:xfrm>
+        </p:grpSpPr>
+        <p:sp>
+          <p:nvSpPr>
+            <p:cNvPr id="132" name="Oval 131">
+              <a:extLst>
+                <a:ext uri="{FF2B5EF4-FFF2-40B4-BE49-F238E27FC236}">
+                  <a16:creationId xmlns:a16="http://schemas.microsoft.com/office/drawing/2014/main" id="{A9E39E47-E101-4CE1-883E-6C6528BECEB6}"/>
+                </a:ext>
+                <a:ext uri="{C183D7F6-B498-43B3-948B-1728B52AA6E4}">
+                  <adec:decorative xmlns:adec="http://schemas.microsoft.com/office/drawing/2017/decorative" val="1"/>
+                </a:ext>
+              </a:extLst>
+            </p:cNvPr>
+            <p:cNvSpPr/>
+            <p:nvPr>
+              <p:extLst>
+                <p:ext uri="{386F3935-93C4-4BCD-93E2-E3B085C9AB24}">
+                  <p16:designElem xmlns:p16="http://schemas.microsoft.com/office/powerpoint/2015/main" val="1"/>
+                </p:ext>
+              </p:extLst>
+            </p:nvPr>
+          </p:nvSpPr>
+          <p:spPr>
+            <a:xfrm>
+              <a:off x="9685338" y="4460675"/>
+              <a:ext cx="1080904" cy="1080902"/>
+            </a:xfrm>
+            <a:prstGeom prst="ellipse">
+              <a:avLst/>
+            </a:prstGeom>
+            <a:blipFill dpi="0" rotWithShape="1">
+              <a:blip r:embed="rId4">
+                <a:duotone>
+                  <a:schemeClr val="accent1">
+                    <a:shade val="45000"/>
+                    <a:satMod val="135000"/>
+                  </a:schemeClr>
+                  <a:prstClr val="white"/>
+                </a:duotone>
+                <a:extLst>
+                  <a:ext uri="{BEBA8EAE-BF5A-486C-A8C5-ECC9F3942E4B}">
+                    <a14:imgProps xmlns:a14="http://schemas.microsoft.com/office/drawing/2010/main">
+                      <a14:imgLayer r:embed="rId5">
+                        <a14:imgEffect>
+                          <a14:saturation sat="95000"/>
+                        </a14:imgEffect>
+                      </a14:imgLayer>
+                    </a14:imgProps>
+                  </a:ext>
+                </a:extLst>
+              </a:blip>
+              <a:srcRect/>
+              <a:tile tx="0" ty="0" sx="85000" sy="85000" flip="none" algn="tl"/>
+            </a:blipFill>
+            <a:ln w="25400" cap="flat" cmpd="sng" algn="ctr">
+              <a:noFill/>
+              <a:prstDash val="solid"/>
+            </a:ln>
+            <a:effectLst/>
+          </p:spPr>
+          <p:txBody>
+            <a:bodyPr lIns="0" tIns="0" rIns="0" bIns="0" rtlCol="0" anchor="ctr"/>
+            <a:lstStyle/>
+            <a:p>
+              <a:pPr marL="0" marR="0" lvl="0" indent="0" algn="ctr" defTabSz="914400" eaLnBrk="1" fontAlgn="auto" latinLnBrk="0" hangingPunct="1">
+                <a:lnSpc>
+                  <a:spcPct val="100000"/>
+                </a:lnSpc>
+                <a:spcBef>
+                  <a:spcPts val="0"/>
+                </a:spcBef>
+                <a:spcAft>
+                  <a:spcPts val="0"/>
+                </a:spcAft>
+                <a:buClrTx/>
+                <a:buSzTx/>
+                <a:buFontTx/>
+                <a:buNone/>
+                <a:tabLst/>
+                <a:defRPr/>
+              </a:pPr>
+              <a:endParaRPr kumimoji="0" lang="en-US" sz="2000" b="0" i="0" u="none" strike="noStrike" kern="0" cap="none" spc="0" normalizeH="0" baseline="0" noProof="0" dirty="0">
+                <a:ln>
+                  <a:noFill/>
+                </a:ln>
+                <a:solidFill>
+                  <a:prstClr val="white"/>
+                </a:solidFill>
+                <a:effectLst/>
+                <a:uLnTx/>
+                <a:uFillTx/>
+                <a:latin typeface="Rockwell Extra Bold" pitchFamily="18" charset="0"/>
+                <a:ea typeface="+mn-ea"/>
+                <a:cs typeface="+mn-cs"/>
+              </a:endParaRPr>
+            </a:p>
+          </p:txBody>
+        </p:sp>
+        <p:sp>
+          <p:nvSpPr>
+            <p:cNvPr id="133" name="Oval 132">
+              <a:extLst>
+                <a:ext uri="{FF2B5EF4-FFF2-40B4-BE49-F238E27FC236}">
+                  <a16:creationId xmlns:a16="http://schemas.microsoft.com/office/drawing/2014/main" id="{2830CD01-B213-47C9-81AD-433E08F7DA95}"/>
+                </a:ext>
+                <a:ext uri="{C183D7F6-B498-43B3-948B-1728B52AA6E4}">
+                  <adec:decorative xmlns:adec="http://schemas.microsoft.com/office/drawing/2017/decorative" val="1"/>
+                </a:ext>
+              </a:extLst>
+            </p:cNvPr>
+            <p:cNvSpPr/>
+            <p:nvPr>
+              <p:extLst>
+                <p:ext uri="{386F3935-93C4-4BCD-93E2-E3B085C9AB24}">
+                  <p16:designElem xmlns:p16="http://schemas.microsoft.com/office/powerpoint/2015/main" val="1"/>
+                </p:ext>
+              </p:extLst>
+            </p:nvPr>
+          </p:nvSpPr>
+          <p:spPr>
+            <a:xfrm>
+              <a:off x="9793429" y="4568765"/>
+              <a:ext cx="864723" cy="864722"/>
+            </a:xfrm>
+            <a:prstGeom prst="ellipse">
+              <a:avLst/>
+            </a:prstGeom>
+            <a:noFill/>
+            <a:ln w="25400" cap="flat" cmpd="sng" algn="ctr">
+              <a:solidFill>
+                <a:sysClr val="window" lastClr="FFFFFF"/>
+              </a:solidFill>
+              <a:prstDash val="solid"/>
+            </a:ln>
+            <a:effectLst/>
+          </p:spPr>
+          <p:txBody>
+            <a:bodyPr rtlCol="0" anchor="ctr"/>
+            <a:lstStyle/>
+            <a:p>
+              <a:pPr marL="0" marR="0" lvl="0" indent="0" algn="ctr" defTabSz="914400" eaLnBrk="1" fontAlgn="auto" latinLnBrk="0" hangingPunct="1">
+                <a:lnSpc>
+                  <a:spcPct val="100000"/>
+                </a:lnSpc>
+                <a:spcBef>
+                  <a:spcPts val="0"/>
+                </a:spcBef>
+                <a:spcAft>
+                  <a:spcPts val="0"/>
+                </a:spcAft>
+                <a:buClrTx/>
+                <a:buSzTx/>
+                <a:buFontTx/>
+                <a:buNone/>
+                <a:tabLst/>
+                <a:defRPr/>
+              </a:pPr>
+              <a:endParaRPr kumimoji="0" lang="en-US" sz="1800" b="0" i="0" u="none" strike="noStrike" kern="0" cap="none" spc="0" normalizeH="0" baseline="0" noProof="0" dirty="0">
+                <a:ln>
+                  <a:noFill/>
+                </a:ln>
+                <a:solidFill>
+                  <a:prstClr val="white"/>
+                </a:solidFill>
+                <a:effectLst/>
+                <a:uLnTx/>
+                <a:uFillTx/>
+                <a:latin typeface="Calibri"/>
+                <a:ea typeface="+mn-ea"/>
+                <a:cs typeface="+mn-cs"/>
+              </a:endParaRPr>
+            </a:p>
+          </p:txBody>
+        </p:sp>
+      </p:grpSp>
+      <p:sp>
+        <p:nvSpPr>
+          <p:cNvPr id="135" name="Rectangle 134">
+            <a:extLst>
+              <a:ext uri="{FF2B5EF4-FFF2-40B4-BE49-F238E27FC236}">
+                <a16:creationId xmlns:a16="http://schemas.microsoft.com/office/drawing/2014/main" id="{D3942243-EB87-47B0-A725-FB513F644AB1}"/>
+              </a:ext>
+              <a:ext uri="{C183D7F6-B498-43B3-948B-1728B52AA6E4}">
+                <adec:decorative xmlns:adec="http://schemas.microsoft.com/office/drawing/2017/decorative" val="1"/>
+              </a:ext>
+            </a:extLst>
+          </p:cNvPr>
+          <p:cNvSpPr>
+            <a:spLocks noGrp="1" noRot="1" noChangeAspect="1" noMove="1" noResize="1" noEditPoints="1" noAdjustHandles="1" noChangeArrowheads="1" noChangeShapeType="1" noTextEdit="1"/>
+          </p:cNvSpPr>
+          <p:nvPr>
+            <p:extLst>
+              <p:ext uri="{386F3935-93C4-4BCD-93E2-E3B085C9AB24}">
+                <p16:designElem xmlns:p16="http://schemas.microsoft.com/office/powerpoint/2015/main" val="1"/>
+              </p:ext>
+            </p:extLst>
+          </p:nvPr>
+        </p:nvSpPr>
+        <p:spPr bwMode="white">
+          <a:xfrm>
+            <a:off x="-7620" y="-1"/>
+            <a:ext cx="12207240" cy="6858001"/>
+          </a:xfrm>
+          <a:prstGeom prst="rect">
+            <a:avLst/>
+          </a:prstGeom>
+          <a:solidFill>
+            <a:schemeClr val="bg1"/>
+          </a:solidFill>
+          <a:ln>
+            <a:noFill/>
+          </a:ln>
+        </p:spPr>
+        <p:style>
+          <a:lnRef idx="2">
+            <a:schemeClr val="accent1">
+              <a:shade val="50000"/>
+            </a:schemeClr>
+          </a:lnRef>
+          <a:fillRef idx="1">
+            <a:schemeClr val="accent1"/>
+          </a:fillRef>
+          <a:effectRef idx="0">
+            <a:schemeClr val="accent1"/>
+          </a:effectRef>
+          <a:fontRef idx="minor">
+            <a:schemeClr val="lt1"/>
+          </a:fontRef>
+        </p:style>
+        <p:txBody>
+          <a:bodyPr rot="0" spcFirstLastPara="0" vert="horz" wrap="square" lIns="91440" tIns="45720" rIns="91440" bIns="45720" numCol="1" spcCol="0" rtlCol="0" fromWordArt="0" anchor="ctr" anchorCtr="0" forceAA="0" compatLnSpc="1">
+            <a:prstTxWarp prst="textNoShape">
+              <a:avLst/>
+            </a:prstTxWarp>
+            <a:noAutofit/>
+          </a:bodyPr>
+          <a:lstStyle>
+            <a:defPPr>
+              <a:defRPr lang="en-US"/>
+            </a:defPPr>
+            <a:lvl1pPr marL="0" algn="l" defTabSz="914400" rtl="0" eaLnBrk="1" latinLnBrk="0" hangingPunct="1">
+              <a:defRPr sz="1800" kern="1200">
+                <a:solidFill>
+                  <a:schemeClr val="lt1"/>
+                </a:solidFill>
+                <a:latin typeface="+mn-lt"/>
+                <a:ea typeface="+mn-ea"/>
+                <a:cs typeface="+mn-cs"/>
+              </a:defRPr>
+            </a:lvl1pPr>
+            <a:lvl2pPr marL="457200" algn="l" defTabSz="914400" rtl="0" eaLnBrk="1" latinLnBrk="0" hangingPunct="1">
+              <a:defRPr sz="1800" kern="1200">
+                <a:solidFill>
+                  <a:schemeClr val="lt1"/>
+                </a:solidFill>
+                <a:latin typeface="+mn-lt"/>
+                <a:ea typeface="+mn-ea"/>
+                <a:cs typeface="+mn-cs"/>
+              </a:defRPr>
+            </a:lvl2pPr>
+            <a:lvl3pPr marL="914400" algn="l" defTabSz="914400" rtl="0" eaLnBrk="1" latinLnBrk="0" hangingPunct="1">
+              <a:defRPr sz="1800" kern="1200">
+                <a:solidFill>
+                  <a:schemeClr val="lt1"/>
+                </a:solidFill>
+                <a:latin typeface="+mn-lt"/>
+                <a:ea typeface="+mn-ea"/>
+                <a:cs typeface="+mn-cs"/>
+              </a:defRPr>
+            </a:lvl3pPr>
+            <a:lvl4pPr marL="1371600" algn="l" defTabSz="914400" rtl="0" eaLnBrk="1" latinLnBrk="0" hangingPunct="1">
+              <a:defRPr sz="1800" kern="1200">
+                <a:solidFill>
+                  <a:schemeClr val="lt1"/>
+                </a:solidFill>
+                <a:latin typeface="+mn-lt"/>
+                <a:ea typeface="+mn-ea"/>
+                <a:cs typeface="+mn-cs"/>
+              </a:defRPr>
+            </a:lvl4pPr>
+            <a:lvl5pPr marL="1828800" algn="l" defTabSz="914400" rtl="0" eaLnBrk="1" latinLnBrk="0" hangingPunct="1">
+              <a:defRPr sz="1800" kern="1200">
+                <a:solidFill>
+                  <a:schemeClr val="lt1"/>
+                </a:solidFill>
+                <a:latin typeface="+mn-lt"/>
+                <a:ea typeface="+mn-ea"/>
+                <a:cs typeface="+mn-cs"/>
+              </a:defRPr>
+            </a:lvl5pPr>
+            <a:lvl6pPr marL="2286000" algn="l" defTabSz="914400" rtl="0" eaLnBrk="1" latinLnBrk="0" hangingPunct="1">
+              <a:defRPr sz="1800" kern="1200">
+                <a:solidFill>
+                  <a:schemeClr val="lt1"/>
+                </a:solidFill>
+                <a:latin typeface="+mn-lt"/>
+                <a:ea typeface="+mn-ea"/>
+                <a:cs typeface="+mn-cs"/>
+              </a:defRPr>
+            </a:lvl6pPr>
+            <a:lvl7pPr marL="2743200" algn="l" defTabSz="914400" rtl="0" eaLnBrk="1" latinLnBrk="0" hangingPunct="1">
+              <a:defRPr sz="1800" kern="1200">
+                <a:solidFill>
+                  <a:schemeClr val="lt1"/>
+                </a:solidFill>
+                <a:latin typeface="+mn-lt"/>
+                <a:ea typeface="+mn-ea"/>
+                <a:cs typeface="+mn-cs"/>
+              </a:defRPr>
+            </a:lvl7pPr>
+            <a:lvl8pPr marL="3200400" algn="l" defTabSz="914400" rtl="0" eaLnBrk="1" latinLnBrk="0" hangingPunct="1">
+              <a:defRPr sz="1800" kern="1200">
+                <a:solidFill>
+                  <a:schemeClr val="lt1"/>
+                </a:solidFill>
+                <a:latin typeface="+mn-lt"/>
+                <a:ea typeface="+mn-ea"/>
+                <a:cs typeface="+mn-cs"/>
+              </a:defRPr>
+            </a:lvl8pPr>
+            <a:lvl9pPr marL="3657600" algn="l" defTabSz="914400" rtl="0" eaLnBrk="1" latinLnBrk="0" hangingPunct="1">
+              <a:defRPr sz="1800" kern="1200">
+                <a:solidFill>
+                  <a:schemeClr val="lt1"/>
+                </a:solidFill>
+                <a:latin typeface="+mn-lt"/>
+                <a:ea typeface="+mn-ea"/>
+                <a:cs typeface="+mn-cs"/>
+              </a:defRPr>
+            </a:lvl9pPr>
+          </a:lstStyle>
+          <a:p>
+            <a:pPr algn="ctr"/>
+            <a:endParaRPr lang="en-US"/>
+          </a:p>
+        </p:txBody>
+      </p:sp>
+      <p:pic>
+        <p:nvPicPr>
+          <p:cNvPr id="8" name="Picture 7">
+            <a:extLst>
+              <a:ext uri="{FF2B5EF4-FFF2-40B4-BE49-F238E27FC236}">
+                <a16:creationId xmlns:a16="http://schemas.microsoft.com/office/drawing/2014/main" id="{E3D8F971-9595-41BA-94FA-C32286FF3D9C}"/>
+              </a:ext>
+            </a:extLst>
+          </p:cNvPr>
+          <p:cNvPicPr>
+            <a:picLocks noChangeAspect="1"/>
+          </p:cNvPicPr>
+          <p:nvPr/>
+        </p:nvPicPr>
+        <p:blipFill rotWithShape="1">
+          <a:blip r:embed="rId6"/>
+          <a:srcRect r="1" b="2719"/>
+          <a:stretch/>
+        </p:blipFill>
+        <p:spPr>
+          <a:xfrm>
+            <a:off x="20" y="1"/>
+            <a:ext cx="6015547" cy="4257366"/>
+          </a:xfrm>
+          <a:prstGeom prst="rect">
+            <a:avLst/>
+          </a:prstGeom>
+        </p:spPr>
+      </p:pic>
+      <p:sp>
+        <p:nvSpPr>
+          <p:cNvPr id="137" name="Rectangle 136">
+            <a:extLst>
+              <a:ext uri="{FF2B5EF4-FFF2-40B4-BE49-F238E27FC236}">
+                <a16:creationId xmlns:a16="http://schemas.microsoft.com/office/drawing/2014/main" id="{51EA2B2F-0614-4D69-B22A-E70BCFCAD79C}"/>
+              </a:ext>
+              <a:ext uri="{C183D7F6-B498-43B3-948B-1728B52AA6E4}">
+                <adec:decorative xmlns:adec="http://schemas.microsoft.com/office/drawing/2017/decorative" val="1"/>
+              </a:ext>
+            </a:extLst>
+          </p:cNvPr>
+          <p:cNvSpPr>
+            <a:spLocks noGrp="1" noRot="1" noChangeAspect="1" noMove="1" noResize="1" noEditPoints="1" noAdjustHandles="1" noChangeArrowheads="1" noChangeShapeType="1" noTextEdit="1"/>
+          </p:cNvSpPr>
+          <p:nvPr>
+            <p:extLst>
+              <p:ext uri="{386F3935-93C4-4BCD-93E2-E3B085C9AB24}">
+                <p16:designElem xmlns:p16="http://schemas.microsoft.com/office/powerpoint/2015/main" val="1"/>
+              </p:ext>
+            </p:extLst>
+          </p:nvPr>
+        </p:nvSpPr>
+        <p:spPr>
+          <a:xfrm>
+            <a:off x="0" y="4257367"/>
+            <a:ext cx="12192000" cy="2610464"/>
+          </a:xfrm>
+          <a:prstGeom prst="rect">
+            <a:avLst/>
+          </a:prstGeom>
+          <a:blipFill dpi="0" rotWithShape="1">
+            <a:blip r:embed="rId2">
+              <a:alphaModFix amt="85000"/>
+              <a:lum bright="70000" contrast="-70000"/>
+              <a:extLst>
+                <a:ext uri="{BEBA8EAE-BF5A-486C-A8C5-ECC9F3942E4B}">
+                  <a14:imgProps xmlns:a14="http://schemas.microsoft.com/office/drawing/2010/main">
+                    <a14:imgLayer r:embed="rId3">
+                      <a14:imgEffect>
+                        <a14:sharpenSoften amount="61000"/>
+                      </a14:imgEffect>
+                    </a14:imgLayer>
+                  </a14:imgProps>
+                </a:ext>
+                <a:ext uri="{28A0092B-C50C-407E-A947-70E740481C1C}">
+                  <a14:useLocalDpi xmlns:a14="http://schemas.microsoft.com/office/drawing/2010/main" val="0"/>
+                </a:ext>
+              </a:extLst>
+            </a:blip>
+            <a:srcRect/>
+            <a:tile tx="0" ty="-704850" sx="92000" sy="89000" flip="xy" algn="ctr"/>
+          </a:blipFill>
+          <a:ln>
+            <a:noFill/>
+          </a:ln>
+        </p:spPr>
+        <p:style>
+          <a:lnRef idx="2">
+            <a:schemeClr val="accent1">
+              <a:shade val="50000"/>
+            </a:schemeClr>
+          </a:lnRef>
+          <a:fillRef idx="1">
+            <a:schemeClr val="accent1"/>
+          </a:fillRef>
+          <a:effectRef idx="0">
+            <a:schemeClr val="accent1"/>
+          </a:effectRef>
+          <a:fontRef idx="minor">
+            <a:schemeClr val="lt1"/>
+          </a:fontRef>
+        </p:style>
+        <p:txBody>
+          <a:bodyPr rtlCol="0" anchor="ctr"/>
+          <a:lstStyle/>
+          <a:p>
+            <a:pPr algn="ctr"/>
+            <a:endParaRPr lang="en-US"/>
+          </a:p>
+        </p:txBody>
+      </p:sp>
+      <p:sp>
+        <p:nvSpPr>
+          <p:cNvPr id="2" name="Title 1">
+            <a:extLst>
+              <a:ext uri="{FF2B5EF4-FFF2-40B4-BE49-F238E27FC236}">
+                <a16:creationId xmlns:a16="http://schemas.microsoft.com/office/drawing/2014/main" id="{1CD25530-E149-42E8-82D8-27CA1F5929D0}"/>
+              </a:ext>
+            </a:extLst>
+          </p:cNvPr>
+          <p:cNvSpPr>
+            <a:spLocks noGrp="1"/>
+          </p:cNvSpPr>
+          <p:nvPr>
+            <p:ph type="title"/>
+          </p:nvPr>
+        </p:nvSpPr>
+        <p:spPr>
+          <a:xfrm>
+            <a:off x="1051560" y="4355692"/>
+            <a:ext cx="9085940" cy="1472224"/>
+          </a:xfrm>
+        </p:spPr>
+        <p:txBody>
+          <a:bodyPr vert="horz" lIns="91440" tIns="45720" rIns="91440" bIns="45720" rtlCol="0" anchor="b">
+            <a:normAutofit/>
+          </a:bodyPr>
+          <a:lstStyle/>
+          <a:p>
+            <a:pPr>
+              <a:lnSpc>
+                <a:spcPct val="80000"/>
+              </a:lnSpc>
+            </a:pPr>
+            <a:r>
+              <a:rPr lang="en-US" sz="7200" kern="1200" cap="all" baseline="0" dirty="0">
+                <a:blipFill dpi="0" rotWithShape="1">
+                  <a:blip r:embed="rId4"/>
+                  <a:srcRect/>
+                  <a:tile tx="6350" ty="-127000" sx="65000" sy="64000" flip="none" algn="tl"/>
+                </a:blipFill>
+                <a:latin typeface="+mj-lt"/>
+                <a:ea typeface="+mj-ea"/>
+                <a:cs typeface="+mj-cs"/>
+              </a:rPr>
+              <a:t>Or Test results</a:t>
+            </a:r>
+          </a:p>
+        </p:txBody>
+      </p:sp>
+      <p:pic>
+        <p:nvPicPr>
+          <p:cNvPr id="5" name="Picture 4">
+            <a:extLst>
+              <a:ext uri="{FF2B5EF4-FFF2-40B4-BE49-F238E27FC236}">
+                <a16:creationId xmlns:a16="http://schemas.microsoft.com/office/drawing/2014/main" id="{1128C501-3BDC-48A3-B032-0090F7A440D4}"/>
+              </a:ext>
+            </a:extLst>
+          </p:cNvPr>
+          <p:cNvPicPr>
+            <a:picLocks noChangeAspect="1"/>
+          </p:cNvPicPr>
+          <p:nvPr/>
+        </p:nvPicPr>
+        <p:blipFill rotWithShape="1">
+          <a:blip r:embed="rId7"/>
+          <a:srcRect t="2297" r="1" b="1"/>
+          <a:stretch/>
+        </p:blipFill>
+        <p:spPr>
+          <a:xfrm>
+            <a:off x="6176433" y="-2"/>
+            <a:ext cx="6015567" cy="4261104"/>
+          </a:xfrm>
+          <a:prstGeom prst="rect">
+            <a:avLst/>
+          </a:prstGeom>
+        </p:spPr>
+      </p:pic>
+      <p:grpSp>
+        <p:nvGrpSpPr>
+          <p:cNvPr id="139" name="Group 138">
+            <a:extLst>
+              <a:ext uri="{FF2B5EF4-FFF2-40B4-BE49-F238E27FC236}">
+                <a16:creationId xmlns:a16="http://schemas.microsoft.com/office/drawing/2014/main" id="{74F14128-2B23-48F2-BD56-EA0849FACCDA}"/>
+              </a:ext>
+              <a:ext uri="{C183D7F6-B498-43B3-948B-1728B52AA6E4}">
+                <adec:decorative xmlns:adec="http://schemas.microsoft.com/office/drawing/2017/decorative" val="1"/>
+              </a:ext>
+            </a:extLst>
+          </p:cNvPr>
+          <p:cNvGrpSpPr>
+            <a:grpSpLocks noGrp="1" noUngrp="1" noRot="1" noChangeAspect="1" noMove="1" noResize="1"/>
+          </p:cNvGrpSpPr>
+          <p:nvPr>
+            <p:extLst>
+              <p:ext uri="{386F3935-93C4-4BCD-93E2-E3B085C9AB24}">
+                <p16:designElem xmlns:p16="http://schemas.microsoft.com/office/powerpoint/2015/main" val="1"/>
+              </p:ext>
+            </p:extLst>
+          </p:nvPr>
+        </p:nvGrpSpPr>
+        <p:grpSpPr>
+          <a:xfrm>
+            <a:off x="10245590" y="5111496"/>
+            <a:ext cx="1080904" cy="1080902"/>
+            <a:chOff x="9685338" y="4460675"/>
+            <a:chExt cx="1080904" cy="1080902"/>
+          </a:xfrm>
+        </p:grpSpPr>
+        <p:sp>
+          <p:nvSpPr>
+            <p:cNvPr id="140" name="Oval 139">
+              <a:extLst>
+                <a:ext uri="{FF2B5EF4-FFF2-40B4-BE49-F238E27FC236}">
+                  <a16:creationId xmlns:a16="http://schemas.microsoft.com/office/drawing/2014/main" id="{1E646914-1486-4A28-BF54-E138E8A7A2B1}"/>
+                </a:ext>
+                <a:ext uri="{C183D7F6-B498-43B3-948B-1728B52AA6E4}">
+                  <adec:decorative xmlns:adec="http://schemas.microsoft.com/office/drawing/2017/decorative" val="1"/>
+                </a:ext>
+              </a:extLst>
+            </p:cNvPr>
+            <p:cNvSpPr/>
+            <p:nvPr>
+              <p:extLst>
+                <p:ext uri="{386F3935-93C4-4BCD-93E2-E3B085C9AB24}">
+                  <p16:designElem xmlns:p16="http://schemas.microsoft.com/office/powerpoint/2015/main" val="1"/>
+                </p:ext>
+              </p:extLst>
+            </p:nvPr>
+          </p:nvSpPr>
+          <p:spPr>
+            <a:xfrm>
+              <a:off x="9685338" y="4460675"/>
+              <a:ext cx="1080904" cy="1080902"/>
+            </a:xfrm>
+            <a:prstGeom prst="ellipse">
+              <a:avLst/>
+            </a:prstGeom>
+            <a:blipFill dpi="0" rotWithShape="1">
+              <a:blip r:embed="rId4">
+                <a:duotone>
+                  <a:schemeClr val="accent1">
+                    <a:shade val="45000"/>
+                    <a:satMod val="135000"/>
+                  </a:schemeClr>
+                  <a:prstClr val="white"/>
+                </a:duotone>
+              </a:blip>
+              <a:srcRect/>
+              <a:tile tx="0" ty="0" sx="85000" sy="85000" flip="none" algn="tl"/>
+            </a:blipFill>
+            <a:ln w="25400" cap="flat" cmpd="sng" algn="ctr">
+              <a:noFill/>
+              <a:prstDash val="solid"/>
+            </a:ln>
+            <a:effectLst/>
+          </p:spPr>
+          <p:txBody>
+            <a:bodyPr lIns="0" tIns="0" rIns="0" bIns="0" rtlCol="0" anchor="ctr"/>
+            <a:lstStyle/>
+            <a:p>
+              <a:pPr marL="0" marR="0" lvl="0" indent="0" algn="ctr" defTabSz="914400" eaLnBrk="1" fontAlgn="auto" latinLnBrk="0" hangingPunct="1">
+                <a:lnSpc>
+                  <a:spcPct val="100000"/>
+                </a:lnSpc>
+                <a:spcBef>
+                  <a:spcPts val="0"/>
+                </a:spcBef>
+                <a:spcAft>
+                  <a:spcPts val="0"/>
+                </a:spcAft>
+                <a:buClrTx/>
+                <a:buSzTx/>
+                <a:buFontTx/>
+                <a:buNone/>
+                <a:tabLst/>
+                <a:defRPr/>
+              </a:pPr>
+              <a:endParaRPr kumimoji="0" lang="en-US" sz="2000" b="0" i="0" u="none" strike="noStrike" kern="0" cap="none" spc="0" normalizeH="0" baseline="0" noProof="0" dirty="0">
+                <a:ln>
+                  <a:noFill/>
+                </a:ln>
+                <a:solidFill>
+                  <a:prstClr val="white"/>
+                </a:solidFill>
+                <a:effectLst/>
+                <a:uLnTx/>
+                <a:uFillTx/>
+                <a:latin typeface="Rockwell Extra Bold" pitchFamily="18" charset="0"/>
+                <a:ea typeface="+mn-ea"/>
+                <a:cs typeface="+mn-cs"/>
+              </a:endParaRPr>
+            </a:p>
+          </p:txBody>
+        </p:sp>
+        <p:sp>
+          <p:nvSpPr>
+            <p:cNvPr id="141" name="Oval 140">
+              <a:extLst>
+                <a:ext uri="{FF2B5EF4-FFF2-40B4-BE49-F238E27FC236}">
+                  <a16:creationId xmlns:a16="http://schemas.microsoft.com/office/drawing/2014/main" id="{DD627D15-B201-4E06-B8F9-73B6A6D1E09F}"/>
+                </a:ext>
+                <a:ext uri="{C183D7F6-B498-43B3-948B-1728B52AA6E4}">
+                  <adec:decorative xmlns:adec="http://schemas.microsoft.com/office/drawing/2017/decorative" val="1"/>
+                </a:ext>
+              </a:extLst>
+            </p:cNvPr>
+            <p:cNvSpPr/>
+            <p:nvPr>
+              <p:extLst>
+                <p:ext uri="{386F3935-93C4-4BCD-93E2-E3B085C9AB24}">
+                  <p16:designElem xmlns:p16="http://schemas.microsoft.com/office/powerpoint/2015/main" val="1"/>
+                </p:ext>
+              </p:extLst>
+            </p:nvPr>
+          </p:nvSpPr>
+          <p:spPr>
+            <a:xfrm>
+              <a:off x="9793429" y="4568765"/>
+              <a:ext cx="864723" cy="864722"/>
+            </a:xfrm>
+            <a:prstGeom prst="ellipse">
+              <a:avLst/>
+            </a:prstGeom>
+            <a:noFill/>
+            <a:ln w="25400" cap="flat" cmpd="sng" algn="ctr">
+              <a:solidFill>
+                <a:sysClr val="window" lastClr="FFFFFF"/>
+              </a:solidFill>
+              <a:prstDash val="solid"/>
+            </a:ln>
+            <a:effectLst/>
+          </p:spPr>
+          <p:txBody>
+            <a:bodyPr rtlCol="0" anchor="ctr"/>
+            <a:lstStyle/>
+            <a:p>
+              <a:pPr marL="0" marR="0" lvl="0" indent="0" algn="ctr" defTabSz="914400" eaLnBrk="1" fontAlgn="auto" latinLnBrk="0" hangingPunct="1">
+                <a:lnSpc>
+                  <a:spcPct val="100000"/>
+                </a:lnSpc>
+                <a:spcBef>
+                  <a:spcPts val="0"/>
+                </a:spcBef>
+                <a:spcAft>
+                  <a:spcPts val="0"/>
+                </a:spcAft>
+                <a:buClrTx/>
+                <a:buSzTx/>
+                <a:buFontTx/>
+                <a:buNone/>
+                <a:tabLst/>
+                <a:defRPr/>
+              </a:pPr>
+              <a:endParaRPr kumimoji="0" lang="en-US" sz="1800" b="0" i="0" u="none" strike="noStrike" kern="0" cap="none" spc="0" normalizeH="0" baseline="0" noProof="0" dirty="0">
+                <a:ln>
+                  <a:noFill/>
+                </a:ln>
+                <a:solidFill>
+                  <a:prstClr val="white"/>
+                </a:solidFill>
+                <a:effectLst/>
+                <a:uLnTx/>
+                <a:uFillTx/>
+                <a:latin typeface="Calibri"/>
+                <a:ea typeface="+mn-ea"/>
+                <a:cs typeface="+mn-cs"/>
+              </a:endParaRPr>
+            </a:p>
+          </p:txBody>
+        </p:sp>
+      </p:grpSp>
+    </p:spTree>
+    <p:extLst>
+      <p:ext uri="{BB962C8B-B14F-4D97-AF65-F5344CB8AC3E}">
+        <p14:creationId xmlns:p14="http://schemas.microsoft.com/office/powerpoint/2010/main" val="3532464613"/>
+      </p:ext>
+    </p:extLst>
+  </p:cSld>
+  <p:clrMapOvr>
+    <a:masterClrMapping/>
+  </p:clrMapOvr>
+</p:sld>
+</file>
+
+<file path=ppt/slides/slide17.xml><?xml version="1.0" encoding="utf-8"?>
+<p:sld xmlns:a="http://schemas.openxmlformats.org/drawingml/2006/main" xmlns:r="http://schemas.openxmlformats.org/officeDocument/2006/relationships" xmlns:p="http://schemas.openxmlformats.org/presentationml/2006/main">
+  <p:cSld>
+    <p:bg>
+      <p:bgPr>
+        <a:solidFill>
+          <a:schemeClr val="bg1"/>
+        </a:solidFill>
+        <a:effectLst/>
+      </p:bgPr>
+    </p:bg>
+    <p:spTree>
+      <p:nvGrpSpPr>
+        <p:cNvPr id="1" name=""/>
+        <p:cNvGrpSpPr/>
+        <p:nvPr/>
+      </p:nvGrpSpPr>
+      <p:grpSpPr>
+        <a:xfrm>
+          <a:off x="0" y="0"/>
+          <a:ext cx="0" cy="0"/>
+          <a:chOff x="0" y="0"/>
+          <a:chExt cx="0" cy="0"/>
+        </a:xfrm>
+      </p:grpSpPr>
+      <p:sp>
+        <p:nvSpPr>
+          <p:cNvPr id="173" name="Rectangle 172">
+            <a:extLst>
+              <a:ext uri="{FF2B5EF4-FFF2-40B4-BE49-F238E27FC236}">
+                <a16:creationId xmlns:a16="http://schemas.microsoft.com/office/drawing/2014/main" id="{97BF936A-7CB7-4C57-98A3-96928DD27A37}"/>
+              </a:ext>
+              <a:ext uri="{C183D7F6-B498-43B3-948B-1728B52AA6E4}">
+                <adec:decorative xmlns:adec="http://schemas.microsoft.com/office/drawing/2017/decorative" val="1"/>
+              </a:ext>
+            </a:extLst>
+          </p:cNvPr>
+          <p:cNvSpPr>
+            <a:spLocks noGrp="1" noRot="1" noChangeAspect="1" noMove="1" noResize="1" noEditPoints="1" noAdjustHandles="1" noChangeArrowheads="1" noChangeShapeType="1" noTextEdit="1"/>
+          </p:cNvSpPr>
+          <p:nvPr>
+            <p:extLst>
+              <p:ext uri="{386F3935-93C4-4BCD-93E2-E3B085C9AB24}">
+                <p16:designElem xmlns:p16="http://schemas.microsoft.com/office/powerpoint/2015/main" val="1"/>
+              </p:ext>
+            </p:extLst>
+          </p:nvPr>
+        </p:nvSpPr>
+        <p:spPr>
+          <a:xfrm>
+            <a:off x="920834" y="1346946"/>
+            <a:ext cx="10222992" cy="80683"/>
+          </a:xfrm>
+          <a:prstGeom prst="rect">
+            <a:avLst/>
+          </a:prstGeom>
+          <a:blipFill dpi="0" rotWithShape="1">
+            <a:blip r:embed="rId2">
+              <a:alphaModFix amt="85000"/>
+              <a:lum bright="70000" contrast="-70000"/>
+              <a:extLst>
+                <a:ext uri="{BEBA8EAE-BF5A-486C-A8C5-ECC9F3942E4B}">
+                  <a14:imgProps xmlns:a14="http://schemas.microsoft.com/office/drawing/2010/main">
+                    <a14:imgLayer r:embed="rId3">
+                      <a14:imgEffect>
+                        <a14:sharpenSoften amount="61000"/>
+                      </a14:imgEffect>
+                    </a14:imgLayer>
+                  </a14:imgProps>
+                </a:ext>
+                <a:ext uri="{28A0092B-C50C-407E-A947-70E740481C1C}">
+                  <a14:useLocalDpi xmlns:a14="http://schemas.microsoft.com/office/drawing/2010/main" val="0"/>
+                </a:ext>
+              </a:extLst>
+            </a:blip>
+            <a:srcRect/>
+            <a:tile tx="0" ty="-762000" sx="92000" sy="89000" flip="xy" algn="ctr"/>
+          </a:blipFill>
+          <a:ln>
+            <a:noFill/>
+          </a:ln>
+        </p:spPr>
+        <p:style>
+          <a:lnRef idx="2">
+            <a:schemeClr val="accent1">
+              <a:shade val="50000"/>
+            </a:schemeClr>
+          </a:lnRef>
+          <a:fillRef idx="1">
+            <a:schemeClr val="accent1"/>
+          </a:fillRef>
+          <a:effectRef idx="0">
+            <a:schemeClr val="accent1"/>
+          </a:effectRef>
+          <a:fontRef idx="minor">
+            <a:schemeClr val="lt1"/>
+          </a:fontRef>
+        </p:style>
+        <p:txBody>
+          <a:bodyPr rtlCol="0" anchor="ctr"/>
+          <a:lstStyle/>
+          <a:p>
+            <a:pPr algn="ctr"/>
+            <a:endParaRPr lang="en-US"/>
+          </a:p>
+        </p:txBody>
+      </p:sp>
+      <p:sp>
+        <p:nvSpPr>
+          <p:cNvPr id="175" name="Rectangle 174">
+            <a:extLst>
+              <a:ext uri="{FF2B5EF4-FFF2-40B4-BE49-F238E27FC236}">
+                <a16:creationId xmlns:a16="http://schemas.microsoft.com/office/drawing/2014/main" id="{485C791B-FFA1-4943-B5E4-F5F145D8BDFE}"/>
+              </a:ext>
+              <a:ext uri="{C183D7F6-B498-43B3-948B-1728B52AA6E4}">
+                <adec:decorative xmlns:adec="http://schemas.microsoft.com/office/drawing/2017/decorative" val="1"/>
+              </a:ext>
+            </a:extLst>
+          </p:cNvPr>
+          <p:cNvSpPr>
+            <a:spLocks noGrp="1" noRot="1" noChangeAspect="1" noMove="1" noResize="1" noEditPoints="1" noAdjustHandles="1" noChangeArrowheads="1" noChangeShapeType="1" noTextEdit="1"/>
+          </p:cNvSpPr>
+          <p:nvPr>
+            <p:extLst>
+              <p:ext uri="{386F3935-93C4-4BCD-93E2-E3B085C9AB24}">
+                <p16:designElem xmlns:p16="http://schemas.microsoft.com/office/powerpoint/2015/main" val="1"/>
+              </p:ext>
+            </p:extLst>
+          </p:nvPr>
+        </p:nvSpPr>
+        <p:spPr>
+          <a:xfrm>
+            <a:off x="920834" y="4299696"/>
+            <a:ext cx="10222992" cy="80683"/>
+          </a:xfrm>
+          <a:prstGeom prst="rect">
+            <a:avLst/>
+          </a:prstGeom>
+          <a:blipFill dpi="0" rotWithShape="1">
+            <a:blip r:embed="rId2">
+              <a:alphaModFix amt="85000"/>
+              <a:lum bright="70000" contrast="-70000"/>
+              <a:extLst>
+                <a:ext uri="{BEBA8EAE-BF5A-486C-A8C5-ECC9F3942E4B}">
+                  <a14:imgProps xmlns:a14="http://schemas.microsoft.com/office/drawing/2010/main">
+                    <a14:imgLayer r:embed="rId3">
+                      <a14:imgEffect>
+                        <a14:sharpenSoften amount="61000"/>
+                      </a14:imgEffect>
+                    </a14:imgLayer>
+                  </a14:imgProps>
+                </a:ext>
+                <a:ext uri="{28A0092B-C50C-407E-A947-70E740481C1C}">
+                  <a14:useLocalDpi xmlns:a14="http://schemas.microsoft.com/office/drawing/2010/main" val="0"/>
+                </a:ext>
+              </a:extLst>
+            </a:blip>
+            <a:srcRect/>
+            <a:tile tx="0" ty="-717550" sx="92000" sy="89000" flip="xy" algn="ctr"/>
+          </a:blipFill>
+          <a:ln>
+            <a:noFill/>
+          </a:ln>
+        </p:spPr>
+        <p:style>
+          <a:lnRef idx="2">
+            <a:schemeClr val="accent1">
+              <a:shade val="50000"/>
+            </a:schemeClr>
+          </a:lnRef>
+          <a:fillRef idx="1">
+            <a:schemeClr val="accent1"/>
+          </a:fillRef>
+          <a:effectRef idx="0">
+            <a:schemeClr val="accent1"/>
+          </a:effectRef>
+          <a:fontRef idx="minor">
+            <a:schemeClr val="lt1"/>
+          </a:fontRef>
+        </p:style>
+        <p:txBody>
+          <a:bodyPr rtlCol="0" anchor="ctr"/>
+          <a:lstStyle/>
+          <a:p>
+            <a:pPr algn="ctr"/>
+            <a:endParaRPr lang="en-US"/>
+          </a:p>
+        </p:txBody>
+      </p:sp>
+      <p:sp>
+        <p:nvSpPr>
+          <p:cNvPr id="177" name="Rectangle 176">
+            <a:extLst>
+              <a:ext uri="{FF2B5EF4-FFF2-40B4-BE49-F238E27FC236}">
+                <a16:creationId xmlns:a16="http://schemas.microsoft.com/office/drawing/2014/main" id="{D8671DBD-7165-4BE6-80A0-045723A9A3E3}"/>
+              </a:ext>
+              <a:ext uri="{C183D7F6-B498-43B3-948B-1728B52AA6E4}">
+                <adec:decorative xmlns:adec="http://schemas.microsoft.com/office/drawing/2017/decorative" val="1"/>
+              </a:ext>
+            </a:extLst>
+          </p:cNvPr>
+          <p:cNvSpPr>
+            <a:spLocks noGrp="1" noRot="1" noChangeAspect="1" noMove="1" noResize="1" noEditPoints="1" noAdjustHandles="1" noChangeArrowheads="1" noChangeShapeType="1" noTextEdit="1"/>
+          </p:cNvSpPr>
+          <p:nvPr>
+            <p:extLst>
+              <p:ext uri="{386F3935-93C4-4BCD-93E2-E3B085C9AB24}">
+                <p16:designElem xmlns:p16="http://schemas.microsoft.com/office/powerpoint/2015/main" val="1"/>
+              </p:ext>
+            </p:extLst>
+          </p:nvPr>
+        </p:nvSpPr>
+        <p:spPr>
+          <a:xfrm>
+            <a:off x="920834" y="1484779"/>
+            <a:ext cx="10222992" cy="2743200"/>
+          </a:xfrm>
+          <a:prstGeom prst="rect">
+            <a:avLst/>
+          </a:prstGeom>
+          <a:blipFill dpi="0" rotWithShape="1">
+            <a:blip r:embed="rId2">
+              <a:alphaModFix amt="85000"/>
+              <a:lum bright="70000" contrast="-70000"/>
+              <a:extLst>
+                <a:ext uri="{BEBA8EAE-BF5A-486C-A8C5-ECC9F3942E4B}">
+                  <a14:imgProps xmlns:a14="http://schemas.microsoft.com/office/drawing/2010/main">
+                    <a14:imgLayer r:embed="rId3">
+                      <a14:imgEffect>
+                        <a14:sharpenSoften amount="61000"/>
+                      </a14:imgEffect>
+                    </a14:imgLayer>
+                  </a14:imgProps>
+                </a:ext>
+                <a:ext uri="{28A0092B-C50C-407E-A947-70E740481C1C}">
+                  <a14:useLocalDpi xmlns:a14="http://schemas.microsoft.com/office/drawing/2010/main" val="0"/>
+                </a:ext>
+              </a:extLst>
+            </a:blip>
+            <a:srcRect/>
+            <a:tile tx="0" ty="-704850" sx="92000" sy="89000" flip="xy" algn="ctr"/>
+          </a:blipFill>
+          <a:ln>
+            <a:noFill/>
+          </a:ln>
+        </p:spPr>
+        <p:style>
+          <a:lnRef idx="2">
+            <a:schemeClr val="accent1">
+              <a:shade val="50000"/>
+            </a:schemeClr>
+          </a:lnRef>
+          <a:fillRef idx="1">
+            <a:schemeClr val="accent1"/>
+          </a:fillRef>
+          <a:effectRef idx="0">
+            <a:schemeClr val="accent1"/>
+          </a:effectRef>
+          <a:fontRef idx="minor">
+            <a:schemeClr val="lt1"/>
+          </a:fontRef>
+        </p:style>
+        <p:txBody>
+          <a:bodyPr rtlCol="0" anchor="ctr"/>
+          <a:lstStyle/>
+          <a:p>
+            <a:pPr algn="ctr"/>
+            <a:endParaRPr lang="en-US"/>
+          </a:p>
+        </p:txBody>
+      </p:sp>
+      <p:grpSp>
+        <p:nvGrpSpPr>
+          <p:cNvPr id="179" name="Group 178">
+            <a:extLst>
+              <a:ext uri="{FF2B5EF4-FFF2-40B4-BE49-F238E27FC236}">
+                <a16:creationId xmlns:a16="http://schemas.microsoft.com/office/drawing/2014/main" id="{D622AD38-5C0D-490C-A06A-D1F07E29CB11}"/>
+              </a:ext>
+              <a:ext uri="{C183D7F6-B498-43B3-948B-1728B52AA6E4}">
+                <adec:decorative xmlns:adec="http://schemas.microsoft.com/office/drawing/2017/decorative" val="1"/>
+              </a:ext>
+            </a:extLst>
+          </p:cNvPr>
+          <p:cNvGrpSpPr>
+            <a:grpSpLocks noGrp="1" noUngrp="1" noRot="1" noChangeAspect="1" noMove="1" noResize="1"/>
+          </p:cNvGrpSpPr>
+          <p:nvPr>
+            <p:extLst>
+              <p:ext uri="{386F3935-93C4-4BCD-93E2-E3B085C9AB24}">
+                <p16:designElem xmlns:p16="http://schemas.microsoft.com/office/powerpoint/2015/main" val="1"/>
+              </p:ext>
+            </p:extLst>
+          </p:nvPr>
+        </p:nvGrpSpPr>
+        <p:grpSpPr>
+          <a:xfrm>
+            <a:off x="9649215" y="4068923"/>
+            <a:ext cx="1080904" cy="1080902"/>
+            <a:chOff x="9685338" y="4460675"/>
+            <a:chExt cx="1080904" cy="1080902"/>
+          </a:xfrm>
+        </p:grpSpPr>
+        <p:sp>
+          <p:nvSpPr>
+            <p:cNvPr id="180" name="Oval 179">
+              <a:extLst>
+                <a:ext uri="{FF2B5EF4-FFF2-40B4-BE49-F238E27FC236}">
+                  <a16:creationId xmlns:a16="http://schemas.microsoft.com/office/drawing/2014/main" id="{ED57AEAB-0276-4D94-93D9-3A090A1FD75A}"/>
+                </a:ext>
+                <a:ext uri="{C183D7F6-B498-43B3-948B-1728B52AA6E4}">
+                  <adec:decorative xmlns:adec="http://schemas.microsoft.com/office/drawing/2017/decorative" val="1"/>
+                </a:ext>
+              </a:extLst>
+            </p:cNvPr>
+            <p:cNvSpPr/>
+            <p:nvPr>
+              <p:extLst>
+                <p:ext uri="{386F3935-93C4-4BCD-93E2-E3B085C9AB24}">
+                  <p16:designElem xmlns:p16="http://schemas.microsoft.com/office/powerpoint/2015/main" val="1"/>
+                </p:ext>
+              </p:extLst>
+            </p:nvPr>
+          </p:nvSpPr>
+          <p:spPr>
+            <a:xfrm>
+              <a:off x="9685338" y="4460675"/>
+              <a:ext cx="1080904" cy="1080902"/>
+            </a:xfrm>
+            <a:prstGeom prst="ellipse">
+              <a:avLst/>
+            </a:prstGeom>
+            <a:blipFill dpi="0" rotWithShape="1">
+              <a:blip r:embed="rId4">
+                <a:duotone>
+                  <a:schemeClr val="accent1">
+                    <a:shade val="45000"/>
+                    <a:satMod val="135000"/>
+                  </a:schemeClr>
+                  <a:prstClr val="white"/>
+                </a:duotone>
+                <a:extLst>
+                  <a:ext uri="{BEBA8EAE-BF5A-486C-A8C5-ECC9F3942E4B}">
+                    <a14:imgProps xmlns:a14="http://schemas.microsoft.com/office/drawing/2010/main">
+                      <a14:imgLayer r:embed="rId5">
+                        <a14:imgEffect>
+                          <a14:saturation sat="95000"/>
+                        </a14:imgEffect>
+                      </a14:imgLayer>
+                    </a14:imgProps>
+                  </a:ext>
+                </a:extLst>
+              </a:blip>
+              <a:srcRect/>
+              <a:tile tx="0" ty="0" sx="85000" sy="85000" flip="none" algn="tl"/>
+            </a:blipFill>
+            <a:ln w="25400" cap="flat" cmpd="sng" algn="ctr">
+              <a:noFill/>
+              <a:prstDash val="solid"/>
+            </a:ln>
+            <a:effectLst/>
+          </p:spPr>
+          <p:txBody>
+            <a:bodyPr lIns="0" tIns="0" rIns="0" bIns="0" rtlCol="0" anchor="ctr"/>
+            <a:lstStyle/>
+            <a:p>
+              <a:pPr marL="0" marR="0" lvl="0" indent="0" algn="ctr" defTabSz="914400" eaLnBrk="1" fontAlgn="auto" latinLnBrk="0" hangingPunct="1">
+                <a:lnSpc>
+                  <a:spcPct val="100000"/>
+                </a:lnSpc>
+                <a:spcBef>
+                  <a:spcPts val="0"/>
+                </a:spcBef>
+                <a:spcAft>
+                  <a:spcPts val="0"/>
+                </a:spcAft>
+                <a:buClrTx/>
+                <a:buSzTx/>
+                <a:buFontTx/>
+                <a:buNone/>
+                <a:tabLst/>
+                <a:defRPr/>
+              </a:pPr>
+              <a:endParaRPr kumimoji="0" lang="en-US" sz="2000" b="0" i="0" u="none" strike="noStrike" kern="0" cap="none" spc="0" normalizeH="0" baseline="0" noProof="0" dirty="0">
+                <a:ln>
+                  <a:noFill/>
+                </a:ln>
+                <a:solidFill>
+                  <a:prstClr val="white"/>
+                </a:solidFill>
+                <a:effectLst/>
+                <a:uLnTx/>
+                <a:uFillTx/>
+                <a:latin typeface="Rockwell Extra Bold" pitchFamily="18" charset="0"/>
+                <a:ea typeface="+mn-ea"/>
+                <a:cs typeface="+mn-cs"/>
+              </a:endParaRPr>
+            </a:p>
+          </p:txBody>
+        </p:sp>
+        <p:sp>
+          <p:nvSpPr>
+            <p:cNvPr id="181" name="Oval 180">
+              <a:extLst>
+                <a:ext uri="{FF2B5EF4-FFF2-40B4-BE49-F238E27FC236}">
+                  <a16:creationId xmlns:a16="http://schemas.microsoft.com/office/drawing/2014/main" id="{CCF33569-0434-460F-AFA4-D829E476AE56}"/>
+                </a:ext>
+                <a:ext uri="{C183D7F6-B498-43B3-948B-1728B52AA6E4}">
+                  <adec:decorative xmlns:adec="http://schemas.microsoft.com/office/drawing/2017/decorative" val="1"/>
+                </a:ext>
+              </a:extLst>
+            </p:cNvPr>
+            <p:cNvSpPr/>
+            <p:nvPr>
+              <p:extLst>
+                <p:ext uri="{386F3935-93C4-4BCD-93E2-E3B085C9AB24}">
+                  <p16:designElem xmlns:p16="http://schemas.microsoft.com/office/powerpoint/2015/main" val="1"/>
+                </p:ext>
+              </p:extLst>
+            </p:nvPr>
+          </p:nvSpPr>
+          <p:spPr>
+            <a:xfrm>
+              <a:off x="9793429" y="4568765"/>
+              <a:ext cx="864723" cy="864722"/>
+            </a:xfrm>
+            <a:prstGeom prst="ellipse">
+              <a:avLst/>
+            </a:prstGeom>
+            <a:noFill/>
+            <a:ln w="25400" cap="flat" cmpd="sng" algn="ctr">
+              <a:solidFill>
+                <a:sysClr val="window" lastClr="FFFFFF"/>
+              </a:solidFill>
+              <a:prstDash val="solid"/>
+            </a:ln>
+            <a:effectLst/>
+          </p:spPr>
+          <p:txBody>
+            <a:bodyPr rtlCol="0" anchor="ctr"/>
+            <a:lstStyle/>
+            <a:p>
+              <a:pPr marL="0" marR="0" lvl="0" indent="0" algn="ctr" defTabSz="914400" eaLnBrk="1" fontAlgn="auto" latinLnBrk="0" hangingPunct="1">
+                <a:lnSpc>
+                  <a:spcPct val="100000"/>
+                </a:lnSpc>
+                <a:spcBef>
+                  <a:spcPts val="0"/>
+                </a:spcBef>
+                <a:spcAft>
+                  <a:spcPts val="0"/>
+                </a:spcAft>
+                <a:buClrTx/>
+                <a:buSzTx/>
+                <a:buFontTx/>
+                <a:buNone/>
+                <a:tabLst/>
+                <a:defRPr/>
+              </a:pPr>
+              <a:endParaRPr kumimoji="0" lang="en-US" sz="1800" b="0" i="0" u="none" strike="noStrike" kern="0" cap="none" spc="0" normalizeH="0" baseline="0" noProof="0" dirty="0">
+                <a:ln>
+                  <a:noFill/>
+                </a:ln>
+                <a:solidFill>
+                  <a:prstClr val="white"/>
+                </a:solidFill>
+                <a:effectLst/>
+                <a:uLnTx/>
+                <a:uFillTx/>
+                <a:latin typeface="Calibri"/>
+                <a:ea typeface="+mn-ea"/>
+                <a:cs typeface="+mn-cs"/>
+              </a:endParaRPr>
+            </a:p>
+          </p:txBody>
+        </p:sp>
+      </p:grpSp>
+      <p:sp>
+        <p:nvSpPr>
+          <p:cNvPr id="183" name="Rectangle 182">
+            <a:extLst>
+              <a:ext uri="{FF2B5EF4-FFF2-40B4-BE49-F238E27FC236}">
+                <a16:creationId xmlns:a16="http://schemas.microsoft.com/office/drawing/2014/main" id="{FC4A6789-55AC-42E6-9425-33CA7D05C941}"/>
+              </a:ext>
+              <a:ext uri="{C183D7F6-B498-43B3-948B-1728B52AA6E4}">
+                <adec:decorative xmlns:adec="http://schemas.microsoft.com/office/drawing/2017/decorative" val="1"/>
+              </a:ext>
+            </a:extLst>
+          </p:cNvPr>
+          <p:cNvSpPr>
+            <a:spLocks noGrp="1" noRot="1" noChangeAspect="1" noMove="1" noResize="1" noEditPoints="1" noAdjustHandles="1" noChangeArrowheads="1" noChangeShapeType="1" noTextEdit="1"/>
+          </p:cNvSpPr>
+          <p:nvPr>
+            <p:extLst>
+              <p:ext uri="{386F3935-93C4-4BCD-93E2-E3B085C9AB24}">
+                <p16:designElem xmlns:p16="http://schemas.microsoft.com/office/powerpoint/2015/main" val="1"/>
+              </p:ext>
+            </p:extLst>
+          </p:nvPr>
+        </p:nvSpPr>
+        <p:spPr bwMode="white">
+          <a:xfrm>
+            <a:off x="0" y="0"/>
+            <a:ext cx="12188952" cy="6858001"/>
+          </a:xfrm>
+          <a:prstGeom prst="rect">
+            <a:avLst/>
+          </a:prstGeom>
+          <a:solidFill>
+            <a:schemeClr val="bg1"/>
+          </a:solidFill>
+          <a:ln>
+            <a:noFill/>
+          </a:ln>
+        </p:spPr>
+        <p:style>
+          <a:lnRef idx="2">
+            <a:schemeClr val="accent1">
+              <a:shade val="50000"/>
+            </a:schemeClr>
+          </a:lnRef>
+          <a:fillRef idx="1">
+            <a:schemeClr val="accent1"/>
+          </a:fillRef>
+          <a:effectRef idx="0">
+            <a:schemeClr val="accent1"/>
+          </a:effectRef>
+          <a:fontRef idx="minor">
+            <a:schemeClr val="lt1"/>
+          </a:fontRef>
+        </p:style>
+        <p:txBody>
+          <a:bodyPr rot="0" spcFirstLastPara="0" vert="horz" wrap="square" lIns="91440" tIns="45720" rIns="91440" bIns="45720" numCol="1" spcCol="0" rtlCol="0" fromWordArt="0" anchor="ctr" anchorCtr="0" forceAA="0" compatLnSpc="1">
+            <a:prstTxWarp prst="textNoShape">
+              <a:avLst/>
+            </a:prstTxWarp>
+            <a:noAutofit/>
+          </a:bodyPr>
+          <a:lstStyle>
+            <a:defPPr>
+              <a:defRPr lang="en-US"/>
+            </a:defPPr>
+            <a:lvl1pPr marL="0" algn="l" defTabSz="914400" rtl="0" eaLnBrk="1" latinLnBrk="0" hangingPunct="1">
+              <a:defRPr sz="1800" kern="1200">
+                <a:solidFill>
+                  <a:schemeClr val="lt1"/>
+                </a:solidFill>
+                <a:latin typeface="+mn-lt"/>
+                <a:ea typeface="+mn-ea"/>
+                <a:cs typeface="+mn-cs"/>
+              </a:defRPr>
+            </a:lvl1pPr>
+            <a:lvl2pPr marL="457200" algn="l" defTabSz="914400" rtl="0" eaLnBrk="1" latinLnBrk="0" hangingPunct="1">
+              <a:defRPr sz="1800" kern="1200">
+                <a:solidFill>
+                  <a:schemeClr val="lt1"/>
+                </a:solidFill>
+                <a:latin typeface="+mn-lt"/>
+                <a:ea typeface="+mn-ea"/>
+                <a:cs typeface="+mn-cs"/>
+              </a:defRPr>
+            </a:lvl2pPr>
+            <a:lvl3pPr marL="914400" algn="l" defTabSz="914400" rtl="0" eaLnBrk="1" latinLnBrk="0" hangingPunct="1">
+              <a:defRPr sz="1800" kern="1200">
+                <a:solidFill>
+                  <a:schemeClr val="lt1"/>
+                </a:solidFill>
+                <a:latin typeface="+mn-lt"/>
+                <a:ea typeface="+mn-ea"/>
+                <a:cs typeface="+mn-cs"/>
+              </a:defRPr>
+            </a:lvl3pPr>
+            <a:lvl4pPr marL="1371600" algn="l" defTabSz="914400" rtl="0" eaLnBrk="1" latinLnBrk="0" hangingPunct="1">
+              <a:defRPr sz="1800" kern="1200">
+                <a:solidFill>
+                  <a:schemeClr val="lt1"/>
+                </a:solidFill>
+                <a:latin typeface="+mn-lt"/>
+                <a:ea typeface="+mn-ea"/>
+                <a:cs typeface="+mn-cs"/>
+              </a:defRPr>
+            </a:lvl4pPr>
+            <a:lvl5pPr marL="1828800" algn="l" defTabSz="914400" rtl="0" eaLnBrk="1" latinLnBrk="0" hangingPunct="1">
+              <a:defRPr sz="1800" kern="1200">
+                <a:solidFill>
+                  <a:schemeClr val="lt1"/>
+                </a:solidFill>
+                <a:latin typeface="+mn-lt"/>
+                <a:ea typeface="+mn-ea"/>
+                <a:cs typeface="+mn-cs"/>
+              </a:defRPr>
+            </a:lvl5pPr>
+            <a:lvl6pPr marL="2286000" algn="l" defTabSz="914400" rtl="0" eaLnBrk="1" latinLnBrk="0" hangingPunct="1">
+              <a:defRPr sz="1800" kern="1200">
+                <a:solidFill>
+                  <a:schemeClr val="lt1"/>
+                </a:solidFill>
+                <a:latin typeface="+mn-lt"/>
+                <a:ea typeface="+mn-ea"/>
+                <a:cs typeface="+mn-cs"/>
+              </a:defRPr>
+            </a:lvl6pPr>
+            <a:lvl7pPr marL="2743200" algn="l" defTabSz="914400" rtl="0" eaLnBrk="1" latinLnBrk="0" hangingPunct="1">
+              <a:defRPr sz="1800" kern="1200">
+                <a:solidFill>
+                  <a:schemeClr val="lt1"/>
+                </a:solidFill>
+                <a:latin typeface="+mn-lt"/>
+                <a:ea typeface="+mn-ea"/>
+                <a:cs typeface="+mn-cs"/>
+              </a:defRPr>
+            </a:lvl7pPr>
+            <a:lvl8pPr marL="3200400" algn="l" defTabSz="914400" rtl="0" eaLnBrk="1" latinLnBrk="0" hangingPunct="1">
+              <a:defRPr sz="1800" kern="1200">
+                <a:solidFill>
+                  <a:schemeClr val="lt1"/>
+                </a:solidFill>
+                <a:latin typeface="+mn-lt"/>
+                <a:ea typeface="+mn-ea"/>
+                <a:cs typeface="+mn-cs"/>
+              </a:defRPr>
+            </a:lvl8pPr>
+            <a:lvl9pPr marL="3657600" algn="l" defTabSz="914400" rtl="0" eaLnBrk="1" latinLnBrk="0" hangingPunct="1">
+              <a:defRPr sz="1800" kern="1200">
+                <a:solidFill>
+                  <a:schemeClr val="lt1"/>
+                </a:solidFill>
+                <a:latin typeface="+mn-lt"/>
+                <a:ea typeface="+mn-ea"/>
+                <a:cs typeface="+mn-cs"/>
+              </a:defRPr>
+            </a:lvl9pPr>
+          </a:lstStyle>
+          <a:p>
+            <a:pPr algn="ctr"/>
+            <a:endParaRPr lang="en-US"/>
+          </a:p>
+        </p:txBody>
+      </p:sp>
+      <p:sp>
+        <p:nvSpPr>
+          <p:cNvPr id="185" name="Rectangle 184">
+            <a:extLst>
+              <a:ext uri="{FF2B5EF4-FFF2-40B4-BE49-F238E27FC236}">
+                <a16:creationId xmlns:a16="http://schemas.microsoft.com/office/drawing/2014/main" id="{20718D89-30AF-42EF-86AB-FF232D79775F}"/>
+              </a:ext>
+              <a:ext uri="{C183D7F6-B498-43B3-948B-1728B52AA6E4}">
+                <adec:decorative xmlns:adec="http://schemas.microsoft.com/office/drawing/2017/decorative" val="1"/>
+              </a:ext>
+            </a:extLst>
+          </p:cNvPr>
+          <p:cNvSpPr>
+            <a:spLocks noGrp="1" noRot="1" noChangeAspect="1" noMove="1" noResize="1" noEditPoints="1" noAdjustHandles="1" noChangeArrowheads="1" noChangeShapeType="1" noTextEdit="1"/>
+          </p:cNvSpPr>
+          <p:nvPr>
+            <p:extLst>
+              <p:ext uri="{386F3935-93C4-4BCD-93E2-E3B085C9AB24}">
+                <p16:designElem xmlns:p16="http://schemas.microsoft.com/office/powerpoint/2015/main" val="1"/>
+              </p:ext>
+            </p:extLst>
+          </p:nvPr>
+        </p:nvSpPr>
+        <p:spPr>
+          <a:xfrm>
+            <a:off x="799087" y="1110053"/>
+            <a:ext cx="3386371" cy="4580301"/>
+          </a:xfrm>
+          <a:prstGeom prst="rect">
+            <a:avLst/>
+          </a:prstGeom>
+          <a:blipFill dpi="0" rotWithShape="1">
+            <a:blip r:embed="rId2">
+              <a:alphaModFix amt="85000"/>
+              <a:lum bright="70000" contrast="-70000"/>
+              <a:extLst>
+                <a:ext uri="{BEBA8EAE-BF5A-486C-A8C5-ECC9F3942E4B}">
+                  <a14:imgProps xmlns:a14="http://schemas.microsoft.com/office/drawing/2010/main">
+                    <a14:imgLayer r:embed="rId3">
+                      <a14:imgEffect>
+                        <a14:sharpenSoften amount="61000"/>
+                      </a14:imgEffect>
+                    </a14:imgLayer>
+                  </a14:imgProps>
+                </a:ext>
+                <a:ext uri="{28A0092B-C50C-407E-A947-70E740481C1C}">
+                  <a14:useLocalDpi xmlns:a14="http://schemas.microsoft.com/office/drawing/2010/main" val="0"/>
+                </a:ext>
+              </a:extLst>
+            </a:blip>
+            <a:srcRect/>
+            <a:tile tx="0" ty="-704850" sx="92000" sy="89000" flip="xy" algn="ctr"/>
+          </a:blipFill>
+          <a:ln>
+            <a:noFill/>
+          </a:ln>
+        </p:spPr>
+        <p:style>
+          <a:lnRef idx="2">
+            <a:schemeClr val="accent1">
+              <a:shade val="50000"/>
+            </a:schemeClr>
+          </a:lnRef>
+          <a:fillRef idx="1">
+            <a:schemeClr val="accent1"/>
+          </a:fillRef>
+          <a:effectRef idx="0">
+            <a:schemeClr val="accent1"/>
+          </a:effectRef>
+          <a:fontRef idx="minor">
+            <a:schemeClr val="lt1"/>
+          </a:fontRef>
+        </p:style>
+        <p:txBody>
+          <a:bodyPr rtlCol="0" anchor="ctr"/>
+          <a:lstStyle/>
+          <a:p>
+            <a:pPr algn="ctr"/>
+            <a:endParaRPr lang="en-US"/>
+          </a:p>
+        </p:txBody>
+      </p:sp>
+      <p:sp>
+        <p:nvSpPr>
+          <p:cNvPr id="2" name="Title 1">
+            <a:extLst>
+              <a:ext uri="{FF2B5EF4-FFF2-40B4-BE49-F238E27FC236}">
+                <a16:creationId xmlns:a16="http://schemas.microsoft.com/office/drawing/2014/main" id="{4D7CC8EA-65DE-4CED-869D-1A0FEE128838}"/>
+              </a:ext>
+            </a:extLst>
+          </p:cNvPr>
+          <p:cNvSpPr>
+            <a:spLocks noGrp="1"/>
+          </p:cNvSpPr>
+          <p:nvPr>
+            <p:ph type="title"/>
+          </p:nvPr>
+        </p:nvSpPr>
+        <p:spPr>
+          <a:xfrm>
+            <a:off x="1113719" y="1432223"/>
+            <a:ext cx="2897826" cy="3357976"/>
+          </a:xfrm>
+        </p:spPr>
+        <p:txBody>
+          <a:bodyPr vert="horz" lIns="91440" tIns="45720" rIns="91440" bIns="45720" rtlCol="0" anchor="ctr">
+            <a:normAutofit/>
+          </a:bodyPr>
+          <a:lstStyle/>
+          <a:p>
+            <a:pPr>
+              <a:lnSpc>
+                <a:spcPct val="80000"/>
+              </a:lnSpc>
+            </a:pPr>
+            <a:r>
+              <a:rPr lang="en-US" sz="2400" kern="1200" cap="all" baseline="0" dirty="0">
+                <a:blipFill dpi="0" rotWithShape="1">
+                  <a:blip r:embed="rId4"/>
+                  <a:srcRect/>
+                  <a:tile tx="6350" ty="-127000" sx="65000" sy="64000" flip="none" algn="tl"/>
+                </a:blipFill>
+                <a:latin typeface="+mj-lt"/>
+                <a:ea typeface="+mj-ea"/>
+                <a:cs typeface="+mj-cs"/>
+                <a:hlinkClick r:id="rId6"/>
+              </a:rPr>
+              <a:t>https://logic.ly/demo</a:t>
+            </a:r>
+            <a:endParaRPr lang="en-US" sz="2400" kern="1200" cap="all" baseline="0" dirty="0">
+              <a:blipFill dpi="0" rotWithShape="1">
+                <a:blip r:embed="rId4"/>
+                <a:srcRect/>
+                <a:tile tx="6350" ty="-127000" sx="65000" sy="64000" flip="none" algn="tl"/>
+              </a:blipFill>
+              <a:latin typeface="+mj-lt"/>
+              <a:ea typeface="+mj-ea"/>
+              <a:cs typeface="+mj-cs"/>
+            </a:endParaRPr>
+          </a:p>
+        </p:txBody>
+      </p:sp>
+      <p:sp>
+        <p:nvSpPr>
+          <p:cNvPr id="187" name="Rectangle 186">
+            <a:extLst>
+              <a:ext uri="{FF2B5EF4-FFF2-40B4-BE49-F238E27FC236}">
+                <a16:creationId xmlns:a16="http://schemas.microsoft.com/office/drawing/2014/main" id="{0C6CBCA2-E9FC-45B2-A370-2BA218D8A626}"/>
+              </a:ext>
+              <a:ext uri="{C183D7F6-B498-43B3-948B-1728B52AA6E4}">
+                <adec:decorative xmlns:adec="http://schemas.microsoft.com/office/drawing/2017/decorative" val="1"/>
+              </a:ext>
+            </a:extLst>
+          </p:cNvPr>
+          <p:cNvSpPr>
+            <a:spLocks noGrp="1" noRot="1" noChangeAspect="1" noMove="1" noResize="1" noEditPoints="1" noAdjustHandles="1" noChangeArrowheads="1" noChangeShapeType="1" noTextEdit="1"/>
+          </p:cNvSpPr>
+          <p:nvPr>
+            <p:extLst>
+              <p:ext uri="{386F3935-93C4-4BCD-93E2-E3B085C9AB24}">
+                <p16:designElem xmlns:p16="http://schemas.microsoft.com/office/powerpoint/2015/main" val="1"/>
+              </p:ext>
+            </p:extLst>
+          </p:nvPr>
+        </p:nvSpPr>
+        <p:spPr>
+          <a:xfrm>
+            <a:off x="799087" y="928117"/>
+            <a:ext cx="10597896" cy="80683"/>
+          </a:xfrm>
+          <a:prstGeom prst="rect">
+            <a:avLst/>
+          </a:prstGeom>
+          <a:blipFill dpi="0" rotWithShape="1">
+            <a:blip r:embed="rId2">
+              <a:alphaModFix amt="85000"/>
+              <a:lum bright="70000" contrast="-70000"/>
+              <a:extLst>
+                <a:ext uri="{BEBA8EAE-BF5A-486C-A8C5-ECC9F3942E4B}">
+                  <a14:imgProps xmlns:a14="http://schemas.microsoft.com/office/drawing/2010/main">
+                    <a14:imgLayer r:embed="rId3">
+                      <a14:imgEffect>
+                        <a14:sharpenSoften amount="61000"/>
+                      </a14:imgEffect>
+                    </a14:imgLayer>
+                  </a14:imgProps>
+                </a:ext>
+                <a:ext uri="{28A0092B-C50C-407E-A947-70E740481C1C}">
+                  <a14:useLocalDpi xmlns:a14="http://schemas.microsoft.com/office/drawing/2010/main" val="0"/>
+                </a:ext>
+              </a:extLst>
+            </a:blip>
+            <a:srcRect/>
+            <a:tile tx="0" ty="-762000" sx="92000" sy="89000" flip="xy" algn="ctr"/>
+          </a:blipFill>
+          <a:ln>
+            <a:noFill/>
+          </a:ln>
+        </p:spPr>
+        <p:style>
+          <a:lnRef idx="2">
+            <a:schemeClr val="accent1">
+              <a:shade val="50000"/>
+            </a:schemeClr>
+          </a:lnRef>
+          <a:fillRef idx="1">
+            <a:schemeClr val="accent1"/>
+          </a:fillRef>
+          <a:effectRef idx="0">
+            <a:schemeClr val="accent1"/>
+          </a:effectRef>
+          <a:fontRef idx="minor">
+            <a:schemeClr val="lt1"/>
+          </a:fontRef>
+        </p:style>
+        <p:txBody>
+          <a:bodyPr rtlCol="0" anchor="ctr"/>
+          <a:lstStyle/>
+          <a:p>
+            <a:pPr algn="ctr"/>
+            <a:endParaRPr lang="en-US"/>
+          </a:p>
+        </p:txBody>
+      </p:sp>
+      <p:pic>
+        <p:nvPicPr>
+          <p:cNvPr id="4" name="Picture 3">
+            <a:extLst>
+              <a:ext uri="{FF2B5EF4-FFF2-40B4-BE49-F238E27FC236}">
+                <a16:creationId xmlns:a16="http://schemas.microsoft.com/office/drawing/2014/main" id="{D50178FB-6B0C-4055-B8E7-96191DE7C751}"/>
+              </a:ext>
+            </a:extLst>
+          </p:cNvPr>
+          <p:cNvPicPr>
+            <a:picLocks noChangeAspect="1"/>
+          </p:cNvPicPr>
+          <p:nvPr/>
+        </p:nvPicPr>
+        <p:blipFill>
+          <a:blip r:embed="rId7"/>
+          <a:stretch>
+            <a:fillRect/>
+          </a:stretch>
+        </p:blipFill>
+        <p:spPr>
+          <a:xfrm>
+            <a:off x="4371434" y="1648207"/>
+            <a:ext cx="3416238" cy="1118817"/>
+          </a:xfrm>
+          <a:prstGeom prst="rect">
+            <a:avLst/>
+          </a:prstGeom>
+        </p:spPr>
+      </p:pic>
+      <p:pic>
+        <p:nvPicPr>
+          <p:cNvPr id="7" name="Picture 6">
+            <a:extLst>
+              <a:ext uri="{FF2B5EF4-FFF2-40B4-BE49-F238E27FC236}">
+                <a16:creationId xmlns:a16="http://schemas.microsoft.com/office/drawing/2014/main" id="{7BFB9291-487B-49AE-BB03-CE51AD96A0B5}"/>
+              </a:ext>
+            </a:extLst>
+          </p:cNvPr>
+          <p:cNvPicPr>
+            <a:picLocks noChangeAspect="1"/>
+          </p:cNvPicPr>
+          <p:nvPr/>
+        </p:nvPicPr>
+        <p:blipFill>
+          <a:blip r:embed="rId8"/>
+          <a:stretch>
+            <a:fillRect/>
+          </a:stretch>
+        </p:blipFill>
+        <p:spPr>
+          <a:xfrm>
+            <a:off x="8109404" y="1603004"/>
+            <a:ext cx="3695877" cy="1312036"/>
+          </a:xfrm>
+          <a:prstGeom prst="rect">
+            <a:avLst/>
+          </a:prstGeom>
+        </p:spPr>
+      </p:pic>
+      <p:pic>
+        <p:nvPicPr>
+          <p:cNvPr id="11" name="Picture 10">
+            <a:extLst>
+              <a:ext uri="{FF2B5EF4-FFF2-40B4-BE49-F238E27FC236}">
+                <a16:creationId xmlns:a16="http://schemas.microsoft.com/office/drawing/2014/main" id="{2E9827A7-3757-4159-A87B-8B9197BCF45A}"/>
+              </a:ext>
+            </a:extLst>
+          </p:cNvPr>
+          <p:cNvPicPr>
+            <a:picLocks noChangeAspect="1"/>
+          </p:cNvPicPr>
+          <p:nvPr/>
+        </p:nvPicPr>
+        <p:blipFill>
+          <a:blip r:embed="rId9"/>
+          <a:stretch>
+            <a:fillRect/>
+          </a:stretch>
+        </p:blipFill>
+        <p:spPr>
+          <a:xfrm>
+            <a:off x="4356236" y="4090975"/>
+            <a:ext cx="3431435" cy="1080902"/>
+          </a:xfrm>
+          <a:prstGeom prst="rect">
+            <a:avLst/>
+          </a:prstGeom>
+        </p:spPr>
+      </p:pic>
+      <p:pic>
+        <p:nvPicPr>
+          <p:cNvPr id="14" name="Picture 13">
+            <a:extLst>
+              <a:ext uri="{FF2B5EF4-FFF2-40B4-BE49-F238E27FC236}">
+                <a16:creationId xmlns:a16="http://schemas.microsoft.com/office/drawing/2014/main" id="{56B77FBD-7B8A-48D6-85BC-A071D0845579}"/>
+              </a:ext>
+            </a:extLst>
+          </p:cNvPr>
+          <p:cNvPicPr>
+            <a:picLocks noChangeAspect="1"/>
+          </p:cNvPicPr>
+          <p:nvPr/>
+        </p:nvPicPr>
+        <p:blipFill>
+          <a:blip r:embed="rId10"/>
+          <a:stretch>
+            <a:fillRect/>
+          </a:stretch>
+        </p:blipFill>
+        <p:spPr>
+          <a:xfrm>
+            <a:off x="8109404" y="3942960"/>
+            <a:ext cx="3604273" cy="1135346"/>
+          </a:xfrm>
+          <a:prstGeom prst="rect">
+            <a:avLst/>
+          </a:prstGeom>
+        </p:spPr>
+      </p:pic>
+      <p:sp>
+        <p:nvSpPr>
+          <p:cNvPr id="189" name="Rectangle 188">
+            <a:extLst>
+              <a:ext uri="{FF2B5EF4-FFF2-40B4-BE49-F238E27FC236}">
+                <a16:creationId xmlns:a16="http://schemas.microsoft.com/office/drawing/2014/main" id="{609AF6DF-BB66-41AD-AAFF-4B2CF37F1A25}"/>
+              </a:ext>
+              <a:ext uri="{C183D7F6-B498-43B3-948B-1728B52AA6E4}">
+                <adec:decorative xmlns:adec="http://schemas.microsoft.com/office/drawing/2017/decorative" val="1"/>
+              </a:ext>
+            </a:extLst>
+          </p:cNvPr>
+          <p:cNvSpPr>
+            <a:spLocks noGrp="1" noRot="1" noChangeAspect="1" noMove="1" noResize="1" noEditPoints="1" noAdjustHandles="1" noChangeArrowheads="1" noChangeShapeType="1" noTextEdit="1"/>
+          </p:cNvSpPr>
+          <p:nvPr>
+            <p:extLst>
+              <p:ext uri="{386F3935-93C4-4BCD-93E2-E3B085C9AB24}">
+                <p16:designElem xmlns:p16="http://schemas.microsoft.com/office/powerpoint/2015/main" val="1"/>
+              </p:ext>
+            </p:extLst>
+          </p:nvPr>
+        </p:nvSpPr>
+        <p:spPr>
+          <a:xfrm>
+            <a:off x="799087" y="5820583"/>
+            <a:ext cx="10597896" cy="80683"/>
+          </a:xfrm>
+          <a:prstGeom prst="rect">
+            <a:avLst/>
+          </a:prstGeom>
+          <a:blipFill dpi="0" rotWithShape="1">
+            <a:blip r:embed="rId2">
+              <a:alphaModFix amt="85000"/>
+              <a:lum bright="70000" contrast="-70000"/>
+              <a:extLst>
+                <a:ext uri="{BEBA8EAE-BF5A-486C-A8C5-ECC9F3942E4B}">
+                  <a14:imgProps xmlns:a14="http://schemas.microsoft.com/office/drawing/2010/main">
+                    <a14:imgLayer r:embed="rId3">
+                      <a14:imgEffect>
+                        <a14:sharpenSoften amount="61000"/>
+                      </a14:imgEffect>
+                    </a14:imgLayer>
+                  </a14:imgProps>
+                </a:ext>
+                <a:ext uri="{28A0092B-C50C-407E-A947-70E740481C1C}">
+                  <a14:useLocalDpi xmlns:a14="http://schemas.microsoft.com/office/drawing/2010/main" val="0"/>
+                </a:ext>
+              </a:extLst>
+            </a:blip>
+            <a:srcRect/>
+            <a:tile tx="0" ty="-762000" sx="92000" sy="89000" flip="xy" algn="ctr"/>
+          </a:blipFill>
+          <a:ln>
+            <a:noFill/>
+          </a:ln>
+        </p:spPr>
+        <p:style>
+          <a:lnRef idx="2">
+            <a:schemeClr val="accent1">
+              <a:shade val="50000"/>
+            </a:schemeClr>
+          </a:lnRef>
+          <a:fillRef idx="1">
+            <a:schemeClr val="accent1"/>
+          </a:fillRef>
+          <a:effectRef idx="0">
+            <a:schemeClr val="accent1"/>
+          </a:effectRef>
+          <a:fontRef idx="minor">
+            <a:schemeClr val="lt1"/>
+          </a:fontRef>
+        </p:style>
+        <p:txBody>
+          <a:bodyPr rtlCol="0" anchor="ctr"/>
+          <a:lstStyle/>
+          <a:p>
+            <a:pPr algn="ctr"/>
+            <a:endParaRPr lang="en-US"/>
+          </a:p>
+        </p:txBody>
+      </p:sp>
+      <p:grpSp>
+        <p:nvGrpSpPr>
+          <p:cNvPr id="191" name="Group 190">
+            <a:extLst>
+              <a:ext uri="{FF2B5EF4-FFF2-40B4-BE49-F238E27FC236}">
+                <a16:creationId xmlns:a16="http://schemas.microsoft.com/office/drawing/2014/main" id="{9C6DACB6-6C32-4382-9C54-2EA21977F34D}"/>
+              </a:ext>
+              <a:ext uri="{C183D7F6-B498-43B3-948B-1728B52AA6E4}">
+                <adec:decorative xmlns:adec="http://schemas.microsoft.com/office/drawing/2017/decorative" val="1"/>
+              </a:ext>
+            </a:extLst>
+          </p:cNvPr>
+          <p:cNvGrpSpPr>
+            <a:grpSpLocks noGrp="1" noUngrp="1" noRot="1" noChangeAspect="1" noMove="1" noResize="1"/>
+          </p:cNvGrpSpPr>
+          <p:nvPr>
+            <p:extLst>
+              <p:ext uri="{386F3935-93C4-4BCD-93E2-E3B085C9AB24}">
+                <p16:designElem xmlns:p16="http://schemas.microsoft.com/office/powerpoint/2015/main" val="1"/>
+              </p:ext>
+            </p:extLst>
+          </p:nvPr>
+        </p:nvGrpSpPr>
+        <p:grpSpPr>
+          <a:xfrm>
+            <a:off x="9731790" y="5477256"/>
+            <a:ext cx="914400" cy="914400"/>
+            <a:chOff x="9685338" y="4460675"/>
+            <a:chExt cx="1080904" cy="1080902"/>
+          </a:xfrm>
+        </p:grpSpPr>
+        <p:sp>
+          <p:nvSpPr>
+            <p:cNvPr id="245" name="Oval 244">
+              <a:extLst>
+                <a:ext uri="{FF2B5EF4-FFF2-40B4-BE49-F238E27FC236}">
+                  <a16:creationId xmlns:a16="http://schemas.microsoft.com/office/drawing/2014/main" id="{D389BFCA-D695-4FB6-A90C-0D7549676DC3}"/>
+                </a:ext>
+                <a:ext uri="{C183D7F6-B498-43B3-948B-1728B52AA6E4}">
+                  <adec:decorative xmlns:adec="http://schemas.microsoft.com/office/drawing/2017/decorative" val="1"/>
+                </a:ext>
+              </a:extLst>
+            </p:cNvPr>
+            <p:cNvSpPr/>
+            <p:nvPr>
+              <p:extLst>
+                <p:ext uri="{386F3935-93C4-4BCD-93E2-E3B085C9AB24}">
+                  <p16:designElem xmlns:p16="http://schemas.microsoft.com/office/powerpoint/2015/main" val="1"/>
+                </p:ext>
+              </p:extLst>
+            </p:nvPr>
+          </p:nvSpPr>
+          <p:spPr>
+            <a:xfrm>
+              <a:off x="9685338" y="4460675"/>
+              <a:ext cx="1080904" cy="1080902"/>
+            </a:xfrm>
+            <a:prstGeom prst="ellipse">
+              <a:avLst/>
+            </a:prstGeom>
+            <a:blipFill dpi="0" rotWithShape="1">
+              <a:blip r:embed="rId4">
+                <a:duotone>
+                  <a:schemeClr val="accent1">
+                    <a:shade val="45000"/>
+                    <a:satMod val="135000"/>
+                  </a:schemeClr>
+                  <a:prstClr val="white"/>
+                </a:duotone>
+              </a:blip>
+              <a:srcRect/>
+              <a:tile tx="0" ty="0" sx="85000" sy="85000" flip="none" algn="tl"/>
+            </a:blipFill>
+            <a:ln w="25400" cap="flat" cmpd="sng" algn="ctr">
+              <a:noFill/>
+              <a:prstDash val="solid"/>
+            </a:ln>
+            <a:effectLst/>
+          </p:spPr>
+          <p:txBody>
+            <a:bodyPr lIns="0" tIns="0" rIns="0" bIns="0" rtlCol="0" anchor="ctr"/>
+            <a:lstStyle/>
+            <a:p>
+              <a:pPr marL="0" marR="0" lvl="0" indent="0" algn="ctr" defTabSz="914400" eaLnBrk="1" fontAlgn="auto" latinLnBrk="0" hangingPunct="1">
+                <a:lnSpc>
+                  <a:spcPct val="100000"/>
+                </a:lnSpc>
+                <a:spcBef>
+                  <a:spcPts val="0"/>
+                </a:spcBef>
+                <a:spcAft>
+                  <a:spcPts val="0"/>
+                </a:spcAft>
+                <a:buClrTx/>
+                <a:buSzTx/>
+                <a:buFontTx/>
+                <a:buNone/>
+                <a:tabLst/>
+                <a:defRPr/>
+              </a:pPr>
+              <a:endParaRPr kumimoji="0" lang="en-US" sz="2000" b="0" i="0" u="none" strike="noStrike" kern="0" cap="none" spc="0" normalizeH="0" baseline="0" noProof="0" dirty="0">
+                <a:ln>
+                  <a:noFill/>
+                </a:ln>
+                <a:solidFill>
+                  <a:prstClr val="white"/>
+                </a:solidFill>
+                <a:effectLst/>
+                <a:uLnTx/>
+                <a:uFillTx/>
+                <a:latin typeface="Rockwell Extra Bold" pitchFamily="18" charset="0"/>
+                <a:ea typeface="+mn-ea"/>
+                <a:cs typeface="+mn-cs"/>
+              </a:endParaRPr>
+            </a:p>
+          </p:txBody>
+        </p:sp>
+        <p:sp>
+          <p:nvSpPr>
+            <p:cNvPr id="246" name="Oval 245">
               <a:extLst>
                 <a:ext uri="{FF2B5EF4-FFF2-40B4-BE49-F238E27FC236}">
                   <a16:creationId xmlns:a16="http://schemas.microsoft.com/office/drawing/2014/main" id="{4F7E4C9C-591E-4C54-9ECF-96F50A57BBBE}"/>

--- a/projects_ppts/Nand2Tetris_Project_01.pptx
+++ b/projects_ppts/Nand2Tetris_Project_01.pptx
@@ -22,6 +22,13 @@
     <p:sldId id="267" r:id="rId16"/>
     <p:sldId id="271" r:id="rId17"/>
     <p:sldId id="266" r:id="rId18"/>
+    <p:sldId id="273" r:id="rId19"/>
+    <p:sldId id="274" r:id="rId20"/>
+    <p:sldId id="275" r:id="rId21"/>
+    <p:sldId id="276" r:id="rId22"/>
+    <p:sldId id="279" r:id="rId23"/>
+    <p:sldId id="277" r:id="rId24"/>
+    <p:sldId id="278" r:id="rId25"/>
   </p:sldIdLst>
   <p:sldSz cx="12192000" cy="6858000"/>
   <p:notesSz cx="6858000" cy="9144000"/>
@@ -640,7 +647,7 @@
           <a:p>
             <a:fld id="{83284890-85D2-4D7B-8EF5-15A9C1DB8F42}" type="datetimeFigureOut">
               <a:rPr lang="en-US" smtClean="0"/>
-              <a:t>1/27/2021</a:t>
+              <a:t>1/28/2021</a:t>
             </a:fld>
             <a:endParaRPr lang="en-US"/>
           </a:p>
@@ -818,7 +825,7 @@
           <a:p>
             <a:fld id="{87157CC2-0FC8-4686-B024-99790E0F5162}" type="datetimeFigureOut">
               <a:rPr lang="en-US" smtClean="0"/>
-              <a:t>1/27/2021</a:t>
+              <a:t>1/28/2021</a:t>
             </a:fld>
             <a:endParaRPr lang="en-US"/>
           </a:p>
@@ -998,7 +1005,7 @@
           <a:p>
             <a:fld id="{F6764DA5-CD3D-4590-A511-FCD3BC7A793E}" type="datetimeFigureOut">
               <a:rPr lang="en-US" smtClean="0"/>
-              <a:t>1/27/2021</a:t>
+              <a:t>1/28/2021</a:t>
             </a:fld>
             <a:endParaRPr lang="en-US"/>
           </a:p>
@@ -1168,7 +1175,7 @@
           <a:p>
             <a:fld id="{82F5661D-6934-4B32-B92C-470368BF1EC6}" type="datetimeFigureOut">
               <a:rPr lang="en-US" smtClean="0"/>
-              <a:t>1/27/2021</a:t>
+              <a:t>1/28/2021</a:t>
             </a:fld>
             <a:endParaRPr lang="en-US"/>
           </a:p>
@@ -1489,7 +1496,7 @@
           <a:p>
             <a:fld id="{C6F822A4-8DA6-4447-9B1F-C5DB58435268}" type="datetimeFigureOut">
               <a:rPr lang="en-US" smtClean="0"/>
-              <a:t>1/27/2021</a:t>
+              <a:t>1/28/2021</a:t>
             </a:fld>
             <a:endParaRPr lang="en-US" dirty="0"/>
           </a:p>
@@ -1950,7 +1957,7 @@
           <a:p>
             <a:fld id="{E548D31E-DCDA-41A7-9C67-C4B11B94D21D}" type="datetimeFigureOut">
               <a:rPr lang="en-US" smtClean="0"/>
-              <a:t>1/27/2021</a:t>
+              <a:t>1/28/2021</a:t>
             </a:fld>
             <a:endParaRPr lang="en-US"/>
           </a:p>
@@ -2361,7 +2368,7 @@
           <a:p>
             <a:fld id="{9B3762C0-B258-48F1-ADE6-176B4174CCDD}" type="datetimeFigureOut">
               <a:rPr lang="en-US" smtClean="0"/>
-              <a:t>1/27/2021</a:t>
+              <a:t>1/28/2021</a:t>
             </a:fld>
             <a:endParaRPr lang="en-US"/>
           </a:p>
@@ -2479,7 +2486,7 @@
           <a:p>
             <a:fld id="{677919A6-33EB-49BD-A62F-1FA56B9F9712}" type="datetimeFigureOut">
               <a:rPr lang="en-US" smtClean="0"/>
-              <a:t>1/27/2021</a:t>
+              <a:t>1/28/2021</a:t>
             </a:fld>
             <a:endParaRPr lang="en-US"/>
           </a:p>
@@ -2596,7 +2603,7 @@
           <a:p>
             <a:fld id="{CA4E7D1B-D673-4CF6-8672-009D42ABD2A0}" type="datetimeFigureOut">
               <a:rPr lang="en-US" smtClean="0"/>
-              <a:t>1/27/2021</a:t>
+              <a:t>1/28/2021</a:t>
             </a:fld>
             <a:endParaRPr lang="en-US"/>
           </a:p>
@@ -2954,7 +2961,7 @@
           <a:p>
             <a:fld id="{DA16AA21-1863-4931-97CB-99D0A168701B}" type="datetimeFigureOut">
               <a:rPr lang="en-US" smtClean="0"/>
-              <a:t>1/27/2021</a:t>
+              <a:t>1/28/2021</a:t>
             </a:fld>
             <a:endParaRPr lang="en-US"/>
           </a:p>
@@ -3461,7 +3468,7 @@
           <a:p>
             <a:fld id="{3772C379-9A7C-4C87-A116-CBE9F58B04C5}" type="datetimeFigureOut">
               <a:rPr lang="en-US" smtClean="0"/>
-              <a:t>1/27/2021</a:t>
+              <a:t>1/28/2021</a:t>
             </a:fld>
             <a:endParaRPr lang="en-US"/>
           </a:p>
@@ -3816,7 +3823,7 @@
           <a:p>
             <a:fld id="{8664C608-40B1-4030-A28D-5B74BC98ADCE}" type="datetimeFigureOut">
               <a:rPr lang="en-US" smtClean="0"/>
-              <a:t>1/27/2021</a:t>
+              <a:t>1/28/2021</a:t>
             </a:fld>
             <a:endParaRPr lang="en-US" dirty="0"/>
           </a:p>
@@ -11029,6 +11036,1134 @@
 </p:sld>
 </file>
 
+<file path=ppt/slides/slide18.xml><?xml version="1.0" encoding="utf-8"?>
+<p:sld xmlns:a="http://schemas.openxmlformats.org/drawingml/2006/main" xmlns:r="http://schemas.openxmlformats.org/officeDocument/2006/relationships" xmlns:p="http://schemas.openxmlformats.org/presentationml/2006/main">
+  <p:cSld>
+    <p:bg>
+      <p:bgPr>
+        <a:solidFill>
+          <a:schemeClr val="bg1"/>
+        </a:solidFill>
+        <a:effectLst/>
+      </p:bgPr>
+    </p:bg>
+    <p:spTree>
+      <p:nvGrpSpPr>
+        <p:cNvPr id="1" name=""/>
+        <p:cNvGrpSpPr/>
+        <p:nvPr/>
+      </p:nvGrpSpPr>
+      <p:grpSpPr>
+        <a:xfrm>
+          <a:off x="0" y="0"/>
+          <a:ext cx="0" cy="0"/>
+          <a:chOff x="0" y="0"/>
+          <a:chExt cx="0" cy="0"/>
+        </a:xfrm>
+      </p:grpSpPr>
+      <p:sp>
+        <p:nvSpPr>
+          <p:cNvPr id="10" name="Rectangle 12">
+            <a:extLst>
+              <a:ext uri="{FF2B5EF4-FFF2-40B4-BE49-F238E27FC236}">
+                <a16:creationId xmlns:a16="http://schemas.microsoft.com/office/drawing/2014/main" id="{DCC0DCE3-8753-43BB-86D2-6452D91E4179}"/>
+              </a:ext>
+              <a:ext uri="{C183D7F6-B498-43B3-948B-1728B52AA6E4}">
+                <adec:decorative xmlns:adec="http://schemas.microsoft.com/office/drawing/2017/decorative" val="1"/>
+              </a:ext>
+            </a:extLst>
+          </p:cNvPr>
+          <p:cNvSpPr>
+            <a:spLocks noGrp="1" noRot="1" noChangeAspect="1" noMove="1" noResize="1" noEditPoints="1" noAdjustHandles="1" noChangeArrowheads="1" noChangeShapeType="1" noTextEdit="1"/>
+          </p:cNvSpPr>
+          <p:nvPr>
+            <p:extLst>
+              <p:ext uri="{386F3935-93C4-4BCD-93E2-E3B085C9AB24}">
+                <p16:designElem xmlns:p16="http://schemas.microsoft.com/office/powerpoint/2015/main" val="1"/>
+              </p:ext>
+            </p:extLst>
+          </p:nvPr>
+        </p:nvSpPr>
+        <p:spPr>
+          <a:xfrm>
+            <a:off x="920834" y="1346946"/>
+            <a:ext cx="10222992" cy="80683"/>
+          </a:xfrm>
+          <a:prstGeom prst="rect">
+            <a:avLst/>
+          </a:prstGeom>
+          <a:blipFill dpi="0" rotWithShape="1">
+            <a:blip r:embed="rId2">
+              <a:alphaModFix amt="85000"/>
+              <a:lum bright="70000" contrast="-70000"/>
+              <a:extLst>
+                <a:ext uri="{BEBA8EAE-BF5A-486C-A8C5-ECC9F3942E4B}">
+                  <a14:imgProps xmlns:a14="http://schemas.microsoft.com/office/drawing/2010/main">
+                    <a14:imgLayer r:embed="rId3">
+                      <a14:imgEffect>
+                        <a14:sharpenSoften amount="61000"/>
+                      </a14:imgEffect>
+                    </a14:imgLayer>
+                  </a14:imgProps>
+                </a:ext>
+                <a:ext uri="{28A0092B-C50C-407E-A947-70E740481C1C}">
+                  <a14:useLocalDpi xmlns:a14="http://schemas.microsoft.com/office/drawing/2010/main" val="0"/>
+                </a:ext>
+              </a:extLst>
+            </a:blip>
+            <a:srcRect/>
+            <a:tile tx="0" ty="-762000" sx="92000" sy="89000" flip="xy" algn="ctr"/>
+          </a:blipFill>
+          <a:ln>
+            <a:noFill/>
+          </a:ln>
+        </p:spPr>
+        <p:style>
+          <a:lnRef idx="2">
+            <a:schemeClr val="accent1">
+              <a:shade val="50000"/>
+            </a:schemeClr>
+          </a:lnRef>
+          <a:fillRef idx="1">
+            <a:schemeClr val="accent1"/>
+          </a:fillRef>
+          <a:effectRef idx="0">
+            <a:schemeClr val="accent1"/>
+          </a:effectRef>
+          <a:fontRef idx="minor">
+            <a:schemeClr val="lt1"/>
+          </a:fontRef>
+        </p:style>
+        <p:txBody>
+          <a:bodyPr rtlCol="0" anchor="ctr"/>
+          <a:lstStyle/>
+          <a:p>
+            <a:pPr algn="ctr"/>
+            <a:endParaRPr lang="en-US"/>
+          </a:p>
+        </p:txBody>
+      </p:sp>
+      <p:sp>
+        <p:nvSpPr>
+          <p:cNvPr id="15" name="Rectangle 14">
+            <a:extLst>
+              <a:ext uri="{FF2B5EF4-FFF2-40B4-BE49-F238E27FC236}">
+                <a16:creationId xmlns:a16="http://schemas.microsoft.com/office/drawing/2014/main" id="{D28BC7A6-65CA-4655-8641-7BDE9699BF93}"/>
+              </a:ext>
+              <a:ext uri="{C183D7F6-B498-43B3-948B-1728B52AA6E4}">
+                <adec:decorative xmlns:adec="http://schemas.microsoft.com/office/drawing/2017/decorative" val="1"/>
+              </a:ext>
+            </a:extLst>
+          </p:cNvPr>
+          <p:cNvSpPr>
+            <a:spLocks noGrp="1" noRot="1" noChangeAspect="1" noMove="1" noResize="1" noEditPoints="1" noAdjustHandles="1" noChangeArrowheads="1" noChangeShapeType="1" noTextEdit="1"/>
+          </p:cNvSpPr>
+          <p:nvPr>
+            <p:extLst>
+              <p:ext uri="{386F3935-93C4-4BCD-93E2-E3B085C9AB24}">
+                <p16:designElem xmlns:p16="http://schemas.microsoft.com/office/powerpoint/2015/main" val="1"/>
+              </p:ext>
+            </p:extLst>
+          </p:nvPr>
+        </p:nvSpPr>
+        <p:spPr>
+          <a:xfrm>
+            <a:off x="920834" y="4299696"/>
+            <a:ext cx="10222992" cy="80683"/>
+          </a:xfrm>
+          <a:prstGeom prst="rect">
+            <a:avLst/>
+          </a:prstGeom>
+          <a:blipFill dpi="0" rotWithShape="1">
+            <a:blip r:embed="rId2">
+              <a:alphaModFix amt="85000"/>
+              <a:lum bright="70000" contrast="-70000"/>
+              <a:extLst>
+                <a:ext uri="{BEBA8EAE-BF5A-486C-A8C5-ECC9F3942E4B}">
+                  <a14:imgProps xmlns:a14="http://schemas.microsoft.com/office/drawing/2010/main">
+                    <a14:imgLayer r:embed="rId3">
+                      <a14:imgEffect>
+                        <a14:sharpenSoften amount="61000"/>
+                      </a14:imgEffect>
+                    </a14:imgLayer>
+                  </a14:imgProps>
+                </a:ext>
+                <a:ext uri="{28A0092B-C50C-407E-A947-70E740481C1C}">
+                  <a14:useLocalDpi xmlns:a14="http://schemas.microsoft.com/office/drawing/2010/main" val="0"/>
+                </a:ext>
+              </a:extLst>
+            </a:blip>
+            <a:srcRect/>
+            <a:tile tx="0" ty="-717550" sx="92000" sy="89000" flip="xy" algn="ctr"/>
+          </a:blipFill>
+          <a:ln>
+            <a:noFill/>
+          </a:ln>
+        </p:spPr>
+        <p:style>
+          <a:lnRef idx="2">
+            <a:schemeClr val="accent1">
+              <a:shade val="50000"/>
+            </a:schemeClr>
+          </a:lnRef>
+          <a:fillRef idx="1">
+            <a:schemeClr val="accent1"/>
+          </a:fillRef>
+          <a:effectRef idx="0">
+            <a:schemeClr val="accent1"/>
+          </a:effectRef>
+          <a:fontRef idx="minor">
+            <a:schemeClr val="lt1"/>
+          </a:fontRef>
+        </p:style>
+        <p:txBody>
+          <a:bodyPr rtlCol="0" anchor="ctr"/>
+          <a:lstStyle/>
+          <a:p>
+            <a:pPr algn="ctr"/>
+            <a:endParaRPr lang="en-US"/>
+          </a:p>
+        </p:txBody>
+      </p:sp>
+      <p:sp>
+        <p:nvSpPr>
+          <p:cNvPr id="17" name="Rectangle 16">
+            <a:extLst>
+              <a:ext uri="{FF2B5EF4-FFF2-40B4-BE49-F238E27FC236}">
+                <a16:creationId xmlns:a16="http://schemas.microsoft.com/office/drawing/2014/main" id="{58755CF4-45A8-4971-A14E-D6DE02B48273}"/>
+              </a:ext>
+              <a:ext uri="{C183D7F6-B498-43B3-948B-1728B52AA6E4}">
+                <adec:decorative xmlns:adec="http://schemas.microsoft.com/office/drawing/2017/decorative" val="1"/>
+              </a:ext>
+            </a:extLst>
+          </p:cNvPr>
+          <p:cNvSpPr>
+            <a:spLocks noGrp="1" noRot="1" noChangeAspect="1" noMove="1" noResize="1" noEditPoints="1" noAdjustHandles="1" noChangeArrowheads="1" noChangeShapeType="1" noTextEdit="1"/>
+          </p:cNvSpPr>
+          <p:nvPr>
+            <p:extLst>
+              <p:ext uri="{386F3935-93C4-4BCD-93E2-E3B085C9AB24}">
+                <p16:designElem xmlns:p16="http://schemas.microsoft.com/office/powerpoint/2015/main" val="1"/>
+              </p:ext>
+            </p:extLst>
+          </p:nvPr>
+        </p:nvSpPr>
+        <p:spPr>
+          <a:xfrm>
+            <a:off x="920834" y="1484779"/>
+            <a:ext cx="10222992" cy="2743200"/>
+          </a:xfrm>
+          <a:prstGeom prst="rect">
+            <a:avLst/>
+          </a:prstGeom>
+          <a:blipFill dpi="0" rotWithShape="1">
+            <a:blip r:embed="rId2">
+              <a:alphaModFix amt="85000"/>
+              <a:lum bright="70000" contrast="-70000"/>
+              <a:extLst>
+                <a:ext uri="{BEBA8EAE-BF5A-486C-A8C5-ECC9F3942E4B}">
+                  <a14:imgProps xmlns:a14="http://schemas.microsoft.com/office/drawing/2010/main">
+                    <a14:imgLayer r:embed="rId3">
+                      <a14:imgEffect>
+                        <a14:sharpenSoften amount="61000"/>
+                      </a14:imgEffect>
+                    </a14:imgLayer>
+                  </a14:imgProps>
+                </a:ext>
+                <a:ext uri="{28A0092B-C50C-407E-A947-70E740481C1C}">
+                  <a14:useLocalDpi xmlns:a14="http://schemas.microsoft.com/office/drawing/2010/main" val="0"/>
+                </a:ext>
+              </a:extLst>
+            </a:blip>
+            <a:srcRect/>
+            <a:tile tx="0" ty="-704850" sx="92000" sy="89000" flip="xy" algn="ctr"/>
+          </a:blipFill>
+          <a:ln>
+            <a:noFill/>
+          </a:ln>
+        </p:spPr>
+        <p:style>
+          <a:lnRef idx="2">
+            <a:schemeClr val="accent1">
+              <a:shade val="50000"/>
+            </a:schemeClr>
+          </a:lnRef>
+          <a:fillRef idx="1">
+            <a:schemeClr val="accent1"/>
+          </a:fillRef>
+          <a:effectRef idx="0">
+            <a:schemeClr val="accent1"/>
+          </a:effectRef>
+          <a:fontRef idx="minor">
+            <a:schemeClr val="lt1"/>
+          </a:fontRef>
+        </p:style>
+        <p:txBody>
+          <a:bodyPr rtlCol="0" anchor="ctr"/>
+          <a:lstStyle/>
+          <a:p>
+            <a:pPr algn="ctr"/>
+            <a:endParaRPr lang="en-US"/>
+          </a:p>
+        </p:txBody>
+      </p:sp>
+      <p:grpSp>
+        <p:nvGrpSpPr>
+          <p:cNvPr id="19" name="Group 18">
+            <a:extLst>
+              <a:ext uri="{FF2B5EF4-FFF2-40B4-BE49-F238E27FC236}">
+                <a16:creationId xmlns:a16="http://schemas.microsoft.com/office/drawing/2014/main" id="{421F62D5-850C-4310-A813-747E4643379A}"/>
+              </a:ext>
+              <a:ext uri="{C183D7F6-B498-43B3-948B-1728B52AA6E4}">
+                <adec:decorative xmlns:adec="http://schemas.microsoft.com/office/drawing/2017/decorative" val="1"/>
+              </a:ext>
+            </a:extLst>
+          </p:cNvPr>
+          <p:cNvGrpSpPr>
+            <a:grpSpLocks noGrp="1" noUngrp="1" noRot="1" noChangeAspect="1" noMove="1" noResize="1"/>
+          </p:cNvGrpSpPr>
+          <p:nvPr>
+            <p:extLst>
+              <p:ext uri="{386F3935-93C4-4BCD-93E2-E3B085C9AB24}">
+                <p16:designElem xmlns:p16="http://schemas.microsoft.com/office/powerpoint/2015/main" val="1"/>
+              </p:ext>
+            </p:extLst>
+          </p:nvPr>
+        </p:nvGrpSpPr>
+        <p:grpSpPr>
+          <a:xfrm>
+            <a:off x="9649215" y="4068923"/>
+            <a:ext cx="1080904" cy="1080902"/>
+            <a:chOff x="9685338" y="4460675"/>
+            <a:chExt cx="1080904" cy="1080902"/>
+          </a:xfrm>
+        </p:grpSpPr>
+        <p:sp>
+          <p:nvSpPr>
+            <p:cNvPr id="20" name="Oval 19">
+              <a:extLst>
+                <a:ext uri="{FF2B5EF4-FFF2-40B4-BE49-F238E27FC236}">
+                  <a16:creationId xmlns:a16="http://schemas.microsoft.com/office/drawing/2014/main" id="{CAD4B505-4A68-456B-9AFD-344192BE94E9}"/>
+                </a:ext>
+                <a:ext uri="{C183D7F6-B498-43B3-948B-1728B52AA6E4}">
+                  <adec:decorative xmlns:adec="http://schemas.microsoft.com/office/drawing/2017/decorative" val="1"/>
+                </a:ext>
+              </a:extLst>
+            </p:cNvPr>
+            <p:cNvSpPr/>
+            <p:nvPr>
+              <p:extLst>
+                <p:ext uri="{386F3935-93C4-4BCD-93E2-E3B085C9AB24}">
+                  <p16:designElem xmlns:p16="http://schemas.microsoft.com/office/powerpoint/2015/main" val="1"/>
+                </p:ext>
+              </p:extLst>
+            </p:nvPr>
+          </p:nvSpPr>
+          <p:spPr>
+            <a:xfrm>
+              <a:off x="9685338" y="4460675"/>
+              <a:ext cx="1080904" cy="1080902"/>
+            </a:xfrm>
+            <a:prstGeom prst="ellipse">
+              <a:avLst/>
+            </a:prstGeom>
+            <a:blipFill dpi="0" rotWithShape="1">
+              <a:blip r:embed="rId4">
+                <a:duotone>
+                  <a:schemeClr val="accent1">
+                    <a:shade val="45000"/>
+                    <a:satMod val="135000"/>
+                  </a:schemeClr>
+                  <a:prstClr val="white"/>
+                </a:duotone>
+                <a:extLst>
+                  <a:ext uri="{BEBA8EAE-BF5A-486C-A8C5-ECC9F3942E4B}">
+                    <a14:imgProps xmlns:a14="http://schemas.microsoft.com/office/drawing/2010/main">
+                      <a14:imgLayer r:embed="rId5">
+                        <a14:imgEffect>
+                          <a14:saturation sat="95000"/>
+                        </a14:imgEffect>
+                      </a14:imgLayer>
+                    </a14:imgProps>
+                  </a:ext>
+                </a:extLst>
+              </a:blip>
+              <a:srcRect/>
+              <a:tile tx="0" ty="0" sx="85000" sy="85000" flip="none" algn="tl"/>
+            </a:blipFill>
+            <a:ln w="25400" cap="flat" cmpd="sng" algn="ctr">
+              <a:noFill/>
+              <a:prstDash val="solid"/>
+            </a:ln>
+            <a:effectLst/>
+          </p:spPr>
+          <p:txBody>
+            <a:bodyPr lIns="0" tIns="0" rIns="0" bIns="0" rtlCol="0" anchor="ctr"/>
+            <a:lstStyle/>
+            <a:p>
+              <a:pPr marL="0" marR="0" lvl="0" indent="0" algn="ctr" defTabSz="914400" eaLnBrk="1" fontAlgn="auto" latinLnBrk="0" hangingPunct="1">
+                <a:lnSpc>
+                  <a:spcPct val="100000"/>
+                </a:lnSpc>
+                <a:spcBef>
+                  <a:spcPts val="0"/>
+                </a:spcBef>
+                <a:spcAft>
+                  <a:spcPts val="0"/>
+                </a:spcAft>
+                <a:buClrTx/>
+                <a:buSzTx/>
+                <a:buFontTx/>
+                <a:buNone/>
+                <a:tabLst/>
+                <a:defRPr/>
+              </a:pPr>
+              <a:endParaRPr kumimoji="0" lang="en-US" sz="2000" b="0" i="0" u="none" strike="noStrike" kern="0" cap="none" spc="0" normalizeH="0" baseline="0" noProof="0" dirty="0">
+                <a:ln>
+                  <a:noFill/>
+                </a:ln>
+                <a:solidFill>
+                  <a:prstClr val="white"/>
+                </a:solidFill>
+                <a:effectLst/>
+                <a:uLnTx/>
+                <a:uFillTx/>
+                <a:latin typeface="Rockwell Extra Bold" pitchFamily="18" charset="0"/>
+                <a:ea typeface="+mn-ea"/>
+                <a:cs typeface="+mn-cs"/>
+              </a:endParaRPr>
+            </a:p>
+          </p:txBody>
+        </p:sp>
+        <p:sp>
+          <p:nvSpPr>
+            <p:cNvPr id="12" name="Oval 20">
+              <a:extLst>
+                <a:ext uri="{FF2B5EF4-FFF2-40B4-BE49-F238E27FC236}">
+                  <a16:creationId xmlns:a16="http://schemas.microsoft.com/office/drawing/2014/main" id="{A7F9A339-5395-403B-B163-DFDDD9E099F2}"/>
+                </a:ext>
+                <a:ext uri="{C183D7F6-B498-43B3-948B-1728B52AA6E4}">
+                  <adec:decorative xmlns:adec="http://schemas.microsoft.com/office/drawing/2017/decorative" val="1"/>
+                </a:ext>
+              </a:extLst>
+            </p:cNvPr>
+            <p:cNvSpPr/>
+            <p:nvPr>
+              <p:extLst>
+                <p:ext uri="{386F3935-93C4-4BCD-93E2-E3B085C9AB24}">
+                  <p16:designElem xmlns:p16="http://schemas.microsoft.com/office/powerpoint/2015/main" val="1"/>
+                </p:ext>
+              </p:extLst>
+            </p:nvPr>
+          </p:nvSpPr>
+          <p:spPr>
+            <a:xfrm>
+              <a:off x="9793429" y="4568765"/>
+              <a:ext cx="864723" cy="864722"/>
+            </a:xfrm>
+            <a:prstGeom prst="ellipse">
+              <a:avLst/>
+            </a:prstGeom>
+            <a:noFill/>
+            <a:ln w="25400" cap="flat" cmpd="sng" algn="ctr">
+              <a:solidFill>
+                <a:sysClr val="window" lastClr="FFFFFF"/>
+              </a:solidFill>
+              <a:prstDash val="solid"/>
+            </a:ln>
+            <a:effectLst/>
+          </p:spPr>
+          <p:txBody>
+            <a:bodyPr rtlCol="0" anchor="ctr"/>
+            <a:lstStyle/>
+            <a:p>
+              <a:pPr marL="0" marR="0" lvl="0" indent="0" algn="ctr" defTabSz="914400" eaLnBrk="1" fontAlgn="auto" latinLnBrk="0" hangingPunct="1">
+                <a:lnSpc>
+                  <a:spcPct val="100000"/>
+                </a:lnSpc>
+                <a:spcBef>
+                  <a:spcPts val="0"/>
+                </a:spcBef>
+                <a:spcAft>
+                  <a:spcPts val="0"/>
+                </a:spcAft>
+                <a:buClrTx/>
+                <a:buSzTx/>
+                <a:buFontTx/>
+                <a:buNone/>
+                <a:tabLst/>
+                <a:defRPr/>
+              </a:pPr>
+              <a:endParaRPr kumimoji="0" lang="en-US" sz="1800" b="0" i="0" u="none" strike="noStrike" kern="0" cap="none" spc="0" normalizeH="0" baseline="0" noProof="0" dirty="0">
+                <a:ln>
+                  <a:noFill/>
+                </a:ln>
+                <a:solidFill>
+                  <a:prstClr val="white"/>
+                </a:solidFill>
+                <a:effectLst/>
+                <a:uLnTx/>
+                <a:uFillTx/>
+                <a:latin typeface="Calibri"/>
+                <a:ea typeface="+mn-ea"/>
+                <a:cs typeface="+mn-cs"/>
+              </a:endParaRPr>
+            </a:p>
+          </p:txBody>
+        </p:sp>
+      </p:grpSp>
+      <p:sp>
+        <p:nvSpPr>
+          <p:cNvPr id="14" name="Rectangle 22">
+            <a:extLst>
+              <a:ext uri="{FF2B5EF4-FFF2-40B4-BE49-F238E27FC236}">
+                <a16:creationId xmlns:a16="http://schemas.microsoft.com/office/drawing/2014/main" id="{0459C7A8-9F3A-4BFD-AB69-3F23A8D94179}"/>
+              </a:ext>
+              <a:ext uri="{C183D7F6-B498-43B3-948B-1728B52AA6E4}">
+                <adec:decorative xmlns:adec="http://schemas.microsoft.com/office/drawing/2017/decorative" val="1"/>
+              </a:ext>
+            </a:extLst>
+          </p:cNvPr>
+          <p:cNvSpPr>
+            <a:spLocks noGrp="1" noRot="1" noChangeAspect="1" noMove="1" noResize="1" noEditPoints="1" noAdjustHandles="1" noChangeArrowheads="1" noChangeShapeType="1" noTextEdit="1"/>
+          </p:cNvSpPr>
+          <p:nvPr>
+            <p:extLst>
+              <p:ext uri="{386F3935-93C4-4BCD-93E2-E3B085C9AB24}">
+                <p16:designElem xmlns:p16="http://schemas.microsoft.com/office/powerpoint/2015/main" val="1"/>
+              </p:ext>
+            </p:extLst>
+          </p:nvPr>
+        </p:nvSpPr>
+        <p:spPr bwMode="white">
+          <a:xfrm>
+            <a:off x="-7620" y="-1"/>
+            <a:ext cx="12207240" cy="6858001"/>
+          </a:xfrm>
+          <a:prstGeom prst="rect">
+            <a:avLst/>
+          </a:prstGeom>
+          <a:solidFill>
+            <a:schemeClr val="bg1"/>
+          </a:solidFill>
+          <a:ln>
+            <a:noFill/>
+          </a:ln>
+        </p:spPr>
+        <p:style>
+          <a:lnRef idx="2">
+            <a:schemeClr val="accent1">
+              <a:shade val="50000"/>
+            </a:schemeClr>
+          </a:lnRef>
+          <a:fillRef idx="1">
+            <a:schemeClr val="accent1"/>
+          </a:fillRef>
+          <a:effectRef idx="0">
+            <a:schemeClr val="accent1"/>
+          </a:effectRef>
+          <a:fontRef idx="minor">
+            <a:schemeClr val="lt1"/>
+          </a:fontRef>
+        </p:style>
+        <p:txBody>
+          <a:bodyPr rot="0" spcFirstLastPara="0" vert="horz" wrap="square" lIns="91440" tIns="45720" rIns="91440" bIns="45720" numCol="1" spcCol="0" rtlCol="0" fromWordArt="0" anchor="ctr" anchorCtr="0" forceAA="0" compatLnSpc="1">
+            <a:prstTxWarp prst="textNoShape">
+              <a:avLst/>
+            </a:prstTxWarp>
+            <a:noAutofit/>
+          </a:bodyPr>
+          <a:lstStyle>
+            <a:defPPr>
+              <a:defRPr lang="en-US"/>
+            </a:defPPr>
+            <a:lvl1pPr marL="0" algn="l" defTabSz="914400" rtl="0" eaLnBrk="1" latinLnBrk="0" hangingPunct="1">
+              <a:defRPr sz="1800" kern="1200">
+                <a:solidFill>
+                  <a:schemeClr val="lt1"/>
+                </a:solidFill>
+                <a:latin typeface="+mn-lt"/>
+                <a:ea typeface="+mn-ea"/>
+                <a:cs typeface="+mn-cs"/>
+              </a:defRPr>
+            </a:lvl1pPr>
+            <a:lvl2pPr marL="457200" algn="l" defTabSz="914400" rtl="0" eaLnBrk="1" latinLnBrk="0" hangingPunct="1">
+              <a:defRPr sz="1800" kern="1200">
+                <a:solidFill>
+                  <a:schemeClr val="lt1"/>
+                </a:solidFill>
+                <a:latin typeface="+mn-lt"/>
+                <a:ea typeface="+mn-ea"/>
+                <a:cs typeface="+mn-cs"/>
+              </a:defRPr>
+            </a:lvl2pPr>
+            <a:lvl3pPr marL="914400" algn="l" defTabSz="914400" rtl="0" eaLnBrk="1" latinLnBrk="0" hangingPunct="1">
+              <a:defRPr sz="1800" kern="1200">
+                <a:solidFill>
+                  <a:schemeClr val="lt1"/>
+                </a:solidFill>
+                <a:latin typeface="+mn-lt"/>
+                <a:ea typeface="+mn-ea"/>
+                <a:cs typeface="+mn-cs"/>
+              </a:defRPr>
+            </a:lvl3pPr>
+            <a:lvl4pPr marL="1371600" algn="l" defTabSz="914400" rtl="0" eaLnBrk="1" latinLnBrk="0" hangingPunct="1">
+              <a:defRPr sz="1800" kern="1200">
+                <a:solidFill>
+                  <a:schemeClr val="lt1"/>
+                </a:solidFill>
+                <a:latin typeface="+mn-lt"/>
+                <a:ea typeface="+mn-ea"/>
+                <a:cs typeface="+mn-cs"/>
+              </a:defRPr>
+            </a:lvl4pPr>
+            <a:lvl5pPr marL="1828800" algn="l" defTabSz="914400" rtl="0" eaLnBrk="1" latinLnBrk="0" hangingPunct="1">
+              <a:defRPr sz="1800" kern="1200">
+                <a:solidFill>
+                  <a:schemeClr val="lt1"/>
+                </a:solidFill>
+                <a:latin typeface="+mn-lt"/>
+                <a:ea typeface="+mn-ea"/>
+                <a:cs typeface="+mn-cs"/>
+              </a:defRPr>
+            </a:lvl5pPr>
+            <a:lvl6pPr marL="2286000" algn="l" defTabSz="914400" rtl="0" eaLnBrk="1" latinLnBrk="0" hangingPunct="1">
+              <a:defRPr sz="1800" kern="1200">
+                <a:solidFill>
+                  <a:schemeClr val="lt1"/>
+                </a:solidFill>
+                <a:latin typeface="+mn-lt"/>
+                <a:ea typeface="+mn-ea"/>
+                <a:cs typeface="+mn-cs"/>
+              </a:defRPr>
+            </a:lvl6pPr>
+            <a:lvl7pPr marL="2743200" algn="l" defTabSz="914400" rtl="0" eaLnBrk="1" latinLnBrk="0" hangingPunct="1">
+              <a:defRPr sz="1800" kern="1200">
+                <a:solidFill>
+                  <a:schemeClr val="lt1"/>
+                </a:solidFill>
+                <a:latin typeface="+mn-lt"/>
+                <a:ea typeface="+mn-ea"/>
+                <a:cs typeface="+mn-cs"/>
+              </a:defRPr>
+            </a:lvl7pPr>
+            <a:lvl8pPr marL="3200400" algn="l" defTabSz="914400" rtl="0" eaLnBrk="1" latinLnBrk="0" hangingPunct="1">
+              <a:defRPr sz="1800" kern="1200">
+                <a:solidFill>
+                  <a:schemeClr val="lt1"/>
+                </a:solidFill>
+                <a:latin typeface="+mn-lt"/>
+                <a:ea typeface="+mn-ea"/>
+                <a:cs typeface="+mn-cs"/>
+              </a:defRPr>
+            </a:lvl8pPr>
+            <a:lvl9pPr marL="3657600" algn="l" defTabSz="914400" rtl="0" eaLnBrk="1" latinLnBrk="0" hangingPunct="1">
+              <a:defRPr sz="1800" kern="1200">
+                <a:solidFill>
+                  <a:schemeClr val="lt1"/>
+                </a:solidFill>
+                <a:latin typeface="+mn-lt"/>
+                <a:ea typeface="+mn-ea"/>
+                <a:cs typeface="+mn-cs"/>
+              </a:defRPr>
+            </a:lvl9pPr>
+          </a:lstStyle>
+          <a:p>
+            <a:pPr algn="ctr"/>
+            <a:endParaRPr lang="en-US"/>
+          </a:p>
+        </p:txBody>
+      </p:sp>
+      <p:sp>
+        <p:nvSpPr>
+          <p:cNvPr id="18" name="Rectangle 24">
+            <a:extLst>
+              <a:ext uri="{FF2B5EF4-FFF2-40B4-BE49-F238E27FC236}">
+                <a16:creationId xmlns:a16="http://schemas.microsoft.com/office/drawing/2014/main" id="{7C0FA09C-1B86-4BC1-8793-3DC3ECCC9F50}"/>
+              </a:ext>
+              <a:ext uri="{C183D7F6-B498-43B3-948B-1728B52AA6E4}">
+                <adec:decorative xmlns:adec="http://schemas.microsoft.com/office/drawing/2017/decorative" val="1"/>
+              </a:ext>
+            </a:extLst>
+          </p:cNvPr>
+          <p:cNvSpPr>
+            <a:spLocks noGrp="1" noRot="1" noChangeAspect="1" noMove="1" noResize="1" noEditPoints="1" noAdjustHandles="1" noChangeArrowheads="1" noChangeShapeType="1" noTextEdit="1"/>
+          </p:cNvSpPr>
+          <p:nvPr>
+            <p:extLst>
+              <p:ext uri="{386F3935-93C4-4BCD-93E2-E3B085C9AB24}">
+                <p16:designElem xmlns:p16="http://schemas.microsoft.com/office/powerpoint/2015/main" val="1"/>
+              </p:ext>
+            </p:extLst>
+          </p:nvPr>
+        </p:nvSpPr>
+        <p:spPr>
+          <a:xfrm>
+            <a:off x="0" y="4257367"/>
+            <a:ext cx="12192000" cy="2610464"/>
+          </a:xfrm>
+          <a:prstGeom prst="rect">
+            <a:avLst/>
+          </a:prstGeom>
+          <a:blipFill dpi="0" rotWithShape="1">
+            <a:blip r:embed="rId2">
+              <a:alphaModFix amt="85000"/>
+              <a:lum bright="70000" contrast="-70000"/>
+              <a:extLst>
+                <a:ext uri="{BEBA8EAE-BF5A-486C-A8C5-ECC9F3942E4B}">
+                  <a14:imgProps xmlns:a14="http://schemas.microsoft.com/office/drawing/2010/main">
+                    <a14:imgLayer r:embed="rId3">
+                      <a14:imgEffect>
+                        <a14:sharpenSoften amount="61000"/>
+                      </a14:imgEffect>
+                    </a14:imgLayer>
+                  </a14:imgProps>
+                </a:ext>
+                <a:ext uri="{28A0092B-C50C-407E-A947-70E740481C1C}">
+                  <a14:useLocalDpi xmlns:a14="http://schemas.microsoft.com/office/drawing/2010/main" val="0"/>
+                </a:ext>
+              </a:extLst>
+            </a:blip>
+            <a:srcRect/>
+            <a:tile tx="0" ty="-704850" sx="92000" sy="89000" flip="xy" algn="ctr"/>
+          </a:blipFill>
+          <a:ln>
+            <a:noFill/>
+          </a:ln>
+        </p:spPr>
+        <p:style>
+          <a:lnRef idx="2">
+            <a:schemeClr val="accent1">
+              <a:shade val="50000"/>
+            </a:schemeClr>
+          </a:lnRef>
+          <a:fillRef idx="1">
+            <a:schemeClr val="accent1"/>
+          </a:fillRef>
+          <a:effectRef idx="0">
+            <a:schemeClr val="accent1"/>
+          </a:effectRef>
+          <a:fontRef idx="minor">
+            <a:schemeClr val="lt1"/>
+          </a:fontRef>
+        </p:style>
+        <p:txBody>
+          <a:bodyPr rtlCol="0" anchor="ctr"/>
+          <a:lstStyle/>
+          <a:p>
+            <a:pPr algn="ctr"/>
+            <a:endParaRPr lang="en-US"/>
+          </a:p>
+        </p:txBody>
+      </p:sp>
+      <p:sp>
+        <p:nvSpPr>
+          <p:cNvPr id="2" name="Title 1">
+            <a:extLst>
+              <a:ext uri="{FF2B5EF4-FFF2-40B4-BE49-F238E27FC236}">
+                <a16:creationId xmlns:a16="http://schemas.microsoft.com/office/drawing/2014/main" id="{1F9D9906-EDBF-4E40-916A-7CB1E79D3335}"/>
+              </a:ext>
+            </a:extLst>
+          </p:cNvPr>
+          <p:cNvSpPr>
+            <a:spLocks noGrp="1"/>
+          </p:cNvSpPr>
+          <p:nvPr>
+            <p:ph type="title"/>
+          </p:nvPr>
+        </p:nvSpPr>
+        <p:spPr>
+          <a:xfrm>
+            <a:off x="1051560" y="4355692"/>
+            <a:ext cx="9085940" cy="1472224"/>
+          </a:xfrm>
+        </p:spPr>
+        <p:txBody>
+          <a:bodyPr vert="horz" lIns="91440" tIns="45720" rIns="91440" bIns="45720" rtlCol="0" anchor="b">
+            <a:normAutofit/>
+          </a:bodyPr>
+          <a:lstStyle/>
+          <a:p>
+            <a:pPr>
+              <a:lnSpc>
+                <a:spcPct val="80000"/>
+              </a:lnSpc>
+            </a:pPr>
+            <a:r>
+              <a:rPr lang="en-US" sz="7400" kern="1200" cap="all" baseline="0">
+                <a:blipFill dpi="0" rotWithShape="1">
+                  <a:blip r:embed="rId4"/>
+                  <a:srcRect/>
+                  <a:tile tx="6350" ty="-127000" sx="65000" sy="64000" flip="none" algn="tl"/>
+                </a:blipFill>
+                <a:latin typeface="+mj-lt"/>
+                <a:ea typeface="+mj-ea"/>
+                <a:cs typeface="+mj-cs"/>
+              </a:rPr>
+              <a:t>XOr gate</a:t>
+            </a:r>
+          </a:p>
+        </p:txBody>
+      </p:sp>
+      <p:pic>
+        <p:nvPicPr>
+          <p:cNvPr id="8" name="Picture 7">
+            <a:extLst>
+              <a:ext uri="{FF2B5EF4-FFF2-40B4-BE49-F238E27FC236}">
+                <a16:creationId xmlns:a16="http://schemas.microsoft.com/office/drawing/2014/main" id="{E8D19438-9AE9-4CB4-8E32-7EA6236C3BF1}"/>
+              </a:ext>
+            </a:extLst>
+          </p:cNvPr>
+          <p:cNvPicPr>
+            <a:picLocks noChangeAspect="1"/>
+          </p:cNvPicPr>
+          <p:nvPr/>
+        </p:nvPicPr>
+        <p:blipFill>
+          <a:blip r:embed="rId6"/>
+          <a:stretch>
+            <a:fillRect/>
+          </a:stretch>
+        </p:blipFill>
+        <p:spPr>
+          <a:xfrm>
+            <a:off x="811988" y="474800"/>
+            <a:ext cx="4553264" cy="3451003"/>
+          </a:xfrm>
+          <a:prstGeom prst="rect">
+            <a:avLst/>
+          </a:prstGeom>
+        </p:spPr>
+      </p:pic>
+      <p:pic>
+        <p:nvPicPr>
+          <p:cNvPr id="6" name="Picture 5">
+            <a:extLst>
+              <a:ext uri="{FF2B5EF4-FFF2-40B4-BE49-F238E27FC236}">
+                <a16:creationId xmlns:a16="http://schemas.microsoft.com/office/drawing/2014/main" id="{3DAE69A8-A8D6-41B9-AAB9-EB781DC99218}"/>
+              </a:ext>
+            </a:extLst>
+          </p:cNvPr>
+          <p:cNvPicPr>
+            <a:picLocks noChangeAspect="1"/>
+          </p:cNvPicPr>
+          <p:nvPr/>
+        </p:nvPicPr>
+        <p:blipFill>
+          <a:blip r:embed="rId7"/>
+          <a:stretch>
+            <a:fillRect/>
+          </a:stretch>
+        </p:blipFill>
+        <p:spPr>
+          <a:xfrm>
+            <a:off x="6486228" y="1225689"/>
+            <a:ext cx="5221140" cy="1949225"/>
+          </a:xfrm>
+          <a:prstGeom prst="rect">
+            <a:avLst/>
+          </a:prstGeom>
+        </p:spPr>
+      </p:pic>
+      <p:grpSp>
+        <p:nvGrpSpPr>
+          <p:cNvPr id="24" name="Group 26">
+            <a:extLst>
+              <a:ext uri="{FF2B5EF4-FFF2-40B4-BE49-F238E27FC236}">
+                <a16:creationId xmlns:a16="http://schemas.microsoft.com/office/drawing/2014/main" id="{A560C308-AF88-4E6B-B601-74A5B889E512}"/>
+              </a:ext>
+              <a:ext uri="{C183D7F6-B498-43B3-948B-1728B52AA6E4}">
+                <adec:decorative xmlns:adec="http://schemas.microsoft.com/office/drawing/2017/decorative" val="1"/>
+              </a:ext>
+            </a:extLst>
+          </p:cNvPr>
+          <p:cNvGrpSpPr>
+            <a:grpSpLocks noGrp="1" noUngrp="1" noRot="1" noChangeAspect="1" noMove="1" noResize="1"/>
+          </p:cNvGrpSpPr>
+          <p:nvPr>
+            <p:extLst>
+              <p:ext uri="{386F3935-93C4-4BCD-93E2-E3B085C9AB24}">
+                <p16:designElem xmlns:p16="http://schemas.microsoft.com/office/powerpoint/2015/main" val="1"/>
+              </p:ext>
+            </p:extLst>
+          </p:nvPr>
+        </p:nvGrpSpPr>
+        <p:grpSpPr>
+          <a:xfrm>
+            <a:off x="10245590" y="5111496"/>
+            <a:ext cx="1080904" cy="1080902"/>
+            <a:chOff x="9685338" y="4460675"/>
+            <a:chExt cx="1080904" cy="1080902"/>
+          </a:xfrm>
+        </p:grpSpPr>
+        <p:sp>
+          <p:nvSpPr>
+            <p:cNvPr id="28" name="Oval 27">
+              <a:extLst>
+                <a:ext uri="{FF2B5EF4-FFF2-40B4-BE49-F238E27FC236}">
+                  <a16:creationId xmlns:a16="http://schemas.microsoft.com/office/drawing/2014/main" id="{6C989C99-37FA-4068-B9DC-2E0199A20A81}"/>
+                </a:ext>
+                <a:ext uri="{C183D7F6-B498-43B3-948B-1728B52AA6E4}">
+                  <adec:decorative xmlns:adec="http://schemas.microsoft.com/office/drawing/2017/decorative" val="1"/>
+                </a:ext>
+              </a:extLst>
+            </p:cNvPr>
+            <p:cNvSpPr/>
+            <p:nvPr>
+              <p:extLst>
+                <p:ext uri="{386F3935-93C4-4BCD-93E2-E3B085C9AB24}">
+                  <p16:designElem xmlns:p16="http://schemas.microsoft.com/office/powerpoint/2015/main" val="1"/>
+                </p:ext>
+              </p:extLst>
+            </p:nvPr>
+          </p:nvSpPr>
+          <p:spPr>
+            <a:xfrm>
+              <a:off x="9685338" y="4460675"/>
+              <a:ext cx="1080904" cy="1080902"/>
+            </a:xfrm>
+            <a:prstGeom prst="ellipse">
+              <a:avLst/>
+            </a:prstGeom>
+            <a:blipFill dpi="0" rotWithShape="1">
+              <a:blip r:embed="rId4">
+                <a:duotone>
+                  <a:schemeClr val="accent1">
+                    <a:shade val="45000"/>
+                    <a:satMod val="135000"/>
+                  </a:schemeClr>
+                  <a:prstClr val="white"/>
+                </a:duotone>
+              </a:blip>
+              <a:srcRect/>
+              <a:tile tx="0" ty="0" sx="85000" sy="85000" flip="none" algn="tl"/>
+            </a:blipFill>
+            <a:ln w="25400" cap="flat" cmpd="sng" algn="ctr">
+              <a:noFill/>
+              <a:prstDash val="solid"/>
+            </a:ln>
+            <a:effectLst/>
+          </p:spPr>
+          <p:txBody>
+            <a:bodyPr lIns="0" tIns="0" rIns="0" bIns="0" rtlCol="0" anchor="ctr"/>
+            <a:lstStyle/>
+            <a:p>
+              <a:pPr marL="0" marR="0" lvl="0" indent="0" algn="ctr" defTabSz="914400" eaLnBrk="1" fontAlgn="auto" latinLnBrk="0" hangingPunct="1">
+                <a:lnSpc>
+                  <a:spcPct val="100000"/>
+                </a:lnSpc>
+                <a:spcBef>
+                  <a:spcPts val="0"/>
+                </a:spcBef>
+                <a:spcAft>
+                  <a:spcPts val="0"/>
+                </a:spcAft>
+                <a:buClrTx/>
+                <a:buSzTx/>
+                <a:buFontTx/>
+                <a:buNone/>
+                <a:tabLst/>
+                <a:defRPr/>
+              </a:pPr>
+              <a:endParaRPr kumimoji="0" lang="en-US" sz="2000" b="0" i="0" u="none" strike="noStrike" kern="0" cap="none" spc="0" normalizeH="0" baseline="0" noProof="0" dirty="0">
+                <a:ln>
+                  <a:noFill/>
+                </a:ln>
+                <a:solidFill>
+                  <a:prstClr val="white"/>
+                </a:solidFill>
+                <a:effectLst/>
+                <a:uLnTx/>
+                <a:uFillTx/>
+                <a:latin typeface="Rockwell Extra Bold" pitchFamily="18" charset="0"/>
+                <a:ea typeface="+mn-ea"/>
+                <a:cs typeface="+mn-cs"/>
+              </a:endParaRPr>
+            </a:p>
+          </p:txBody>
+        </p:sp>
+        <p:sp>
+          <p:nvSpPr>
+            <p:cNvPr id="29" name="Oval 28">
+              <a:extLst>
+                <a:ext uri="{FF2B5EF4-FFF2-40B4-BE49-F238E27FC236}">
+                  <a16:creationId xmlns:a16="http://schemas.microsoft.com/office/drawing/2014/main" id="{57DA07CC-C857-4245-BE87-DBEDE8BC6AF5}"/>
+                </a:ext>
+                <a:ext uri="{C183D7F6-B498-43B3-948B-1728B52AA6E4}">
+                  <adec:decorative xmlns:adec="http://schemas.microsoft.com/office/drawing/2017/decorative" val="1"/>
+                </a:ext>
+              </a:extLst>
+            </p:cNvPr>
+            <p:cNvSpPr/>
+            <p:nvPr>
+              <p:extLst>
+                <p:ext uri="{386F3935-93C4-4BCD-93E2-E3B085C9AB24}">
+                  <p16:designElem xmlns:p16="http://schemas.microsoft.com/office/powerpoint/2015/main" val="1"/>
+                </p:ext>
+              </p:extLst>
+            </p:nvPr>
+          </p:nvSpPr>
+          <p:spPr>
+            <a:xfrm>
+              <a:off x="9793429" y="4568765"/>
+              <a:ext cx="864723" cy="864722"/>
+            </a:xfrm>
+            <a:prstGeom prst="ellipse">
+              <a:avLst/>
+            </a:prstGeom>
+            <a:noFill/>
+            <a:ln w="25400" cap="flat" cmpd="sng" algn="ctr">
+              <a:solidFill>
+                <a:sysClr val="window" lastClr="FFFFFF"/>
+              </a:solidFill>
+              <a:prstDash val="solid"/>
+            </a:ln>
+            <a:effectLst/>
+          </p:spPr>
+          <p:txBody>
+            <a:bodyPr rtlCol="0" anchor="ctr"/>
+            <a:lstStyle/>
+            <a:p>
+              <a:pPr marL="0" marR="0" lvl="0" indent="0" algn="ctr" defTabSz="914400" eaLnBrk="1" fontAlgn="auto" latinLnBrk="0" hangingPunct="1">
+                <a:lnSpc>
+                  <a:spcPct val="100000"/>
+                </a:lnSpc>
+                <a:spcBef>
+                  <a:spcPts val="0"/>
+                </a:spcBef>
+                <a:spcAft>
+                  <a:spcPts val="0"/>
+                </a:spcAft>
+                <a:buClrTx/>
+                <a:buSzTx/>
+                <a:buFontTx/>
+                <a:buNone/>
+                <a:tabLst/>
+                <a:defRPr/>
+              </a:pPr>
+              <a:endParaRPr kumimoji="0" lang="en-US" sz="1800" b="0" i="0" u="none" strike="noStrike" kern="0" cap="none" spc="0" normalizeH="0" baseline="0" noProof="0" dirty="0">
+                <a:ln>
+                  <a:noFill/>
+                </a:ln>
+                <a:solidFill>
+                  <a:prstClr val="white"/>
+                </a:solidFill>
+                <a:effectLst/>
+                <a:uLnTx/>
+                <a:uFillTx/>
+                <a:latin typeface="Calibri"/>
+                <a:ea typeface="+mn-ea"/>
+                <a:cs typeface="+mn-cs"/>
+              </a:endParaRPr>
+            </a:p>
+          </p:txBody>
+        </p:sp>
+      </p:grpSp>
+    </p:spTree>
+    <p:extLst>
+      <p:ext uri="{BB962C8B-B14F-4D97-AF65-F5344CB8AC3E}">
+        <p14:creationId xmlns:p14="http://schemas.microsoft.com/office/powerpoint/2010/main" val="2869495125"/>
+      </p:ext>
+    </p:extLst>
+  </p:cSld>
+  <p:clrMapOvr>
+    <a:masterClrMapping/>
+  </p:clrMapOvr>
+</p:sld>
+</file>
+
+<file path=ppt/slides/slide19.xml><?xml version="1.0" encoding="utf-8"?>
+<p:sld xmlns:a="http://schemas.openxmlformats.org/drawingml/2006/main" xmlns:r="http://schemas.openxmlformats.org/officeDocument/2006/relationships" xmlns:p="http://schemas.openxmlformats.org/presentationml/2006/main">
+  <p:cSld>
+    <p:spTree>
+      <p:nvGrpSpPr>
+        <p:cNvPr id="1" name=""/>
+        <p:cNvGrpSpPr/>
+        <p:nvPr/>
+      </p:nvGrpSpPr>
+      <p:grpSpPr>
+        <a:xfrm>
+          <a:off x="0" y="0"/>
+          <a:ext cx="0" cy="0"/>
+          <a:chOff x="0" y="0"/>
+          <a:chExt cx="0" cy="0"/>
+        </a:xfrm>
+      </p:grpSpPr>
+      <p:sp>
+        <p:nvSpPr>
+          <p:cNvPr id="2" name="Title 1">
+            <a:extLst>
+              <a:ext uri="{FF2B5EF4-FFF2-40B4-BE49-F238E27FC236}">
+                <a16:creationId xmlns:a16="http://schemas.microsoft.com/office/drawing/2014/main" id="{1F9D9906-EDBF-4E40-916A-7CB1E79D3335}"/>
+              </a:ext>
+            </a:extLst>
+          </p:cNvPr>
+          <p:cNvSpPr>
+            <a:spLocks noGrp="1"/>
+          </p:cNvSpPr>
+          <p:nvPr>
+            <p:ph type="title"/>
+          </p:nvPr>
+        </p:nvSpPr>
+        <p:spPr/>
+        <p:txBody>
+          <a:bodyPr/>
+          <a:lstStyle/>
+          <a:p>
+            <a:r>
+              <a:rPr lang="en-US" dirty="0" err="1"/>
+              <a:t>XOr</a:t>
+            </a:r>
+            <a:r>
+              <a:rPr lang="en-US" dirty="0"/>
+              <a:t> gate Design</a:t>
+            </a:r>
+          </a:p>
+        </p:txBody>
+      </p:sp>
+      <p:pic>
+        <p:nvPicPr>
+          <p:cNvPr id="4" name="Picture 3">
+            <a:extLst>
+              <a:ext uri="{FF2B5EF4-FFF2-40B4-BE49-F238E27FC236}">
+                <a16:creationId xmlns:a16="http://schemas.microsoft.com/office/drawing/2014/main" id="{DC70EA8C-4106-42E2-AC5B-0F018482F3FE}"/>
+              </a:ext>
+            </a:extLst>
+          </p:cNvPr>
+          <p:cNvPicPr>
+            <a:picLocks noChangeAspect="1"/>
+          </p:cNvPicPr>
+          <p:nvPr/>
+        </p:nvPicPr>
+        <p:blipFill>
+          <a:blip r:embed="rId2"/>
+          <a:stretch>
+            <a:fillRect/>
+          </a:stretch>
+        </p:blipFill>
+        <p:spPr>
+          <a:xfrm>
+            <a:off x="1538287" y="2430013"/>
+            <a:ext cx="9115425" cy="3448050"/>
+          </a:xfrm>
+          <a:prstGeom prst="rect">
+            <a:avLst/>
+          </a:prstGeom>
+        </p:spPr>
+      </p:pic>
+    </p:spTree>
+    <p:extLst>
+      <p:ext uri="{BB962C8B-B14F-4D97-AF65-F5344CB8AC3E}">
+        <p14:creationId xmlns:p14="http://schemas.microsoft.com/office/powerpoint/2010/main" val="583848722"/>
+      </p:ext>
+    </p:extLst>
+  </p:cSld>
+  <p:clrMapOvr>
+    <a:masterClrMapping/>
+  </p:clrMapOvr>
+</p:sld>
+</file>
+
 <file path=ppt/slides/slide2.xml><?xml version="1.0" encoding="utf-8"?>
 <p:sld xmlns:a="http://schemas.openxmlformats.org/drawingml/2006/main" xmlns:r="http://schemas.openxmlformats.org/officeDocument/2006/relationships" xmlns:p="http://schemas.openxmlformats.org/presentationml/2006/main">
   <p:cSld>
@@ -11472,6 +12607,4028 @@
     <p:extLst>
       <p:ext uri="{BB962C8B-B14F-4D97-AF65-F5344CB8AC3E}">
         <p14:creationId xmlns:p14="http://schemas.microsoft.com/office/powerpoint/2010/main" val="1097484490"/>
+      </p:ext>
+    </p:extLst>
+  </p:cSld>
+  <p:clrMapOvr>
+    <a:masterClrMapping/>
+  </p:clrMapOvr>
+</p:sld>
+</file>
+
+<file path=ppt/slides/slide20.xml><?xml version="1.0" encoding="utf-8"?>
+<p:sld xmlns:a="http://schemas.openxmlformats.org/drawingml/2006/main" xmlns:r="http://schemas.openxmlformats.org/officeDocument/2006/relationships" xmlns:p="http://schemas.openxmlformats.org/presentationml/2006/main">
+  <p:cSld>
+    <p:bg>
+      <p:bgPr>
+        <a:solidFill>
+          <a:schemeClr val="bg1"/>
+        </a:solidFill>
+        <a:effectLst/>
+      </p:bgPr>
+    </p:bg>
+    <p:spTree>
+      <p:nvGrpSpPr>
+        <p:cNvPr id="1" name=""/>
+        <p:cNvGrpSpPr/>
+        <p:nvPr/>
+      </p:nvGrpSpPr>
+      <p:grpSpPr>
+        <a:xfrm>
+          <a:off x="0" y="0"/>
+          <a:ext cx="0" cy="0"/>
+          <a:chOff x="0" y="0"/>
+          <a:chExt cx="0" cy="0"/>
+        </a:xfrm>
+      </p:grpSpPr>
+      <p:sp>
+        <p:nvSpPr>
+          <p:cNvPr id="126" name="Rectangle 125">
+            <a:extLst>
+              <a:ext uri="{FF2B5EF4-FFF2-40B4-BE49-F238E27FC236}">
+                <a16:creationId xmlns:a16="http://schemas.microsoft.com/office/drawing/2014/main" id="{2550AE69-AC86-4188-83E5-A856C4F1DCFF}"/>
+              </a:ext>
+              <a:ext uri="{C183D7F6-B498-43B3-948B-1728B52AA6E4}">
+                <adec:decorative xmlns:adec="http://schemas.microsoft.com/office/drawing/2017/decorative" val="1"/>
+              </a:ext>
+            </a:extLst>
+          </p:cNvPr>
+          <p:cNvSpPr>
+            <a:spLocks noGrp="1" noRot="1" noChangeAspect="1" noMove="1" noResize="1" noEditPoints="1" noAdjustHandles="1" noChangeArrowheads="1" noChangeShapeType="1" noTextEdit="1"/>
+          </p:cNvSpPr>
+          <p:nvPr>
+            <p:extLst>
+              <p:ext uri="{386F3935-93C4-4BCD-93E2-E3B085C9AB24}">
+                <p16:designElem xmlns:p16="http://schemas.microsoft.com/office/powerpoint/2015/main" val="1"/>
+              </p:ext>
+            </p:extLst>
+          </p:nvPr>
+        </p:nvSpPr>
+        <p:spPr>
+          <a:xfrm>
+            <a:off x="920834" y="1346946"/>
+            <a:ext cx="10222992" cy="80683"/>
+          </a:xfrm>
+          <a:prstGeom prst="rect">
+            <a:avLst/>
+          </a:prstGeom>
+          <a:blipFill dpi="0" rotWithShape="1">
+            <a:blip r:embed="rId2">
+              <a:alphaModFix amt="85000"/>
+              <a:lum bright="70000" contrast="-70000"/>
+              <a:extLst>
+                <a:ext uri="{BEBA8EAE-BF5A-486C-A8C5-ECC9F3942E4B}">
+                  <a14:imgProps xmlns:a14="http://schemas.microsoft.com/office/drawing/2010/main">
+                    <a14:imgLayer r:embed="rId3">
+                      <a14:imgEffect>
+                        <a14:sharpenSoften amount="61000"/>
+                      </a14:imgEffect>
+                    </a14:imgLayer>
+                  </a14:imgProps>
+                </a:ext>
+                <a:ext uri="{28A0092B-C50C-407E-A947-70E740481C1C}">
+                  <a14:useLocalDpi xmlns:a14="http://schemas.microsoft.com/office/drawing/2010/main" val="0"/>
+                </a:ext>
+              </a:extLst>
+            </a:blip>
+            <a:srcRect/>
+            <a:tile tx="0" ty="-762000" sx="92000" sy="89000" flip="xy" algn="ctr"/>
+          </a:blipFill>
+          <a:ln>
+            <a:noFill/>
+          </a:ln>
+        </p:spPr>
+        <p:style>
+          <a:lnRef idx="2">
+            <a:schemeClr val="accent1">
+              <a:shade val="50000"/>
+            </a:schemeClr>
+          </a:lnRef>
+          <a:fillRef idx="1">
+            <a:schemeClr val="accent1"/>
+          </a:fillRef>
+          <a:effectRef idx="0">
+            <a:schemeClr val="accent1"/>
+          </a:effectRef>
+          <a:fontRef idx="minor">
+            <a:schemeClr val="lt1"/>
+          </a:fontRef>
+        </p:style>
+      </p:sp>
+      <p:sp>
+        <p:nvSpPr>
+          <p:cNvPr id="128" name="Rectangle 127">
+            <a:extLst>
+              <a:ext uri="{FF2B5EF4-FFF2-40B4-BE49-F238E27FC236}">
+                <a16:creationId xmlns:a16="http://schemas.microsoft.com/office/drawing/2014/main" id="{EC4CA156-2C9D-4F0C-B229-88D8B5E17BCF}"/>
+              </a:ext>
+              <a:ext uri="{C183D7F6-B498-43B3-948B-1728B52AA6E4}">
+                <adec:decorative xmlns:adec="http://schemas.microsoft.com/office/drawing/2017/decorative" val="1"/>
+              </a:ext>
+            </a:extLst>
+          </p:cNvPr>
+          <p:cNvSpPr>
+            <a:spLocks noGrp="1" noRot="1" noChangeAspect="1" noMove="1" noResize="1" noEditPoints="1" noAdjustHandles="1" noChangeArrowheads="1" noChangeShapeType="1" noTextEdit="1"/>
+          </p:cNvSpPr>
+          <p:nvPr>
+            <p:extLst>
+              <p:ext uri="{386F3935-93C4-4BCD-93E2-E3B085C9AB24}">
+                <p16:designElem xmlns:p16="http://schemas.microsoft.com/office/powerpoint/2015/main" val="1"/>
+              </p:ext>
+            </p:extLst>
+          </p:nvPr>
+        </p:nvSpPr>
+        <p:spPr>
+          <a:xfrm>
+            <a:off x="920834" y="4299696"/>
+            <a:ext cx="10222992" cy="80683"/>
+          </a:xfrm>
+          <a:prstGeom prst="rect">
+            <a:avLst/>
+          </a:prstGeom>
+          <a:blipFill dpi="0" rotWithShape="1">
+            <a:blip r:embed="rId2">
+              <a:alphaModFix amt="85000"/>
+              <a:lum bright="70000" contrast="-70000"/>
+              <a:extLst>
+                <a:ext uri="{BEBA8EAE-BF5A-486C-A8C5-ECC9F3942E4B}">
+                  <a14:imgProps xmlns:a14="http://schemas.microsoft.com/office/drawing/2010/main">
+                    <a14:imgLayer r:embed="rId3">
+                      <a14:imgEffect>
+                        <a14:sharpenSoften amount="61000"/>
+                      </a14:imgEffect>
+                    </a14:imgLayer>
+                  </a14:imgProps>
+                </a:ext>
+                <a:ext uri="{28A0092B-C50C-407E-A947-70E740481C1C}">
+                  <a14:useLocalDpi xmlns:a14="http://schemas.microsoft.com/office/drawing/2010/main" val="0"/>
+                </a:ext>
+              </a:extLst>
+            </a:blip>
+            <a:srcRect/>
+            <a:tile tx="0" ty="-717550" sx="92000" sy="89000" flip="xy" algn="ctr"/>
+          </a:blipFill>
+          <a:ln>
+            <a:noFill/>
+          </a:ln>
+        </p:spPr>
+        <p:style>
+          <a:lnRef idx="2">
+            <a:schemeClr val="accent1">
+              <a:shade val="50000"/>
+            </a:schemeClr>
+          </a:lnRef>
+          <a:fillRef idx="1">
+            <a:schemeClr val="accent1"/>
+          </a:fillRef>
+          <a:effectRef idx="0">
+            <a:schemeClr val="accent1"/>
+          </a:effectRef>
+          <a:fontRef idx="minor">
+            <a:schemeClr val="lt1"/>
+          </a:fontRef>
+        </p:style>
+      </p:sp>
+      <p:sp>
+        <p:nvSpPr>
+          <p:cNvPr id="130" name="Rectangle 129">
+            <a:extLst>
+              <a:ext uri="{FF2B5EF4-FFF2-40B4-BE49-F238E27FC236}">
+                <a16:creationId xmlns:a16="http://schemas.microsoft.com/office/drawing/2014/main" id="{D7361ED3-EBE5-4EFC-8DA3-D0CE4BF2F4B1}"/>
+              </a:ext>
+              <a:ext uri="{C183D7F6-B498-43B3-948B-1728B52AA6E4}">
+                <adec:decorative xmlns:adec="http://schemas.microsoft.com/office/drawing/2017/decorative" val="1"/>
+              </a:ext>
+            </a:extLst>
+          </p:cNvPr>
+          <p:cNvSpPr>
+            <a:spLocks noGrp="1" noRot="1" noChangeAspect="1" noMove="1" noResize="1" noEditPoints="1" noAdjustHandles="1" noChangeArrowheads="1" noChangeShapeType="1" noTextEdit="1"/>
+          </p:cNvSpPr>
+          <p:nvPr>
+            <p:extLst>
+              <p:ext uri="{386F3935-93C4-4BCD-93E2-E3B085C9AB24}">
+                <p16:designElem xmlns:p16="http://schemas.microsoft.com/office/powerpoint/2015/main" val="1"/>
+              </p:ext>
+            </p:extLst>
+          </p:nvPr>
+        </p:nvSpPr>
+        <p:spPr>
+          <a:xfrm>
+            <a:off x="920834" y="1484779"/>
+            <a:ext cx="10222992" cy="2743200"/>
+          </a:xfrm>
+          <a:prstGeom prst="rect">
+            <a:avLst/>
+          </a:prstGeom>
+          <a:blipFill dpi="0" rotWithShape="1">
+            <a:blip r:embed="rId2">
+              <a:alphaModFix amt="85000"/>
+              <a:lum bright="70000" contrast="-70000"/>
+              <a:extLst>
+                <a:ext uri="{BEBA8EAE-BF5A-486C-A8C5-ECC9F3942E4B}">
+                  <a14:imgProps xmlns:a14="http://schemas.microsoft.com/office/drawing/2010/main">
+                    <a14:imgLayer r:embed="rId3">
+                      <a14:imgEffect>
+                        <a14:sharpenSoften amount="61000"/>
+                      </a14:imgEffect>
+                    </a14:imgLayer>
+                  </a14:imgProps>
+                </a:ext>
+                <a:ext uri="{28A0092B-C50C-407E-A947-70E740481C1C}">
+                  <a14:useLocalDpi xmlns:a14="http://schemas.microsoft.com/office/drawing/2010/main" val="0"/>
+                </a:ext>
+              </a:extLst>
+            </a:blip>
+            <a:srcRect/>
+            <a:tile tx="0" ty="-704850" sx="92000" sy="89000" flip="xy" algn="ctr"/>
+          </a:blipFill>
+          <a:ln>
+            <a:noFill/>
+          </a:ln>
+        </p:spPr>
+        <p:style>
+          <a:lnRef idx="2">
+            <a:schemeClr val="accent1">
+              <a:shade val="50000"/>
+            </a:schemeClr>
+          </a:lnRef>
+          <a:fillRef idx="1">
+            <a:schemeClr val="accent1"/>
+          </a:fillRef>
+          <a:effectRef idx="0">
+            <a:schemeClr val="accent1"/>
+          </a:effectRef>
+          <a:fontRef idx="minor">
+            <a:schemeClr val="lt1"/>
+          </a:fontRef>
+        </p:style>
+      </p:sp>
+      <p:grpSp>
+        <p:nvGrpSpPr>
+          <p:cNvPr id="132" name="Group 131">
+            <a:extLst>
+              <a:ext uri="{FF2B5EF4-FFF2-40B4-BE49-F238E27FC236}">
+                <a16:creationId xmlns:a16="http://schemas.microsoft.com/office/drawing/2014/main" id="{85105087-7F16-4C94-837C-C45445116665}"/>
+              </a:ext>
+              <a:ext uri="{C183D7F6-B498-43B3-948B-1728B52AA6E4}">
+                <adec:decorative xmlns:adec="http://schemas.microsoft.com/office/drawing/2017/decorative" val="1"/>
+              </a:ext>
+            </a:extLst>
+          </p:cNvPr>
+          <p:cNvGrpSpPr>
+            <a:grpSpLocks noGrp="1" noUngrp="1" noRot="1" noChangeAspect="1" noMove="1" noResize="1"/>
+          </p:cNvGrpSpPr>
+          <p:nvPr>
+            <p:extLst>
+              <p:ext uri="{386F3935-93C4-4BCD-93E2-E3B085C9AB24}">
+                <p16:designElem xmlns:p16="http://schemas.microsoft.com/office/powerpoint/2015/main" val="1"/>
+              </p:ext>
+            </p:extLst>
+          </p:nvPr>
+        </p:nvGrpSpPr>
+        <p:grpSpPr>
+          <a:xfrm>
+            <a:off x="9649215" y="4068923"/>
+            <a:ext cx="1080904" cy="1080902"/>
+            <a:chOff x="9685338" y="4460675"/>
+            <a:chExt cx="1080904" cy="1080902"/>
+          </a:xfrm>
+        </p:grpSpPr>
+        <p:sp>
+          <p:nvSpPr>
+            <p:cNvPr id="133" name="Oval 132">
+              <a:extLst>
+                <a:ext uri="{FF2B5EF4-FFF2-40B4-BE49-F238E27FC236}">
+                  <a16:creationId xmlns:a16="http://schemas.microsoft.com/office/drawing/2014/main" id="{4F2F3467-E50F-4A91-B27D-E324936A66D0}"/>
+                </a:ext>
+                <a:ext uri="{C183D7F6-B498-43B3-948B-1728B52AA6E4}">
+                  <adec:decorative xmlns:adec="http://schemas.microsoft.com/office/drawing/2017/decorative" val="1"/>
+                </a:ext>
+              </a:extLst>
+            </p:cNvPr>
+            <p:cNvSpPr/>
+            <p:nvPr>
+              <p:extLst>
+                <p:ext uri="{386F3935-93C4-4BCD-93E2-E3B085C9AB24}">
+                  <p16:designElem xmlns:p16="http://schemas.microsoft.com/office/powerpoint/2015/main" val="1"/>
+                </p:ext>
+              </p:extLst>
+            </p:nvPr>
+          </p:nvSpPr>
+          <p:spPr>
+            <a:xfrm>
+              <a:off x="9685338" y="4460675"/>
+              <a:ext cx="1080904" cy="1080902"/>
+            </a:xfrm>
+            <a:prstGeom prst="ellipse">
+              <a:avLst/>
+            </a:prstGeom>
+            <a:blipFill dpi="0" rotWithShape="1">
+              <a:blip r:embed="rId4">
+                <a:duotone>
+                  <a:schemeClr val="accent1">
+                    <a:shade val="45000"/>
+                    <a:satMod val="135000"/>
+                  </a:schemeClr>
+                  <a:prstClr val="white"/>
+                </a:duotone>
+                <a:extLst>
+                  <a:ext uri="{BEBA8EAE-BF5A-486C-A8C5-ECC9F3942E4B}">
+                    <a14:imgProps xmlns:a14="http://schemas.microsoft.com/office/drawing/2010/main">
+                      <a14:imgLayer r:embed="rId5">
+                        <a14:imgEffect>
+                          <a14:saturation sat="95000"/>
+                        </a14:imgEffect>
+                      </a14:imgLayer>
+                    </a14:imgProps>
+                  </a:ext>
+                </a:extLst>
+              </a:blip>
+              <a:srcRect/>
+              <a:tile tx="0" ty="0" sx="85000" sy="85000" flip="none" algn="tl"/>
+            </a:blipFill>
+            <a:ln w="25400" cap="flat" cmpd="sng" algn="ctr">
+              <a:noFill/>
+              <a:prstDash val="solid"/>
+            </a:ln>
+            <a:effectLst/>
+          </p:spPr>
+        </p:sp>
+        <p:sp>
+          <p:nvSpPr>
+            <p:cNvPr id="134" name="Oval 133">
+              <a:extLst>
+                <a:ext uri="{FF2B5EF4-FFF2-40B4-BE49-F238E27FC236}">
+                  <a16:creationId xmlns:a16="http://schemas.microsoft.com/office/drawing/2014/main" id="{D678BE03-AC84-4940-A7FD-5B143FE2D65D}"/>
+                </a:ext>
+                <a:ext uri="{C183D7F6-B498-43B3-948B-1728B52AA6E4}">
+                  <adec:decorative xmlns:adec="http://schemas.microsoft.com/office/drawing/2017/decorative" val="1"/>
+                </a:ext>
+              </a:extLst>
+            </p:cNvPr>
+            <p:cNvSpPr/>
+            <p:nvPr>
+              <p:extLst>
+                <p:ext uri="{386F3935-93C4-4BCD-93E2-E3B085C9AB24}">
+                  <p16:designElem xmlns:p16="http://schemas.microsoft.com/office/powerpoint/2015/main" val="1"/>
+                </p:ext>
+              </p:extLst>
+            </p:nvPr>
+          </p:nvSpPr>
+          <p:spPr>
+            <a:xfrm>
+              <a:off x="9793429" y="4568765"/>
+              <a:ext cx="864723" cy="864722"/>
+            </a:xfrm>
+            <a:prstGeom prst="ellipse">
+              <a:avLst/>
+            </a:prstGeom>
+            <a:noFill/>
+            <a:ln w="25400" cap="flat" cmpd="sng" algn="ctr">
+              <a:solidFill>
+                <a:sysClr val="window" lastClr="FFFFFF"/>
+              </a:solidFill>
+              <a:prstDash val="solid"/>
+            </a:ln>
+            <a:effectLst/>
+          </p:spPr>
+        </p:sp>
+      </p:grpSp>
+      <p:sp useBgFill="1">
+        <p:nvSpPr>
+          <p:cNvPr id="136" name="Rectangle 135">
+            <a:extLst>
+              <a:ext uri="{FF2B5EF4-FFF2-40B4-BE49-F238E27FC236}">
+                <a16:creationId xmlns:a16="http://schemas.microsoft.com/office/drawing/2014/main" id="{19A1D830-E73C-47A9-A534-323CEEFF5B32}"/>
+              </a:ext>
+              <a:ext uri="{C183D7F6-B498-43B3-948B-1728B52AA6E4}">
+                <adec:decorative xmlns:adec="http://schemas.microsoft.com/office/drawing/2017/decorative" val="1"/>
+              </a:ext>
+            </a:extLst>
+          </p:cNvPr>
+          <p:cNvSpPr>
+            <a:spLocks noGrp="1" noRot="1" noChangeAspect="1" noMove="1" noResize="1" noEditPoints="1" noAdjustHandles="1" noChangeArrowheads="1" noChangeShapeType="1" noTextEdit="1"/>
+          </p:cNvSpPr>
+          <p:nvPr>
+            <p:extLst>
+              <p:ext uri="{386F3935-93C4-4BCD-93E2-E3B085C9AB24}">
+                <p16:designElem xmlns:p16="http://schemas.microsoft.com/office/powerpoint/2015/main" val="1"/>
+              </p:ext>
+            </p:extLst>
+          </p:nvPr>
+        </p:nvSpPr>
+        <p:spPr>
+          <a:xfrm>
+            <a:off x="0" y="0"/>
+            <a:ext cx="12192000" cy="6858000"/>
+          </a:xfrm>
+          <a:prstGeom prst="rect">
+            <a:avLst/>
+          </a:prstGeom>
+          <a:ln>
+            <a:noFill/>
+          </a:ln>
+        </p:spPr>
+        <p:style>
+          <a:lnRef idx="2">
+            <a:schemeClr val="accent1">
+              <a:shade val="50000"/>
+            </a:schemeClr>
+          </a:lnRef>
+          <a:fillRef idx="1">
+            <a:schemeClr val="accent1"/>
+          </a:fillRef>
+          <a:effectRef idx="0">
+            <a:schemeClr val="accent1"/>
+          </a:effectRef>
+          <a:fontRef idx="minor">
+            <a:schemeClr val="lt1"/>
+          </a:fontRef>
+        </p:style>
+        <p:txBody>
+          <a:bodyPr rtlCol="0" anchor="ctr"/>
+          <a:lstStyle/>
+          <a:p>
+            <a:pPr algn="ctr"/>
+            <a:endParaRPr lang="en-US"/>
+          </a:p>
+        </p:txBody>
+      </p:sp>
+      <p:sp>
+        <p:nvSpPr>
+          <p:cNvPr id="138" name="Rectangle 137">
+            <a:extLst>
+              <a:ext uri="{FF2B5EF4-FFF2-40B4-BE49-F238E27FC236}">
+                <a16:creationId xmlns:a16="http://schemas.microsoft.com/office/drawing/2014/main" id="{8F69FBEC-4C47-4288-962D-3FC20C79F3F5}"/>
+              </a:ext>
+              <a:ext uri="{C183D7F6-B498-43B3-948B-1728B52AA6E4}">
+                <adec:decorative xmlns:adec="http://schemas.microsoft.com/office/drawing/2017/decorative" val="1"/>
+              </a:ext>
+            </a:extLst>
+          </p:cNvPr>
+          <p:cNvSpPr>
+            <a:spLocks noGrp="1" noRot="1" noChangeAspect="1" noMove="1" noResize="1" noEditPoints="1" noAdjustHandles="1" noChangeArrowheads="1" noChangeShapeType="1" noTextEdit="1"/>
+          </p:cNvSpPr>
+          <p:nvPr>
+            <p:extLst>
+              <p:ext uri="{386F3935-93C4-4BCD-93E2-E3B085C9AB24}">
+                <p16:designElem xmlns:p16="http://schemas.microsoft.com/office/powerpoint/2015/main" val="1"/>
+              </p:ext>
+            </p:extLst>
+          </p:nvPr>
+        </p:nvSpPr>
+        <p:spPr>
+          <a:xfrm>
+            <a:off x="0" y="0"/>
+            <a:ext cx="12192000" cy="6857999"/>
+          </a:xfrm>
+          <a:prstGeom prst="rect">
+            <a:avLst/>
+          </a:prstGeom>
+          <a:blipFill dpi="0" rotWithShape="1">
+            <a:blip r:embed="rId2">
+              <a:alphaModFix amt="60000"/>
+              <a:lum bright="70000" contrast="-70000"/>
+              <a:extLst>
+                <a:ext uri="{BEBA8EAE-BF5A-486C-A8C5-ECC9F3942E4B}">
+                  <a14:imgProps xmlns:a14="http://schemas.microsoft.com/office/drawing/2010/main">
+                    <a14:imgLayer r:embed="rId3">
+                      <a14:imgEffect>
+                        <a14:sharpenSoften amount="61000"/>
+                      </a14:imgEffect>
+                    </a14:imgLayer>
+                  </a14:imgProps>
+                </a:ext>
+                <a:ext uri="{28A0092B-C50C-407E-A947-70E740481C1C}">
+                  <a14:useLocalDpi xmlns:a14="http://schemas.microsoft.com/office/drawing/2010/main" val="0"/>
+                </a:ext>
+              </a:extLst>
+            </a:blip>
+            <a:srcRect/>
+            <a:tile tx="0" ty="-704850" sx="92000" sy="89000" flip="xy" algn="ctr"/>
+          </a:blipFill>
+          <a:ln>
+            <a:noFill/>
+          </a:ln>
+        </p:spPr>
+        <p:style>
+          <a:lnRef idx="2">
+            <a:schemeClr val="accent1">
+              <a:shade val="50000"/>
+            </a:schemeClr>
+          </a:lnRef>
+          <a:fillRef idx="1">
+            <a:schemeClr val="accent1"/>
+          </a:fillRef>
+          <a:effectRef idx="0">
+            <a:schemeClr val="accent1"/>
+          </a:effectRef>
+          <a:fontRef idx="minor">
+            <a:schemeClr val="lt1"/>
+          </a:fontRef>
+        </p:style>
+        <p:txBody>
+          <a:bodyPr rtlCol="0" anchor="ctr"/>
+          <a:lstStyle/>
+          <a:p>
+            <a:pPr algn="ctr"/>
+            <a:endParaRPr lang="en-US"/>
+          </a:p>
+        </p:txBody>
+      </p:sp>
+      <p:sp>
+        <p:nvSpPr>
+          <p:cNvPr id="6" name="Title 5">
+            <a:extLst>
+              <a:ext uri="{FF2B5EF4-FFF2-40B4-BE49-F238E27FC236}">
+                <a16:creationId xmlns:a16="http://schemas.microsoft.com/office/drawing/2014/main" id="{FF80A452-086D-4E06-8337-88DE2DACE8F2}"/>
+              </a:ext>
+            </a:extLst>
+          </p:cNvPr>
+          <p:cNvSpPr>
+            <a:spLocks noGrp="1"/>
+          </p:cNvSpPr>
+          <p:nvPr>
+            <p:ph type="title"/>
+          </p:nvPr>
+        </p:nvSpPr>
+        <p:spPr>
+          <a:xfrm>
+            <a:off x="7534654" y="702365"/>
+            <a:ext cx="3896264" cy="3765666"/>
+          </a:xfrm>
+        </p:spPr>
+        <p:txBody>
+          <a:bodyPr vert="horz" lIns="91440" tIns="45720" rIns="91440" bIns="45720" rtlCol="0" anchor="b">
+            <a:noAutofit/>
+          </a:bodyPr>
+          <a:lstStyle/>
+          <a:p>
+            <a:pPr>
+              <a:lnSpc>
+                <a:spcPct val="80000"/>
+              </a:lnSpc>
+            </a:pPr>
+            <a:r>
+              <a:rPr lang="en-US" sz="7200">
+                <a:blipFill dpi="0" rotWithShape="1">
+                  <a:blip r:embed="rId4"/>
+                  <a:srcRect/>
+                  <a:tile tx="6350" ty="-127000" sx="65000" sy="64000" flip="none" algn="tl"/>
+                </a:blipFill>
+              </a:rPr>
+              <a:t>XOr</a:t>
+            </a:r>
+            <a:r>
+              <a:rPr lang="en-US" sz="7200" dirty="0">
+                <a:blipFill dpi="0" rotWithShape="1">
+                  <a:blip r:embed="rId4"/>
+                  <a:srcRect/>
+                  <a:tile tx="6350" ty="-127000" sx="65000" sy="64000" flip="none" algn="tl"/>
+                </a:blipFill>
+              </a:rPr>
+              <a:t> gate HDL CODE</a:t>
+            </a:r>
+          </a:p>
+        </p:txBody>
+      </p:sp>
+      <p:grpSp>
+        <p:nvGrpSpPr>
+          <p:cNvPr id="140" name="Group 139">
+            <a:extLst>
+              <a:ext uri="{FF2B5EF4-FFF2-40B4-BE49-F238E27FC236}">
+                <a16:creationId xmlns:a16="http://schemas.microsoft.com/office/drawing/2014/main" id="{54F6FC82-E588-4DA0-8096-0C3BD54F17B5}"/>
+              </a:ext>
+              <a:ext uri="{C183D7F6-B498-43B3-948B-1728B52AA6E4}">
+                <adec:decorative xmlns:adec="http://schemas.microsoft.com/office/drawing/2017/decorative" val="1"/>
+              </a:ext>
+            </a:extLst>
+          </p:cNvPr>
+          <p:cNvGrpSpPr>
+            <a:grpSpLocks noGrp="1" noUngrp="1" noRot="1" noChangeAspect="1" noMove="1" noResize="1"/>
+          </p:cNvGrpSpPr>
+          <p:nvPr>
+            <p:extLst>
+              <p:ext uri="{386F3935-93C4-4BCD-93E2-E3B085C9AB24}">
+                <p16:designElem xmlns:p16="http://schemas.microsoft.com/office/powerpoint/2015/main" val="1"/>
+              </p:ext>
+            </p:extLst>
+          </p:nvPr>
+        </p:nvGrpSpPr>
+        <p:grpSpPr>
+          <a:xfrm>
+            <a:off x="11401724" y="6229681"/>
+            <a:ext cx="457200" cy="457200"/>
+            <a:chOff x="11361456" y="6195813"/>
+            <a:chExt cx="548640" cy="548640"/>
+          </a:xfrm>
+        </p:grpSpPr>
+        <p:sp>
+          <p:nvSpPr>
+            <p:cNvPr id="141" name="Oval 140">
+              <a:extLst>
+                <a:ext uri="{FF2B5EF4-FFF2-40B4-BE49-F238E27FC236}">
+                  <a16:creationId xmlns:a16="http://schemas.microsoft.com/office/drawing/2014/main" id="{E8898E90-044F-45FF-8B4D-CE0F6A630A46}"/>
+                </a:ext>
+                <a:ext uri="{C183D7F6-B498-43B3-948B-1728B52AA6E4}">
+                  <adec:decorative xmlns:adec="http://schemas.microsoft.com/office/drawing/2017/decorative" val="1"/>
+                </a:ext>
+              </a:extLst>
+            </p:cNvPr>
+            <p:cNvSpPr/>
+            <p:nvPr>
+              <p:extLst>
+                <p:ext uri="{386F3935-93C4-4BCD-93E2-E3B085C9AB24}">
+                  <p16:designElem xmlns:p16="http://schemas.microsoft.com/office/powerpoint/2015/main" val="1"/>
+                </p:ext>
+              </p:extLst>
+            </p:nvPr>
+          </p:nvSpPr>
+          <p:spPr>
+            <a:xfrm>
+              <a:off x="11361456" y="6195813"/>
+              <a:ext cx="548640" cy="548640"/>
+            </a:xfrm>
+            <a:prstGeom prst="ellipse">
+              <a:avLst/>
+            </a:prstGeom>
+            <a:blipFill dpi="0" rotWithShape="1">
+              <a:blip r:embed="rId6">
+                <a:duotone>
+                  <a:schemeClr val="accent1">
+                    <a:shade val="45000"/>
+                    <a:satMod val="135000"/>
+                  </a:schemeClr>
+                  <a:prstClr val="white"/>
+                </a:duotone>
+              </a:blip>
+              <a:srcRect/>
+              <a:tile tx="50800" ty="0" sx="85000" sy="85000" flip="none" algn="tl"/>
+            </a:blipFill>
+            <a:ln w="25400" cap="flat" cmpd="sng" algn="ctr">
+              <a:noFill/>
+              <a:prstDash val="solid"/>
+            </a:ln>
+            <a:effectLst/>
+          </p:spPr>
+          <p:txBody>
+            <a:bodyPr lIns="0" tIns="0" rIns="0" bIns="0" rtlCol="0" anchor="ctr"/>
+            <a:lstStyle/>
+            <a:p>
+              <a:pPr marL="0" marR="0" lvl="0" indent="0" algn="ctr" defTabSz="914400" eaLnBrk="1" fontAlgn="auto" latinLnBrk="0" hangingPunct="1">
+                <a:lnSpc>
+                  <a:spcPct val="100000"/>
+                </a:lnSpc>
+                <a:spcBef>
+                  <a:spcPts val="0"/>
+                </a:spcBef>
+                <a:spcAft>
+                  <a:spcPts val="0"/>
+                </a:spcAft>
+                <a:buClrTx/>
+                <a:buSzTx/>
+                <a:buFontTx/>
+                <a:buNone/>
+                <a:tabLst/>
+                <a:defRPr/>
+              </a:pPr>
+              <a:endParaRPr kumimoji="0" lang="en-US" sz="2000" b="0" i="0" u="none" strike="noStrike" kern="0" cap="none" spc="0" normalizeH="0" baseline="0" noProof="0" dirty="0">
+                <a:ln>
+                  <a:noFill/>
+                </a:ln>
+                <a:solidFill>
+                  <a:prstClr val="white"/>
+                </a:solidFill>
+                <a:effectLst/>
+                <a:uLnTx/>
+                <a:uFillTx/>
+                <a:latin typeface="Rockwell Extra Bold" pitchFamily="18" charset="0"/>
+                <a:ea typeface="+mn-ea"/>
+                <a:cs typeface="+mn-cs"/>
+              </a:endParaRPr>
+            </a:p>
+          </p:txBody>
+        </p:sp>
+        <p:sp>
+          <p:nvSpPr>
+            <p:cNvPr id="142" name="Oval 141">
+              <a:extLst>
+                <a:ext uri="{FF2B5EF4-FFF2-40B4-BE49-F238E27FC236}">
+                  <a16:creationId xmlns:a16="http://schemas.microsoft.com/office/drawing/2014/main" id="{923BF161-A852-4DA5-BB4C-2DFC336B7779}"/>
+                </a:ext>
+                <a:ext uri="{C183D7F6-B498-43B3-948B-1728B52AA6E4}">
+                  <adec:decorative xmlns:adec="http://schemas.microsoft.com/office/drawing/2017/decorative" val="1"/>
+                </a:ext>
+              </a:extLst>
+            </p:cNvPr>
+            <p:cNvSpPr/>
+            <p:nvPr>
+              <p:extLst>
+                <p:ext uri="{386F3935-93C4-4BCD-93E2-E3B085C9AB24}">
+                  <p16:designElem xmlns:p16="http://schemas.microsoft.com/office/powerpoint/2015/main" val="1"/>
+                </p:ext>
+              </p:extLst>
+            </p:nvPr>
+          </p:nvSpPr>
+          <p:spPr>
+            <a:xfrm>
+              <a:off x="11396488" y="6230844"/>
+              <a:ext cx="478576" cy="478578"/>
+            </a:xfrm>
+            <a:prstGeom prst="ellipse">
+              <a:avLst/>
+            </a:prstGeom>
+            <a:noFill/>
+            <a:ln w="12700" cap="flat" cmpd="sng" algn="ctr">
+              <a:solidFill>
+                <a:srgbClr val="FFFFFF"/>
+              </a:solidFill>
+              <a:prstDash val="solid"/>
+            </a:ln>
+            <a:effectLst/>
+          </p:spPr>
+          <p:txBody>
+            <a:bodyPr rtlCol="0" anchor="ctr"/>
+            <a:lstStyle/>
+            <a:p>
+              <a:pPr marL="0" marR="0" lvl="0" indent="0" algn="ctr" defTabSz="914400" eaLnBrk="1" fontAlgn="auto" latinLnBrk="0" hangingPunct="1">
+                <a:lnSpc>
+                  <a:spcPct val="100000"/>
+                </a:lnSpc>
+                <a:spcBef>
+                  <a:spcPts val="0"/>
+                </a:spcBef>
+                <a:spcAft>
+                  <a:spcPts val="0"/>
+                </a:spcAft>
+                <a:buClrTx/>
+                <a:buSzTx/>
+                <a:buFontTx/>
+                <a:buNone/>
+                <a:tabLst/>
+                <a:defRPr/>
+              </a:pPr>
+              <a:endParaRPr kumimoji="0" lang="en-US" sz="1800" b="0" i="0" u="none" strike="noStrike" kern="0" cap="none" spc="0" normalizeH="0" baseline="0" noProof="0" dirty="0">
+                <a:ln>
+                  <a:noFill/>
+                </a:ln>
+                <a:solidFill>
+                  <a:prstClr val="white"/>
+                </a:solidFill>
+                <a:effectLst/>
+                <a:uLnTx/>
+                <a:uFillTx/>
+                <a:latin typeface="Calibri"/>
+                <a:ea typeface="+mn-ea"/>
+                <a:cs typeface="+mn-cs"/>
+              </a:endParaRPr>
+            </a:p>
+          </p:txBody>
+        </p:sp>
+      </p:grpSp>
+      <p:pic>
+        <p:nvPicPr>
+          <p:cNvPr id="7" name="Picture 6">
+            <a:extLst>
+              <a:ext uri="{FF2B5EF4-FFF2-40B4-BE49-F238E27FC236}">
+                <a16:creationId xmlns:a16="http://schemas.microsoft.com/office/drawing/2014/main" id="{16854629-3699-4330-8FD5-94BAF8022FCF}"/>
+              </a:ext>
+            </a:extLst>
+          </p:cNvPr>
+          <p:cNvPicPr>
+            <a:picLocks noChangeAspect="1"/>
+          </p:cNvPicPr>
+          <p:nvPr/>
+        </p:nvPicPr>
+        <p:blipFill>
+          <a:blip r:embed="rId7"/>
+          <a:stretch>
+            <a:fillRect/>
+          </a:stretch>
+        </p:blipFill>
+        <p:spPr>
+          <a:xfrm>
+            <a:off x="0" y="11519"/>
+            <a:ext cx="7467476" cy="6846480"/>
+          </a:xfrm>
+          <a:prstGeom prst="rect">
+            <a:avLst/>
+          </a:prstGeom>
+        </p:spPr>
+      </p:pic>
+    </p:spTree>
+    <p:extLst>
+      <p:ext uri="{BB962C8B-B14F-4D97-AF65-F5344CB8AC3E}">
+        <p14:creationId xmlns:p14="http://schemas.microsoft.com/office/powerpoint/2010/main" val="1759884271"/>
+      </p:ext>
+    </p:extLst>
+  </p:cSld>
+  <p:clrMapOvr>
+    <a:masterClrMapping/>
+  </p:clrMapOvr>
+</p:sld>
+</file>
+
+<file path=ppt/slides/slide21.xml><?xml version="1.0" encoding="utf-8"?>
+<p:sld xmlns:a="http://schemas.openxmlformats.org/drawingml/2006/main" xmlns:r="http://schemas.openxmlformats.org/officeDocument/2006/relationships" xmlns:p="http://schemas.openxmlformats.org/presentationml/2006/main">
+  <p:cSld>
+    <p:bg>
+      <p:bgPr>
+        <a:solidFill>
+          <a:schemeClr val="bg1"/>
+        </a:solidFill>
+        <a:effectLst/>
+      </p:bgPr>
+    </p:bg>
+    <p:spTree>
+      <p:nvGrpSpPr>
+        <p:cNvPr id="1" name=""/>
+        <p:cNvGrpSpPr/>
+        <p:nvPr/>
+      </p:nvGrpSpPr>
+      <p:grpSpPr>
+        <a:xfrm>
+          <a:off x="0" y="0"/>
+          <a:ext cx="0" cy="0"/>
+          <a:chOff x="0" y="0"/>
+          <a:chExt cx="0" cy="0"/>
+        </a:xfrm>
+      </p:grpSpPr>
+      <p:sp>
+        <p:nvSpPr>
+          <p:cNvPr id="146" name="Rectangle 145">
+            <a:extLst>
+              <a:ext uri="{FF2B5EF4-FFF2-40B4-BE49-F238E27FC236}">
+                <a16:creationId xmlns:a16="http://schemas.microsoft.com/office/drawing/2014/main" id="{501EBB4D-E42B-468D-B801-D16CF43ECBD2}"/>
+              </a:ext>
+              <a:ext uri="{C183D7F6-B498-43B3-948B-1728B52AA6E4}">
+                <adec:decorative xmlns:adec="http://schemas.microsoft.com/office/drawing/2017/decorative" val="1"/>
+              </a:ext>
+            </a:extLst>
+          </p:cNvPr>
+          <p:cNvSpPr>
+            <a:spLocks noGrp="1" noRot="1" noChangeAspect="1" noMove="1" noResize="1" noEditPoints="1" noAdjustHandles="1" noChangeArrowheads="1" noChangeShapeType="1" noTextEdit="1"/>
+          </p:cNvSpPr>
+          <p:nvPr>
+            <p:extLst>
+              <p:ext uri="{386F3935-93C4-4BCD-93E2-E3B085C9AB24}">
+                <p16:designElem xmlns:p16="http://schemas.microsoft.com/office/powerpoint/2015/main" val="1"/>
+              </p:ext>
+            </p:extLst>
+          </p:nvPr>
+        </p:nvSpPr>
+        <p:spPr>
+          <a:xfrm>
+            <a:off x="920834" y="1346946"/>
+            <a:ext cx="10222992" cy="80683"/>
+          </a:xfrm>
+          <a:prstGeom prst="rect">
+            <a:avLst/>
+          </a:prstGeom>
+          <a:blipFill dpi="0" rotWithShape="1">
+            <a:blip r:embed="rId2">
+              <a:alphaModFix amt="85000"/>
+              <a:lum bright="70000" contrast="-70000"/>
+              <a:extLst>
+                <a:ext uri="{BEBA8EAE-BF5A-486C-A8C5-ECC9F3942E4B}">
+                  <a14:imgProps xmlns:a14="http://schemas.microsoft.com/office/drawing/2010/main">
+                    <a14:imgLayer r:embed="rId3">
+                      <a14:imgEffect>
+                        <a14:sharpenSoften amount="61000"/>
+                      </a14:imgEffect>
+                    </a14:imgLayer>
+                  </a14:imgProps>
+                </a:ext>
+                <a:ext uri="{28A0092B-C50C-407E-A947-70E740481C1C}">
+                  <a14:useLocalDpi xmlns:a14="http://schemas.microsoft.com/office/drawing/2010/main" val="0"/>
+                </a:ext>
+              </a:extLst>
+            </a:blip>
+            <a:srcRect/>
+            <a:tile tx="0" ty="-762000" sx="92000" sy="89000" flip="xy" algn="ctr"/>
+          </a:blipFill>
+          <a:ln>
+            <a:noFill/>
+          </a:ln>
+        </p:spPr>
+        <p:style>
+          <a:lnRef idx="2">
+            <a:schemeClr val="accent1">
+              <a:shade val="50000"/>
+            </a:schemeClr>
+          </a:lnRef>
+          <a:fillRef idx="1">
+            <a:schemeClr val="accent1"/>
+          </a:fillRef>
+          <a:effectRef idx="0">
+            <a:schemeClr val="accent1"/>
+          </a:effectRef>
+          <a:fontRef idx="minor">
+            <a:schemeClr val="lt1"/>
+          </a:fontRef>
+        </p:style>
+        <p:txBody>
+          <a:bodyPr rtlCol="0" anchor="ctr"/>
+          <a:lstStyle/>
+          <a:p>
+            <a:pPr algn="ctr"/>
+            <a:endParaRPr lang="en-US"/>
+          </a:p>
+        </p:txBody>
+      </p:sp>
+      <p:sp>
+        <p:nvSpPr>
+          <p:cNvPr id="148" name="Rectangle 147">
+            <a:extLst>
+              <a:ext uri="{FF2B5EF4-FFF2-40B4-BE49-F238E27FC236}">
+                <a16:creationId xmlns:a16="http://schemas.microsoft.com/office/drawing/2014/main" id="{A7FBF63C-B061-4F66-8609-FED8EFFDAFE7}"/>
+              </a:ext>
+              <a:ext uri="{C183D7F6-B498-43B3-948B-1728B52AA6E4}">
+                <adec:decorative xmlns:adec="http://schemas.microsoft.com/office/drawing/2017/decorative" val="1"/>
+              </a:ext>
+            </a:extLst>
+          </p:cNvPr>
+          <p:cNvSpPr>
+            <a:spLocks noGrp="1" noRot="1" noChangeAspect="1" noMove="1" noResize="1" noEditPoints="1" noAdjustHandles="1" noChangeArrowheads="1" noChangeShapeType="1" noTextEdit="1"/>
+          </p:cNvSpPr>
+          <p:nvPr>
+            <p:extLst>
+              <p:ext uri="{386F3935-93C4-4BCD-93E2-E3B085C9AB24}">
+                <p16:designElem xmlns:p16="http://schemas.microsoft.com/office/powerpoint/2015/main" val="1"/>
+              </p:ext>
+            </p:extLst>
+          </p:nvPr>
+        </p:nvSpPr>
+        <p:spPr>
+          <a:xfrm>
+            <a:off x="920834" y="4299696"/>
+            <a:ext cx="10222992" cy="80683"/>
+          </a:xfrm>
+          <a:prstGeom prst="rect">
+            <a:avLst/>
+          </a:prstGeom>
+          <a:blipFill dpi="0" rotWithShape="1">
+            <a:blip r:embed="rId2">
+              <a:alphaModFix amt="85000"/>
+              <a:lum bright="70000" contrast="-70000"/>
+              <a:extLst>
+                <a:ext uri="{BEBA8EAE-BF5A-486C-A8C5-ECC9F3942E4B}">
+                  <a14:imgProps xmlns:a14="http://schemas.microsoft.com/office/drawing/2010/main">
+                    <a14:imgLayer r:embed="rId3">
+                      <a14:imgEffect>
+                        <a14:sharpenSoften amount="61000"/>
+                      </a14:imgEffect>
+                    </a14:imgLayer>
+                  </a14:imgProps>
+                </a:ext>
+                <a:ext uri="{28A0092B-C50C-407E-A947-70E740481C1C}">
+                  <a14:useLocalDpi xmlns:a14="http://schemas.microsoft.com/office/drawing/2010/main" val="0"/>
+                </a:ext>
+              </a:extLst>
+            </a:blip>
+            <a:srcRect/>
+            <a:tile tx="0" ty="-717550" sx="92000" sy="89000" flip="xy" algn="ctr"/>
+          </a:blipFill>
+          <a:ln>
+            <a:noFill/>
+          </a:ln>
+        </p:spPr>
+        <p:style>
+          <a:lnRef idx="2">
+            <a:schemeClr val="accent1">
+              <a:shade val="50000"/>
+            </a:schemeClr>
+          </a:lnRef>
+          <a:fillRef idx="1">
+            <a:schemeClr val="accent1"/>
+          </a:fillRef>
+          <a:effectRef idx="0">
+            <a:schemeClr val="accent1"/>
+          </a:effectRef>
+          <a:fontRef idx="minor">
+            <a:schemeClr val="lt1"/>
+          </a:fontRef>
+        </p:style>
+        <p:txBody>
+          <a:bodyPr rtlCol="0" anchor="ctr"/>
+          <a:lstStyle/>
+          <a:p>
+            <a:pPr algn="ctr"/>
+            <a:endParaRPr lang="en-US"/>
+          </a:p>
+        </p:txBody>
+      </p:sp>
+      <p:sp>
+        <p:nvSpPr>
+          <p:cNvPr id="150" name="Rectangle 149">
+            <a:extLst>
+              <a:ext uri="{FF2B5EF4-FFF2-40B4-BE49-F238E27FC236}">
+                <a16:creationId xmlns:a16="http://schemas.microsoft.com/office/drawing/2014/main" id="{D893CC27-5C56-4F6F-9B94-413AE08B922C}"/>
+              </a:ext>
+              <a:ext uri="{C183D7F6-B498-43B3-948B-1728B52AA6E4}">
+                <adec:decorative xmlns:adec="http://schemas.microsoft.com/office/drawing/2017/decorative" val="1"/>
+              </a:ext>
+            </a:extLst>
+          </p:cNvPr>
+          <p:cNvSpPr>
+            <a:spLocks noGrp="1" noRot="1" noChangeAspect="1" noMove="1" noResize="1" noEditPoints="1" noAdjustHandles="1" noChangeArrowheads="1" noChangeShapeType="1" noTextEdit="1"/>
+          </p:cNvSpPr>
+          <p:nvPr>
+            <p:extLst>
+              <p:ext uri="{386F3935-93C4-4BCD-93E2-E3B085C9AB24}">
+                <p16:designElem xmlns:p16="http://schemas.microsoft.com/office/powerpoint/2015/main" val="1"/>
+              </p:ext>
+            </p:extLst>
+          </p:nvPr>
+        </p:nvSpPr>
+        <p:spPr>
+          <a:xfrm>
+            <a:off x="920834" y="1484779"/>
+            <a:ext cx="10222992" cy="2743200"/>
+          </a:xfrm>
+          <a:prstGeom prst="rect">
+            <a:avLst/>
+          </a:prstGeom>
+          <a:blipFill dpi="0" rotWithShape="1">
+            <a:blip r:embed="rId2">
+              <a:alphaModFix amt="85000"/>
+              <a:lum bright="70000" contrast="-70000"/>
+              <a:extLst>
+                <a:ext uri="{BEBA8EAE-BF5A-486C-A8C5-ECC9F3942E4B}">
+                  <a14:imgProps xmlns:a14="http://schemas.microsoft.com/office/drawing/2010/main">
+                    <a14:imgLayer r:embed="rId3">
+                      <a14:imgEffect>
+                        <a14:sharpenSoften amount="61000"/>
+                      </a14:imgEffect>
+                    </a14:imgLayer>
+                  </a14:imgProps>
+                </a:ext>
+                <a:ext uri="{28A0092B-C50C-407E-A947-70E740481C1C}">
+                  <a14:useLocalDpi xmlns:a14="http://schemas.microsoft.com/office/drawing/2010/main" val="0"/>
+                </a:ext>
+              </a:extLst>
+            </a:blip>
+            <a:srcRect/>
+            <a:tile tx="0" ty="-704850" sx="92000" sy="89000" flip="xy" algn="ctr"/>
+          </a:blipFill>
+          <a:ln>
+            <a:noFill/>
+          </a:ln>
+        </p:spPr>
+        <p:style>
+          <a:lnRef idx="2">
+            <a:schemeClr val="accent1">
+              <a:shade val="50000"/>
+            </a:schemeClr>
+          </a:lnRef>
+          <a:fillRef idx="1">
+            <a:schemeClr val="accent1"/>
+          </a:fillRef>
+          <a:effectRef idx="0">
+            <a:schemeClr val="accent1"/>
+          </a:effectRef>
+          <a:fontRef idx="minor">
+            <a:schemeClr val="lt1"/>
+          </a:fontRef>
+        </p:style>
+        <p:txBody>
+          <a:bodyPr rtlCol="0" anchor="ctr"/>
+          <a:lstStyle/>
+          <a:p>
+            <a:pPr algn="ctr"/>
+            <a:endParaRPr lang="en-US"/>
+          </a:p>
+        </p:txBody>
+      </p:sp>
+      <p:grpSp>
+        <p:nvGrpSpPr>
+          <p:cNvPr id="152" name="Group 151">
+            <a:extLst>
+              <a:ext uri="{FF2B5EF4-FFF2-40B4-BE49-F238E27FC236}">
+                <a16:creationId xmlns:a16="http://schemas.microsoft.com/office/drawing/2014/main" id="{76D64082-5099-45DC-84A9-81EA54822BEE}"/>
+              </a:ext>
+              <a:ext uri="{C183D7F6-B498-43B3-948B-1728B52AA6E4}">
+                <adec:decorative xmlns:adec="http://schemas.microsoft.com/office/drawing/2017/decorative" val="1"/>
+              </a:ext>
+            </a:extLst>
+          </p:cNvPr>
+          <p:cNvGrpSpPr>
+            <a:grpSpLocks noGrp="1" noUngrp="1" noRot="1" noChangeAspect="1" noMove="1" noResize="1"/>
+          </p:cNvGrpSpPr>
+          <p:nvPr>
+            <p:extLst>
+              <p:ext uri="{386F3935-93C4-4BCD-93E2-E3B085C9AB24}">
+                <p16:designElem xmlns:p16="http://schemas.microsoft.com/office/powerpoint/2015/main" val="1"/>
+              </p:ext>
+            </p:extLst>
+          </p:nvPr>
+        </p:nvGrpSpPr>
+        <p:grpSpPr>
+          <a:xfrm>
+            <a:off x="9649215" y="4068923"/>
+            <a:ext cx="1080904" cy="1080902"/>
+            <a:chOff x="9685338" y="4460675"/>
+            <a:chExt cx="1080904" cy="1080902"/>
+          </a:xfrm>
+        </p:grpSpPr>
+        <p:sp>
+          <p:nvSpPr>
+            <p:cNvPr id="153" name="Oval 152">
+              <a:extLst>
+                <a:ext uri="{FF2B5EF4-FFF2-40B4-BE49-F238E27FC236}">
+                  <a16:creationId xmlns:a16="http://schemas.microsoft.com/office/drawing/2014/main" id="{A9E39E47-E101-4CE1-883E-6C6528BECEB6}"/>
+                </a:ext>
+                <a:ext uri="{C183D7F6-B498-43B3-948B-1728B52AA6E4}">
+                  <adec:decorative xmlns:adec="http://schemas.microsoft.com/office/drawing/2017/decorative" val="1"/>
+                </a:ext>
+              </a:extLst>
+            </p:cNvPr>
+            <p:cNvSpPr/>
+            <p:nvPr>
+              <p:extLst>
+                <p:ext uri="{386F3935-93C4-4BCD-93E2-E3B085C9AB24}">
+                  <p16:designElem xmlns:p16="http://schemas.microsoft.com/office/powerpoint/2015/main" val="1"/>
+                </p:ext>
+              </p:extLst>
+            </p:nvPr>
+          </p:nvSpPr>
+          <p:spPr>
+            <a:xfrm>
+              <a:off x="9685338" y="4460675"/>
+              <a:ext cx="1080904" cy="1080902"/>
+            </a:xfrm>
+            <a:prstGeom prst="ellipse">
+              <a:avLst/>
+            </a:prstGeom>
+            <a:blipFill dpi="0" rotWithShape="1">
+              <a:blip r:embed="rId4">
+                <a:duotone>
+                  <a:schemeClr val="accent1">
+                    <a:shade val="45000"/>
+                    <a:satMod val="135000"/>
+                  </a:schemeClr>
+                  <a:prstClr val="white"/>
+                </a:duotone>
+                <a:extLst>
+                  <a:ext uri="{BEBA8EAE-BF5A-486C-A8C5-ECC9F3942E4B}">
+                    <a14:imgProps xmlns:a14="http://schemas.microsoft.com/office/drawing/2010/main">
+                      <a14:imgLayer r:embed="rId5">
+                        <a14:imgEffect>
+                          <a14:saturation sat="95000"/>
+                        </a14:imgEffect>
+                      </a14:imgLayer>
+                    </a14:imgProps>
+                  </a:ext>
+                </a:extLst>
+              </a:blip>
+              <a:srcRect/>
+              <a:tile tx="0" ty="0" sx="85000" sy="85000" flip="none" algn="tl"/>
+            </a:blipFill>
+            <a:ln w="25400" cap="flat" cmpd="sng" algn="ctr">
+              <a:noFill/>
+              <a:prstDash val="solid"/>
+            </a:ln>
+            <a:effectLst/>
+          </p:spPr>
+          <p:txBody>
+            <a:bodyPr lIns="0" tIns="0" rIns="0" bIns="0" rtlCol="0" anchor="ctr"/>
+            <a:lstStyle/>
+            <a:p>
+              <a:pPr marL="0" marR="0" lvl="0" indent="0" algn="ctr" defTabSz="914400" eaLnBrk="1" fontAlgn="auto" latinLnBrk="0" hangingPunct="1">
+                <a:lnSpc>
+                  <a:spcPct val="100000"/>
+                </a:lnSpc>
+                <a:spcBef>
+                  <a:spcPts val="0"/>
+                </a:spcBef>
+                <a:spcAft>
+                  <a:spcPts val="0"/>
+                </a:spcAft>
+                <a:buClrTx/>
+                <a:buSzTx/>
+                <a:buFontTx/>
+                <a:buNone/>
+                <a:tabLst/>
+                <a:defRPr/>
+              </a:pPr>
+              <a:endParaRPr kumimoji="0" lang="en-US" sz="2000" b="0" i="0" u="none" strike="noStrike" kern="0" cap="none" spc="0" normalizeH="0" baseline="0" noProof="0" dirty="0">
+                <a:ln>
+                  <a:noFill/>
+                </a:ln>
+                <a:solidFill>
+                  <a:prstClr val="white"/>
+                </a:solidFill>
+                <a:effectLst/>
+                <a:uLnTx/>
+                <a:uFillTx/>
+                <a:latin typeface="Rockwell Extra Bold" pitchFamily="18" charset="0"/>
+                <a:ea typeface="+mn-ea"/>
+                <a:cs typeface="+mn-cs"/>
+              </a:endParaRPr>
+            </a:p>
+          </p:txBody>
+        </p:sp>
+        <p:sp>
+          <p:nvSpPr>
+            <p:cNvPr id="154" name="Oval 153">
+              <a:extLst>
+                <a:ext uri="{FF2B5EF4-FFF2-40B4-BE49-F238E27FC236}">
+                  <a16:creationId xmlns:a16="http://schemas.microsoft.com/office/drawing/2014/main" id="{2830CD01-B213-47C9-81AD-433E08F7DA95}"/>
+                </a:ext>
+                <a:ext uri="{C183D7F6-B498-43B3-948B-1728B52AA6E4}">
+                  <adec:decorative xmlns:adec="http://schemas.microsoft.com/office/drawing/2017/decorative" val="1"/>
+                </a:ext>
+              </a:extLst>
+            </p:cNvPr>
+            <p:cNvSpPr/>
+            <p:nvPr>
+              <p:extLst>
+                <p:ext uri="{386F3935-93C4-4BCD-93E2-E3B085C9AB24}">
+                  <p16:designElem xmlns:p16="http://schemas.microsoft.com/office/powerpoint/2015/main" val="1"/>
+                </p:ext>
+              </p:extLst>
+            </p:nvPr>
+          </p:nvSpPr>
+          <p:spPr>
+            <a:xfrm>
+              <a:off x="9793429" y="4568765"/>
+              <a:ext cx="864723" cy="864722"/>
+            </a:xfrm>
+            <a:prstGeom prst="ellipse">
+              <a:avLst/>
+            </a:prstGeom>
+            <a:noFill/>
+            <a:ln w="25400" cap="flat" cmpd="sng" algn="ctr">
+              <a:solidFill>
+                <a:sysClr val="window" lastClr="FFFFFF"/>
+              </a:solidFill>
+              <a:prstDash val="solid"/>
+            </a:ln>
+            <a:effectLst/>
+          </p:spPr>
+          <p:txBody>
+            <a:bodyPr rtlCol="0" anchor="ctr"/>
+            <a:lstStyle/>
+            <a:p>
+              <a:pPr marL="0" marR="0" lvl="0" indent="0" algn="ctr" defTabSz="914400" eaLnBrk="1" fontAlgn="auto" latinLnBrk="0" hangingPunct="1">
+                <a:lnSpc>
+                  <a:spcPct val="100000"/>
+                </a:lnSpc>
+                <a:spcBef>
+                  <a:spcPts val="0"/>
+                </a:spcBef>
+                <a:spcAft>
+                  <a:spcPts val="0"/>
+                </a:spcAft>
+                <a:buClrTx/>
+                <a:buSzTx/>
+                <a:buFontTx/>
+                <a:buNone/>
+                <a:tabLst/>
+                <a:defRPr/>
+              </a:pPr>
+              <a:endParaRPr kumimoji="0" lang="en-US" sz="1800" b="0" i="0" u="none" strike="noStrike" kern="0" cap="none" spc="0" normalizeH="0" baseline="0" noProof="0" dirty="0">
+                <a:ln>
+                  <a:noFill/>
+                </a:ln>
+                <a:solidFill>
+                  <a:prstClr val="white"/>
+                </a:solidFill>
+                <a:effectLst/>
+                <a:uLnTx/>
+                <a:uFillTx/>
+                <a:latin typeface="Calibri"/>
+                <a:ea typeface="+mn-ea"/>
+                <a:cs typeface="+mn-cs"/>
+              </a:endParaRPr>
+            </a:p>
+          </p:txBody>
+        </p:sp>
+      </p:grpSp>
+      <p:sp>
+        <p:nvSpPr>
+          <p:cNvPr id="156" name="Rectangle 155">
+            <a:extLst>
+              <a:ext uri="{FF2B5EF4-FFF2-40B4-BE49-F238E27FC236}">
+                <a16:creationId xmlns:a16="http://schemas.microsoft.com/office/drawing/2014/main" id="{D3942243-EB87-47B0-A725-FB513F644AB1}"/>
+              </a:ext>
+              <a:ext uri="{C183D7F6-B498-43B3-948B-1728B52AA6E4}">
+                <adec:decorative xmlns:adec="http://schemas.microsoft.com/office/drawing/2017/decorative" val="1"/>
+              </a:ext>
+            </a:extLst>
+          </p:cNvPr>
+          <p:cNvSpPr>
+            <a:spLocks noGrp="1" noRot="1" noChangeAspect="1" noMove="1" noResize="1" noEditPoints="1" noAdjustHandles="1" noChangeArrowheads="1" noChangeShapeType="1" noTextEdit="1"/>
+          </p:cNvSpPr>
+          <p:nvPr>
+            <p:extLst>
+              <p:ext uri="{386F3935-93C4-4BCD-93E2-E3B085C9AB24}">
+                <p16:designElem xmlns:p16="http://schemas.microsoft.com/office/powerpoint/2015/main" val="1"/>
+              </p:ext>
+            </p:extLst>
+          </p:nvPr>
+        </p:nvSpPr>
+        <p:spPr bwMode="white">
+          <a:xfrm>
+            <a:off x="-7620" y="-1"/>
+            <a:ext cx="12207240" cy="6858001"/>
+          </a:xfrm>
+          <a:prstGeom prst="rect">
+            <a:avLst/>
+          </a:prstGeom>
+          <a:solidFill>
+            <a:schemeClr val="bg1"/>
+          </a:solidFill>
+          <a:ln>
+            <a:noFill/>
+          </a:ln>
+        </p:spPr>
+        <p:style>
+          <a:lnRef idx="2">
+            <a:schemeClr val="accent1">
+              <a:shade val="50000"/>
+            </a:schemeClr>
+          </a:lnRef>
+          <a:fillRef idx="1">
+            <a:schemeClr val="accent1"/>
+          </a:fillRef>
+          <a:effectRef idx="0">
+            <a:schemeClr val="accent1"/>
+          </a:effectRef>
+          <a:fontRef idx="minor">
+            <a:schemeClr val="lt1"/>
+          </a:fontRef>
+        </p:style>
+        <p:txBody>
+          <a:bodyPr rot="0" spcFirstLastPara="0" vert="horz" wrap="square" lIns="91440" tIns="45720" rIns="91440" bIns="45720" numCol="1" spcCol="0" rtlCol="0" fromWordArt="0" anchor="ctr" anchorCtr="0" forceAA="0" compatLnSpc="1">
+            <a:prstTxWarp prst="textNoShape">
+              <a:avLst/>
+            </a:prstTxWarp>
+            <a:noAutofit/>
+          </a:bodyPr>
+          <a:lstStyle>
+            <a:defPPr>
+              <a:defRPr lang="en-US"/>
+            </a:defPPr>
+            <a:lvl1pPr marL="0" algn="l" defTabSz="914400" rtl="0" eaLnBrk="1" latinLnBrk="0" hangingPunct="1">
+              <a:defRPr sz="1800" kern="1200">
+                <a:solidFill>
+                  <a:schemeClr val="lt1"/>
+                </a:solidFill>
+                <a:latin typeface="+mn-lt"/>
+                <a:ea typeface="+mn-ea"/>
+                <a:cs typeface="+mn-cs"/>
+              </a:defRPr>
+            </a:lvl1pPr>
+            <a:lvl2pPr marL="457200" algn="l" defTabSz="914400" rtl="0" eaLnBrk="1" latinLnBrk="0" hangingPunct="1">
+              <a:defRPr sz="1800" kern="1200">
+                <a:solidFill>
+                  <a:schemeClr val="lt1"/>
+                </a:solidFill>
+                <a:latin typeface="+mn-lt"/>
+                <a:ea typeface="+mn-ea"/>
+                <a:cs typeface="+mn-cs"/>
+              </a:defRPr>
+            </a:lvl2pPr>
+            <a:lvl3pPr marL="914400" algn="l" defTabSz="914400" rtl="0" eaLnBrk="1" latinLnBrk="0" hangingPunct="1">
+              <a:defRPr sz="1800" kern="1200">
+                <a:solidFill>
+                  <a:schemeClr val="lt1"/>
+                </a:solidFill>
+                <a:latin typeface="+mn-lt"/>
+                <a:ea typeface="+mn-ea"/>
+                <a:cs typeface="+mn-cs"/>
+              </a:defRPr>
+            </a:lvl3pPr>
+            <a:lvl4pPr marL="1371600" algn="l" defTabSz="914400" rtl="0" eaLnBrk="1" latinLnBrk="0" hangingPunct="1">
+              <a:defRPr sz="1800" kern="1200">
+                <a:solidFill>
+                  <a:schemeClr val="lt1"/>
+                </a:solidFill>
+                <a:latin typeface="+mn-lt"/>
+                <a:ea typeface="+mn-ea"/>
+                <a:cs typeface="+mn-cs"/>
+              </a:defRPr>
+            </a:lvl4pPr>
+            <a:lvl5pPr marL="1828800" algn="l" defTabSz="914400" rtl="0" eaLnBrk="1" latinLnBrk="0" hangingPunct="1">
+              <a:defRPr sz="1800" kern="1200">
+                <a:solidFill>
+                  <a:schemeClr val="lt1"/>
+                </a:solidFill>
+                <a:latin typeface="+mn-lt"/>
+                <a:ea typeface="+mn-ea"/>
+                <a:cs typeface="+mn-cs"/>
+              </a:defRPr>
+            </a:lvl5pPr>
+            <a:lvl6pPr marL="2286000" algn="l" defTabSz="914400" rtl="0" eaLnBrk="1" latinLnBrk="0" hangingPunct="1">
+              <a:defRPr sz="1800" kern="1200">
+                <a:solidFill>
+                  <a:schemeClr val="lt1"/>
+                </a:solidFill>
+                <a:latin typeface="+mn-lt"/>
+                <a:ea typeface="+mn-ea"/>
+                <a:cs typeface="+mn-cs"/>
+              </a:defRPr>
+            </a:lvl6pPr>
+            <a:lvl7pPr marL="2743200" algn="l" defTabSz="914400" rtl="0" eaLnBrk="1" latinLnBrk="0" hangingPunct="1">
+              <a:defRPr sz="1800" kern="1200">
+                <a:solidFill>
+                  <a:schemeClr val="lt1"/>
+                </a:solidFill>
+                <a:latin typeface="+mn-lt"/>
+                <a:ea typeface="+mn-ea"/>
+                <a:cs typeface="+mn-cs"/>
+              </a:defRPr>
+            </a:lvl7pPr>
+            <a:lvl8pPr marL="3200400" algn="l" defTabSz="914400" rtl="0" eaLnBrk="1" latinLnBrk="0" hangingPunct="1">
+              <a:defRPr sz="1800" kern="1200">
+                <a:solidFill>
+                  <a:schemeClr val="lt1"/>
+                </a:solidFill>
+                <a:latin typeface="+mn-lt"/>
+                <a:ea typeface="+mn-ea"/>
+                <a:cs typeface="+mn-cs"/>
+              </a:defRPr>
+            </a:lvl8pPr>
+            <a:lvl9pPr marL="3657600" algn="l" defTabSz="914400" rtl="0" eaLnBrk="1" latinLnBrk="0" hangingPunct="1">
+              <a:defRPr sz="1800" kern="1200">
+                <a:solidFill>
+                  <a:schemeClr val="lt1"/>
+                </a:solidFill>
+                <a:latin typeface="+mn-lt"/>
+                <a:ea typeface="+mn-ea"/>
+                <a:cs typeface="+mn-cs"/>
+              </a:defRPr>
+            </a:lvl9pPr>
+          </a:lstStyle>
+          <a:p>
+            <a:pPr algn="ctr"/>
+            <a:endParaRPr lang="en-US"/>
+          </a:p>
+        </p:txBody>
+      </p:sp>
+      <p:pic>
+        <p:nvPicPr>
+          <p:cNvPr id="7" name="Picture 6">
+            <a:extLst>
+              <a:ext uri="{FF2B5EF4-FFF2-40B4-BE49-F238E27FC236}">
+                <a16:creationId xmlns:a16="http://schemas.microsoft.com/office/drawing/2014/main" id="{47F17B7D-E2C7-455F-A220-EABC697E5CAE}"/>
+              </a:ext>
+            </a:extLst>
+          </p:cNvPr>
+          <p:cNvPicPr>
+            <a:picLocks noChangeAspect="1"/>
+          </p:cNvPicPr>
+          <p:nvPr/>
+        </p:nvPicPr>
+        <p:blipFill rotWithShape="1">
+          <a:blip r:embed="rId6"/>
+          <a:srcRect t="4683" r="1" b="1"/>
+          <a:stretch/>
+        </p:blipFill>
+        <p:spPr>
+          <a:xfrm>
+            <a:off x="20" y="1"/>
+            <a:ext cx="6015547" cy="4257366"/>
+          </a:xfrm>
+          <a:prstGeom prst="rect">
+            <a:avLst/>
+          </a:prstGeom>
+        </p:spPr>
+      </p:pic>
+      <p:sp>
+        <p:nvSpPr>
+          <p:cNvPr id="158" name="Rectangle 157">
+            <a:extLst>
+              <a:ext uri="{FF2B5EF4-FFF2-40B4-BE49-F238E27FC236}">
+                <a16:creationId xmlns:a16="http://schemas.microsoft.com/office/drawing/2014/main" id="{51EA2B2F-0614-4D69-B22A-E70BCFCAD79C}"/>
+              </a:ext>
+              <a:ext uri="{C183D7F6-B498-43B3-948B-1728B52AA6E4}">
+                <adec:decorative xmlns:adec="http://schemas.microsoft.com/office/drawing/2017/decorative" val="1"/>
+              </a:ext>
+            </a:extLst>
+          </p:cNvPr>
+          <p:cNvSpPr>
+            <a:spLocks noGrp="1" noRot="1" noChangeAspect="1" noMove="1" noResize="1" noEditPoints="1" noAdjustHandles="1" noChangeArrowheads="1" noChangeShapeType="1" noTextEdit="1"/>
+          </p:cNvSpPr>
+          <p:nvPr>
+            <p:extLst>
+              <p:ext uri="{386F3935-93C4-4BCD-93E2-E3B085C9AB24}">
+                <p16:designElem xmlns:p16="http://schemas.microsoft.com/office/powerpoint/2015/main" val="1"/>
+              </p:ext>
+            </p:extLst>
+          </p:nvPr>
+        </p:nvSpPr>
+        <p:spPr>
+          <a:xfrm>
+            <a:off x="0" y="4257367"/>
+            <a:ext cx="12192000" cy="2610464"/>
+          </a:xfrm>
+          <a:prstGeom prst="rect">
+            <a:avLst/>
+          </a:prstGeom>
+          <a:blipFill dpi="0" rotWithShape="1">
+            <a:blip r:embed="rId2">
+              <a:alphaModFix amt="85000"/>
+              <a:lum bright="70000" contrast="-70000"/>
+              <a:extLst>
+                <a:ext uri="{BEBA8EAE-BF5A-486C-A8C5-ECC9F3942E4B}">
+                  <a14:imgProps xmlns:a14="http://schemas.microsoft.com/office/drawing/2010/main">
+                    <a14:imgLayer r:embed="rId3">
+                      <a14:imgEffect>
+                        <a14:sharpenSoften amount="61000"/>
+                      </a14:imgEffect>
+                    </a14:imgLayer>
+                  </a14:imgProps>
+                </a:ext>
+                <a:ext uri="{28A0092B-C50C-407E-A947-70E740481C1C}">
+                  <a14:useLocalDpi xmlns:a14="http://schemas.microsoft.com/office/drawing/2010/main" val="0"/>
+                </a:ext>
+              </a:extLst>
+            </a:blip>
+            <a:srcRect/>
+            <a:tile tx="0" ty="-704850" sx="92000" sy="89000" flip="xy" algn="ctr"/>
+          </a:blipFill>
+          <a:ln>
+            <a:noFill/>
+          </a:ln>
+        </p:spPr>
+        <p:style>
+          <a:lnRef idx="2">
+            <a:schemeClr val="accent1">
+              <a:shade val="50000"/>
+            </a:schemeClr>
+          </a:lnRef>
+          <a:fillRef idx="1">
+            <a:schemeClr val="accent1"/>
+          </a:fillRef>
+          <a:effectRef idx="0">
+            <a:schemeClr val="accent1"/>
+          </a:effectRef>
+          <a:fontRef idx="minor">
+            <a:schemeClr val="lt1"/>
+          </a:fontRef>
+        </p:style>
+        <p:txBody>
+          <a:bodyPr rtlCol="0" anchor="ctr"/>
+          <a:lstStyle/>
+          <a:p>
+            <a:pPr algn="ctr"/>
+            <a:endParaRPr lang="en-US"/>
+          </a:p>
+        </p:txBody>
+      </p:sp>
+      <p:sp>
+        <p:nvSpPr>
+          <p:cNvPr id="2" name="Title 1">
+            <a:extLst>
+              <a:ext uri="{FF2B5EF4-FFF2-40B4-BE49-F238E27FC236}">
+                <a16:creationId xmlns:a16="http://schemas.microsoft.com/office/drawing/2014/main" id="{1CD25530-E149-42E8-82D8-27CA1F5929D0}"/>
+              </a:ext>
+            </a:extLst>
+          </p:cNvPr>
+          <p:cNvSpPr>
+            <a:spLocks noGrp="1"/>
+          </p:cNvSpPr>
+          <p:nvPr>
+            <p:ph type="title"/>
+          </p:nvPr>
+        </p:nvSpPr>
+        <p:spPr>
+          <a:xfrm>
+            <a:off x="1051560" y="4355692"/>
+            <a:ext cx="9085940" cy="1472224"/>
+          </a:xfrm>
+        </p:spPr>
+        <p:txBody>
+          <a:bodyPr vert="horz" lIns="91440" tIns="45720" rIns="91440" bIns="45720" rtlCol="0" anchor="b">
+            <a:normAutofit/>
+          </a:bodyPr>
+          <a:lstStyle/>
+          <a:p>
+            <a:pPr>
+              <a:lnSpc>
+                <a:spcPct val="80000"/>
+              </a:lnSpc>
+            </a:pPr>
+            <a:r>
+              <a:rPr lang="en-US" sz="7200" kern="1200" cap="all" baseline="0">
+                <a:blipFill dpi="0" rotWithShape="1">
+                  <a:blip r:embed="rId4"/>
+                  <a:srcRect/>
+                  <a:tile tx="6350" ty="-127000" sx="65000" sy="64000" flip="none" algn="tl"/>
+                </a:blipFill>
+                <a:latin typeface="+mj-lt"/>
+                <a:ea typeface="+mj-ea"/>
+                <a:cs typeface="+mj-cs"/>
+              </a:rPr>
+              <a:t>XOr</a:t>
+            </a:r>
+            <a:r>
+              <a:rPr lang="en-US" sz="7200" kern="1200" cap="all" baseline="0" dirty="0">
+                <a:blipFill dpi="0" rotWithShape="1">
+                  <a:blip r:embed="rId4"/>
+                  <a:srcRect/>
+                  <a:tile tx="6350" ty="-127000" sx="65000" sy="64000" flip="none" algn="tl"/>
+                </a:blipFill>
+                <a:latin typeface="+mj-lt"/>
+                <a:ea typeface="+mj-ea"/>
+                <a:cs typeface="+mj-cs"/>
+              </a:rPr>
+              <a:t> Test results</a:t>
+            </a:r>
+          </a:p>
+        </p:txBody>
+      </p:sp>
+      <p:pic>
+        <p:nvPicPr>
+          <p:cNvPr id="4" name="Picture 3">
+            <a:extLst>
+              <a:ext uri="{FF2B5EF4-FFF2-40B4-BE49-F238E27FC236}">
+                <a16:creationId xmlns:a16="http://schemas.microsoft.com/office/drawing/2014/main" id="{44916D01-A6A2-4C6F-94CC-1EDF87630044}"/>
+              </a:ext>
+            </a:extLst>
+          </p:cNvPr>
+          <p:cNvPicPr>
+            <a:picLocks noChangeAspect="1"/>
+          </p:cNvPicPr>
+          <p:nvPr/>
+        </p:nvPicPr>
+        <p:blipFill rotWithShape="1">
+          <a:blip r:embed="rId7"/>
+          <a:srcRect t="4278" r="1" b="1"/>
+          <a:stretch/>
+        </p:blipFill>
+        <p:spPr>
+          <a:xfrm>
+            <a:off x="6176433" y="-2"/>
+            <a:ext cx="6015567" cy="4261104"/>
+          </a:xfrm>
+          <a:prstGeom prst="rect">
+            <a:avLst/>
+          </a:prstGeom>
+        </p:spPr>
+      </p:pic>
+      <p:grpSp>
+        <p:nvGrpSpPr>
+          <p:cNvPr id="160" name="Group 159">
+            <a:extLst>
+              <a:ext uri="{FF2B5EF4-FFF2-40B4-BE49-F238E27FC236}">
+                <a16:creationId xmlns:a16="http://schemas.microsoft.com/office/drawing/2014/main" id="{74F14128-2B23-48F2-BD56-EA0849FACCDA}"/>
+              </a:ext>
+              <a:ext uri="{C183D7F6-B498-43B3-948B-1728B52AA6E4}">
+                <adec:decorative xmlns:adec="http://schemas.microsoft.com/office/drawing/2017/decorative" val="1"/>
+              </a:ext>
+            </a:extLst>
+          </p:cNvPr>
+          <p:cNvGrpSpPr>
+            <a:grpSpLocks noGrp="1" noUngrp="1" noRot="1" noChangeAspect="1" noMove="1" noResize="1"/>
+          </p:cNvGrpSpPr>
+          <p:nvPr>
+            <p:extLst>
+              <p:ext uri="{386F3935-93C4-4BCD-93E2-E3B085C9AB24}">
+                <p16:designElem xmlns:p16="http://schemas.microsoft.com/office/powerpoint/2015/main" val="1"/>
+              </p:ext>
+            </p:extLst>
+          </p:nvPr>
+        </p:nvGrpSpPr>
+        <p:grpSpPr>
+          <a:xfrm>
+            <a:off x="10245590" y="5111496"/>
+            <a:ext cx="1080904" cy="1080902"/>
+            <a:chOff x="9685338" y="4460675"/>
+            <a:chExt cx="1080904" cy="1080902"/>
+          </a:xfrm>
+        </p:grpSpPr>
+        <p:sp>
+          <p:nvSpPr>
+            <p:cNvPr id="161" name="Oval 160">
+              <a:extLst>
+                <a:ext uri="{FF2B5EF4-FFF2-40B4-BE49-F238E27FC236}">
+                  <a16:creationId xmlns:a16="http://schemas.microsoft.com/office/drawing/2014/main" id="{1E646914-1486-4A28-BF54-E138E8A7A2B1}"/>
+                </a:ext>
+                <a:ext uri="{C183D7F6-B498-43B3-948B-1728B52AA6E4}">
+                  <adec:decorative xmlns:adec="http://schemas.microsoft.com/office/drawing/2017/decorative" val="1"/>
+                </a:ext>
+              </a:extLst>
+            </p:cNvPr>
+            <p:cNvSpPr/>
+            <p:nvPr>
+              <p:extLst>
+                <p:ext uri="{386F3935-93C4-4BCD-93E2-E3B085C9AB24}">
+                  <p16:designElem xmlns:p16="http://schemas.microsoft.com/office/powerpoint/2015/main" val="1"/>
+                </p:ext>
+              </p:extLst>
+            </p:nvPr>
+          </p:nvSpPr>
+          <p:spPr>
+            <a:xfrm>
+              <a:off x="9685338" y="4460675"/>
+              <a:ext cx="1080904" cy="1080902"/>
+            </a:xfrm>
+            <a:prstGeom prst="ellipse">
+              <a:avLst/>
+            </a:prstGeom>
+            <a:blipFill dpi="0" rotWithShape="1">
+              <a:blip r:embed="rId4">
+                <a:duotone>
+                  <a:schemeClr val="accent1">
+                    <a:shade val="45000"/>
+                    <a:satMod val="135000"/>
+                  </a:schemeClr>
+                  <a:prstClr val="white"/>
+                </a:duotone>
+              </a:blip>
+              <a:srcRect/>
+              <a:tile tx="0" ty="0" sx="85000" sy="85000" flip="none" algn="tl"/>
+            </a:blipFill>
+            <a:ln w="25400" cap="flat" cmpd="sng" algn="ctr">
+              <a:noFill/>
+              <a:prstDash val="solid"/>
+            </a:ln>
+            <a:effectLst/>
+          </p:spPr>
+          <p:txBody>
+            <a:bodyPr lIns="0" tIns="0" rIns="0" bIns="0" rtlCol="0" anchor="ctr"/>
+            <a:lstStyle/>
+            <a:p>
+              <a:pPr marL="0" marR="0" lvl="0" indent="0" algn="ctr" defTabSz="914400" eaLnBrk="1" fontAlgn="auto" latinLnBrk="0" hangingPunct="1">
+                <a:lnSpc>
+                  <a:spcPct val="100000"/>
+                </a:lnSpc>
+                <a:spcBef>
+                  <a:spcPts val="0"/>
+                </a:spcBef>
+                <a:spcAft>
+                  <a:spcPts val="0"/>
+                </a:spcAft>
+                <a:buClrTx/>
+                <a:buSzTx/>
+                <a:buFontTx/>
+                <a:buNone/>
+                <a:tabLst/>
+                <a:defRPr/>
+              </a:pPr>
+              <a:endParaRPr kumimoji="0" lang="en-US" sz="2000" b="0" i="0" u="none" strike="noStrike" kern="0" cap="none" spc="0" normalizeH="0" baseline="0" noProof="0" dirty="0">
+                <a:ln>
+                  <a:noFill/>
+                </a:ln>
+                <a:solidFill>
+                  <a:prstClr val="white"/>
+                </a:solidFill>
+                <a:effectLst/>
+                <a:uLnTx/>
+                <a:uFillTx/>
+                <a:latin typeface="Rockwell Extra Bold" pitchFamily="18" charset="0"/>
+                <a:ea typeface="+mn-ea"/>
+                <a:cs typeface="+mn-cs"/>
+              </a:endParaRPr>
+            </a:p>
+          </p:txBody>
+        </p:sp>
+        <p:sp>
+          <p:nvSpPr>
+            <p:cNvPr id="162" name="Oval 161">
+              <a:extLst>
+                <a:ext uri="{FF2B5EF4-FFF2-40B4-BE49-F238E27FC236}">
+                  <a16:creationId xmlns:a16="http://schemas.microsoft.com/office/drawing/2014/main" id="{DD627D15-B201-4E06-B8F9-73B6A6D1E09F}"/>
+                </a:ext>
+                <a:ext uri="{C183D7F6-B498-43B3-948B-1728B52AA6E4}">
+                  <adec:decorative xmlns:adec="http://schemas.microsoft.com/office/drawing/2017/decorative" val="1"/>
+                </a:ext>
+              </a:extLst>
+            </p:cNvPr>
+            <p:cNvSpPr/>
+            <p:nvPr>
+              <p:extLst>
+                <p:ext uri="{386F3935-93C4-4BCD-93E2-E3B085C9AB24}">
+                  <p16:designElem xmlns:p16="http://schemas.microsoft.com/office/powerpoint/2015/main" val="1"/>
+                </p:ext>
+              </p:extLst>
+            </p:nvPr>
+          </p:nvSpPr>
+          <p:spPr>
+            <a:xfrm>
+              <a:off x="9793429" y="4568765"/>
+              <a:ext cx="864723" cy="864722"/>
+            </a:xfrm>
+            <a:prstGeom prst="ellipse">
+              <a:avLst/>
+            </a:prstGeom>
+            <a:noFill/>
+            <a:ln w="25400" cap="flat" cmpd="sng" algn="ctr">
+              <a:solidFill>
+                <a:sysClr val="window" lastClr="FFFFFF"/>
+              </a:solidFill>
+              <a:prstDash val="solid"/>
+            </a:ln>
+            <a:effectLst/>
+          </p:spPr>
+          <p:txBody>
+            <a:bodyPr rtlCol="0" anchor="ctr"/>
+            <a:lstStyle/>
+            <a:p>
+              <a:pPr marL="0" marR="0" lvl="0" indent="0" algn="ctr" defTabSz="914400" eaLnBrk="1" fontAlgn="auto" latinLnBrk="0" hangingPunct="1">
+                <a:lnSpc>
+                  <a:spcPct val="100000"/>
+                </a:lnSpc>
+                <a:spcBef>
+                  <a:spcPts val="0"/>
+                </a:spcBef>
+                <a:spcAft>
+                  <a:spcPts val="0"/>
+                </a:spcAft>
+                <a:buClrTx/>
+                <a:buSzTx/>
+                <a:buFontTx/>
+                <a:buNone/>
+                <a:tabLst/>
+                <a:defRPr/>
+              </a:pPr>
+              <a:endParaRPr kumimoji="0" lang="en-US" sz="1800" b="0" i="0" u="none" strike="noStrike" kern="0" cap="none" spc="0" normalizeH="0" baseline="0" noProof="0" dirty="0">
+                <a:ln>
+                  <a:noFill/>
+                </a:ln>
+                <a:solidFill>
+                  <a:prstClr val="white"/>
+                </a:solidFill>
+                <a:effectLst/>
+                <a:uLnTx/>
+                <a:uFillTx/>
+                <a:latin typeface="Calibri"/>
+                <a:ea typeface="+mn-ea"/>
+                <a:cs typeface="+mn-cs"/>
+              </a:endParaRPr>
+            </a:p>
+          </p:txBody>
+        </p:sp>
+      </p:grpSp>
+    </p:spTree>
+    <p:extLst>
+      <p:ext uri="{BB962C8B-B14F-4D97-AF65-F5344CB8AC3E}">
+        <p14:creationId xmlns:p14="http://schemas.microsoft.com/office/powerpoint/2010/main" val="2762207866"/>
+      </p:ext>
+    </p:extLst>
+  </p:cSld>
+  <p:clrMapOvr>
+    <a:masterClrMapping/>
+  </p:clrMapOvr>
+</p:sld>
+</file>
+
+<file path=ppt/slides/slide22.xml><?xml version="1.0" encoding="utf-8"?>
+<p:sld xmlns:a="http://schemas.openxmlformats.org/drawingml/2006/main" xmlns:r="http://schemas.openxmlformats.org/officeDocument/2006/relationships" xmlns:p="http://schemas.openxmlformats.org/presentationml/2006/main">
+  <p:cSld>
+    <p:spTree>
+      <p:nvGrpSpPr>
+        <p:cNvPr id="1" name=""/>
+        <p:cNvGrpSpPr/>
+        <p:nvPr/>
+      </p:nvGrpSpPr>
+      <p:grpSpPr>
+        <a:xfrm>
+          <a:off x="0" y="0"/>
+          <a:ext cx="0" cy="0"/>
+          <a:chOff x="0" y="0"/>
+          <a:chExt cx="0" cy="0"/>
+        </a:xfrm>
+      </p:grpSpPr>
+      <p:sp>
+        <p:nvSpPr>
+          <p:cNvPr id="2" name="Title 1">
+            <a:extLst>
+              <a:ext uri="{FF2B5EF4-FFF2-40B4-BE49-F238E27FC236}">
+                <a16:creationId xmlns:a16="http://schemas.microsoft.com/office/drawing/2014/main" id="{1F9D9906-EDBF-4E40-916A-7CB1E79D3335}"/>
+              </a:ext>
+            </a:extLst>
+          </p:cNvPr>
+          <p:cNvSpPr>
+            <a:spLocks noGrp="1"/>
+          </p:cNvSpPr>
+          <p:nvPr>
+            <p:ph type="title"/>
+          </p:nvPr>
+        </p:nvSpPr>
+        <p:spPr/>
+        <p:txBody>
+          <a:bodyPr/>
+          <a:lstStyle/>
+          <a:p>
+            <a:r>
+              <a:rPr lang="en-US" dirty="0" err="1"/>
+              <a:t>XOr</a:t>
+            </a:r>
+            <a:r>
+              <a:rPr lang="en-US" dirty="0"/>
+              <a:t> gate v2 Design</a:t>
+            </a:r>
+          </a:p>
+        </p:txBody>
+      </p:sp>
+      <p:sp>
+        <p:nvSpPr>
+          <p:cNvPr id="3" name="Content Placeholder 2">
+            <a:extLst>
+              <a:ext uri="{FF2B5EF4-FFF2-40B4-BE49-F238E27FC236}">
+                <a16:creationId xmlns:a16="http://schemas.microsoft.com/office/drawing/2014/main" id="{DFF62754-7172-4BBD-B16E-EEA71B79C379}"/>
+              </a:ext>
+            </a:extLst>
+          </p:cNvPr>
+          <p:cNvSpPr>
+            <a:spLocks noGrp="1"/>
+          </p:cNvSpPr>
+          <p:nvPr>
+            <p:ph idx="1"/>
+          </p:nvPr>
+        </p:nvSpPr>
+        <p:spPr/>
+        <p:txBody>
+          <a:bodyPr/>
+          <a:lstStyle/>
+          <a:p>
+            <a:r>
+              <a:rPr lang="en-US" dirty="0"/>
+              <a:t>TODO: implement </a:t>
+            </a:r>
+            <a:r>
+              <a:rPr lang="en-US" dirty="0" err="1"/>
+              <a:t>Xor</a:t>
+            </a:r>
+            <a:r>
+              <a:rPr lang="en-US" dirty="0"/>
+              <a:t> with 4 Nand Gates. Example: </a:t>
+            </a:r>
+            <a:r>
+              <a:rPr lang="en-US" dirty="0">
+                <a:hlinkClick r:id="rId2"/>
+              </a:rPr>
+              <a:t>https://youtu.be/P5NKdMGGHRE?t=596</a:t>
+            </a:r>
+            <a:r>
+              <a:rPr lang="en-US" dirty="0"/>
+              <a:t> </a:t>
+            </a:r>
+          </a:p>
+        </p:txBody>
+      </p:sp>
+    </p:spTree>
+    <p:extLst>
+      <p:ext uri="{BB962C8B-B14F-4D97-AF65-F5344CB8AC3E}">
+        <p14:creationId xmlns:p14="http://schemas.microsoft.com/office/powerpoint/2010/main" val="2566503701"/>
+      </p:ext>
+    </p:extLst>
+  </p:cSld>
+  <p:clrMapOvr>
+    <a:masterClrMapping/>
+  </p:clrMapOvr>
+</p:sld>
+</file>
+
+<file path=ppt/slides/slide23.xml><?xml version="1.0" encoding="utf-8"?>
+<p:sld xmlns:a="http://schemas.openxmlformats.org/drawingml/2006/main" xmlns:r="http://schemas.openxmlformats.org/officeDocument/2006/relationships" xmlns:p="http://schemas.openxmlformats.org/presentationml/2006/main">
+  <p:cSld>
+    <p:bg>
+      <p:bgPr>
+        <a:solidFill>
+          <a:schemeClr val="bg1"/>
+        </a:solidFill>
+        <a:effectLst/>
+      </p:bgPr>
+    </p:bg>
+    <p:spTree>
+      <p:nvGrpSpPr>
+        <p:cNvPr id="1" name=""/>
+        <p:cNvGrpSpPr/>
+        <p:nvPr/>
+      </p:nvGrpSpPr>
+      <p:grpSpPr>
+        <a:xfrm>
+          <a:off x="0" y="0"/>
+          <a:ext cx="0" cy="0"/>
+          <a:chOff x="0" y="0"/>
+          <a:chExt cx="0" cy="0"/>
+        </a:xfrm>
+      </p:grpSpPr>
+      <p:sp>
+        <p:nvSpPr>
+          <p:cNvPr id="251" name="Rectangle 250">
+            <a:extLst>
+              <a:ext uri="{FF2B5EF4-FFF2-40B4-BE49-F238E27FC236}">
+                <a16:creationId xmlns:a16="http://schemas.microsoft.com/office/drawing/2014/main" id="{97BF936A-7CB7-4C57-98A3-96928DD27A37}"/>
+              </a:ext>
+              <a:ext uri="{C183D7F6-B498-43B3-948B-1728B52AA6E4}">
+                <adec:decorative xmlns:adec="http://schemas.microsoft.com/office/drawing/2017/decorative" val="1"/>
+              </a:ext>
+            </a:extLst>
+          </p:cNvPr>
+          <p:cNvSpPr>
+            <a:spLocks noGrp="1" noRot="1" noChangeAspect="1" noMove="1" noResize="1" noEditPoints="1" noAdjustHandles="1" noChangeArrowheads="1" noChangeShapeType="1" noTextEdit="1"/>
+          </p:cNvSpPr>
+          <p:nvPr>
+            <p:extLst>
+              <p:ext uri="{386F3935-93C4-4BCD-93E2-E3B085C9AB24}">
+                <p16:designElem xmlns:p16="http://schemas.microsoft.com/office/powerpoint/2015/main" val="1"/>
+              </p:ext>
+            </p:extLst>
+          </p:nvPr>
+        </p:nvSpPr>
+        <p:spPr>
+          <a:xfrm>
+            <a:off x="920834" y="1346946"/>
+            <a:ext cx="10222992" cy="80683"/>
+          </a:xfrm>
+          <a:prstGeom prst="rect">
+            <a:avLst/>
+          </a:prstGeom>
+          <a:blipFill dpi="0" rotWithShape="1">
+            <a:blip r:embed="rId2">
+              <a:alphaModFix amt="85000"/>
+              <a:lum bright="70000" contrast="-70000"/>
+              <a:extLst>
+                <a:ext uri="{BEBA8EAE-BF5A-486C-A8C5-ECC9F3942E4B}">
+                  <a14:imgProps xmlns:a14="http://schemas.microsoft.com/office/drawing/2010/main">
+                    <a14:imgLayer r:embed="rId3">
+                      <a14:imgEffect>
+                        <a14:sharpenSoften amount="61000"/>
+                      </a14:imgEffect>
+                    </a14:imgLayer>
+                  </a14:imgProps>
+                </a:ext>
+                <a:ext uri="{28A0092B-C50C-407E-A947-70E740481C1C}">
+                  <a14:useLocalDpi xmlns:a14="http://schemas.microsoft.com/office/drawing/2010/main" val="0"/>
+                </a:ext>
+              </a:extLst>
+            </a:blip>
+            <a:srcRect/>
+            <a:tile tx="0" ty="-762000" sx="92000" sy="89000" flip="xy" algn="ctr"/>
+          </a:blipFill>
+          <a:ln>
+            <a:noFill/>
+          </a:ln>
+        </p:spPr>
+        <p:style>
+          <a:lnRef idx="2">
+            <a:schemeClr val="accent1">
+              <a:shade val="50000"/>
+            </a:schemeClr>
+          </a:lnRef>
+          <a:fillRef idx="1">
+            <a:schemeClr val="accent1"/>
+          </a:fillRef>
+          <a:effectRef idx="0">
+            <a:schemeClr val="accent1"/>
+          </a:effectRef>
+          <a:fontRef idx="minor">
+            <a:schemeClr val="lt1"/>
+          </a:fontRef>
+        </p:style>
+        <p:txBody>
+          <a:bodyPr rtlCol="0" anchor="ctr"/>
+          <a:lstStyle/>
+          <a:p>
+            <a:pPr algn="ctr"/>
+            <a:endParaRPr lang="en-US"/>
+          </a:p>
+        </p:txBody>
+      </p:sp>
+      <p:sp>
+        <p:nvSpPr>
+          <p:cNvPr id="253" name="Rectangle 252">
+            <a:extLst>
+              <a:ext uri="{FF2B5EF4-FFF2-40B4-BE49-F238E27FC236}">
+                <a16:creationId xmlns:a16="http://schemas.microsoft.com/office/drawing/2014/main" id="{485C791B-FFA1-4943-B5E4-F5F145D8BDFE}"/>
+              </a:ext>
+              <a:ext uri="{C183D7F6-B498-43B3-948B-1728B52AA6E4}">
+                <adec:decorative xmlns:adec="http://schemas.microsoft.com/office/drawing/2017/decorative" val="1"/>
+              </a:ext>
+            </a:extLst>
+          </p:cNvPr>
+          <p:cNvSpPr>
+            <a:spLocks noGrp="1" noRot="1" noChangeAspect="1" noMove="1" noResize="1" noEditPoints="1" noAdjustHandles="1" noChangeArrowheads="1" noChangeShapeType="1" noTextEdit="1"/>
+          </p:cNvSpPr>
+          <p:nvPr>
+            <p:extLst>
+              <p:ext uri="{386F3935-93C4-4BCD-93E2-E3B085C9AB24}">
+                <p16:designElem xmlns:p16="http://schemas.microsoft.com/office/powerpoint/2015/main" val="1"/>
+              </p:ext>
+            </p:extLst>
+          </p:nvPr>
+        </p:nvSpPr>
+        <p:spPr>
+          <a:xfrm>
+            <a:off x="920834" y="4299696"/>
+            <a:ext cx="10222992" cy="80683"/>
+          </a:xfrm>
+          <a:prstGeom prst="rect">
+            <a:avLst/>
+          </a:prstGeom>
+          <a:blipFill dpi="0" rotWithShape="1">
+            <a:blip r:embed="rId2">
+              <a:alphaModFix amt="85000"/>
+              <a:lum bright="70000" contrast="-70000"/>
+              <a:extLst>
+                <a:ext uri="{BEBA8EAE-BF5A-486C-A8C5-ECC9F3942E4B}">
+                  <a14:imgProps xmlns:a14="http://schemas.microsoft.com/office/drawing/2010/main">
+                    <a14:imgLayer r:embed="rId3">
+                      <a14:imgEffect>
+                        <a14:sharpenSoften amount="61000"/>
+                      </a14:imgEffect>
+                    </a14:imgLayer>
+                  </a14:imgProps>
+                </a:ext>
+                <a:ext uri="{28A0092B-C50C-407E-A947-70E740481C1C}">
+                  <a14:useLocalDpi xmlns:a14="http://schemas.microsoft.com/office/drawing/2010/main" val="0"/>
+                </a:ext>
+              </a:extLst>
+            </a:blip>
+            <a:srcRect/>
+            <a:tile tx="0" ty="-717550" sx="92000" sy="89000" flip="xy" algn="ctr"/>
+          </a:blipFill>
+          <a:ln>
+            <a:noFill/>
+          </a:ln>
+        </p:spPr>
+        <p:style>
+          <a:lnRef idx="2">
+            <a:schemeClr val="accent1">
+              <a:shade val="50000"/>
+            </a:schemeClr>
+          </a:lnRef>
+          <a:fillRef idx="1">
+            <a:schemeClr val="accent1"/>
+          </a:fillRef>
+          <a:effectRef idx="0">
+            <a:schemeClr val="accent1"/>
+          </a:effectRef>
+          <a:fontRef idx="minor">
+            <a:schemeClr val="lt1"/>
+          </a:fontRef>
+        </p:style>
+        <p:txBody>
+          <a:bodyPr rtlCol="0" anchor="ctr"/>
+          <a:lstStyle/>
+          <a:p>
+            <a:pPr algn="ctr"/>
+            <a:endParaRPr lang="en-US"/>
+          </a:p>
+        </p:txBody>
+      </p:sp>
+      <p:sp>
+        <p:nvSpPr>
+          <p:cNvPr id="255" name="Rectangle 254">
+            <a:extLst>
+              <a:ext uri="{FF2B5EF4-FFF2-40B4-BE49-F238E27FC236}">
+                <a16:creationId xmlns:a16="http://schemas.microsoft.com/office/drawing/2014/main" id="{D8671DBD-7165-4BE6-80A0-045723A9A3E3}"/>
+              </a:ext>
+              <a:ext uri="{C183D7F6-B498-43B3-948B-1728B52AA6E4}">
+                <adec:decorative xmlns:adec="http://schemas.microsoft.com/office/drawing/2017/decorative" val="1"/>
+              </a:ext>
+            </a:extLst>
+          </p:cNvPr>
+          <p:cNvSpPr>
+            <a:spLocks noGrp="1" noRot="1" noChangeAspect="1" noMove="1" noResize="1" noEditPoints="1" noAdjustHandles="1" noChangeArrowheads="1" noChangeShapeType="1" noTextEdit="1"/>
+          </p:cNvSpPr>
+          <p:nvPr>
+            <p:extLst>
+              <p:ext uri="{386F3935-93C4-4BCD-93E2-E3B085C9AB24}">
+                <p16:designElem xmlns:p16="http://schemas.microsoft.com/office/powerpoint/2015/main" val="1"/>
+              </p:ext>
+            </p:extLst>
+          </p:nvPr>
+        </p:nvSpPr>
+        <p:spPr>
+          <a:xfrm>
+            <a:off x="920834" y="1484779"/>
+            <a:ext cx="10222992" cy="2743200"/>
+          </a:xfrm>
+          <a:prstGeom prst="rect">
+            <a:avLst/>
+          </a:prstGeom>
+          <a:blipFill dpi="0" rotWithShape="1">
+            <a:blip r:embed="rId2">
+              <a:alphaModFix amt="85000"/>
+              <a:lum bright="70000" contrast="-70000"/>
+              <a:extLst>
+                <a:ext uri="{BEBA8EAE-BF5A-486C-A8C5-ECC9F3942E4B}">
+                  <a14:imgProps xmlns:a14="http://schemas.microsoft.com/office/drawing/2010/main">
+                    <a14:imgLayer r:embed="rId3">
+                      <a14:imgEffect>
+                        <a14:sharpenSoften amount="61000"/>
+                      </a14:imgEffect>
+                    </a14:imgLayer>
+                  </a14:imgProps>
+                </a:ext>
+                <a:ext uri="{28A0092B-C50C-407E-A947-70E740481C1C}">
+                  <a14:useLocalDpi xmlns:a14="http://schemas.microsoft.com/office/drawing/2010/main" val="0"/>
+                </a:ext>
+              </a:extLst>
+            </a:blip>
+            <a:srcRect/>
+            <a:tile tx="0" ty="-704850" sx="92000" sy="89000" flip="xy" algn="ctr"/>
+          </a:blipFill>
+          <a:ln>
+            <a:noFill/>
+          </a:ln>
+        </p:spPr>
+        <p:style>
+          <a:lnRef idx="2">
+            <a:schemeClr val="accent1">
+              <a:shade val="50000"/>
+            </a:schemeClr>
+          </a:lnRef>
+          <a:fillRef idx="1">
+            <a:schemeClr val="accent1"/>
+          </a:fillRef>
+          <a:effectRef idx="0">
+            <a:schemeClr val="accent1"/>
+          </a:effectRef>
+          <a:fontRef idx="minor">
+            <a:schemeClr val="lt1"/>
+          </a:fontRef>
+        </p:style>
+        <p:txBody>
+          <a:bodyPr rtlCol="0" anchor="ctr"/>
+          <a:lstStyle/>
+          <a:p>
+            <a:pPr algn="ctr"/>
+            <a:endParaRPr lang="en-US"/>
+          </a:p>
+        </p:txBody>
+      </p:sp>
+      <p:grpSp>
+        <p:nvGrpSpPr>
+          <p:cNvPr id="257" name="Group 256">
+            <a:extLst>
+              <a:ext uri="{FF2B5EF4-FFF2-40B4-BE49-F238E27FC236}">
+                <a16:creationId xmlns:a16="http://schemas.microsoft.com/office/drawing/2014/main" id="{D622AD38-5C0D-490C-A06A-D1F07E29CB11}"/>
+              </a:ext>
+              <a:ext uri="{C183D7F6-B498-43B3-948B-1728B52AA6E4}">
+                <adec:decorative xmlns:adec="http://schemas.microsoft.com/office/drawing/2017/decorative" val="1"/>
+              </a:ext>
+            </a:extLst>
+          </p:cNvPr>
+          <p:cNvGrpSpPr>
+            <a:grpSpLocks noGrp="1" noUngrp="1" noRot="1" noChangeAspect="1" noMove="1" noResize="1"/>
+          </p:cNvGrpSpPr>
+          <p:nvPr>
+            <p:extLst>
+              <p:ext uri="{386F3935-93C4-4BCD-93E2-E3B085C9AB24}">
+                <p16:designElem xmlns:p16="http://schemas.microsoft.com/office/powerpoint/2015/main" val="1"/>
+              </p:ext>
+            </p:extLst>
+          </p:nvPr>
+        </p:nvGrpSpPr>
+        <p:grpSpPr>
+          <a:xfrm>
+            <a:off x="9649215" y="4068923"/>
+            <a:ext cx="1080904" cy="1080902"/>
+            <a:chOff x="9685338" y="4460675"/>
+            <a:chExt cx="1080904" cy="1080902"/>
+          </a:xfrm>
+        </p:grpSpPr>
+        <p:sp>
+          <p:nvSpPr>
+            <p:cNvPr id="258" name="Oval 257">
+              <a:extLst>
+                <a:ext uri="{FF2B5EF4-FFF2-40B4-BE49-F238E27FC236}">
+                  <a16:creationId xmlns:a16="http://schemas.microsoft.com/office/drawing/2014/main" id="{ED57AEAB-0276-4D94-93D9-3A090A1FD75A}"/>
+                </a:ext>
+                <a:ext uri="{C183D7F6-B498-43B3-948B-1728B52AA6E4}">
+                  <adec:decorative xmlns:adec="http://schemas.microsoft.com/office/drawing/2017/decorative" val="1"/>
+                </a:ext>
+              </a:extLst>
+            </p:cNvPr>
+            <p:cNvSpPr/>
+            <p:nvPr>
+              <p:extLst>
+                <p:ext uri="{386F3935-93C4-4BCD-93E2-E3B085C9AB24}">
+                  <p16:designElem xmlns:p16="http://schemas.microsoft.com/office/powerpoint/2015/main" val="1"/>
+                </p:ext>
+              </p:extLst>
+            </p:nvPr>
+          </p:nvSpPr>
+          <p:spPr>
+            <a:xfrm>
+              <a:off x="9685338" y="4460675"/>
+              <a:ext cx="1080904" cy="1080902"/>
+            </a:xfrm>
+            <a:prstGeom prst="ellipse">
+              <a:avLst/>
+            </a:prstGeom>
+            <a:blipFill dpi="0" rotWithShape="1">
+              <a:blip r:embed="rId4">
+                <a:duotone>
+                  <a:schemeClr val="accent1">
+                    <a:shade val="45000"/>
+                    <a:satMod val="135000"/>
+                  </a:schemeClr>
+                  <a:prstClr val="white"/>
+                </a:duotone>
+                <a:extLst>
+                  <a:ext uri="{BEBA8EAE-BF5A-486C-A8C5-ECC9F3942E4B}">
+                    <a14:imgProps xmlns:a14="http://schemas.microsoft.com/office/drawing/2010/main">
+                      <a14:imgLayer r:embed="rId5">
+                        <a14:imgEffect>
+                          <a14:saturation sat="95000"/>
+                        </a14:imgEffect>
+                      </a14:imgLayer>
+                    </a14:imgProps>
+                  </a:ext>
+                </a:extLst>
+              </a:blip>
+              <a:srcRect/>
+              <a:tile tx="0" ty="0" sx="85000" sy="85000" flip="none" algn="tl"/>
+            </a:blipFill>
+            <a:ln w="25400" cap="flat" cmpd="sng" algn="ctr">
+              <a:noFill/>
+              <a:prstDash val="solid"/>
+            </a:ln>
+            <a:effectLst/>
+          </p:spPr>
+          <p:txBody>
+            <a:bodyPr lIns="0" tIns="0" rIns="0" bIns="0" rtlCol="0" anchor="ctr"/>
+            <a:lstStyle/>
+            <a:p>
+              <a:pPr marL="0" marR="0" lvl="0" indent="0" algn="ctr" defTabSz="914400" eaLnBrk="1" fontAlgn="auto" latinLnBrk="0" hangingPunct="1">
+                <a:lnSpc>
+                  <a:spcPct val="100000"/>
+                </a:lnSpc>
+                <a:spcBef>
+                  <a:spcPts val="0"/>
+                </a:spcBef>
+                <a:spcAft>
+                  <a:spcPts val="0"/>
+                </a:spcAft>
+                <a:buClrTx/>
+                <a:buSzTx/>
+                <a:buFontTx/>
+                <a:buNone/>
+                <a:tabLst/>
+                <a:defRPr/>
+              </a:pPr>
+              <a:endParaRPr kumimoji="0" lang="en-US" sz="2000" b="0" i="0" u="none" strike="noStrike" kern="0" cap="none" spc="0" normalizeH="0" baseline="0" noProof="0" dirty="0">
+                <a:ln>
+                  <a:noFill/>
+                </a:ln>
+                <a:solidFill>
+                  <a:prstClr val="white"/>
+                </a:solidFill>
+                <a:effectLst/>
+                <a:uLnTx/>
+                <a:uFillTx/>
+                <a:latin typeface="Rockwell Extra Bold" pitchFamily="18" charset="0"/>
+                <a:ea typeface="+mn-ea"/>
+                <a:cs typeface="+mn-cs"/>
+              </a:endParaRPr>
+            </a:p>
+          </p:txBody>
+        </p:sp>
+        <p:sp>
+          <p:nvSpPr>
+            <p:cNvPr id="259" name="Oval 258">
+              <a:extLst>
+                <a:ext uri="{FF2B5EF4-FFF2-40B4-BE49-F238E27FC236}">
+                  <a16:creationId xmlns:a16="http://schemas.microsoft.com/office/drawing/2014/main" id="{CCF33569-0434-460F-AFA4-D829E476AE56}"/>
+                </a:ext>
+                <a:ext uri="{C183D7F6-B498-43B3-948B-1728B52AA6E4}">
+                  <adec:decorative xmlns:adec="http://schemas.microsoft.com/office/drawing/2017/decorative" val="1"/>
+                </a:ext>
+              </a:extLst>
+            </p:cNvPr>
+            <p:cNvSpPr/>
+            <p:nvPr>
+              <p:extLst>
+                <p:ext uri="{386F3935-93C4-4BCD-93E2-E3B085C9AB24}">
+                  <p16:designElem xmlns:p16="http://schemas.microsoft.com/office/powerpoint/2015/main" val="1"/>
+                </p:ext>
+              </p:extLst>
+            </p:nvPr>
+          </p:nvSpPr>
+          <p:spPr>
+            <a:xfrm>
+              <a:off x="9793429" y="4568765"/>
+              <a:ext cx="864723" cy="864722"/>
+            </a:xfrm>
+            <a:prstGeom prst="ellipse">
+              <a:avLst/>
+            </a:prstGeom>
+            <a:noFill/>
+            <a:ln w="25400" cap="flat" cmpd="sng" algn="ctr">
+              <a:solidFill>
+                <a:sysClr val="window" lastClr="FFFFFF"/>
+              </a:solidFill>
+              <a:prstDash val="solid"/>
+            </a:ln>
+            <a:effectLst/>
+          </p:spPr>
+          <p:txBody>
+            <a:bodyPr rtlCol="0" anchor="ctr"/>
+            <a:lstStyle/>
+            <a:p>
+              <a:pPr marL="0" marR="0" lvl="0" indent="0" algn="ctr" defTabSz="914400" eaLnBrk="1" fontAlgn="auto" latinLnBrk="0" hangingPunct="1">
+                <a:lnSpc>
+                  <a:spcPct val="100000"/>
+                </a:lnSpc>
+                <a:spcBef>
+                  <a:spcPts val="0"/>
+                </a:spcBef>
+                <a:spcAft>
+                  <a:spcPts val="0"/>
+                </a:spcAft>
+                <a:buClrTx/>
+                <a:buSzTx/>
+                <a:buFontTx/>
+                <a:buNone/>
+                <a:tabLst/>
+                <a:defRPr/>
+              </a:pPr>
+              <a:endParaRPr kumimoji="0" lang="en-US" sz="1800" b="0" i="0" u="none" strike="noStrike" kern="0" cap="none" spc="0" normalizeH="0" baseline="0" noProof="0" dirty="0">
+                <a:ln>
+                  <a:noFill/>
+                </a:ln>
+                <a:solidFill>
+                  <a:prstClr val="white"/>
+                </a:solidFill>
+                <a:effectLst/>
+                <a:uLnTx/>
+                <a:uFillTx/>
+                <a:latin typeface="Calibri"/>
+                <a:ea typeface="+mn-ea"/>
+                <a:cs typeface="+mn-cs"/>
+              </a:endParaRPr>
+            </a:p>
+          </p:txBody>
+        </p:sp>
+      </p:grpSp>
+      <p:sp>
+        <p:nvSpPr>
+          <p:cNvPr id="261" name="Rectangle 260">
+            <a:extLst>
+              <a:ext uri="{FF2B5EF4-FFF2-40B4-BE49-F238E27FC236}">
+                <a16:creationId xmlns:a16="http://schemas.microsoft.com/office/drawing/2014/main" id="{FC4A6789-55AC-42E6-9425-33CA7D05C941}"/>
+              </a:ext>
+              <a:ext uri="{C183D7F6-B498-43B3-948B-1728B52AA6E4}">
+                <adec:decorative xmlns:adec="http://schemas.microsoft.com/office/drawing/2017/decorative" val="1"/>
+              </a:ext>
+            </a:extLst>
+          </p:cNvPr>
+          <p:cNvSpPr>
+            <a:spLocks noGrp="1" noRot="1" noChangeAspect="1" noMove="1" noResize="1" noEditPoints="1" noAdjustHandles="1" noChangeArrowheads="1" noChangeShapeType="1" noTextEdit="1"/>
+          </p:cNvSpPr>
+          <p:nvPr>
+            <p:extLst>
+              <p:ext uri="{386F3935-93C4-4BCD-93E2-E3B085C9AB24}">
+                <p16:designElem xmlns:p16="http://schemas.microsoft.com/office/powerpoint/2015/main" val="1"/>
+              </p:ext>
+            </p:extLst>
+          </p:nvPr>
+        </p:nvSpPr>
+        <p:spPr bwMode="white">
+          <a:xfrm>
+            <a:off x="0" y="0"/>
+            <a:ext cx="12188952" cy="6858001"/>
+          </a:xfrm>
+          <a:prstGeom prst="rect">
+            <a:avLst/>
+          </a:prstGeom>
+          <a:solidFill>
+            <a:schemeClr val="bg1"/>
+          </a:solidFill>
+          <a:ln>
+            <a:noFill/>
+          </a:ln>
+        </p:spPr>
+        <p:style>
+          <a:lnRef idx="2">
+            <a:schemeClr val="accent1">
+              <a:shade val="50000"/>
+            </a:schemeClr>
+          </a:lnRef>
+          <a:fillRef idx="1">
+            <a:schemeClr val="accent1"/>
+          </a:fillRef>
+          <a:effectRef idx="0">
+            <a:schemeClr val="accent1"/>
+          </a:effectRef>
+          <a:fontRef idx="minor">
+            <a:schemeClr val="lt1"/>
+          </a:fontRef>
+        </p:style>
+        <p:txBody>
+          <a:bodyPr rot="0" spcFirstLastPara="0" vert="horz" wrap="square" lIns="91440" tIns="45720" rIns="91440" bIns="45720" numCol="1" spcCol="0" rtlCol="0" fromWordArt="0" anchor="ctr" anchorCtr="0" forceAA="0" compatLnSpc="1">
+            <a:prstTxWarp prst="textNoShape">
+              <a:avLst/>
+            </a:prstTxWarp>
+            <a:noAutofit/>
+          </a:bodyPr>
+          <a:lstStyle>
+            <a:defPPr>
+              <a:defRPr lang="en-US"/>
+            </a:defPPr>
+            <a:lvl1pPr marL="0" algn="l" defTabSz="914400" rtl="0" eaLnBrk="1" latinLnBrk="0" hangingPunct="1">
+              <a:defRPr sz="1800" kern="1200">
+                <a:solidFill>
+                  <a:schemeClr val="lt1"/>
+                </a:solidFill>
+                <a:latin typeface="+mn-lt"/>
+                <a:ea typeface="+mn-ea"/>
+                <a:cs typeface="+mn-cs"/>
+              </a:defRPr>
+            </a:lvl1pPr>
+            <a:lvl2pPr marL="457200" algn="l" defTabSz="914400" rtl="0" eaLnBrk="1" latinLnBrk="0" hangingPunct="1">
+              <a:defRPr sz="1800" kern="1200">
+                <a:solidFill>
+                  <a:schemeClr val="lt1"/>
+                </a:solidFill>
+                <a:latin typeface="+mn-lt"/>
+                <a:ea typeface="+mn-ea"/>
+                <a:cs typeface="+mn-cs"/>
+              </a:defRPr>
+            </a:lvl2pPr>
+            <a:lvl3pPr marL="914400" algn="l" defTabSz="914400" rtl="0" eaLnBrk="1" latinLnBrk="0" hangingPunct="1">
+              <a:defRPr sz="1800" kern="1200">
+                <a:solidFill>
+                  <a:schemeClr val="lt1"/>
+                </a:solidFill>
+                <a:latin typeface="+mn-lt"/>
+                <a:ea typeface="+mn-ea"/>
+                <a:cs typeface="+mn-cs"/>
+              </a:defRPr>
+            </a:lvl3pPr>
+            <a:lvl4pPr marL="1371600" algn="l" defTabSz="914400" rtl="0" eaLnBrk="1" latinLnBrk="0" hangingPunct="1">
+              <a:defRPr sz="1800" kern="1200">
+                <a:solidFill>
+                  <a:schemeClr val="lt1"/>
+                </a:solidFill>
+                <a:latin typeface="+mn-lt"/>
+                <a:ea typeface="+mn-ea"/>
+                <a:cs typeface="+mn-cs"/>
+              </a:defRPr>
+            </a:lvl4pPr>
+            <a:lvl5pPr marL="1828800" algn="l" defTabSz="914400" rtl="0" eaLnBrk="1" latinLnBrk="0" hangingPunct="1">
+              <a:defRPr sz="1800" kern="1200">
+                <a:solidFill>
+                  <a:schemeClr val="lt1"/>
+                </a:solidFill>
+                <a:latin typeface="+mn-lt"/>
+                <a:ea typeface="+mn-ea"/>
+                <a:cs typeface="+mn-cs"/>
+              </a:defRPr>
+            </a:lvl5pPr>
+            <a:lvl6pPr marL="2286000" algn="l" defTabSz="914400" rtl="0" eaLnBrk="1" latinLnBrk="0" hangingPunct="1">
+              <a:defRPr sz="1800" kern="1200">
+                <a:solidFill>
+                  <a:schemeClr val="lt1"/>
+                </a:solidFill>
+                <a:latin typeface="+mn-lt"/>
+                <a:ea typeface="+mn-ea"/>
+                <a:cs typeface="+mn-cs"/>
+              </a:defRPr>
+            </a:lvl6pPr>
+            <a:lvl7pPr marL="2743200" algn="l" defTabSz="914400" rtl="0" eaLnBrk="1" latinLnBrk="0" hangingPunct="1">
+              <a:defRPr sz="1800" kern="1200">
+                <a:solidFill>
+                  <a:schemeClr val="lt1"/>
+                </a:solidFill>
+                <a:latin typeface="+mn-lt"/>
+                <a:ea typeface="+mn-ea"/>
+                <a:cs typeface="+mn-cs"/>
+              </a:defRPr>
+            </a:lvl7pPr>
+            <a:lvl8pPr marL="3200400" algn="l" defTabSz="914400" rtl="0" eaLnBrk="1" latinLnBrk="0" hangingPunct="1">
+              <a:defRPr sz="1800" kern="1200">
+                <a:solidFill>
+                  <a:schemeClr val="lt1"/>
+                </a:solidFill>
+                <a:latin typeface="+mn-lt"/>
+                <a:ea typeface="+mn-ea"/>
+                <a:cs typeface="+mn-cs"/>
+              </a:defRPr>
+            </a:lvl8pPr>
+            <a:lvl9pPr marL="3657600" algn="l" defTabSz="914400" rtl="0" eaLnBrk="1" latinLnBrk="0" hangingPunct="1">
+              <a:defRPr sz="1800" kern="1200">
+                <a:solidFill>
+                  <a:schemeClr val="lt1"/>
+                </a:solidFill>
+                <a:latin typeface="+mn-lt"/>
+                <a:ea typeface="+mn-ea"/>
+                <a:cs typeface="+mn-cs"/>
+              </a:defRPr>
+            </a:lvl9pPr>
+          </a:lstStyle>
+          <a:p>
+            <a:pPr algn="ctr"/>
+            <a:endParaRPr lang="en-US"/>
+          </a:p>
+        </p:txBody>
+      </p:sp>
+      <p:sp>
+        <p:nvSpPr>
+          <p:cNvPr id="263" name="Rectangle 262">
+            <a:extLst>
+              <a:ext uri="{FF2B5EF4-FFF2-40B4-BE49-F238E27FC236}">
+                <a16:creationId xmlns:a16="http://schemas.microsoft.com/office/drawing/2014/main" id="{20718D89-30AF-42EF-86AB-FF232D79775F}"/>
+              </a:ext>
+              <a:ext uri="{C183D7F6-B498-43B3-948B-1728B52AA6E4}">
+                <adec:decorative xmlns:adec="http://schemas.microsoft.com/office/drawing/2017/decorative" val="1"/>
+              </a:ext>
+            </a:extLst>
+          </p:cNvPr>
+          <p:cNvSpPr>
+            <a:spLocks noGrp="1" noRot="1" noChangeAspect="1" noMove="1" noResize="1" noEditPoints="1" noAdjustHandles="1" noChangeArrowheads="1" noChangeShapeType="1" noTextEdit="1"/>
+          </p:cNvSpPr>
+          <p:nvPr>
+            <p:extLst>
+              <p:ext uri="{386F3935-93C4-4BCD-93E2-E3B085C9AB24}">
+                <p16:designElem xmlns:p16="http://schemas.microsoft.com/office/powerpoint/2015/main" val="1"/>
+              </p:ext>
+            </p:extLst>
+          </p:nvPr>
+        </p:nvSpPr>
+        <p:spPr>
+          <a:xfrm>
+            <a:off x="799087" y="1110053"/>
+            <a:ext cx="3386371" cy="4580301"/>
+          </a:xfrm>
+          <a:prstGeom prst="rect">
+            <a:avLst/>
+          </a:prstGeom>
+          <a:blipFill dpi="0" rotWithShape="1">
+            <a:blip r:embed="rId2">
+              <a:alphaModFix amt="85000"/>
+              <a:lum bright="70000" contrast="-70000"/>
+              <a:extLst>
+                <a:ext uri="{BEBA8EAE-BF5A-486C-A8C5-ECC9F3942E4B}">
+                  <a14:imgProps xmlns:a14="http://schemas.microsoft.com/office/drawing/2010/main">
+                    <a14:imgLayer r:embed="rId3">
+                      <a14:imgEffect>
+                        <a14:sharpenSoften amount="61000"/>
+                      </a14:imgEffect>
+                    </a14:imgLayer>
+                  </a14:imgProps>
+                </a:ext>
+                <a:ext uri="{28A0092B-C50C-407E-A947-70E740481C1C}">
+                  <a14:useLocalDpi xmlns:a14="http://schemas.microsoft.com/office/drawing/2010/main" val="0"/>
+                </a:ext>
+              </a:extLst>
+            </a:blip>
+            <a:srcRect/>
+            <a:tile tx="0" ty="-704850" sx="92000" sy="89000" flip="xy" algn="ctr"/>
+          </a:blipFill>
+          <a:ln>
+            <a:noFill/>
+          </a:ln>
+        </p:spPr>
+        <p:style>
+          <a:lnRef idx="2">
+            <a:schemeClr val="accent1">
+              <a:shade val="50000"/>
+            </a:schemeClr>
+          </a:lnRef>
+          <a:fillRef idx="1">
+            <a:schemeClr val="accent1"/>
+          </a:fillRef>
+          <a:effectRef idx="0">
+            <a:schemeClr val="accent1"/>
+          </a:effectRef>
+          <a:fontRef idx="minor">
+            <a:schemeClr val="lt1"/>
+          </a:fontRef>
+        </p:style>
+        <p:txBody>
+          <a:bodyPr rtlCol="0" anchor="ctr"/>
+          <a:lstStyle/>
+          <a:p>
+            <a:pPr algn="ctr"/>
+            <a:endParaRPr lang="en-US"/>
+          </a:p>
+        </p:txBody>
+      </p:sp>
+      <p:sp>
+        <p:nvSpPr>
+          <p:cNvPr id="2" name="Title 1">
+            <a:extLst>
+              <a:ext uri="{FF2B5EF4-FFF2-40B4-BE49-F238E27FC236}">
+                <a16:creationId xmlns:a16="http://schemas.microsoft.com/office/drawing/2014/main" id="{4D7CC8EA-65DE-4CED-869D-1A0FEE128838}"/>
+              </a:ext>
+            </a:extLst>
+          </p:cNvPr>
+          <p:cNvSpPr>
+            <a:spLocks noGrp="1"/>
+          </p:cNvSpPr>
+          <p:nvPr>
+            <p:ph type="title"/>
+          </p:nvPr>
+        </p:nvSpPr>
+        <p:spPr>
+          <a:xfrm>
+            <a:off x="1113719" y="1432223"/>
+            <a:ext cx="2897826" cy="3357976"/>
+          </a:xfrm>
+        </p:spPr>
+        <p:txBody>
+          <a:bodyPr vert="horz" lIns="91440" tIns="45720" rIns="91440" bIns="45720" rtlCol="0" anchor="ctr">
+            <a:normAutofit/>
+          </a:bodyPr>
+          <a:lstStyle/>
+          <a:p>
+            <a:pPr>
+              <a:lnSpc>
+                <a:spcPct val="80000"/>
+              </a:lnSpc>
+            </a:pPr>
+            <a:r>
+              <a:rPr lang="en-US" sz="2400" kern="1200" cap="all" baseline="0" dirty="0">
+                <a:blipFill dpi="0" rotWithShape="1">
+                  <a:blip r:embed="rId4"/>
+                  <a:srcRect/>
+                  <a:tile tx="6350" ty="-127000" sx="65000" sy="64000" flip="none" algn="tl"/>
+                </a:blipFill>
+                <a:latin typeface="+mj-lt"/>
+                <a:ea typeface="+mj-ea"/>
+                <a:cs typeface="+mj-cs"/>
+                <a:hlinkClick r:id="rId6"/>
+              </a:rPr>
+              <a:t>https://logic.ly/demo</a:t>
+            </a:r>
+            <a:endParaRPr lang="en-US" sz="2400" kern="1200" cap="all" baseline="0" dirty="0">
+              <a:blipFill dpi="0" rotWithShape="1">
+                <a:blip r:embed="rId4"/>
+                <a:srcRect/>
+                <a:tile tx="6350" ty="-127000" sx="65000" sy="64000" flip="none" algn="tl"/>
+              </a:blipFill>
+              <a:latin typeface="+mj-lt"/>
+              <a:ea typeface="+mj-ea"/>
+              <a:cs typeface="+mj-cs"/>
+            </a:endParaRPr>
+          </a:p>
+        </p:txBody>
+      </p:sp>
+      <p:sp>
+        <p:nvSpPr>
+          <p:cNvPr id="265" name="Rectangle 264">
+            <a:extLst>
+              <a:ext uri="{FF2B5EF4-FFF2-40B4-BE49-F238E27FC236}">
+                <a16:creationId xmlns:a16="http://schemas.microsoft.com/office/drawing/2014/main" id="{0C6CBCA2-E9FC-45B2-A370-2BA218D8A626}"/>
+              </a:ext>
+              <a:ext uri="{C183D7F6-B498-43B3-948B-1728B52AA6E4}">
+                <adec:decorative xmlns:adec="http://schemas.microsoft.com/office/drawing/2017/decorative" val="1"/>
+              </a:ext>
+            </a:extLst>
+          </p:cNvPr>
+          <p:cNvSpPr>
+            <a:spLocks noGrp="1" noRot="1" noChangeAspect="1" noMove="1" noResize="1" noEditPoints="1" noAdjustHandles="1" noChangeArrowheads="1" noChangeShapeType="1" noTextEdit="1"/>
+          </p:cNvSpPr>
+          <p:nvPr>
+            <p:extLst>
+              <p:ext uri="{386F3935-93C4-4BCD-93E2-E3B085C9AB24}">
+                <p16:designElem xmlns:p16="http://schemas.microsoft.com/office/powerpoint/2015/main" val="1"/>
+              </p:ext>
+            </p:extLst>
+          </p:nvPr>
+        </p:nvSpPr>
+        <p:spPr>
+          <a:xfrm>
+            <a:off x="799087" y="928117"/>
+            <a:ext cx="10597896" cy="80683"/>
+          </a:xfrm>
+          <a:prstGeom prst="rect">
+            <a:avLst/>
+          </a:prstGeom>
+          <a:blipFill dpi="0" rotWithShape="1">
+            <a:blip r:embed="rId2">
+              <a:alphaModFix amt="85000"/>
+              <a:lum bright="70000" contrast="-70000"/>
+              <a:extLst>
+                <a:ext uri="{BEBA8EAE-BF5A-486C-A8C5-ECC9F3942E4B}">
+                  <a14:imgProps xmlns:a14="http://schemas.microsoft.com/office/drawing/2010/main">
+                    <a14:imgLayer r:embed="rId3">
+                      <a14:imgEffect>
+                        <a14:sharpenSoften amount="61000"/>
+                      </a14:imgEffect>
+                    </a14:imgLayer>
+                  </a14:imgProps>
+                </a:ext>
+                <a:ext uri="{28A0092B-C50C-407E-A947-70E740481C1C}">
+                  <a14:useLocalDpi xmlns:a14="http://schemas.microsoft.com/office/drawing/2010/main" val="0"/>
+                </a:ext>
+              </a:extLst>
+            </a:blip>
+            <a:srcRect/>
+            <a:tile tx="0" ty="-762000" sx="92000" sy="89000" flip="xy" algn="ctr"/>
+          </a:blipFill>
+          <a:ln>
+            <a:noFill/>
+          </a:ln>
+        </p:spPr>
+        <p:style>
+          <a:lnRef idx="2">
+            <a:schemeClr val="accent1">
+              <a:shade val="50000"/>
+            </a:schemeClr>
+          </a:lnRef>
+          <a:fillRef idx="1">
+            <a:schemeClr val="accent1"/>
+          </a:fillRef>
+          <a:effectRef idx="0">
+            <a:schemeClr val="accent1"/>
+          </a:effectRef>
+          <a:fontRef idx="minor">
+            <a:schemeClr val="lt1"/>
+          </a:fontRef>
+        </p:style>
+        <p:txBody>
+          <a:bodyPr rtlCol="0" anchor="ctr"/>
+          <a:lstStyle/>
+          <a:p>
+            <a:pPr algn="ctr"/>
+            <a:endParaRPr lang="en-US"/>
+          </a:p>
+        </p:txBody>
+      </p:sp>
+      <p:pic>
+        <p:nvPicPr>
+          <p:cNvPr id="13" name="Picture 12">
+            <a:extLst>
+              <a:ext uri="{FF2B5EF4-FFF2-40B4-BE49-F238E27FC236}">
+                <a16:creationId xmlns:a16="http://schemas.microsoft.com/office/drawing/2014/main" id="{A43FA190-1D86-4607-B52F-63FDBCD53F59}"/>
+              </a:ext>
+            </a:extLst>
+          </p:cNvPr>
+          <p:cNvPicPr>
+            <a:picLocks noChangeAspect="1"/>
+          </p:cNvPicPr>
+          <p:nvPr/>
+        </p:nvPicPr>
+        <p:blipFill>
+          <a:blip r:embed="rId7"/>
+          <a:stretch>
+            <a:fillRect/>
+          </a:stretch>
+        </p:blipFill>
+        <p:spPr>
+          <a:xfrm>
+            <a:off x="4500090" y="1566018"/>
+            <a:ext cx="3287581" cy="1241061"/>
+          </a:xfrm>
+          <a:prstGeom prst="rect">
+            <a:avLst/>
+          </a:prstGeom>
+        </p:spPr>
+      </p:pic>
+      <p:pic>
+        <p:nvPicPr>
+          <p:cNvPr id="5" name="Picture 4">
+            <a:extLst>
+              <a:ext uri="{FF2B5EF4-FFF2-40B4-BE49-F238E27FC236}">
+                <a16:creationId xmlns:a16="http://schemas.microsoft.com/office/drawing/2014/main" id="{32E0F96D-05ED-48F3-BBC7-35F07EB5AED5}"/>
+              </a:ext>
+            </a:extLst>
+          </p:cNvPr>
+          <p:cNvPicPr>
+            <a:picLocks noChangeAspect="1"/>
+          </p:cNvPicPr>
+          <p:nvPr/>
+        </p:nvPicPr>
+        <p:blipFill>
+          <a:blip r:embed="rId8"/>
+          <a:stretch>
+            <a:fillRect/>
+          </a:stretch>
+        </p:blipFill>
+        <p:spPr>
+          <a:xfrm>
+            <a:off x="8109405" y="1561909"/>
+            <a:ext cx="3287578" cy="1249279"/>
+          </a:xfrm>
+          <a:prstGeom prst="rect">
+            <a:avLst/>
+          </a:prstGeom>
+        </p:spPr>
+      </p:pic>
+      <p:pic>
+        <p:nvPicPr>
+          <p:cNvPr id="8" name="Picture 7">
+            <a:extLst>
+              <a:ext uri="{FF2B5EF4-FFF2-40B4-BE49-F238E27FC236}">
+                <a16:creationId xmlns:a16="http://schemas.microsoft.com/office/drawing/2014/main" id="{FAE43852-4ED6-4C83-89B9-577D83DCC904}"/>
+              </a:ext>
+            </a:extLst>
+          </p:cNvPr>
+          <p:cNvPicPr>
+            <a:picLocks noChangeAspect="1"/>
+          </p:cNvPicPr>
+          <p:nvPr/>
+        </p:nvPicPr>
+        <p:blipFill>
+          <a:blip r:embed="rId9"/>
+          <a:stretch>
+            <a:fillRect/>
+          </a:stretch>
+        </p:blipFill>
+        <p:spPr>
+          <a:xfrm>
+            <a:off x="4500090" y="3992348"/>
+            <a:ext cx="3287581" cy="1232842"/>
+          </a:xfrm>
+          <a:prstGeom prst="rect">
+            <a:avLst/>
+          </a:prstGeom>
+        </p:spPr>
+      </p:pic>
+      <p:pic>
+        <p:nvPicPr>
+          <p:cNvPr id="10" name="Picture 9">
+            <a:extLst>
+              <a:ext uri="{FF2B5EF4-FFF2-40B4-BE49-F238E27FC236}">
+                <a16:creationId xmlns:a16="http://schemas.microsoft.com/office/drawing/2014/main" id="{1BA159D5-7A4C-48D6-BB4F-9B31D7C93F05}"/>
+              </a:ext>
+            </a:extLst>
+          </p:cNvPr>
+          <p:cNvPicPr>
+            <a:picLocks noChangeAspect="1"/>
+          </p:cNvPicPr>
+          <p:nvPr/>
+        </p:nvPicPr>
+        <p:blipFill>
+          <a:blip r:embed="rId10"/>
+          <a:stretch>
+            <a:fillRect/>
+          </a:stretch>
+        </p:blipFill>
+        <p:spPr>
+          <a:xfrm>
+            <a:off x="8109405" y="3848443"/>
+            <a:ext cx="3287578" cy="1224622"/>
+          </a:xfrm>
+          <a:prstGeom prst="rect">
+            <a:avLst/>
+          </a:prstGeom>
+        </p:spPr>
+      </p:pic>
+      <p:sp>
+        <p:nvSpPr>
+          <p:cNvPr id="267" name="Rectangle 266">
+            <a:extLst>
+              <a:ext uri="{FF2B5EF4-FFF2-40B4-BE49-F238E27FC236}">
+                <a16:creationId xmlns:a16="http://schemas.microsoft.com/office/drawing/2014/main" id="{609AF6DF-BB66-41AD-AAFF-4B2CF37F1A25}"/>
+              </a:ext>
+              <a:ext uri="{C183D7F6-B498-43B3-948B-1728B52AA6E4}">
+                <adec:decorative xmlns:adec="http://schemas.microsoft.com/office/drawing/2017/decorative" val="1"/>
+              </a:ext>
+            </a:extLst>
+          </p:cNvPr>
+          <p:cNvSpPr>
+            <a:spLocks noGrp="1" noRot="1" noChangeAspect="1" noMove="1" noResize="1" noEditPoints="1" noAdjustHandles="1" noChangeArrowheads="1" noChangeShapeType="1" noTextEdit="1"/>
+          </p:cNvSpPr>
+          <p:nvPr>
+            <p:extLst>
+              <p:ext uri="{386F3935-93C4-4BCD-93E2-E3B085C9AB24}">
+                <p16:designElem xmlns:p16="http://schemas.microsoft.com/office/powerpoint/2015/main" val="1"/>
+              </p:ext>
+            </p:extLst>
+          </p:nvPr>
+        </p:nvSpPr>
+        <p:spPr>
+          <a:xfrm>
+            <a:off x="799087" y="5820583"/>
+            <a:ext cx="10597896" cy="80683"/>
+          </a:xfrm>
+          <a:prstGeom prst="rect">
+            <a:avLst/>
+          </a:prstGeom>
+          <a:blipFill dpi="0" rotWithShape="1">
+            <a:blip r:embed="rId2">
+              <a:alphaModFix amt="85000"/>
+              <a:lum bright="70000" contrast="-70000"/>
+              <a:extLst>
+                <a:ext uri="{BEBA8EAE-BF5A-486C-A8C5-ECC9F3942E4B}">
+                  <a14:imgProps xmlns:a14="http://schemas.microsoft.com/office/drawing/2010/main">
+                    <a14:imgLayer r:embed="rId3">
+                      <a14:imgEffect>
+                        <a14:sharpenSoften amount="61000"/>
+                      </a14:imgEffect>
+                    </a14:imgLayer>
+                  </a14:imgProps>
+                </a:ext>
+                <a:ext uri="{28A0092B-C50C-407E-A947-70E740481C1C}">
+                  <a14:useLocalDpi xmlns:a14="http://schemas.microsoft.com/office/drawing/2010/main" val="0"/>
+                </a:ext>
+              </a:extLst>
+            </a:blip>
+            <a:srcRect/>
+            <a:tile tx="0" ty="-762000" sx="92000" sy="89000" flip="xy" algn="ctr"/>
+          </a:blipFill>
+          <a:ln>
+            <a:noFill/>
+          </a:ln>
+        </p:spPr>
+        <p:style>
+          <a:lnRef idx="2">
+            <a:schemeClr val="accent1">
+              <a:shade val="50000"/>
+            </a:schemeClr>
+          </a:lnRef>
+          <a:fillRef idx="1">
+            <a:schemeClr val="accent1"/>
+          </a:fillRef>
+          <a:effectRef idx="0">
+            <a:schemeClr val="accent1"/>
+          </a:effectRef>
+          <a:fontRef idx="minor">
+            <a:schemeClr val="lt1"/>
+          </a:fontRef>
+        </p:style>
+        <p:txBody>
+          <a:bodyPr rtlCol="0" anchor="ctr"/>
+          <a:lstStyle/>
+          <a:p>
+            <a:pPr algn="ctr"/>
+            <a:endParaRPr lang="en-US"/>
+          </a:p>
+        </p:txBody>
+      </p:sp>
+      <p:grpSp>
+        <p:nvGrpSpPr>
+          <p:cNvPr id="269" name="Group 268">
+            <a:extLst>
+              <a:ext uri="{FF2B5EF4-FFF2-40B4-BE49-F238E27FC236}">
+                <a16:creationId xmlns:a16="http://schemas.microsoft.com/office/drawing/2014/main" id="{9C6DACB6-6C32-4382-9C54-2EA21977F34D}"/>
+              </a:ext>
+              <a:ext uri="{C183D7F6-B498-43B3-948B-1728B52AA6E4}">
+                <adec:decorative xmlns:adec="http://schemas.microsoft.com/office/drawing/2017/decorative" val="1"/>
+              </a:ext>
+            </a:extLst>
+          </p:cNvPr>
+          <p:cNvGrpSpPr>
+            <a:grpSpLocks noGrp="1" noUngrp="1" noRot="1" noChangeAspect="1" noMove="1" noResize="1"/>
+          </p:cNvGrpSpPr>
+          <p:nvPr>
+            <p:extLst>
+              <p:ext uri="{386F3935-93C4-4BCD-93E2-E3B085C9AB24}">
+                <p16:designElem xmlns:p16="http://schemas.microsoft.com/office/powerpoint/2015/main" val="1"/>
+              </p:ext>
+            </p:extLst>
+          </p:nvPr>
+        </p:nvGrpSpPr>
+        <p:grpSpPr>
+          <a:xfrm>
+            <a:off x="9731790" y="5477256"/>
+            <a:ext cx="914400" cy="914400"/>
+            <a:chOff x="9685338" y="4460675"/>
+            <a:chExt cx="1080904" cy="1080902"/>
+          </a:xfrm>
+        </p:grpSpPr>
+        <p:sp>
+          <p:nvSpPr>
+            <p:cNvPr id="270" name="Oval 269">
+              <a:extLst>
+                <a:ext uri="{FF2B5EF4-FFF2-40B4-BE49-F238E27FC236}">
+                  <a16:creationId xmlns:a16="http://schemas.microsoft.com/office/drawing/2014/main" id="{D389BFCA-D695-4FB6-A90C-0D7549676DC3}"/>
+                </a:ext>
+                <a:ext uri="{C183D7F6-B498-43B3-948B-1728B52AA6E4}">
+                  <adec:decorative xmlns:adec="http://schemas.microsoft.com/office/drawing/2017/decorative" val="1"/>
+                </a:ext>
+              </a:extLst>
+            </p:cNvPr>
+            <p:cNvSpPr/>
+            <p:nvPr>
+              <p:extLst>
+                <p:ext uri="{386F3935-93C4-4BCD-93E2-E3B085C9AB24}">
+                  <p16:designElem xmlns:p16="http://schemas.microsoft.com/office/powerpoint/2015/main" val="1"/>
+                </p:ext>
+              </p:extLst>
+            </p:nvPr>
+          </p:nvSpPr>
+          <p:spPr>
+            <a:xfrm>
+              <a:off x="9685338" y="4460675"/>
+              <a:ext cx="1080904" cy="1080902"/>
+            </a:xfrm>
+            <a:prstGeom prst="ellipse">
+              <a:avLst/>
+            </a:prstGeom>
+            <a:blipFill dpi="0" rotWithShape="1">
+              <a:blip r:embed="rId4">
+                <a:duotone>
+                  <a:schemeClr val="accent1">
+                    <a:shade val="45000"/>
+                    <a:satMod val="135000"/>
+                  </a:schemeClr>
+                  <a:prstClr val="white"/>
+                </a:duotone>
+              </a:blip>
+              <a:srcRect/>
+              <a:tile tx="0" ty="0" sx="85000" sy="85000" flip="none" algn="tl"/>
+            </a:blipFill>
+            <a:ln w="25400" cap="flat" cmpd="sng" algn="ctr">
+              <a:noFill/>
+              <a:prstDash val="solid"/>
+            </a:ln>
+            <a:effectLst/>
+          </p:spPr>
+          <p:txBody>
+            <a:bodyPr lIns="0" tIns="0" rIns="0" bIns="0" rtlCol="0" anchor="ctr"/>
+            <a:lstStyle/>
+            <a:p>
+              <a:pPr marL="0" marR="0" lvl="0" indent="0" algn="ctr" defTabSz="914400" eaLnBrk="1" fontAlgn="auto" latinLnBrk="0" hangingPunct="1">
+                <a:lnSpc>
+                  <a:spcPct val="100000"/>
+                </a:lnSpc>
+                <a:spcBef>
+                  <a:spcPts val="0"/>
+                </a:spcBef>
+                <a:spcAft>
+                  <a:spcPts val="0"/>
+                </a:spcAft>
+                <a:buClrTx/>
+                <a:buSzTx/>
+                <a:buFontTx/>
+                <a:buNone/>
+                <a:tabLst/>
+                <a:defRPr/>
+              </a:pPr>
+              <a:endParaRPr kumimoji="0" lang="en-US" sz="2000" b="0" i="0" u="none" strike="noStrike" kern="0" cap="none" spc="0" normalizeH="0" baseline="0" noProof="0" dirty="0">
+                <a:ln>
+                  <a:noFill/>
+                </a:ln>
+                <a:solidFill>
+                  <a:prstClr val="white"/>
+                </a:solidFill>
+                <a:effectLst/>
+                <a:uLnTx/>
+                <a:uFillTx/>
+                <a:latin typeface="Rockwell Extra Bold" pitchFamily="18" charset="0"/>
+                <a:ea typeface="+mn-ea"/>
+                <a:cs typeface="+mn-cs"/>
+              </a:endParaRPr>
+            </a:p>
+          </p:txBody>
+        </p:sp>
+        <p:sp>
+          <p:nvSpPr>
+            <p:cNvPr id="271" name="Oval 270">
+              <a:extLst>
+                <a:ext uri="{FF2B5EF4-FFF2-40B4-BE49-F238E27FC236}">
+                  <a16:creationId xmlns:a16="http://schemas.microsoft.com/office/drawing/2014/main" id="{4F7E4C9C-591E-4C54-9ECF-96F50A57BBBE}"/>
+                </a:ext>
+                <a:ext uri="{C183D7F6-B498-43B3-948B-1728B52AA6E4}">
+                  <adec:decorative xmlns:adec="http://schemas.microsoft.com/office/drawing/2017/decorative" val="1"/>
+                </a:ext>
+              </a:extLst>
+            </p:cNvPr>
+            <p:cNvSpPr/>
+            <p:nvPr>
+              <p:extLst>
+                <p:ext uri="{386F3935-93C4-4BCD-93E2-E3B085C9AB24}">
+                  <p16:designElem xmlns:p16="http://schemas.microsoft.com/office/powerpoint/2015/main" val="1"/>
+                </p:ext>
+              </p:extLst>
+            </p:nvPr>
+          </p:nvSpPr>
+          <p:spPr>
+            <a:xfrm>
+              <a:off x="9793429" y="4568765"/>
+              <a:ext cx="864723" cy="864722"/>
+            </a:xfrm>
+            <a:prstGeom prst="ellipse">
+              <a:avLst/>
+            </a:prstGeom>
+            <a:noFill/>
+            <a:ln w="25400" cap="flat" cmpd="sng" algn="ctr">
+              <a:solidFill>
+                <a:sysClr val="window" lastClr="FFFFFF"/>
+              </a:solidFill>
+              <a:prstDash val="solid"/>
+            </a:ln>
+            <a:effectLst/>
+          </p:spPr>
+          <p:txBody>
+            <a:bodyPr rtlCol="0" anchor="ctr"/>
+            <a:lstStyle/>
+            <a:p>
+              <a:pPr marL="0" marR="0" lvl="0" indent="0" algn="ctr" defTabSz="914400" eaLnBrk="1" fontAlgn="auto" latinLnBrk="0" hangingPunct="1">
+                <a:lnSpc>
+                  <a:spcPct val="100000"/>
+                </a:lnSpc>
+                <a:spcBef>
+                  <a:spcPts val="0"/>
+                </a:spcBef>
+                <a:spcAft>
+                  <a:spcPts val="0"/>
+                </a:spcAft>
+                <a:buClrTx/>
+                <a:buSzTx/>
+                <a:buFontTx/>
+                <a:buNone/>
+                <a:tabLst/>
+                <a:defRPr/>
+              </a:pPr>
+              <a:endParaRPr kumimoji="0" lang="en-US" sz="1800" b="0" i="0" u="none" strike="noStrike" kern="0" cap="none" spc="0" normalizeH="0" baseline="0" noProof="0" dirty="0">
+                <a:ln>
+                  <a:noFill/>
+                </a:ln>
+                <a:solidFill>
+                  <a:prstClr val="white"/>
+                </a:solidFill>
+                <a:effectLst/>
+                <a:uLnTx/>
+                <a:uFillTx/>
+                <a:latin typeface="Calibri"/>
+                <a:ea typeface="+mn-ea"/>
+                <a:cs typeface="+mn-cs"/>
+              </a:endParaRPr>
+            </a:p>
+          </p:txBody>
+        </p:sp>
+      </p:grpSp>
+    </p:spTree>
+    <p:extLst>
+      <p:ext uri="{BB962C8B-B14F-4D97-AF65-F5344CB8AC3E}">
+        <p14:creationId xmlns:p14="http://schemas.microsoft.com/office/powerpoint/2010/main" val="3437565355"/>
+      </p:ext>
+    </p:extLst>
+  </p:cSld>
+  <p:clrMapOvr>
+    <a:masterClrMapping/>
+  </p:clrMapOvr>
+</p:sld>
+</file>
+
+<file path=ppt/slides/slide24.xml><?xml version="1.0" encoding="utf-8"?>
+<p:sld xmlns:a="http://schemas.openxmlformats.org/drawingml/2006/main" xmlns:r="http://schemas.openxmlformats.org/officeDocument/2006/relationships" xmlns:p="http://schemas.openxmlformats.org/presentationml/2006/main">
+  <p:cSld>
+    <p:bg>
+      <p:bgPr>
+        <a:solidFill>
+          <a:schemeClr val="bg1"/>
+        </a:solidFill>
+        <a:effectLst/>
+      </p:bgPr>
+    </p:bg>
+    <p:spTree>
+      <p:nvGrpSpPr>
+        <p:cNvPr id="1" name=""/>
+        <p:cNvGrpSpPr/>
+        <p:nvPr/>
+      </p:nvGrpSpPr>
+      <p:grpSpPr>
+        <a:xfrm>
+          <a:off x="0" y="0"/>
+          <a:ext cx="0" cy="0"/>
+          <a:chOff x="0" y="0"/>
+          <a:chExt cx="0" cy="0"/>
+        </a:xfrm>
+      </p:grpSpPr>
+      <p:sp>
+        <p:nvSpPr>
+          <p:cNvPr id="126" name="Rectangle 125">
+            <a:extLst>
+              <a:ext uri="{FF2B5EF4-FFF2-40B4-BE49-F238E27FC236}">
+                <a16:creationId xmlns:a16="http://schemas.microsoft.com/office/drawing/2014/main" id="{2550AE69-AC86-4188-83E5-A856C4F1DCFF}"/>
+              </a:ext>
+              <a:ext uri="{C183D7F6-B498-43B3-948B-1728B52AA6E4}">
+                <adec:decorative xmlns:adec="http://schemas.microsoft.com/office/drawing/2017/decorative" val="1"/>
+              </a:ext>
+            </a:extLst>
+          </p:cNvPr>
+          <p:cNvSpPr>
+            <a:spLocks noGrp="1" noRot="1" noChangeAspect="1" noMove="1" noResize="1" noEditPoints="1" noAdjustHandles="1" noChangeArrowheads="1" noChangeShapeType="1" noTextEdit="1"/>
+          </p:cNvSpPr>
+          <p:nvPr>
+            <p:extLst>
+              <p:ext uri="{386F3935-93C4-4BCD-93E2-E3B085C9AB24}">
+                <p16:designElem xmlns:p16="http://schemas.microsoft.com/office/powerpoint/2015/main" val="1"/>
+              </p:ext>
+            </p:extLst>
+          </p:nvPr>
+        </p:nvSpPr>
+        <p:spPr>
+          <a:xfrm>
+            <a:off x="920834" y="1346946"/>
+            <a:ext cx="10222992" cy="80683"/>
+          </a:xfrm>
+          <a:prstGeom prst="rect">
+            <a:avLst/>
+          </a:prstGeom>
+          <a:blipFill dpi="0" rotWithShape="1">
+            <a:blip r:embed="rId2">
+              <a:alphaModFix amt="85000"/>
+              <a:lum bright="70000" contrast="-70000"/>
+              <a:extLst>
+                <a:ext uri="{BEBA8EAE-BF5A-486C-A8C5-ECC9F3942E4B}">
+                  <a14:imgProps xmlns:a14="http://schemas.microsoft.com/office/drawing/2010/main">
+                    <a14:imgLayer r:embed="rId3">
+                      <a14:imgEffect>
+                        <a14:sharpenSoften amount="61000"/>
+                      </a14:imgEffect>
+                    </a14:imgLayer>
+                  </a14:imgProps>
+                </a:ext>
+                <a:ext uri="{28A0092B-C50C-407E-A947-70E740481C1C}">
+                  <a14:useLocalDpi xmlns:a14="http://schemas.microsoft.com/office/drawing/2010/main" val="0"/>
+                </a:ext>
+              </a:extLst>
+            </a:blip>
+            <a:srcRect/>
+            <a:tile tx="0" ty="-762000" sx="92000" sy="89000" flip="xy" algn="ctr"/>
+          </a:blipFill>
+          <a:ln>
+            <a:noFill/>
+          </a:ln>
+        </p:spPr>
+        <p:style>
+          <a:lnRef idx="2">
+            <a:schemeClr val="accent1">
+              <a:shade val="50000"/>
+            </a:schemeClr>
+          </a:lnRef>
+          <a:fillRef idx="1">
+            <a:schemeClr val="accent1"/>
+          </a:fillRef>
+          <a:effectRef idx="0">
+            <a:schemeClr val="accent1"/>
+          </a:effectRef>
+          <a:fontRef idx="minor">
+            <a:schemeClr val="lt1"/>
+          </a:fontRef>
+        </p:style>
+      </p:sp>
+      <p:sp>
+        <p:nvSpPr>
+          <p:cNvPr id="128" name="Rectangle 127">
+            <a:extLst>
+              <a:ext uri="{FF2B5EF4-FFF2-40B4-BE49-F238E27FC236}">
+                <a16:creationId xmlns:a16="http://schemas.microsoft.com/office/drawing/2014/main" id="{EC4CA156-2C9D-4F0C-B229-88D8B5E17BCF}"/>
+              </a:ext>
+              <a:ext uri="{C183D7F6-B498-43B3-948B-1728B52AA6E4}">
+                <adec:decorative xmlns:adec="http://schemas.microsoft.com/office/drawing/2017/decorative" val="1"/>
+              </a:ext>
+            </a:extLst>
+          </p:cNvPr>
+          <p:cNvSpPr>
+            <a:spLocks noGrp="1" noRot="1" noChangeAspect="1" noMove="1" noResize="1" noEditPoints="1" noAdjustHandles="1" noChangeArrowheads="1" noChangeShapeType="1" noTextEdit="1"/>
+          </p:cNvSpPr>
+          <p:nvPr>
+            <p:extLst>
+              <p:ext uri="{386F3935-93C4-4BCD-93E2-E3B085C9AB24}">
+                <p16:designElem xmlns:p16="http://schemas.microsoft.com/office/powerpoint/2015/main" val="1"/>
+              </p:ext>
+            </p:extLst>
+          </p:nvPr>
+        </p:nvSpPr>
+        <p:spPr>
+          <a:xfrm>
+            <a:off x="920834" y="4299696"/>
+            <a:ext cx="10222992" cy="80683"/>
+          </a:xfrm>
+          <a:prstGeom prst="rect">
+            <a:avLst/>
+          </a:prstGeom>
+          <a:blipFill dpi="0" rotWithShape="1">
+            <a:blip r:embed="rId2">
+              <a:alphaModFix amt="85000"/>
+              <a:lum bright="70000" contrast="-70000"/>
+              <a:extLst>
+                <a:ext uri="{BEBA8EAE-BF5A-486C-A8C5-ECC9F3942E4B}">
+                  <a14:imgProps xmlns:a14="http://schemas.microsoft.com/office/drawing/2010/main">
+                    <a14:imgLayer r:embed="rId3">
+                      <a14:imgEffect>
+                        <a14:sharpenSoften amount="61000"/>
+                      </a14:imgEffect>
+                    </a14:imgLayer>
+                  </a14:imgProps>
+                </a:ext>
+                <a:ext uri="{28A0092B-C50C-407E-A947-70E740481C1C}">
+                  <a14:useLocalDpi xmlns:a14="http://schemas.microsoft.com/office/drawing/2010/main" val="0"/>
+                </a:ext>
+              </a:extLst>
+            </a:blip>
+            <a:srcRect/>
+            <a:tile tx="0" ty="-717550" sx="92000" sy="89000" flip="xy" algn="ctr"/>
+          </a:blipFill>
+          <a:ln>
+            <a:noFill/>
+          </a:ln>
+        </p:spPr>
+        <p:style>
+          <a:lnRef idx="2">
+            <a:schemeClr val="accent1">
+              <a:shade val="50000"/>
+            </a:schemeClr>
+          </a:lnRef>
+          <a:fillRef idx="1">
+            <a:schemeClr val="accent1"/>
+          </a:fillRef>
+          <a:effectRef idx="0">
+            <a:schemeClr val="accent1"/>
+          </a:effectRef>
+          <a:fontRef idx="minor">
+            <a:schemeClr val="lt1"/>
+          </a:fontRef>
+        </p:style>
+      </p:sp>
+      <p:sp>
+        <p:nvSpPr>
+          <p:cNvPr id="130" name="Rectangle 129">
+            <a:extLst>
+              <a:ext uri="{FF2B5EF4-FFF2-40B4-BE49-F238E27FC236}">
+                <a16:creationId xmlns:a16="http://schemas.microsoft.com/office/drawing/2014/main" id="{D7361ED3-EBE5-4EFC-8DA3-D0CE4BF2F4B1}"/>
+              </a:ext>
+              <a:ext uri="{C183D7F6-B498-43B3-948B-1728B52AA6E4}">
+                <adec:decorative xmlns:adec="http://schemas.microsoft.com/office/drawing/2017/decorative" val="1"/>
+              </a:ext>
+            </a:extLst>
+          </p:cNvPr>
+          <p:cNvSpPr>
+            <a:spLocks noGrp="1" noRot="1" noChangeAspect="1" noMove="1" noResize="1" noEditPoints="1" noAdjustHandles="1" noChangeArrowheads="1" noChangeShapeType="1" noTextEdit="1"/>
+          </p:cNvSpPr>
+          <p:nvPr>
+            <p:extLst>
+              <p:ext uri="{386F3935-93C4-4BCD-93E2-E3B085C9AB24}">
+                <p16:designElem xmlns:p16="http://schemas.microsoft.com/office/powerpoint/2015/main" val="1"/>
+              </p:ext>
+            </p:extLst>
+          </p:nvPr>
+        </p:nvSpPr>
+        <p:spPr>
+          <a:xfrm>
+            <a:off x="920834" y="1484779"/>
+            <a:ext cx="10222992" cy="2743200"/>
+          </a:xfrm>
+          <a:prstGeom prst="rect">
+            <a:avLst/>
+          </a:prstGeom>
+          <a:blipFill dpi="0" rotWithShape="1">
+            <a:blip r:embed="rId2">
+              <a:alphaModFix amt="85000"/>
+              <a:lum bright="70000" contrast="-70000"/>
+              <a:extLst>
+                <a:ext uri="{BEBA8EAE-BF5A-486C-A8C5-ECC9F3942E4B}">
+                  <a14:imgProps xmlns:a14="http://schemas.microsoft.com/office/drawing/2010/main">
+                    <a14:imgLayer r:embed="rId3">
+                      <a14:imgEffect>
+                        <a14:sharpenSoften amount="61000"/>
+                      </a14:imgEffect>
+                    </a14:imgLayer>
+                  </a14:imgProps>
+                </a:ext>
+                <a:ext uri="{28A0092B-C50C-407E-A947-70E740481C1C}">
+                  <a14:useLocalDpi xmlns:a14="http://schemas.microsoft.com/office/drawing/2010/main" val="0"/>
+                </a:ext>
+              </a:extLst>
+            </a:blip>
+            <a:srcRect/>
+            <a:tile tx="0" ty="-704850" sx="92000" sy="89000" flip="xy" algn="ctr"/>
+          </a:blipFill>
+          <a:ln>
+            <a:noFill/>
+          </a:ln>
+        </p:spPr>
+        <p:style>
+          <a:lnRef idx="2">
+            <a:schemeClr val="accent1">
+              <a:shade val="50000"/>
+            </a:schemeClr>
+          </a:lnRef>
+          <a:fillRef idx="1">
+            <a:schemeClr val="accent1"/>
+          </a:fillRef>
+          <a:effectRef idx="0">
+            <a:schemeClr val="accent1"/>
+          </a:effectRef>
+          <a:fontRef idx="minor">
+            <a:schemeClr val="lt1"/>
+          </a:fontRef>
+        </p:style>
+      </p:sp>
+      <p:grpSp>
+        <p:nvGrpSpPr>
+          <p:cNvPr id="132" name="Group 131">
+            <a:extLst>
+              <a:ext uri="{FF2B5EF4-FFF2-40B4-BE49-F238E27FC236}">
+                <a16:creationId xmlns:a16="http://schemas.microsoft.com/office/drawing/2014/main" id="{85105087-7F16-4C94-837C-C45445116665}"/>
+              </a:ext>
+              <a:ext uri="{C183D7F6-B498-43B3-948B-1728B52AA6E4}">
+                <adec:decorative xmlns:adec="http://schemas.microsoft.com/office/drawing/2017/decorative" val="1"/>
+              </a:ext>
+            </a:extLst>
+          </p:cNvPr>
+          <p:cNvGrpSpPr>
+            <a:grpSpLocks noGrp="1" noUngrp="1" noRot="1" noChangeAspect="1" noMove="1" noResize="1"/>
+          </p:cNvGrpSpPr>
+          <p:nvPr>
+            <p:extLst>
+              <p:ext uri="{386F3935-93C4-4BCD-93E2-E3B085C9AB24}">
+                <p16:designElem xmlns:p16="http://schemas.microsoft.com/office/powerpoint/2015/main" val="1"/>
+              </p:ext>
+            </p:extLst>
+          </p:nvPr>
+        </p:nvGrpSpPr>
+        <p:grpSpPr>
+          <a:xfrm>
+            <a:off x="9649215" y="4068923"/>
+            <a:ext cx="1080904" cy="1080902"/>
+            <a:chOff x="9685338" y="4460675"/>
+            <a:chExt cx="1080904" cy="1080902"/>
+          </a:xfrm>
+        </p:grpSpPr>
+        <p:sp>
+          <p:nvSpPr>
+            <p:cNvPr id="133" name="Oval 132">
+              <a:extLst>
+                <a:ext uri="{FF2B5EF4-FFF2-40B4-BE49-F238E27FC236}">
+                  <a16:creationId xmlns:a16="http://schemas.microsoft.com/office/drawing/2014/main" id="{4F2F3467-E50F-4A91-B27D-E324936A66D0}"/>
+                </a:ext>
+                <a:ext uri="{C183D7F6-B498-43B3-948B-1728B52AA6E4}">
+                  <adec:decorative xmlns:adec="http://schemas.microsoft.com/office/drawing/2017/decorative" val="1"/>
+                </a:ext>
+              </a:extLst>
+            </p:cNvPr>
+            <p:cNvSpPr/>
+            <p:nvPr>
+              <p:extLst>
+                <p:ext uri="{386F3935-93C4-4BCD-93E2-E3B085C9AB24}">
+                  <p16:designElem xmlns:p16="http://schemas.microsoft.com/office/powerpoint/2015/main" val="1"/>
+                </p:ext>
+              </p:extLst>
+            </p:nvPr>
+          </p:nvSpPr>
+          <p:spPr>
+            <a:xfrm>
+              <a:off x="9685338" y="4460675"/>
+              <a:ext cx="1080904" cy="1080902"/>
+            </a:xfrm>
+            <a:prstGeom prst="ellipse">
+              <a:avLst/>
+            </a:prstGeom>
+            <a:blipFill dpi="0" rotWithShape="1">
+              <a:blip r:embed="rId4">
+                <a:duotone>
+                  <a:schemeClr val="accent1">
+                    <a:shade val="45000"/>
+                    <a:satMod val="135000"/>
+                  </a:schemeClr>
+                  <a:prstClr val="white"/>
+                </a:duotone>
+                <a:extLst>
+                  <a:ext uri="{BEBA8EAE-BF5A-486C-A8C5-ECC9F3942E4B}">
+                    <a14:imgProps xmlns:a14="http://schemas.microsoft.com/office/drawing/2010/main">
+                      <a14:imgLayer r:embed="rId5">
+                        <a14:imgEffect>
+                          <a14:saturation sat="95000"/>
+                        </a14:imgEffect>
+                      </a14:imgLayer>
+                    </a14:imgProps>
+                  </a:ext>
+                </a:extLst>
+              </a:blip>
+              <a:srcRect/>
+              <a:tile tx="0" ty="0" sx="85000" sy="85000" flip="none" algn="tl"/>
+            </a:blipFill>
+            <a:ln w="25400" cap="flat" cmpd="sng" algn="ctr">
+              <a:noFill/>
+              <a:prstDash val="solid"/>
+            </a:ln>
+            <a:effectLst/>
+          </p:spPr>
+        </p:sp>
+        <p:sp>
+          <p:nvSpPr>
+            <p:cNvPr id="134" name="Oval 133">
+              <a:extLst>
+                <a:ext uri="{FF2B5EF4-FFF2-40B4-BE49-F238E27FC236}">
+                  <a16:creationId xmlns:a16="http://schemas.microsoft.com/office/drawing/2014/main" id="{D678BE03-AC84-4940-A7FD-5B143FE2D65D}"/>
+                </a:ext>
+                <a:ext uri="{C183D7F6-B498-43B3-948B-1728B52AA6E4}">
+                  <adec:decorative xmlns:adec="http://schemas.microsoft.com/office/drawing/2017/decorative" val="1"/>
+                </a:ext>
+              </a:extLst>
+            </p:cNvPr>
+            <p:cNvSpPr/>
+            <p:nvPr>
+              <p:extLst>
+                <p:ext uri="{386F3935-93C4-4BCD-93E2-E3B085C9AB24}">
+                  <p16:designElem xmlns:p16="http://schemas.microsoft.com/office/powerpoint/2015/main" val="1"/>
+                </p:ext>
+              </p:extLst>
+            </p:nvPr>
+          </p:nvSpPr>
+          <p:spPr>
+            <a:xfrm>
+              <a:off x="9793429" y="4568765"/>
+              <a:ext cx="864723" cy="864722"/>
+            </a:xfrm>
+            <a:prstGeom prst="ellipse">
+              <a:avLst/>
+            </a:prstGeom>
+            <a:noFill/>
+            <a:ln w="25400" cap="flat" cmpd="sng" algn="ctr">
+              <a:solidFill>
+                <a:sysClr val="window" lastClr="FFFFFF"/>
+              </a:solidFill>
+              <a:prstDash val="solid"/>
+            </a:ln>
+            <a:effectLst/>
+          </p:spPr>
+        </p:sp>
+      </p:grpSp>
+      <p:sp useBgFill="1">
+        <p:nvSpPr>
+          <p:cNvPr id="136" name="Rectangle 135">
+            <a:extLst>
+              <a:ext uri="{FF2B5EF4-FFF2-40B4-BE49-F238E27FC236}">
+                <a16:creationId xmlns:a16="http://schemas.microsoft.com/office/drawing/2014/main" id="{19A1D830-E73C-47A9-A534-323CEEFF5B32}"/>
+              </a:ext>
+              <a:ext uri="{C183D7F6-B498-43B3-948B-1728B52AA6E4}">
+                <adec:decorative xmlns:adec="http://schemas.microsoft.com/office/drawing/2017/decorative" val="1"/>
+              </a:ext>
+            </a:extLst>
+          </p:cNvPr>
+          <p:cNvSpPr>
+            <a:spLocks noGrp="1" noRot="1" noChangeAspect="1" noMove="1" noResize="1" noEditPoints="1" noAdjustHandles="1" noChangeArrowheads="1" noChangeShapeType="1" noTextEdit="1"/>
+          </p:cNvSpPr>
+          <p:nvPr>
+            <p:extLst>
+              <p:ext uri="{386F3935-93C4-4BCD-93E2-E3B085C9AB24}">
+                <p16:designElem xmlns:p16="http://schemas.microsoft.com/office/powerpoint/2015/main" val="1"/>
+              </p:ext>
+            </p:extLst>
+          </p:nvPr>
+        </p:nvSpPr>
+        <p:spPr>
+          <a:xfrm>
+            <a:off x="0" y="0"/>
+            <a:ext cx="12192000" cy="6858000"/>
+          </a:xfrm>
+          <a:prstGeom prst="rect">
+            <a:avLst/>
+          </a:prstGeom>
+          <a:ln>
+            <a:noFill/>
+          </a:ln>
+        </p:spPr>
+        <p:style>
+          <a:lnRef idx="2">
+            <a:schemeClr val="accent1">
+              <a:shade val="50000"/>
+            </a:schemeClr>
+          </a:lnRef>
+          <a:fillRef idx="1">
+            <a:schemeClr val="accent1"/>
+          </a:fillRef>
+          <a:effectRef idx="0">
+            <a:schemeClr val="accent1"/>
+          </a:effectRef>
+          <a:fontRef idx="minor">
+            <a:schemeClr val="lt1"/>
+          </a:fontRef>
+        </p:style>
+        <p:txBody>
+          <a:bodyPr rtlCol="0" anchor="ctr"/>
+          <a:lstStyle/>
+          <a:p>
+            <a:pPr algn="ctr"/>
+            <a:endParaRPr lang="en-US"/>
+          </a:p>
+        </p:txBody>
+      </p:sp>
+      <p:sp>
+        <p:nvSpPr>
+          <p:cNvPr id="138" name="Rectangle 137">
+            <a:extLst>
+              <a:ext uri="{FF2B5EF4-FFF2-40B4-BE49-F238E27FC236}">
+                <a16:creationId xmlns:a16="http://schemas.microsoft.com/office/drawing/2014/main" id="{8F69FBEC-4C47-4288-962D-3FC20C79F3F5}"/>
+              </a:ext>
+              <a:ext uri="{C183D7F6-B498-43B3-948B-1728B52AA6E4}">
+                <adec:decorative xmlns:adec="http://schemas.microsoft.com/office/drawing/2017/decorative" val="1"/>
+              </a:ext>
+            </a:extLst>
+          </p:cNvPr>
+          <p:cNvSpPr>
+            <a:spLocks noGrp="1" noRot="1" noChangeAspect="1" noMove="1" noResize="1" noEditPoints="1" noAdjustHandles="1" noChangeArrowheads="1" noChangeShapeType="1" noTextEdit="1"/>
+          </p:cNvSpPr>
+          <p:nvPr>
+            <p:extLst>
+              <p:ext uri="{386F3935-93C4-4BCD-93E2-E3B085C9AB24}">
+                <p16:designElem xmlns:p16="http://schemas.microsoft.com/office/powerpoint/2015/main" val="1"/>
+              </p:ext>
+            </p:extLst>
+          </p:nvPr>
+        </p:nvSpPr>
+        <p:spPr>
+          <a:xfrm>
+            <a:off x="0" y="0"/>
+            <a:ext cx="12192000" cy="6857999"/>
+          </a:xfrm>
+          <a:prstGeom prst="rect">
+            <a:avLst/>
+          </a:prstGeom>
+          <a:blipFill dpi="0" rotWithShape="1">
+            <a:blip r:embed="rId2">
+              <a:alphaModFix amt="60000"/>
+              <a:lum bright="70000" contrast="-70000"/>
+              <a:extLst>
+                <a:ext uri="{BEBA8EAE-BF5A-486C-A8C5-ECC9F3942E4B}">
+                  <a14:imgProps xmlns:a14="http://schemas.microsoft.com/office/drawing/2010/main">
+                    <a14:imgLayer r:embed="rId3">
+                      <a14:imgEffect>
+                        <a14:sharpenSoften amount="61000"/>
+                      </a14:imgEffect>
+                    </a14:imgLayer>
+                  </a14:imgProps>
+                </a:ext>
+                <a:ext uri="{28A0092B-C50C-407E-A947-70E740481C1C}">
+                  <a14:useLocalDpi xmlns:a14="http://schemas.microsoft.com/office/drawing/2010/main" val="0"/>
+                </a:ext>
+              </a:extLst>
+            </a:blip>
+            <a:srcRect/>
+            <a:tile tx="0" ty="-704850" sx="92000" sy="89000" flip="xy" algn="ctr"/>
+          </a:blipFill>
+          <a:ln>
+            <a:noFill/>
+          </a:ln>
+        </p:spPr>
+        <p:style>
+          <a:lnRef idx="2">
+            <a:schemeClr val="accent1">
+              <a:shade val="50000"/>
+            </a:schemeClr>
+          </a:lnRef>
+          <a:fillRef idx="1">
+            <a:schemeClr val="accent1"/>
+          </a:fillRef>
+          <a:effectRef idx="0">
+            <a:schemeClr val="accent1"/>
+          </a:effectRef>
+          <a:fontRef idx="minor">
+            <a:schemeClr val="lt1"/>
+          </a:fontRef>
+        </p:style>
+        <p:txBody>
+          <a:bodyPr rtlCol="0" anchor="ctr"/>
+          <a:lstStyle/>
+          <a:p>
+            <a:pPr algn="ctr"/>
+            <a:endParaRPr lang="en-US"/>
+          </a:p>
+        </p:txBody>
+      </p:sp>
+      <p:sp>
+        <p:nvSpPr>
+          <p:cNvPr id="6" name="Title 5">
+            <a:extLst>
+              <a:ext uri="{FF2B5EF4-FFF2-40B4-BE49-F238E27FC236}">
+                <a16:creationId xmlns:a16="http://schemas.microsoft.com/office/drawing/2014/main" id="{FF80A452-086D-4E06-8337-88DE2DACE8F2}"/>
+              </a:ext>
+            </a:extLst>
+          </p:cNvPr>
+          <p:cNvSpPr>
+            <a:spLocks noGrp="1"/>
+          </p:cNvSpPr>
+          <p:nvPr>
+            <p:ph type="title"/>
+          </p:nvPr>
+        </p:nvSpPr>
+        <p:spPr>
+          <a:xfrm>
+            <a:off x="7534654" y="702365"/>
+            <a:ext cx="3896264" cy="3765666"/>
+          </a:xfrm>
+        </p:spPr>
+        <p:txBody>
+          <a:bodyPr vert="horz" lIns="91440" tIns="45720" rIns="91440" bIns="45720" rtlCol="0" anchor="b">
+            <a:noAutofit/>
+          </a:bodyPr>
+          <a:lstStyle/>
+          <a:p>
+            <a:pPr>
+              <a:lnSpc>
+                <a:spcPct val="80000"/>
+              </a:lnSpc>
+            </a:pPr>
+            <a:r>
+              <a:rPr lang="en-US" sz="7200" dirty="0" err="1">
+                <a:blipFill dpi="0" rotWithShape="1">
+                  <a:blip r:embed="rId4"/>
+                  <a:srcRect/>
+                  <a:tile tx="6350" ty="-127000" sx="65000" sy="64000" flip="none" algn="tl"/>
+                </a:blipFill>
+              </a:rPr>
+              <a:t>XOr</a:t>
+            </a:r>
+            <a:r>
+              <a:rPr lang="en-US" sz="7200" dirty="0">
+                <a:blipFill dpi="0" rotWithShape="1">
+                  <a:blip r:embed="rId4"/>
+                  <a:srcRect/>
+                  <a:tile tx="6350" ty="-127000" sx="65000" sy="64000" flip="none" algn="tl"/>
+                </a:blipFill>
+              </a:rPr>
+              <a:t> gate V2 HDL CODE</a:t>
+            </a:r>
+          </a:p>
+        </p:txBody>
+      </p:sp>
+      <p:grpSp>
+        <p:nvGrpSpPr>
+          <p:cNvPr id="140" name="Group 139">
+            <a:extLst>
+              <a:ext uri="{FF2B5EF4-FFF2-40B4-BE49-F238E27FC236}">
+                <a16:creationId xmlns:a16="http://schemas.microsoft.com/office/drawing/2014/main" id="{54F6FC82-E588-4DA0-8096-0C3BD54F17B5}"/>
+              </a:ext>
+              <a:ext uri="{C183D7F6-B498-43B3-948B-1728B52AA6E4}">
+                <adec:decorative xmlns:adec="http://schemas.microsoft.com/office/drawing/2017/decorative" val="1"/>
+              </a:ext>
+            </a:extLst>
+          </p:cNvPr>
+          <p:cNvGrpSpPr>
+            <a:grpSpLocks noGrp="1" noUngrp="1" noRot="1" noChangeAspect="1" noMove="1" noResize="1"/>
+          </p:cNvGrpSpPr>
+          <p:nvPr>
+            <p:extLst>
+              <p:ext uri="{386F3935-93C4-4BCD-93E2-E3B085C9AB24}">
+                <p16:designElem xmlns:p16="http://schemas.microsoft.com/office/powerpoint/2015/main" val="1"/>
+              </p:ext>
+            </p:extLst>
+          </p:nvPr>
+        </p:nvGrpSpPr>
+        <p:grpSpPr>
+          <a:xfrm>
+            <a:off x="11401724" y="6229681"/>
+            <a:ext cx="457200" cy="457200"/>
+            <a:chOff x="11361456" y="6195813"/>
+            <a:chExt cx="548640" cy="548640"/>
+          </a:xfrm>
+        </p:grpSpPr>
+        <p:sp>
+          <p:nvSpPr>
+            <p:cNvPr id="141" name="Oval 140">
+              <a:extLst>
+                <a:ext uri="{FF2B5EF4-FFF2-40B4-BE49-F238E27FC236}">
+                  <a16:creationId xmlns:a16="http://schemas.microsoft.com/office/drawing/2014/main" id="{E8898E90-044F-45FF-8B4D-CE0F6A630A46}"/>
+                </a:ext>
+                <a:ext uri="{C183D7F6-B498-43B3-948B-1728B52AA6E4}">
+                  <adec:decorative xmlns:adec="http://schemas.microsoft.com/office/drawing/2017/decorative" val="1"/>
+                </a:ext>
+              </a:extLst>
+            </p:cNvPr>
+            <p:cNvSpPr/>
+            <p:nvPr>
+              <p:extLst>
+                <p:ext uri="{386F3935-93C4-4BCD-93E2-E3B085C9AB24}">
+                  <p16:designElem xmlns:p16="http://schemas.microsoft.com/office/powerpoint/2015/main" val="1"/>
+                </p:ext>
+              </p:extLst>
+            </p:nvPr>
+          </p:nvSpPr>
+          <p:spPr>
+            <a:xfrm>
+              <a:off x="11361456" y="6195813"/>
+              <a:ext cx="548640" cy="548640"/>
+            </a:xfrm>
+            <a:prstGeom prst="ellipse">
+              <a:avLst/>
+            </a:prstGeom>
+            <a:blipFill dpi="0" rotWithShape="1">
+              <a:blip r:embed="rId6">
+                <a:duotone>
+                  <a:schemeClr val="accent1">
+                    <a:shade val="45000"/>
+                    <a:satMod val="135000"/>
+                  </a:schemeClr>
+                  <a:prstClr val="white"/>
+                </a:duotone>
+              </a:blip>
+              <a:srcRect/>
+              <a:tile tx="50800" ty="0" sx="85000" sy="85000" flip="none" algn="tl"/>
+            </a:blipFill>
+            <a:ln w="25400" cap="flat" cmpd="sng" algn="ctr">
+              <a:noFill/>
+              <a:prstDash val="solid"/>
+            </a:ln>
+            <a:effectLst/>
+          </p:spPr>
+          <p:txBody>
+            <a:bodyPr lIns="0" tIns="0" rIns="0" bIns="0" rtlCol="0" anchor="ctr"/>
+            <a:lstStyle/>
+            <a:p>
+              <a:pPr marL="0" marR="0" lvl="0" indent="0" algn="ctr" defTabSz="914400" eaLnBrk="1" fontAlgn="auto" latinLnBrk="0" hangingPunct="1">
+                <a:lnSpc>
+                  <a:spcPct val="100000"/>
+                </a:lnSpc>
+                <a:spcBef>
+                  <a:spcPts val="0"/>
+                </a:spcBef>
+                <a:spcAft>
+                  <a:spcPts val="0"/>
+                </a:spcAft>
+                <a:buClrTx/>
+                <a:buSzTx/>
+                <a:buFontTx/>
+                <a:buNone/>
+                <a:tabLst/>
+                <a:defRPr/>
+              </a:pPr>
+              <a:endParaRPr kumimoji="0" lang="en-US" sz="2000" b="0" i="0" u="none" strike="noStrike" kern="0" cap="none" spc="0" normalizeH="0" baseline="0" noProof="0" dirty="0">
+                <a:ln>
+                  <a:noFill/>
+                </a:ln>
+                <a:solidFill>
+                  <a:prstClr val="white"/>
+                </a:solidFill>
+                <a:effectLst/>
+                <a:uLnTx/>
+                <a:uFillTx/>
+                <a:latin typeface="Rockwell Extra Bold" pitchFamily="18" charset="0"/>
+                <a:ea typeface="+mn-ea"/>
+                <a:cs typeface="+mn-cs"/>
+              </a:endParaRPr>
+            </a:p>
+          </p:txBody>
+        </p:sp>
+        <p:sp>
+          <p:nvSpPr>
+            <p:cNvPr id="142" name="Oval 141">
+              <a:extLst>
+                <a:ext uri="{FF2B5EF4-FFF2-40B4-BE49-F238E27FC236}">
+                  <a16:creationId xmlns:a16="http://schemas.microsoft.com/office/drawing/2014/main" id="{923BF161-A852-4DA5-BB4C-2DFC336B7779}"/>
+                </a:ext>
+                <a:ext uri="{C183D7F6-B498-43B3-948B-1728B52AA6E4}">
+                  <adec:decorative xmlns:adec="http://schemas.microsoft.com/office/drawing/2017/decorative" val="1"/>
+                </a:ext>
+              </a:extLst>
+            </p:cNvPr>
+            <p:cNvSpPr/>
+            <p:nvPr>
+              <p:extLst>
+                <p:ext uri="{386F3935-93C4-4BCD-93E2-E3B085C9AB24}">
+                  <p16:designElem xmlns:p16="http://schemas.microsoft.com/office/powerpoint/2015/main" val="1"/>
+                </p:ext>
+              </p:extLst>
+            </p:nvPr>
+          </p:nvSpPr>
+          <p:spPr>
+            <a:xfrm>
+              <a:off x="11396488" y="6230844"/>
+              <a:ext cx="478576" cy="478578"/>
+            </a:xfrm>
+            <a:prstGeom prst="ellipse">
+              <a:avLst/>
+            </a:prstGeom>
+            <a:noFill/>
+            <a:ln w="12700" cap="flat" cmpd="sng" algn="ctr">
+              <a:solidFill>
+                <a:srgbClr val="FFFFFF"/>
+              </a:solidFill>
+              <a:prstDash val="solid"/>
+            </a:ln>
+            <a:effectLst/>
+          </p:spPr>
+          <p:txBody>
+            <a:bodyPr rtlCol="0" anchor="ctr"/>
+            <a:lstStyle/>
+            <a:p>
+              <a:pPr marL="0" marR="0" lvl="0" indent="0" algn="ctr" defTabSz="914400" eaLnBrk="1" fontAlgn="auto" latinLnBrk="0" hangingPunct="1">
+                <a:lnSpc>
+                  <a:spcPct val="100000"/>
+                </a:lnSpc>
+                <a:spcBef>
+                  <a:spcPts val="0"/>
+                </a:spcBef>
+                <a:spcAft>
+                  <a:spcPts val="0"/>
+                </a:spcAft>
+                <a:buClrTx/>
+                <a:buSzTx/>
+                <a:buFontTx/>
+                <a:buNone/>
+                <a:tabLst/>
+                <a:defRPr/>
+              </a:pPr>
+              <a:endParaRPr kumimoji="0" lang="en-US" sz="1800" b="0" i="0" u="none" strike="noStrike" kern="0" cap="none" spc="0" normalizeH="0" baseline="0" noProof="0" dirty="0">
+                <a:ln>
+                  <a:noFill/>
+                </a:ln>
+                <a:solidFill>
+                  <a:prstClr val="white"/>
+                </a:solidFill>
+                <a:effectLst/>
+                <a:uLnTx/>
+                <a:uFillTx/>
+                <a:latin typeface="Calibri"/>
+                <a:ea typeface="+mn-ea"/>
+                <a:cs typeface="+mn-cs"/>
+              </a:endParaRPr>
+            </a:p>
+          </p:txBody>
+        </p:sp>
+      </p:grpSp>
+    </p:spTree>
+    <p:extLst>
+      <p:ext uri="{BB962C8B-B14F-4D97-AF65-F5344CB8AC3E}">
+        <p14:creationId xmlns:p14="http://schemas.microsoft.com/office/powerpoint/2010/main" val="597146098"/>
       </p:ext>
     </p:extLst>
   </p:cSld>

--- a/projects_ppts/Nand2Tetris_Project_01.pptx
+++ b/projects_ppts/Nand2Tetris_Project_01.pptx
@@ -26,9 +26,10 @@
     <p:sldId id="274" r:id="rId20"/>
     <p:sldId id="275" r:id="rId21"/>
     <p:sldId id="276" r:id="rId22"/>
-    <p:sldId id="279" r:id="rId23"/>
-    <p:sldId id="277" r:id="rId24"/>
+    <p:sldId id="277" r:id="rId23"/>
+    <p:sldId id="279" r:id="rId24"/>
     <p:sldId id="278" r:id="rId25"/>
+    <p:sldId id="280" r:id="rId26"/>
   </p:sldIdLst>
   <p:sldSz cx="12192000" cy="6858000"/>
   <p:notesSz cx="6858000" cy="9144000"/>
@@ -647,7 +648,7 @@
           <a:p>
             <a:fld id="{83284890-85D2-4D7B-8EF5-15A9C1DB8F42}" type="datetimeFigureOut">
               <a:rPr lang="en-US" smtClean="0"/>
-              <a:t>1/28/2021</a:t>
+              <a:t>2/1/2021</a:t>
             </a:fld>
             <a:endParaRPr lang="en-US"/>
           </a:p>
@@ -825,7 +826,7 @@
           <a:p>
             <a:fld id="{87157CC2-0FC8-4686-B024-99790E0F5162}" type="datetimeFigureOut">
               <a:rPr lang="en-US" smtClean="0"/>
-              <a:t>1/28/2021</a:t>
+              <a:t>2/1/2021</a:t>
             </a:fld>
             <a:endParaRPr lang="en-US"/>
           </a:p>
@@ -1005,7 +1006,7 @@
           <a:p>
             <a:fld id="{F6764DA5-CD3D-4590-A511-FCD3BC7A793E}" type="datetimeFigureOut">
               <a:rPr lang="en-US" smtClean="0"/>
-              <a:t>1/28/2021</a:t>
+              <a:t>2/1/2021</a:t>
             </a:fld>
             <a:endParaRPr lang="en-US"/>
           </a:p>
@@ -1175,7 +1176,7 @@
           <a:p>
             <a:fld id="{82F5661D-6934-4B32-B92C-470368BF1EC6}" type="datetimeFigureOut">
               <a:rPr lang="en-US" smtClean="0"/>
-              <a:t>1/28/2021</a:t>
+              <a:t>2/1/2021</a:t>
             </a:fld>
             <a:endParaRPr lang="en-US"/>
           </a:p>
@@ -1496,7 +1497,7 @@
           <a:p>
             <a:fld id="{C6F822A4-8DA6-4447-9B1F-C5DB58435268}" type="datetimeFigureOut">
               <a:rPr lang="en-US" smtClean="0"/>
-              <a:t>1/28/2021</a:t>
+              <a:t>2/1/2021</a:t>
             </a:fld>
             <a:endParaRPr lang="en-US" dirty="0"/>
           </a:p>
@@ -1957,7 +1958,7 @@
           <a:p>
             <a:fld id="{E548D31E-DCDA-41A7-9C67-C4B11B94D21D}" type="datetimeFigureOut">
               <a:rPr lang="en-US" smtClean="0"/>
-              <a:t>1/28/2021</a:t>
+              <a:t>2/1/2021</a:t>
             </a:fld>
             <a:endParaRPr lang="en-US"/>
           </a:p>
@@ -2368,7 +2369,7 @@
           <a:p>
             <a:fld id="{9B3762C0-B258-48F1-ADE6-176B4174CCDD}" type="datetimeFigureOut">
               <a:rPr lang="en-US" smtClean="0"/>
-              <a:t>1/28/2021</a:t>
+              <a:t>2/1/2021</a:t>
             </a:fld>
             <a:endParaRPr lang="en-US"/>
           </a:p>
@@ -2486,7 +2487,7 @@
           <a:p>
             <a:fld id="{677919A6-33EB-49BD-A62F-1FA56B9F9712}" type="datetimeFigureOut">
               <a:rPr lang="en-US" smtClean="0"/>
-              <a:t>1/28/2021</a:t>
+              <a:t>2/1/2021</a:t>
             </a:fld>
             <a:endParaRPr lang="en-US"/>
           </a:p>
@@ -2603,7 +2604,7 @@
           <a:p>
             <a:fld id="{CA4E7D1B-D673-4CF6-8672-009D42ABD2A0}" type="datetimeFigureOut">
               <a:rPr lang="en-US" smtClean="0"/>
-              <a:t>1/28/2021</a:t>
+              <a:t>2/1/2021</a:t>
             </a:fld>
             <a:endParaRPr lang="en-US"/>
           </a:p>
@@ -2961,7 +2962,7 @@
           <a:p>
             <a:fld id="{DA16AA21-1863-4931-97CB-99D0A168701B}" type="datetimeFigureOut">
               <a:rPr lang="en-US" smtClean="0"/>
-              <a:t>1/28/2021</a:t>
+              <a:t>2/1/2021</a:t>
             </a:fld>
             <a:endParaRPr lang="en-US"/>
           </a:p>
@@ -3468,7 +3469,7 @@
           <a:p>
             <a:fld id="{3772C379-9A7C-4C87-A116-CBE9F58B04C5}" type="datetimeFigureOut">
               <a:rPr lang="en-US" smtClean="0"/>
-              <a:t>1/28/2021</a:t>
+              <a:t>2/1/2021</a:t>
             </a:fld>
             <a:endParaRPr lang="en-US"/>
           </a:p>
@@ -3823,7 +3824,7 @@
           <a:p>
             <a:fld id="{8664C608-40B1-4030-A28D-5B74BC98ADCE}" type="datetimeFigureOut">
               <a:rPr lang="en-US" smtClean="0"/>
-              <a:t>1/28/2021</a:t>
+              <a:t>2/1/2021</a:t>
             </a:fld>
             <a:endParaRPr lang="en-US" dirty="0"/>
           </a:p>
@@ -14479,114 +14480,6 @@
 <file path=ppt/slides/slide22.xml><?xml version="1.0" encoding="utf-8"?>
 <p:sld xmlns:a="http://schemas.openxmlformats.org/drawingml/2006/main" xmlns:r="http://schemas.openxmlformats.org/officeDocument/2006/relationships" xmlns:p="http://schemas.openxmlformats.org/presentationml/2006/main">
   <p:cSld>
-    <p:spTree>
-      <p:nvGrpSpPr>
-        <p:cNvPr id="1" name=""/>
-        <p:cNvGrpSpPr/>
-        <p:nvPr/>
-      </p:nvGrpSpPr>
-      <p:grpSpPr>
-        <a:xfrm>
-          <a:off x="0" y="0"/>
-          <a:ext cx="0" cy="0"/>
-          <a:chOff x="0" y="0"/>
-          <a:chExt cx="0" cy="0"/>
-        </a:xfrm>
-      </p:grpSpPr>
-      <p:sp>
-        <p:nvSpPr>
-          <p:cNvPr id="2" name="Title 1">
-            <a:extLst>
-              <a:ext uri="{FF2B5EF4-FFF2-40B4-BE49-F238E27FC236}">
-                <a16:creationId xmlns:a16="http://schemas.microsoft.com/office/drawing/2014/main" id="{1F9D9906-EDBF-4E40-916A-7CB1E79D3335}"/>
-              </a:ext>
-            </a:extLst>
-          </p:cNvPr>
-          <p:cNvSpPr>
-            <a:spLocks noGrp="1"/>
-          </p:cNvSpPr>
-          <p:nvPr>
-            <p:ph type="title"/>
-          </p:nvPr>
-        </p:nvSpPr>
-        <p:spPr/>
-        <p:txBody>
-          <a:bodyPr/>
-          <a:lstStyle/>
-          <a:p>
-            <a:r>
-              <a:rPr lang="en-US" dirty="0" err="1"/>
-              <a:t>XOr</a:t>
-            </a:r>
-            <a:r>
-              <a:rPr lang="en-US" dirty="0"/>
-              <a:t> gate v2 Design</a:t>
-            </a:r>
-          </a:p>
-        </p:txBody>
-      </p:sp>
-      <p:sp>
-        <p:nvSpPr>
-          <p:cNvPr id="3" name="Content Placeholder 2">
-            <a:extLst>
-              <a:ext uri="{FF2B5EF4-FFF2-40B4-BE49-F238E27FC236}">
-                <a16:creationId xmlns:a16="http://schemas.microsoft.com/office/drawing/2014/main" id="{DFF62754-7172-4BBD-B16E-EEA71B79C379}"/>
-              </a:ext>
-            </a:extLst>
-          </p:cNvPr>
-          <p:cNvSpPr>
-            <a:spLocks noGrp="1"/>
-          </p:cNvSpPr>
-          <p:nvPr>
-            <p:ph idx="1"/>
-          </p:nvPr>
-        </p:nvSpPr>
-        <p:spPr/>
-        <p:txBody>
-          <a:bodyPr/>
-          <a:lstStyle/>
-          <a:p>
-            <a:r>
-              <a:rPr lang="en-US" dirty="0"/>
-              <a:t>TODO: implement </a:t>
-            </a:r>
-            <a:r>
-              <a:rPr lang="en-US" dirty="0" err="1"/>
-              <a:t>Xor</a:t>
-            </a:r>
-            <a:r>
-              <a:rPr lang="en-US" dirty="0"/>
-              <a:t> with 4 Nand Gates. Example: </a:t>
-            </a:r>
-            <a:r>
-              <a:rPr lang="en-US" dirty="0">
-                <a:hlinkClick r:id="rId2"/>
-              </a:rPr>
-              <a:t>https://youtu.be/P5NKdMGGHRE?t=596</a:t>
-            </a:r>
-            <a:r>
-              <a:rPr lang="en-US" dirty="0"/>
-              <a:t> </a:t>
-            </a:r>
-          </a:p>
-        </p:txBody>
-      </p:sp>
-    </p:spTree>
-    <p:extLst>
-      <p:ext uri="{BB962C8B-B14F-4D97-AF65-F5344CB8AC3E}">
-        <p14:creationId xmlns:p14="http://schemas.microsoft.com/office/powerpoint/2010/main" val="2566503701"/>
-      </p:ext>
-    </p:extLst>
-  </p:cSld>
-  <p:clrMapOvr>
-    <a:masterClrMapping/>
-  </p:clrMapOvr>
-</p:sld>
-</file>
-
-<file path=ppt/slides/slide23.xml><?xml version="1.0" encoding="utf-8"?>
-<p:sld xmlns:a="http://schemas.openxmlformats.org/drawingml/2006/main" xmlns:r="http://schemas.openxmlformats.org/officeDocument/2006/relationships" xmlns:p="http://schemas.openxmlformats.org/presentationml/2006/main">
-  <p:cSld>
     <p:bg>
       <p:bgPr>
         <a:solidFill>
@@ -15855,7 +15748,7 @@
 </p:sld>
 </file>
 
-<file path=ppt/slides/slide24.xml><?xml version="1.0" encoding="utf-8"?>
+<file path=ppt/slides/slide23.xml><?xml version="1.0" encoding="utf-8"?>
 <p:sld xmlns:a="http://schemas.openxmlformats.org/drawingml/2006/main" xmlns:r="http://schemas.openxmlformats.org/officeDocument/2006/relationships" xmlns:p="http://schemas.openxmlformats.org/presentationml/2006/main">
   <p:cSld>
     <p:bg>
@@ -15882,10 +15775,10 @@
       </p:grpSpPr>
       <p:sp>
         <p:nvSpPr>
-          <p:cNvPr id="126" name="Rectangle 125">
+          <p:cNvPr id="172" name="Rectangle 74">
             <a:extLst>
               <a:ext uri="{FF2B5EF4-FFF2-40B4-BE49-F238E27FC236}">
-                <a16:creationId xmlns:a16="http://schemas.microsoft.com/office/drawing/2014/main" id="{2550AE69-AC86-4188-83E5-A856C4F1DCFF}"/>
+                <a16:creationId xmlns:a16="http://schemas.microsoft.com/office/drawing/2014/main" id="{97BF936A-7CB7-4C57-98A3-96928DD27A37}"/>
               </a:ext>
               <a:ext uri="{C183D7F6-B498-43B3-948B-1728B52AA6E4}">
                 <adec:decorative xmlns:adec="http://schemas.microsoft.com/office/drawing/2017/decorative" val="1"/>
@@ -15953,13 +15846,21 @@
             <a:schemeClr val="lt1"/>
           </a:fontRef>
         </p:style>
+        <p:txBody>
+          <a:bodyPr rtlCol="0" anchor="ctr"/>
+          <a:lstStyle/>
+          <a:p>
+            <a:pPr algn="ctr"/>
+            <a:endParaRPr lang="en-US"/>
+          </a:p>
+        </p:txBody>
       </p:sp>
       <p:sp>
         <p:nvSpPr>
-          <p:cNvPr id="128" name="Rectangle 127">
+          <p:cNvPr id="173" name="Rectangle 76">
             <a:extLst>
               <a:ext uri="{FF2B5EF4-FFF2-40B4-BE49-F238E27FC236}">
-                <a16:creationId xmlns:a16="http://schemas.microsoft.com/office/drawing/2014/main" id="{EC4CA156-2C9D-4F0C-B229-88D8B5E17BCF}"/>
+                <a16:creationId xmlns:a16="http://schemas.microsoft.com/office/drawing/2014/main" id="{485C791B-FFA1-4943-B5E4-F5F145D8BDFE}"/>
               </a:ext>
               <a:ext uri="{C183D7F6-B498-43B3-948B-1728B52AA6E4}">
                 <adec:decorative xmlns:adec="http://schemas.microsoft.com/office/drawing/2017/decorative" val="1"/>
@@ -16027,13 +15928,21 @@
             <a:schemeClr val="lt1"/>
           </a:fontRef>
         </p:style>
+        <p:txBody>
+          <a:bodyPr rtlCol="0" anchor="ctr"/>
+          <a:lstStyle/>
+          <a:p>
+            <a:pPr algn="ctr"/>
+            <a:endParaRPr lang="en-US"/>
+          </a:p>
+        </p:txBody>
       </p:sp>
       <p:sp>
         <p:nvSpPr>
-          <p:cNvPr id="130" name="Rectangle 129">
+          <p:cNvPr id="174" name="Rectangle 78">
             <a:extLst>
               <a:ext uri="{FF2B5EF4-FFF2-40B4-BE49-F238E27FC236}">
-                <a16:creationId xmlns:a16="http://schemas.microsoft.com/office/drawing/2014/main" id="{D7361ED3-EBE5-4EFC-8DA3-D0CE4BF2F4B1}"/>
+                <a16:creationId xmlns:a16="http://schemas.microsoft.com/office/drawing/2014/main" id="{D8671DBD-7165-4BE6-80A0-045723A9A3E3}"/>
               </a:ext>
               <a:ext uri="{C183D7F6-B498-43B3-948B-1728B52AA6E4}">
                 <adec:decorative xmlns:adec="http://schemas.microsoft.com/office/drawing/2017/decorative" val="1"/>
@@ -16101,13 +16010,21 @@
             <a:schemeClr val="lt1"/>
           </a:fontRef>
         </p:style>
+        <p:txBody>
+          <a:bodyPr rtlCol="0" anchor="ctr"/>
+          <a:lstStyle/>
+          <a:p>
+            <a:pPr algn="ctr"/>
+            <a:endParaRPr lang="en-US"/>
+          </a:p>
+        </p:txBody>
       </p:sp>
       <p:grpSp>
         <p:nvGrpSpPr>
-          <p:cNvPr id="132" name="Group 131">
+          <p:cNvPr id="175" name="Group 80">
             <a:extLst>
               <a:ext uri="{FF2B5EF4-FFF2-40B4-BE49-F238E27FC236}">
-                <a16:creationId xmlns:a16="http://schemas.microsoft.com/office/drawing/2014/main" id="{85105087-7F16-4C94-837C-C45445116665}"/>
+                <a16:creationId xmlns:a16="http://schemas.microsoft.com/office/drawing/2014/main" id="{D622AD38-5C0D-490C-A06A-D1F07E29CB11}"/>
               </a:ext>
               <a:ext uri="{C183D7F6-B498-43B3-948B-1728B52AA6E4}">
                 <adec:decorative xmlns:adec="http://schemas.microsoft.com/office/drawing/2017/decorative" val="1"/>
@@ -16135,7 +16052,1243 @@
         </p:grpSpPr>
         <p:sp>
           <p:nvSpPr>
-            <p:cNvPr id="133" name="Oval 132">
+            <p:cNvPr id="82" name="Oval 81">
+              <a:extLst>
+                <a:ext uri="{FF2B5EF4-FFF2-40B4-BE49-F238E27FC236}">
+                  <a16:creationId xmlns:a16="http://schemas.microsoft.com/office/drawing/2014/main" id="{ED57AEAB-0276-4D94-93D9-3A090A1FD75A}"/>
+                </a:ext>
+                <a:ext uri="{C183D7F6-B498-43B3-948B-1728B52AA6E4}">
+                  <adec:decorative xmlns:adec="http://schemas.microsoft.com/office/drawing/2017/decorative" val="1"/>
+                </a:ext>
+              </a:extLst>
+            </p:cNvPr>
+            <p:cNvSpPr/>
+            <p:nvPr>
+              <p:extLst>
+                <p:ext uri="{386F3935-93C4-4BCD-93E2-E3B085C9AB24}">
+                  <p16:designElem xmlns:p16="http://schemas.microsoft.com/office/powerpoint/2015/main" val="1"/>
+                </p:ext>
+              </p:extLst>
+            </p:nvPr>
+          </p:nvSpPr>
+          <p:spPr>
+            <a:xfrm>
+              <a:off x="9685338" y="4460675"/>
+              <a:ext cx="1080904" cy="1080902"/>
+            </a:xfrm>
+            <a:prstGeom prst="ellipse">
+              <a:avLst/>
+            </a:prstGeom>
+            <a:blipFill dpi="0" rotWithShape="1">
+              <a:blip r:embed="rId4">
+                <a:duotone>
+                  <a:schemeClr val="accent1">
+                    <a:shade val="45000"/>
+                    <a:satMod val="135000"/>
+                  </a:schemeClr>
+                  <a:prstClr val="white"/>
+                </a:duotone>
+                <a:extLst>
+                  <a:ext uri="{BEBA8EAE-BF5A-486C-A8C5-ECC9F3942E4B}">
+                    <a14:imgProps xmlns:a14="http://schemas.microsoft.com/office/drawing/2010/main">
+                      <a14:imgLayer r:embed="rId5">
+                        <a14:imgEffect>
+                          <a14:saturation sat="95000"/>
+                        </a14:imgEffect>
+                      </a14:imgLayer>
+                    </a14:imgProps>
+                  </a:ext>
+                </a:extLst>
+              </a:blip>
+              <a:srcRect/>
+              <a:tile tx="0" ty="0" sx="85000" sy="85000" flip="none" algn="tl"/>
+            </a:blipFill>
+            <a:ln w="25400" cap="flat" cmpd="sng" algn="ctr">
+              <a:noFill/>
+              <a:prstDash val="solid"/>
+            </a:ln>
+            <a:effectLst/>
+          </p:spPr>
+          <p:txBody>
+            <a:bodyPr lIns="0" tIns="0" rIns="0" bIns="0" rtlCol="0" anchor="ctr"/>
+            <a:lstStyle/>
+            <a:p>
+              <a:pPr marL="0" marR="0" lvl="0" indent="0" algn="ctr" defTabSz="914400" eaLnBrk="1" fontAlgn="auto" latinLnBrk="0" hangingPunct="1">
+                <a:lnSpc>
+                  <a:spcPct val="100000"/>
+                </a:lnSpc>
+                <a:spcBef>
+                  <a:spcPts val="0"/>
+                </a:spcBef>
+                <a:spcAft>
+                  <a:spcPts val="0"/>
+                </a:spcAft>
+                <a:buClrTx/>
+                <a:buSzTx/>
+                <a:buFontTx/>
+                <a:buNone/>
+                <a:tabLst/>
+                <a:defRPr/>
+              </a:pPr>
+              <a:endParaRPr kumimoji="0" lang="en-US" sz="2000" b="0" i="0" u="none" strike="noStrike" kern="0" cap="none" spc="0" normalizeH="0" baseline="0" noProof="0" dirty="0">
+                <a:ln>
+                  <a:noFill/>
+                </a:ln>
+                <a:solidFill>
+                  <a:prstClr val="white"/>
+                </a:solidFill>
+                <a:effectLst/>
+                <a:uLnTx/>
+                <a:uFillTx/>
+                <a:latin typeface="Rockwell Extra Bold" pitchFamily="18" charset="0"/>
+                <a:ea typeface="+mn-ea"/>
+                <a:cs typeface="+mn-cs"/>
+              </a:endParaRPr>
+            </a:p>
+          </p:txBody>
+        </p:sp>
+        <p:sp>
+          <p:nvSpPr>
+            <p:cNvPr id="83" name="Oval 82">
+              <a:extLst>
+                <a:ext uri="{FF2B5EF4-FFF2-40B4-BE49-F238E27FC236}">
+                  <a16:creationId xmlns:a16="http://schemas.microsoft.com/office/drawing/2014/main" id="{CCF33569-0434-460F-AFA4-D829E476AE56}"/>
+                </a:ext>
+                <a:ext uri="{C183D7F6-B498-43B3-948B-1728B52AA6E4}">
+                  <adec:decorative xmlns:adec="http://schemas.microsoft.com/office/drawing/2017/decorative" val="1"/>
+                </a:ext>
+              </a:extLst>
+            </p:cNvPr>
+            <p:cNvSpPr/>
+            <p:nvPr>
+              <p:extLst>
+                <p:ext uri="{386F3935-93C4-4BCD-93E2-E3B085C9AB24}">
+                  <p16:designElem xmlns:p16="http://schemas.microsoft.com/office/powerpoint/2015/main" val="1"/>
+                </p:ext>
+              </p:extLst>
+            </p:nvPr>
+          </p:nvSpPr>
+          <p:spPr>
+            <a:xfrm>
+              <a:off x="9793429" y="4568765"/>
+              <a:ext cx="864723" cy="864722"/>
+            </a:xfrm>
+            <a:prstGeom prst="ellipse">
+              <a:avLst/>
+            </a:prstGeom>
+            <a:noFill/>
+            <a:ln w="25400" cap="flat" cmpd="sng" algn="ctr">
+              <a:solidFill>
+                <a:sysClr val="window" lastClr="FFFFFF"/>
+              </a:solidFill>
+              <a:prstDash val="solid"/>
+            </a:ln>
+            <a:effectLst/>
+          </p:spPr>
+          <p:txBody>
+            <a:bodyPr rtlCol="0" anchor="ctr"/>
+            <a:lstStyle/>
+            <a:p>
+              <a:pPr marL="0" marR="0" lvl="0" indent="0" algn="ctr" defTabSz="914400" eaLnBrk="1" fontAlgn="auto" latinLnBrk="0" hangingPunct="1">
+                <a:lnSpc>
+                  <a:spcPct val="100000"/>
+                </a:lnSpc>
+                <a:spcBef>
+                  <a:spcPts val="0"/>
+                </a:spcBef>
+                <a:spcAft>
+                  <a:spcPts val="0"/>
+                </a:spcAft>
+                <a:buClrTx/>
+                <a:buSzTx/>
+                <a:buFontTx/>
+                <a:buNone/>
+                <a:tabLst/>
+                <a:defRPr/>
+              </a:pPr>
+              <a:endParaRPr kumimoji="0" lang="en-US" sz="1800" b="0" i="0" u="none" strike="noStrike" kern="0" cap="none" spc="0" normalizeH="0" baseline="0" noProof="0" dirty="0">
+                <a:ln>
+                  <a:noFill/>
+                </a:ln>
+                <a:solidFill>
+                  <a:prstClr val="white"/>
+                </a:solidFill>
+                <a:effectLst/>
+                <a:uLnTx/>
+                <a:uFillTx/>
+                <a:latin typeface="Calibri"/>
+                <a:ea typeface="+mn-ea"/>
+                <a:cs typeface="+mn-cs"/>
+              </a:endParaRPr>
+            </a:p>
+          </p:txBody>
+        </p:sp>
+      </p:grpSp>
+      <p:sp>
+        <p:nvSpPr>
+          <p:cNvPr id="176" name="Rectangle 84">
+            <a:extLst>
+              <a:ext uri="{FF2B5EF4-FFF2-40B4-BE49-F238E27FC236}">
+                <a16:creationId xmlns:a16="http://schemas.microsoft.com/office/drawing/2014/main" id="{FC4A6789-55AC-42E6-9425-33CA7D05C941}"/>
+              </a:ext>
+              <a:ext uri="{C183D7F6-B498-43B3-948B-1728B52AA6E4}">
+                <adec:decorative xmlns:adec="http://schemas.microsoft.com/office/drawing/2017/decorative" val="1"/>
+              </a:ext>
+            </a:extLst>
+          </p:cNvPr>
+          <p:cNvSpPr>
+            <a:spLocks noGrp="1" noRot="1" noChangeAspect="1" noMove="1" noResize="1" noEditPoints="1" noAdjustHandles="1" noChangeArrowheads="1" noChangeShapeType="1" noTextEdit="1"/>
+          </p:cNvSpPr>
+          <p:nvPr>
+            <p:extLst>
+              <p:ext uri="{386F3935-93C4-4BCD-93E2-E3B085C9AB24}">
+                <p16:designElem xmlns:p16="http://schemas.microsoft.com/office/powerpoint/2015/main" val="1"/>
+              </p:ext>
+            </p:extLst>
+          </p:nvPr>
+        </p:nvSpPr>
+        <p:spPr bwMode="white">
+          <a:xfrm>
+            <a:off x="0" y="0"/>
+            <a:ext cx="12188952" cy="6858001"/>
+          </a:xfrm>
+          <a:prstGeom prst="rect">
+            <a:avLst/>
+          </a:prstGeom>
+          <a:solidFill>
+            <a:schemeClr val="bg1"/>
+          </a:solidFill>
+          <a:ln>
+            <a:noFill/>
+          </a:ln>
+        </p:spPr>
+        <p:style>
+          <a:lnRef idx="2">
+            <a:schemeClr val="accent1">
+              <a:shade val="50000"/>
+            </a:schemeClr>
+          </a:lnRef>
+          <a:fillRef idx="1">
+            <a:schemeClr val="accent1"/>
+          </a:fillRef>
+          <a:effectRef idx="0">
+            <a:schemeClr val="accent1"/>
+          </a:effectRef>
+          <a:fontRef idx="minor">
+            <a:schemeClr val="lt1"/>
+          </a:fontRef>
+        </p:style>
+        <p:txBody>
+          <a:bodyPr rot="0" spcFirstLastPara="0" vert="horz" wrap="square" lIns="91440" tIns="45720" rIns="91440" bIns="45720" numCol="1" spcCol="0" rtlCol="0" fromWordArt="0" anchor="ctr" anchorCtr="0" forceAA="0" compatLnSpc="1">
+            <a:prstTxWarp prst="textNoShape">
+              <a:avLst/>
+            </a:prstTxWarp>
+            <a:noAutofit/>
+          </a:bodyPr>
+          <a:lstStyle>
+            <a:defPPr>
+              <a:defRPr lang="en-US"/>
+            </a:defPPr>
+            <a:lvl1pPr marL="0" algn="l" defTabSz="914400" rtl="0" eaLnBrk="1" latinLnBrk="0" hangingPunct="1">
+              <a:defRPr sz="1800" kern="1200">
+                <a:solidFill>
+                  <a:schemeClr val="lt1"/>
+                </a:solidFill>
+                <a:latin typeface="+mn-lt"/>
+                <a:ea typeface="+mn-ea"/>
+                <a:cs typeface="+mn-cs"/>
+              </a:defRPr>
+            </a:lvl1pPr>
+            <a:lvl2pPr marL="457200" algn="l" defTabSz="914400" rtl="0" eaLnBrk="1" latinLnBrk="0" hangingPunct="1">
+              <a:defRPr sz="1800" kern="1200">
+                <a:solidFill>
+                  <a:schemeClr val="lt1"/>
+                </a:solidFill>
+                <a:latin typeface="+mn-lt"/>
+                <a:ea typeface="+mn-ea"/>
+                <a:cs typeface="+mn-cs"/>
+              </a:defRPr>
+            </a:lvl2pPr>
+            <a:lvl3pPr marL="914400" algn="l" defTabSz="914400" rtl="0" eaLnBrk="1" latinLnBrk="0" hangingPunct="1">
+              <a:defRPr sz="1800" kern="1200">
+                <a:solidFill>
+                  <a:schemeClr val="lt1"/>
+                </a:solidFill>
+                <a:latin typeface="+mn-lt"/>
+                <a:ea typeface="+mn-ea"/>
+                <a:cs typeface="+mn-cs"/>
+              </a:defRPr>
+            </a:lvl3pPr>
+            <a:lvl4pPr marL="1371600" algn="l" defTabSz="914400" rtl="0" eaLnBrk="1" latinLnBrk="0" hangingPunct="1">
+              <a:defRPr sz="1800" kern="1200">
+                <a:solidFill>
+                  <a:schemeClr val="lt1"/>
+                </a:solidFill>
+                <a:latin typeface="+mn-lt"/>
+                <a:ea typeface="+mn-ea"/>
+                <a:cs typeface="+mn-cs"/>
+              </a:defRPr>
+            </a:lvl4pPr>
+            <a:lvl5pPr marL="1828800" algn="l" defTabSz="914400" rtl="0" eaLnBrk="1" latinLnBrk="0" hangingPunct="1">
+              <a:defRPr sz="1800" kern="1200">
+                <a:solidFill>
+                  <a:schemeClr val="lt1"/>
+                </a:solidFill>
+                <a:latin typeface="+mn-lt"/>
+                <a:ea typeface="+mn-ea"/>
+                <a:cs typeface="+mn-cs"/>
+              </a:defRPr>
+            </a:lvl5pPr>
+            <a:lvl6pPr marL="2286000" algn="l" defTabSz="914400" rtl="0" eaLnBrk="1" latinLnBrk="0" hangingPunct="1">
+              <a:defRPr sz="1800" kern="1200">
+                <a:solidFill>
+                  <a:schemeClr val="lt1"/>
+                </a:solidFill>
+                <a:latin typeface="+mn-lt"/>
+                <a:ea typeface="+mn-ea"/>
+                <a:cs typeface="+mn-cs"/>
+              </a:defRPr>
+            </a:lvl6pPr>
+            <a:lvl7pPr marL="2743200" algn="l" defTabSz="914400" rtl="0" eaLnBrk="1" latinLnBrk="0" hangingPunct="1">
+              <a:defRPr sz="1800" kern="1200">
+                <a:solidFill>
+                  <a:schemeClr val="lt1"/>
+                </a:solidFill>
+                <a:latin typeface="+mn-lt"/>
+                <a:ea typeface="+mn-ea"/>
+                <a:cs typeface="+mn-cs"/>
+              </a:defRPr>
+            </a:lvl7pPr>
+            <a:lvl8pPr marL="3200400" algn="l" defTabSz="914400" rtl="0" eaLnBrk="1" latinLnBrk="0" hangingPunct="1">
+              <a:defRPr sz="1800" kern="1200">
+                <a:solidFill>
+                  <a:schemeClr val="lt1"/>
+                </a:solidFill>
+                <a:latin typeface="+mn-lt"/>
+                <a:ea typeface="+mn-ea"/>
+                <a:cs typeface="+mn-cs"/>
+              </a:defRPr>
+            </a:lvl8pPr>
+            <a:lvl9pPr marL="3657600" algn="l" defTabSz="914400" rtl="0" eaLnBrk="1" latinLnBrk="0" hangingPunct="1">
+              <a:defRPr sz="1800" kern="1200">
+                <a:solidFill>
+                  <a:schemeClr val="lt1"/>
+                </a:solidFill>
+                <a:latin typeface="+mn-lt"/>
+                <a:ea typeface="+mn-ea"/>
+                <a:cs typeface="+mn-cs"/>
+              </a:defRPr>
+            </a:lvl9pPr>
+          </a:lstStyle>
+          <a:p>
+            <a:pPr algn="ctr"/>
+            <a:endParaRPr lang="en-US"/>
+          </a:p>
+        </p:txBody>
+      </p:sp>
+      <p:sp>
+        <p:nvSpPr>
+          <p:cNvPr id="177" name="Rectangle 86">
+            <a:extLst>
+              <a:ext uri="{FF2B5EF4-FFF2-40B4-BE49-F238E27FC236}">
+                <a16:creationId xmlns:a16="http://schemas.microsoft.com/office/drawing/2014/main" id="{20718D89-30AF-42EF-86AB-FF232D79775F}"/>
+              </a:ext>
+              <a:ext uri="{C183D7F6-B498-43B3-948B-1728B52AA6E4}">
+                <adec:decorative xmlns:adec="http://schemas.microsoft.com/office/drawing/2017/decorative" val="1"/>
+              </a:ext>
+            </a:extLst>
+          </p:cNvPr>
+          <p:cNvSpPr>
+            <a:spLocks noGrp="1" noRot="1" noChangeAspect="1" noMove="1" noResize="1" noEditPoints="1" noAdjustHandles="1" noChangeArrowheads="1" noChangeShapeType="1" noTextEdit="1"/>
+          </p:cNvSpPr>
+          <p:nvPr>
+            <p:extLst>
+              <p:ext uri="{386F3935-93C4-4BCD-93E2-E3B085C9AB24}">
+                <p16:designElem xmlns:p16="http://schemas.microsoft.com/office/powerpoint/2015/main" val="1"/>
+              </p:ext>
+            </p:extLst>
+          </p:nvPr>
+        </p:nvSpPr>
+        <p:spPr>
+          <a:xfrm>
+            <a:off x="799087" y="1110053"/>
+            <a:ext cx="3386371" cy="4580301"/>
+          </a:xfrm>
+          <a:prstGeom prst="rect">
+            <a:avLst/>
+          </a:prstGeom>
+          <a:blipFill dpi="0" rotWithShape="1">
+            <a:blip r:embed="rId2">
+              <a:alphaModFix amt="85000"/>
+              <a:lum bright="70000" contrast="-70000"/>
+              <a:extLst>
+                <a:ext uri="{BEBA8EAE-BF5A-486C-A8C5-ECC9F3942E4B}">
+                  <a14:imgProps xmlns:a14="http://schemas.microsoft.com/office/drawing/2010/main">
+                    <a14:imgLayer r:embed="rId3">
+                      <a14:imgEffect>
+                        <a14:sharpenSoften amount="61000"/>
+                      </a14:imgEffect>
+                    </a14:imgLayer>
+                  </a14:imgProps>
+                </a:ext>
+                <a:ext uri="{28A0092B-C50C-407E-A947-70E740481C1C}">
+                  <a14:useLocalDpi xmlns:a14="http://schemas.microsoft.com/office/drawing/2010/main" val="0"/>
+                </a:ext>
+              </a:extLst>
+            </a:blip>
+            <a:srcRect/>
+            <a:tile tx="0" ty="-704850" sx="92000" sy="89000" flip="xy" algn="ctr"/>
+          </a:blipFill>
+          <a:ln>
+            <a:noFill/>
+          </a:ln>
+        </p:spPr>
+        <p:style>
+          <a:lnRef idx="2">
+            <a:schemeClr val="accent1">
+              <a:shade val="50000"/>
+            </a:schemeClr>
+          </a:lnRef>
+          <a:fillRef idx="1">
+            <a:schemeClr val="accent1"/>
+          </a:fillRef>
+          <a:effectRef idx="0">
+            <a:schemeClr val="accent1"/>
+          </a:effectRef>
+          <a:fontRef idx="minor">
+            <a:schemeClr val="lt1"/>
+          </a:fontRef>
+        </p:style>
+        <p:txBody>
+          <a:bodyPr rtlCol="0" anchor="ctr"/>
+          <a:lstStyle/>
+          <a:p>
+            <a:pPr algn="ctr"/>
+            <a:endParaRPr lang="en-US"/>
+          </a:p>
+        </p:txBody>
+      </p:sp>
+      <p:sp>
+        <p:nvSpPr>
+          <p:cNvPr id="2" name="Title 1">
+            <a:extLst>
+              <a:ext uri="{FF2B5EF4-FFF2-40B4-BE49-F238E27FC236}">
+                <a16:creationId xmlns:a16="http://schemas.microsoft.com/office/drawing/2014/main" id="{1F9D9906-EDBF-4E40-916A-7CB1E79D3335}"/>
+              </a:ext>
+            </a:extLst>
+          </p:cNvPr>
+          <p:cNvSpPr>
+            <a:spLocks noGrp="1"/>
+          </p:cNvSpPr>
+          <p:nvPr>
+            <p:ph type="title"/>
+          </p:nvPr>
+        </p:nvSpPr>
+        <p:spPr>
+          <a:xfrm>
+            <a:off x="1113719" y="1432223"/>
+            <a:ext cx="2897826" cy="3357976"/>
+          </a:xfrm>
+        </p:spPr>
+        <p:txBody>
+          <a:bodyPr vert="horz" lIns="91440" tIns="45720" rIns="91440" bIns="45720" rtlCol="0" anchor="ctr">
+            <a:normAutofit/>
+          </a:bodyPr>
+          <a:lstStyle/>
+          <a:p>
+            <a:pPr>
+              <a:lnSpc>
+                <a:spcPct val="80000"/>
+              </a:lnSpc>
+            </a:pPr>
+            <a:r>
+              <a:rPr lang="en-US" sz="6000" kern="1200" cap="all" baseline="0">
+                <a:blipFill dpi="0" rotWithShape="1">
+                  <a:blip r:embed="rId4"/>
+                  <a:srcRect/>
+                  <a:tile tx="6350" ty="-127000" sx="65000" sy="64000" flip="none" algn="tl"/>
+                </a:blipFill>
+                <a:latin typeface="+mj-lt"/>
+                <a:ea typeface="+mj-ea"/>
+                <a:cs typeface="+mj-cs"/>
+              </a:rPr>
+              <a:t>XOr gate v2 Design</a:t>
+            </a:r>
+          </a:p>
+        </p:txBody>
+      </p:sp>
+      <p:sp>
+        <p:nvSpPr>
+          <p:cNvPr id="178" name="Rectangle 88">
+            <a:extLst>
+              <a:ext uri="{FF2B5EF4-FFF2-40B4-BE49-F238E27FC236}">
+                <a16:creationId xmlns:a16="http://schemas.microsoft.com/office/drawing/2014/main" id="{0C6CBCA2-E9FC-45B2-A370-2BA218D8A626}"/>
+              </a:ext>
+              <a:ext uri="{C183D7F6-B498-43B3-948B-1728B52AA6E4}">
+                <adec:decorative xmlns:adec="http://schemas.microsoft.com/office/drawing/2017/decorative" val="1"/>
+              </a:ext>
+            </a:extLst>
+          </p:cNvPr>
+          <p:cNvSpPr>
+            <a:spLocks noGrp="1" noRot="1" noChangeAspect="1" noMove="1" noResize="1" noEditPoints="1" noAdjustHandles="1" noChangeArrowheads="1" noChangeShapeType="1" noTextEdit="1"/>
+          </p:cNvSpPr>
+          <p:nvPr>
+            <p:extLst>
+              <p:ext uri="{386F3935-93C4-4BCD-93E2-E3B085C9AB24}">
+                <p16:designElem xmlns:p16="http://schemas.microsoft.com/office/powerpoint/2015/main" val="1"/>
+              </p:ext>
+            </p:extLst>
+          </p:nvPr>
+        </p:nvSpPr>
+        <p:spPr>
+          <a:xfrm>
+            <a:off x="799087" y="928117"/>
+            <a:ext cx="10597896" cy="80683"/>
+          </a:xfrm>
+          <a:prstGeom prst="rect">
+            <a:avLst/>
+          </a:prstGeom>
+          <a:blipFill dpi="0" rotWithShape="1">
+            <a:blip r:embed="rId2">
+              <a:alphaModFix amt="85000"/>
+              <a:lum bright="70000" contrast="-70000"/>
+              <a:extLst>
+                <a:ext uri="{BEBA8EAE-BF5A-486C-A8C5-ECC9F3942E4B}">
+                  <a14:imgProps xmlns:a14="http://schemas.microsoft.com/office/drawing/2010/main">
+                    <a14:imgLayer r:embed="rId3">
+                      <a14:imgEffect>
+                        <a14:sharpenSoften amount="61000"/>
+                      </a14:imgEffect>
+                    </a14:imgLayer>
+                  </a14:imgProps>
+                </a:ext>
+                <a:ext uri="{28A0092B-C50C-407E-A947-70E740481C1C}">
+                  <a14:useLocalDpi xmlns:a14="http://schemas.microsoft.com/office/drawing/2010/main" val="0"/>
+                </a:ext>
+              </a:extLst>
+            </a:blip>
+            <a:srcRect/>
+            <a:tile tx="0" ty="-762000" sx="92000" sy="89000" flip="xy" algn="ctr"/>
+          </a:blipFill>
+          <a:ln>
+            <a:noFill/>
+          </a:ln>
+        </p:spPr>
+        <p:style>
+          <a:lnRef idx="2">
+            <a:schemeClr val="accent1">
+              <a:shade val="50000"/>
+            </a:schemeClr>
+          </a:lnRef>
+          <a:fillRef idx="1">
+            <a:schemeClr val="accent1"/>
+          </a:fillRef>
+          <a:effectRef idx="0">
+            <a:schemeClr val="accent1"/>
+          </a:effectRef>
+          <a:fontRef idx="minor">
+            <a:schemeClr val="lt1"/>
+          </a:fontRef>
+        </p:style>
+        <p:txBody>
+          <a:bodyPr rtlCol="0" anchor="ctr"/>
+          <a:lstStyle/>
+          <a:p>
+            <a:pPr algn="ctr"/>
+            <a:endParaRPr lang="en-US"/>
+          </a:p>
+        </p:txBody>
+      </p:sp>
+      <p:pic>
+        <p:nvPicPr>
+          <p:cNvPr id="22" name="Picture 21">
+            <a:extLst>
+              <a:ext uri="{FF2B5EF4-FFF2-40B4-BE49-F238E27FC236}">
+                <a16:creationId xmlns:a16="http://schemas.microsoft.com/office/drawing/2014/main" id="{C30DCEAA-EFDE-4E8C-B776-CD04B681A2C8}"/>
+              </a:ext>
+            </a:extLst>
+          </p:cNvPr>
+          <p:cNvPicPr>
+            <a:picLocks noChangeAspect="1"/>
+          </p:cNvPicPr>
+          <p:nvPr/>
+        </p:nvPicPr>
+        <p:blipFill>
+          <a:blip r:embed="rId6"/>
+          <a:stretch>
+            <a:fillRect/>
+          </a:stretch>
+        </p:blipFill>
+        <p:spPr>
+          <a:xfrm>
+            <a:off x="4500090" y="1648208"/>
+            <a:ext cx="3287581" cy="1076682"/>
+          </a:xfrm>
+          <a:prstGeom prst="rect">
+            <a:avLst/>
+          </a:prstGeom>
+        </p:spPr>
+      </p:pic>
+      <p:pic>
+        <p:nvPicPr>
+          <p:cNvPr id="28" name="Picture 27">
+            <a:extLst>
+              <a:ext uri="{FF2B5EF4-FFF2-40B4-BE49-F238E27FC236}">
+                <a16:creationId xmlns:a16="http://schemas.microsoft.com/office/drawing/2014/main" id="{EA75C096-3B63-4FFC-B3FF-64A0A8882E3F}"/>
+              </a:ext>
+            </a:extLst>
+          </p:cNvPr>
+          <p:cNvPicPr>
+            <a:picLocks noChangeAspect="1"/>
+          </p:cNvPicPr>
+          <p:nvPr/>
+        </p:nvPicPr>
+        <p:blipFill>
+          <a:blip r:embed="rId7"/>
+          <a:stretch>
+            <a:fillRect/>
+          </a:stretch>
+        </p:blipFill>
+        <p:spPr>
+          <a:xfrm>
+            <a:off x="8109405" y="1648208"/>
+            <a:ext cx="3287578" cy="1076681"/>
+          </a:xfrm>
+          <a:prstGeom prst="rect">
+            <a:avLst/>
+          </a:prstGeom>
+        </p:spPr>
+      </p:pic>
+      <p:pic>
+        <p:nvPicPr>
+          <p:cNvPr id="34" name="Picture 33">
+            <a:extLst>
+              <a:ext uri="{FF2B5EF4-FFF2-40B4-BE49-F238E27FC236}">
+                <a16:creationId xmlns:a16="http://schemas.microsoft.com/office/drawing/2014/main" id="{2823032C-1BDA-4E12-ACBA-43DB856EE917}"/>
+              </a:ext>
+            </a:extLst>
+          </p:cNvPr>
+          <p:cNvPicPr>
+            <a:picLocks noChangeAspect="1"/>
+          </p:cNvPicPr>
+          <p:nvPr/>
+        </p:nvPicPr>
+        <p:blipFill>
+          <a:blip r:embed="rId8"/>
+          <a:stretch>
+            <a:fillRect/>
+          </a:stretch>
+        </p:blipFill>
+        <p:spPr>
+          <a:xfrm>
+            <a:off x="4500090" y="4074537"/>
+            <a:ext cx="3287581" cy="1068463"/>
+          </a:xfrm>
+          <a:prstGeom prst="rect">
+            <a:avLst/>
+          </a:prstGeom>
+        </p:spPr>
+      </p:pic>
+      <p:pic>
+        <p:nvPicPr>
+          <p:cNvPr id="24" name="Picture 23">
+            <a:extLst>
+              <a:ext uri="{FF2B5EF4-FFF2-40B4-BE49-F238E27FC236}">
+                <a16:creationId xmlns:a16="http://schemas.microsoft.com/office/drawing/2014/main" id="{DBDAEBA6-F833-4363-BDF6-D09A2BDECBC8}"/>
+              </a:ext>
+            </a:extLst>
+          </p:cNvPr>
+          <p:cNvPicPr>
+            <a:picLocks noChangeAspect="1"/>
+          </p:cNvPicPr>
+          <p:nvPr/>
+        </p:nvPicPr>
+        <p:blipFill>
+          <a:blip r:embed="rId9"/>
+          <a:stretch>
+            <a:fillRect/>
+          </a:stretch>
+        </p:blipFill>
+        <p:spPr>
+          <a:xfrm>
+            <a:off x="8109405" y="3926523"/>
+            <a:ext cx="3287578" cy="1068462"/>
+          </a:xfrm>
+          <a:prstGeom prst="rect">
+            <a:avLst/>
+          </a:prstGeom>
+        </p:spPr>
+      </p:pic>
+      <p:sp>
+        <p:nvSpPr>
+          <p:cNvPr id="179" name="Rectangle 90">
+            <a:extLst>
+              <a:ext uri="{FF2B5EF4-FFF2-40B4-BE49-F238E27FC236}">
+                <a16:creationId xmlns:a16="http://schemas.microsoft.com/office/drawing/2014/main" id="{609AF6DF-BB66-41AD-AAFF-4B2CF37F1A25}"/>
+              </a:ext>
+              <a:ext uri="{C183D7F6-B498-43B3-948B-1728B52AA6E4}">
+                <adec:decorative xmlns:adec="http://schemas.microsoft.com/office/drawing/2017/decorative" val="1"/>
+              </a:ext>
+            </a:extLst>
+          </p:cNvPr>
+          <p:cNvSpPr>
+            <a:spLocks noGrp="1" noRot="1" noChangeAspect="1" noMove="1" noResize="1" noEditPoints="1" noAdjustHandles="1" noChangeArrowheads="1" noChangeShapeType="1" noTextEdit="1"/>
+          </p:cNvSpPr>
+          <p:nvPr>
+            <p:extLst>
+              <p:ext uri="{386F3935-93C4-4BCD-93E2-E3B085C9AB24}">
+                <p16:designElem xmlns:p16="http://schemas.microsoft.com/office/powerpoint/2015/main" val="1"/>
+              </p:ext>
+            </p:extLst>
+          </p:nvPr>
+        </p:nvSpPr>
+        <p:spPr>
+          <a:xfrm>
+            <a:off x="799087" y="5820583"/>
+            <a:ext cx="10597896" cy="80683"/>
+          </a:xfrm>
+          <a:prstGeom prst="rect">
+            <a:avLst/>
+          </a:prstGeom>
+          <a:blipFill dpi="0" rotWithShape="1">
+            <a:blip r:embed="rId2">
+              <a:alphaModFix amt="85000"/>
+              <a:lum bright="70000" contrast="-70000"/>
+              <a:extLst>
+                <a:ext uri="{BEBA8EAE-BF5A-486C-A8C5-ECC9F3942E4B}">
+                  <a14:imgProps xmlns:a14="http://schemas.microsoft.com/office/drawing/2010/main">
+                    <a14:imgLayer r:embed="rId3">
+                      <a14:imgEffect>
+                        <a14:sharpenSoften amount="61000"/>
+                      </a14:imgEffect>
+                    </a14:imgLayer>
+                  </a14:imgProps>
+                </a:ext>
+                <a:ext uri="{28A0092B-C50C-407E-A947-70E740481C1C}">
+                  <a14:useLocalDpi xmlns:a14="http://schemas.microsoft.com/office/drawing/2010/main" val="0"/>
+                </a:ext>
+              </a:extLst>
+            </a:blip>
+            <a:srcRect/>
+            <a:tile tx="0" ty="-762000" sx="92000" sy="89000" flip="xy" algn="ctr"/>
+          </a:blipFill>
+          <a:ln>
+            <a:noFill/>
+          </a:ln>
+        </p:spPr>
+        <p:style>
+          <a:lnRef idx="2">
+            <a:schemeClr val="accent1">
+              <a:shade val="50000"/>
+            </a:schemeClr>
+          </a:lnRef>
+          <a:fillRef idx="1">
+            <a:schemeClr val="accent1"/>
+          </a:fillRef>
+          <a:effectRef idx="0">
+            <a:schemeClr val="accent1"/>
+          </a:effectRef>
+          <a:fontRef idx="minor">
+            <a:schemeClr val="lt1"/>
+          </a:fontRef>
+        </p:style>
+        <p:txBody>
+          <a:bodyPr rtlCol="0" anchor="ctr"/>
+          <a:lstStyle/>
+          <a:p>
+            <a:pPr algn="ctr"/>
+            <a:endParaRPr lang="en-US"/>
+          </a:p>
+        </p:txBody>
+      </p:sp>
+      <p:grpSp>
+        <p:nvGrpSpPr>
+          <p:cNvPr id="180" name="Group 92">
+            <a:extLst>
+              <a:ext uri="{FF2B5EF4-FFF2-40B4-BE49-F238E27FC236}">
+                <a16:creationId xmlns:a16="http://schemas.microsoft.com/office/drawing/2014/main" id="{9C6DACB6-6C32-4382-9C54-2EA21977F34D}"/>
+              </a:ext>
+              <a:ext uri="{C183D7F6-B498-43B3-948B-1728B52AA6E4}">
+                <adec:decorative xmlns:adec="http://schemas.microsoft.com/office/drawing/2017/decorative" val="1"/>
+              </a:ext>
+            </a:extLst>
+          </p:cNvPr>
+          <p:cNvGrpSpPr>
+            <a:grpSpLocks noGrp="1" noUngrp="1" noRot="1" noChangeAspect="1" noMove="1" noResize="1"/>
+          </p:cNvGrpSpPr>
+          <p:nvPr>
+            <p:extLst>
+              <p:ext uri="{386F3935-93C4-4BCD-93E2-E3B085C9AB24}">
+                <p16:designElem xmlns:p16="http://schemas.microsoft.com/office/powerpoint/2015/main" val="1"/>
+              </p:ext>
+            </p:extLst>
+          </p:nvPr>
+        </p:nvGrpSpPr>
+        <p:grpSpPr>
+          <a:xfrm>
+            <a:off x="9731790" y="5477256"/>
+            <a:ext cx="914400" cy="914400"/>
+            <a:chOff x="9685338" y="4460675"/>
+            <a:chExt cx="1080904" cy="1080902"/>
+          </a:xfrm>
+        </p:grpSpPr>
+        <p:sp>
+          <p:nvSpPr>
+            <p:cNvPr id="94" name="Oval 93">
+              <a:extLst>
+                <a:ext uri="{FF2B5EF4-FFF2-40B4-BE49-F238E27FC236}">
+                  <a16:creationId xmlns:a16="http://schemas.microsoft.com/office/drawing/2014/main" id="{D389BFCA-D695-4FB6-A90C-0D7549676DC3}"/>
+                </a:ext>
+                <a:ext uri="{C183D7F6-B498-43B3-948B-1728B52AA6E4}">
+                  <adec:decorative xmlns:adec="http://schemas.microsoft.com/office/drawing/2017/decorative" val="1"/>
+                </a:ext>
+              </a:extLst>
+            </p:cNvPr>
+            <p:cNvSpPr/>
+            <p:nvPr>
+              <p:extLst>
+                <p:ext uri="{386F3935-93C4-4BCD-93E2-E3B085C9AB24}">
+                  <p16:designElem xmlns:p16="http://schemas.microsoft.com/office/powerpoint/2015/main" val="1"/>
+                </p:ext>
+              </p:extLst>
+            </p:nvPr>
+          </p:nvSpPr>
+          <p:spPr>
+            <a:xfrm>
+              <a:off x="9685338" y="4460675"/>
+              <a:ext cx="1080904" cy="1080902"/>
+            </a:xfrm>
+            <a:prstGeom prst="ellipse">
+              <a:avLst/>
+            </a:prstGeom>
+            <a:blipFill dpi="0" rotWithShape="1">
+              <a:blip r:embed="rId4">
+                <a:duotone>
+                  <a:schemeClr val="accent1">
+                    <a:shade val="45000"/>
+                    <a:satMod val="135000"/>
+                  </a:schemeClr>
+                  <a:prstClr val="white"/>
+                </a:duotone>
+              </a:blip>
+              <a:srcRect/>
+              <a:tile tx="0" ty="0" sx="85000" sy="85000" flip="none" algn="tl"/>
+            </a:blipFill>
+            <a:ln w="25400" cap="flat" cmpd="sng" algn="ctr">
+              <a:noFill/>
+              <a:prstDash val="solid"/>
+            </a:ln>
+            <a:effectLst/>
+          </p:spPr>
+          <p:txBody>
+            <a:bodyPr lIns="0" tIns="0" rIns="0" bIns="0" rtlCol="0" anchor="ctr"/>
+            <a:lstStyle/>
+            <a:p>
+              <a:pPr marL="0" marR="0" lvl="0" indent="0" algn="ctr" defTabSz="914400" eaLnBrk="1" fontAlgn="auto" latinLnBrk="0" hangingPunct="1">
+                <a:lnSpc>
+                  <a:spcPct val="100000"/>
+                </a:lnSpc>
+                <a:spcBef>
+                  <a:spcPts val="0"/>
+                </a:spcBef>
+                <a:spcAft>
+                  <a:spcPts val="0"/>
+                </a:spcAft>
+                <a:buClrTx/>
+                <a:buSzTx/>
+                <a:buFontTx/>
+                <a:buNone/>
+                <a:tabLst/>
+                <a:defRPr/>
+              </a:pPr>
+              <a:endParaRPr kumimoji="0" lang="en-US" sz="2000" b="0" i="0" u="none" strike="noStrike" kern="0" cap="none" spc="0" normalizeH="0" baseline="0" noProof="0" dirty="0">
+                <a:ln>
+                  <a:noFill/>
+                </a:ln>
+                <a:solidFill>
+                  <a:prstClr val="white"/>
+                </a:solidFill>
+                <a:effectLst/>
+                <a:uLnTx/>
+                <a:uFillTx/>
+                <a:latin typeface="Rockwell Extra Bold" pitchFamily="18" charset="0"/>
+                <a:ea typeface="+mn-ea"/>
+                <a:cs typeface="+mn-cs"/>
+              </a:endParaRPr>
+            </a:p>
+          </p:txBody>
+        </p:sp>
+        <p:sp>
+          <p:nvSpPr>
+            <p:cNvPr id="181" name="Oval 94">
+              <a:extLst>
+                <a:ext uri="{FF2B5EF4-FFF2-40B4-BE49-F238E27FC236}">
+                  <a16:creationId xmlns:a16="http://schemas.microsoft.com/office/drawing/2014/main" id="{4F7E4C9C-591E-4C54-9ECF-96F50A57BBBE}"/>
+                </a:ext>
+                <a:ext uri="{C183D7F6-B498-43B3-948B-1728B52AA6E4}">
+                  <adec:decorative xmlns:adec="http://schemas.microsoft.com/office/drawing/2017/decorative" val="1"/>
+                </a:ext>
+              </a:extLst>
+            </p:cNvPr>
+            <p:cNvSpPr/>
+            <p:nvPr>
+              <p:extLst>
+                <p:ext uri="{386F3935-93C4-4BCD-93E2-E3B085C9AB24}">
+                  <p16:designElem xmlns:p16="http://schemas.microsoft.com/office/powerpoint/2015/main" val="1"/>
+                </p:ext>
+              </p:extLst>
+            </p:nvPr>
+          </p:nvSpPr>
+          <p:spPr>
+            <a:xfrm>
+              <a:off x="9793429" y="4568765"/>
+              <a:ext cx="864723" cy="864722"/>
+            </a:xfrm>
+            <a:prstGeom prst="ellipse">
+              <a:avLst/>
+            </a:prstGeom>
+            <a:noFill/>
+            <a:ln w="25400" cap="flat" cmpd="sng" algn="ctr">
+              <a:solidFill>
+                <a:sysClr val="window" lastClr="FFFFFF"/>
+              </a:solidFill>
+              <a:prstDash val="solid"/>
+            </a:ln>
+            <a:effectLst/>
+          </p:spPr>
+          <p:txBody>
+            <a:bodyPr rtlCol="0" anchor="ctr"/>
+            <a:lstStyle/>
+            <a:p>
+              <a:pPr marL="0" marR="0" lvl="0" indent="0" algn="ctr" defTabSz="914400" eaLnBrk="1" fontAlgn="auto" latinLnBrk="0" hangingPunct="1">
+                <a:lnSpc>
+                  <a:spcPct val="100000"/>
+                </a:lnSpc>
+                <a:spcBef>
+                  <a:spcPts val="0"/>
+                </a:spcBef>
+                <a:spcAft>
+                  <a:spcPts val="0"/>
+                </a:spcAft>
+                <a:buClrTx/>
+                <a:buSzTx/>
+                <a:buFontTx/>
+                <a:buNone/>
+                <a:tabLst/>
+                <a:defRPr/>
+              </a:pPr>
+              <a:endParaRPr kumimoji="0" lang="en-US" sz="1800" b="0" i="0" u="none" strike="noStrike" kern="0" cap="none" spc="0" normalizeH="0" baseline="0" noProof="0" dirty="0">
+                <a:ln>
+                  <a:noFill/>
+                </a:ln>
+                <a:solidFill>
+                  <a:prstClr val="white"/>
+                </a:solidFill>
+                <a:effectLst/>
+                <a:uLnTx/>
+                <a:uFillTx/>
+                <a:latin typeface="Calibri"/>
+                <a:ea typeface="+mn-ea"/>
+                <a:cs typeface="+mn-cs"/>
+              </a:endParaRPr>
+            </a:p>
+          </p:txBody>
+        </p:sp>
+      </p:grpSp>
+    </p:spTree>
+    <p:extLst>
+      <p:ext uri="{BB962C8B-B14F-4D97-AF65-F5344CB8AC3E}">
+        <p14:creationId xmlns:p14="http://schemas.microsoft.com/office/powerpoint/2010/main" val="2566503701"/>
+      </p:ext>
+    </p:extLst>
+  </p:cSld>
+  <p:clrMapOvr>
+    <a:masterClrMapping/>
+  </p:clrMapOvr>
+</p:sld>
+</file>
+
+<file path=ppt/slides/slide24.xml><?xml version="1.0" encoding="utf-8"?>
+<p:sld xmlns:a="http://schemas.openxmlformats.org/drawingml/2006/main" xmlns:r="http://schemas.openxmlformats.org/officeDocument/2006/relationships" xmlns:p="http://schemas.openxmlformats.org/presentationml/2006/main">
+  <p:cSld>
+    <p:bg>
+      <p:bgPr>
+        <a:solidFill>
+          <a:schemeClr val="bg1"/>
+        </a:solidFill>
+        <a:effectLst/>
+      </p:bgPr>
+    </p:bg>
+    <p:spTree>
+      <p:nvGrpSpPr>
+        <p:cNvPr id="1" name=""/>
+        <p:cNvGrpSpPr/>
+        <p:nvPr/>
+      </p:nvGrpSpPr>
+      <p:grpSpPr>
+        <a:xfrm>
+          <a:off x="0" y="0"/>
+          <a:ext cx="0" cy="0"/>
+          <a:chOff x="0" y="0"/>
+          <a:chExt cx="0" cy="0"/>
+        </a:xfrm>
+      </p:grpSpPr>
+      <p:sp>
+        <p:nvSpPr>
+          <p:cNvPr id="144" name="Rectangle 146">
+            <a:extLst>
+              <a:ext uri="{FF2B5EF4-FFF2-40B4-BE49-F238E27FC236}">
+                <a16:creationId xmlns:a16="http://schemas.microsoft.com/office/drawing/2014/main" id="{2550AE69-AC86-4188-83E5-A856C4F1DCFF}"/>
+              </a:ext>
+              <a:ext uri="{C183D7F6-B498-43B3-948B-1728B52AA6E4}">
+                <adec:decorative xmlns:adec="http://schemas.microsoft.com/office/drawing/2017/decorative" val="1"/>
+              </a:ext>
+            </a:extLst>
+          </p:cNvPr>
+          <p:cNvSpPr>
+            <a:spLocks noGrp="1" noRot="1" noChangeAspect="1" noMove="1" noResize="1" noEditPoints="1" noAdjustHandles="1" noChangeArrowheads="1" noChangeShapeType="1" noTextEdit="1"/>
+          </p:cNvSpPr>
+          <p:nvPr>
+            <p:extLst>
+              <p:ext uri="{386F3935-93C4-4BCD-93E2-E3B085C9AB24}">
+                <p16:designElem xmlns:p16="http://schemas.microsoft.com/office/powerpoint/2015/main" val="1"/>
+              </p:ext>
+            </p:extLst>
+          </p:nvPr>
+        </p:nvSpPr>
+        <p:spPr>
+          <a:xfrm>
+            <a:off x="920834" y="1346946"/>
+            <a:ext cx="10222992" cy="80683"/>
+          </a:xfrm>
+          <a:prstGeom prst="rect">
+            <a:avLst/>
+          </a:prstGeom>
+          <a:blipFill dpi="0" rotWithShape="1">
+            <a:blip r:embed="rId2">
+              <a:alphaModFix amt="85000"/>
+              <a:lum bright="70000" contrast="-70000"/>
+              <a:extLst>
+                <a:ext uri="{BEBA8EAE-BF5A-486C-A8C5-ECC9F3942E4B}">
+                  <a14:imgProps xmlns:a14="http://schemas.microsoft.com/office/drawing/2010/main">
+                    <a14:imgLayer r:embed="rId3">
+                      <a14:imgEffect>
+                        <a14:sharpenSoften amount="61000"/>
+                      </a14:imgEffect>
+                    </a14:imgLayer>
+                  </a14:imgProps>
+                </a:ext>
+                <a:ext uri="{28A0092B-C50C-407E-A947-70E740481C1C}">
+                  <a14:useLocalDpi xmlns:a14="http://schemas.microsoft.com/office/drawing/2010/main" val="0"/>
+                </a:ext>
+              </a:extLst>
+            </a:blip>
+            <a:srcRect/>
+            <a:tile tx="0" ty="-762000" sx="92000" sy="89000" flip="xy" algn="ctr"/>
+          </a:blipFill>
+          <a:ln>
+            <a:noFill/>
+          </a:ln>
+        </p:spPr>
+        <p:style>
+          <a:lnRef idx="2">
+            <a:schemeClr val="accent1">
+              <a:shade val="50000"/>
+            </a:schemeClr>
+          </a:lnRef>
+          <a:fillRef idx="1">
+            <a:schemeClr val="accent1"/>
+          </a:fillRef>
+          <a:effectRef idx="0">
+            <a:schemeClr val="accent1"/>
+          </a:effectRef>
+          <a:fontRef idx="minor">
+            <a:schemeClr val="lt1"/>
+          </a:fontRef>
+        </p:style>
+      </p:sp>
+      <p:sp>
+        <p:nvSpPr>
+          <p:cNvPr id="145" name="Rectangle 148">
+            <a:extLst>
+              <a:ext uri="{FF2B5EF4-FFF2-40B4-BE49-F238E27FC236}">
+                <a16:creationId xmlns:a16="http://schemas.microsoft.com/office/drawing/2014/main" id="{EC4CA156-2C9D-4F0C-B229-88D8B5E17BCF}"/>
+              </a:ext>
+              <a:ext uri="{C183D7F6-B498-43B3-948B-1728B52AA6E4}">
+                <adec:decorative xmlns:adec="http://schemas.microsoft.com/office/drawing/2017/decorative" val="1"/>
+              </a:ext>
+            </a:extLst>
+          </p:cNvPr>
+          <p:cNvSpPr>
+            <a:spLocks noGrp="1" noRot="1" noChangeAspect="1" noMove="1" noResize="1" noEditPoints="1" noAdjustHandles="1" noChangeArrowheads="1" noChangeShapeType="1" noTextEdit="1"/>
+          </p:cNvSpPr>
+          <p:nvPr>
+            <p:extLst>
+              <p:ext uri="{386F3935-93C4-4BCD-93E2-E3B085C9AB24}">
+                <p16:designElem xmlns:p16="http://schemas.microsoft.com/office/powerpoint/2015/main" val="1"/>
+              </p:ext>
+            </p:extLst>
+          </p:nvPr>
+        </p:nvSpPr>
+        <p:spPr>
+          <a:xfrm>
+            <a:off x="920834" y="4299696"/>
+            <a:ext cx="10222992" cy="80683"/>
+          </a:xfrm>
+          <a:prstGeom prst="rect">
+            <a:avLst/>
+          </a:prstGeom>
+          <a:blipFill dpi="0" rotWithShape="1">
+            <a:blip r:embed="rId2">
+              <a:alphaModFix amt="85000"/>
+              <a:lum bright="70000" contrast="-70000"/>
+              <a:extLst>
+                <a:ext uri="{BEBA8EAE-BF5A-486C-A8C5-ECC9F3942E4B}">
+                  <a14:imgProps xmlns:a14="http://schemas.microsoft.com/office/drawing/2010/main">
+                    <a14:imgLayer r:embed="rId3">
+                      <a14:imgEffect>
+                        <a14:sharpenSoften amount="61000"/>
+                      </a14:imgEffect>
+                    </a14:imgLayer>
+                  </a14:imgProps>
+                </a:ext>
+                <a:ext uri="{28A0092B-C50C-407E-A947-70E740481C1C}">
+                  <a14:useLocalDpi xmlns:a14="http://schemas.microsoft.com/office/drawing/2010/main" val="0"/>
+                </a:ext>
+              </a:extLst>
+            </a:blip>
+            <a:srcRect/>
+            <a:tile tx="0" ty="-717550" sx="92000" sy="89000" flip="xy" algn="ctr"/>
+          </a:blipFill>
+          <a:ln>
+            <a:noFill/>
+          </a:ln>
+        </p:spPr>
+        <p:style>
+          <a:lnRef idx="2">
+            <a:schemeClr val="accent1">
+              <a:shade val="50000"/>
+            </a:schemeClr>
+          </a:lnRef>
+          <a:fillRef idx="1">
+            <a:schemeClr val="accent1"/>
+          </a:fillRef>
+          <a:effectRef idx="0">
+            <a:schemeClr val="accent1"/>
+          </a:effectRef>
+          <a:fontRef idx="minor">
+            <a:schemeClr val="lt1"/>
+          </a:fontRef>
+        </p:style>
+      </p:sp>
+      <p:sp>
+        <p:nvSpPr>
+          <p:cNvPr id="146" name="Rectangle 150">
+            <a:extLst>
+              <a:ext uri="{FF2B5EF4-FFF2-40B4-BE49-F238E27FC236}">
+                <a16:creationId xmlns:a16="http://schemas.microsoft.com/office/drawing/2014/main" id="{D7361ED3-EBE5-4EFC-8DA3-D0CE4BF2F4B1}"/>
+              </a:ext>
+              <a:ext uri="{C183D7F6-B498-43B3-948B-1728B52AA6E4}">
+                <adec:decorative xmlns:adec="http://schemas.microsoft.com/office/drawing/2017/decorative" val="1"/>
+              </a:ext>
+            </a:extLst>
+          </p:cNvPr>
+          <p:cNvSpPr>
+            <a:spLocks noGrp="1" noRot="1" noChangeAspect="1" noMove="1" noResize="1" noEditPoints="1" noAdjustHandles="1" noChangeArrowheads="1" noChangeShapeType="1" noTextEdit="1"/>
+          </p:cNvSpPr>
+          <p:nvPr>
+            <p:extLst>
+              <p:ext uri="{386F3935-93C4-4BCD-93E2-E3B085C9AB24}">
+                <p16:designElem xmlns:p16="http://schemas.microsoft.com/office/powerpoint/2015/main" val="1"/>
+              </p:ext>
+            </p:extLst>
+          </p:nvPr>
+        </p:nvSpPr>
+        <p:spPr>
+          <a:xfrm>
+            <a:off x="920834" y="1484779"/>
+            <a:ext cx="10222992" cy="2743200"/>
+          </a:xfrm>
+          <a:prstGeom prst="rect">
+            <a:avLst/>
+          </a:prstGeom>
+          <a:blipFill dpi="0" rotWithShape="1">
+            <a:blip r:embed="rId2">
+              <a:alphaModFix amt="85000"/>
+              <a:lum bright="70000" contrast="-70000"/>
+              <a:extLst>
+                <a:ext uri="{BEBA8EAE-BF5A-486C-A8C5-ECC9F3942E4B}">
+                  <a14:imgProps xmlns:a14="http://schemas.microsoft.com/office/drawing/2010/main">
+                    <a14:imgLayer r:embed="rId3">
+                      <a14:imgEffect>
+                        <a14:sharpenSoften amount="61000"/>
+                      </a14:imgEffect>
+                    </a14:imgLayer>
+                  </a14:imgProps>
+                </a:ext>
+                <a:ext uri="{28A0092B-C50C-407E-A947-70E740481C1C}">
+                  <a14:useLocalDpi xmlns:a14="http://schemas.microsoft.com/office/drawing/2010/main" val="0"/>
+                </a:ext>
+              </a:extLst>
+            </a:blip>
+            <a:srcRect/>
+            <a:tile tx="0" ty="-704850" sx="92000" sy="89000" flip="xy" algn="ctr"/>
+          </a:blipFill>
+          <a:ln>
+            <a:noFill/>
+          </a:ln>
+        </p:spPr>
+        <p:style>
+          <a:lnRef idx="2">
+            <a:schemeClr val="accent1">
+              <a:shade val="50000"/>
+            </a:schemeClr>
+          </a:lnRef>
+          <a:fillRef idx="1">
+            <a:schemeClr val="accent1"/>
+          </a:fillRef>
+          <a:effectRef idx="0">
+            <a:schemeClr val="accent1"/>
+          </a:effectRef>
+          <a:fontRef idx="minor">
+            <a:schemeClr val="lt1"/>
+          </a:fontRef>
+        </p:style>
+      </p:sp>
+      <p:grpSp>
+        <p:nvGrpSpPr>
+          <p:cNvPr id="148" name="Group 152">
+            <a:extLst>
+              <a:ext uri="{FF2B5EF4-FFF2-40B4-BE49-F238E27FC236}">
+                <a16:creationId xmlns:a16="http://schemas.microsoft.com/office/drawing/2014/main" id="{85105087-7F16-4C94-837C-C45445116665}"/>
+              </a:ext>
+              <a:ext uri="{C183D7F6-B498-43B3-948B-1728B52AA6E4}">
+                <adec:decorative xmlns:adec="http://schemas.microsoft.com/office/drawing/2017/decorative" val="1"/>
+              </a:ext>
+            </a:extLst>
+          </p:cNvPr>
+          <p:cNvGrpSpPr>
+            <a:grpSpLocks noGrp="1" noUngrp="1" noRot="1" noChangeAspect="1" noMove="1" noResize="1"/>
+          </p:cNvGrpSpPr>
+          <p:nvPr>
+            <p:extLst>
+              <p:ext uri="{386F3935-93C4-4BCD-93E2-E3B085C9AB24}">
+                <p16:designElem xmlns:p16="http://schemas.microsoft.com/office/powerpoint/2015/main" val="1"/>
+              </p:ext>
+            </p:extLst>
+          </p:nvPr>
+        </p:nvGrpSpPr>
+        <p:grpSpPr>
+          <a:xfrm>
+            <a:off x="9649215" y="4068923"/>
+            <a:ext cx="1080904" cy="1080902"/>
+            <a:chOff x="9685338" y="4460675"/>
+            <a:chExt cx="1080904" cy="1080902"/>
+          </a:xfrm>
+        </p:grpSpPr>
+        <p:sp>
+          <p:nvSpPr>
+            <p:cNvPr id="154" name="Oval 153">
               <a:extLst>
                 <a:ext uri="{FF2B5EF4-FFF2-40B4-BE49-F238E27FC236}">
                   <a16:creationId xmlns:a16="http://schemas.microsoft.com/office/drawing/2014/main" id="{4F2F3467-E50F-4A91-B27D-E324936A66D0}"/>
@@ -16195,7 +17348,7 @@
         </p:sp>
         <p:sp>
           <p:nvSpPr>
-            <p:cNvPr id="134" name="Oval 133">
+            <p:cNvPr id="155" name="Oval 154">
               <a:extLst>
                 <a:ext uri="{FF2B5EF4-FFF2-40B4-BE49-F238E27FC236}">
                   <a16:creationId xmlns:a16="http://schemas.microsoft.com/office/drawing/2014/main" id="{D678BE03-AC84-4940-A7FD-5B143FE2D65D}"/>
@@ -16235,7 +17388,7 @@
       </p:grpSp>
       <p:sp useBgFill="1">
         <p:nvSpPr>
-          <p:cNvPr id="136" name="Rectangle 135">
+          <p:cNvPr id="150" name="Rectangle 156">
             <a:extLst>
               <a:ext uri="{FF2B5EF4-FFF2-40B4-BE49-F238E27FC236}">
                 <a16:creationId xmlns:a16="http://schemas.microsoft.com/office/drawing/2014/main" id="{19A1D830-E73C-47A9-A534-323CEEFF5B32}"/>
@@ -16295,7 +17448,7 @@
       </p:sp>
       <p:sp>
         <p:nvSpPr>
-          <p:cNvPr id="138" name="Rectangle 137">
+          <p:cNvPr id="152" name="Rectangle 158">
             <a:extLst>
               <a:ext uri="{FF2B5EF4-FFF2-40B4-BE49-F238E27FC236}">
                 <a16:creationId xmlns:a16="http://schemas.microsoft.com/office/drawing/2014/main" id="{8F69FBEC-4C47-4288-962D-3FC20C79F3F5}"/>
@@ -16409,31 +17562,28 @@
               </a:lnSpc>
             </a:pPr>
             <a:r>
-              <a:rPr lang="en-US" sz="7200" dirty="0" err="1">
+              <a:rPr lang="en-US" sz="7200">
                 <a:blipFill dpi="0" rotWithShape="1">
                   <a:blip r:embed="rId4"/>
                   <a:srcRect/>
                   <a:tile tx="6350" ty="-127000" sx="65000" sy="64000" flip="none" algn="tl"/>
                 </a:blipFill>
               </a:rPr>
-              <a:t>XOr</a:t>
+              <a:t>XOr gate V2 HDL CODE</a:t>
             </a:r>
-            <a:r>
-              <a:rPr lang="en-US" sz="7200" dirty="0">
-                <a:blipFill dpi="0" rotWithShape="1">
-                  <a:blip r:embed="rId4"/>
-                  <a:srcRect/>
-                  <a:tile tx="6350" ty="-127000" sx="65000" sy="64000" flip="none" algn="tl"/>
-                </a:blipFill>
-              </a:rPr>
-              <a:t> gate V2 HDL CODE</a:t>
-            </a:r>
+            <a:endParaRPr lang="en-US" sz="7200" dirty="0">
+              <a:blipFill dpi="0" rotWithShape="1">
+                <a:blip r:embed="rId4"/>
+                <a:srcRect/>
+                <a:tile tx="6350" ty="-127000" sx="65000" sy="64000" flip="none" algn="tl"/>
+              </a:blipFill>
+            </a:endParaRPr>
           </a:p>
         </p:txBody>
       </p:sp>
       <p:grpSp>
         <p:nvGrpSpPr>
-          <p:cNvPr id="140" name="Group 139">
+          <p:cNvPr id="156" name="Group 160">
             <a:extLst>
               <a:ext uri="{FF2B5EF4-FFF2-40B4-BE49-F238E27FC236}">
                 <a16:creationId xmlns:a16="http://schemas.microsoft.com/office/drawing/2014/main" id="{54F6FC82-E588-4DA0-8096-0C3BD54F17B5}"/>
@@ -16464,7 +17614,7 @@
         </p:grpSpPr>
         <p:sp>
           <p:nvSpPr>
-            <p:cNvPr id="141" name="Oval 140">
+            <p:cNvPr id="162" name="Oval 161">
               <a:extLst>
                 <a:ext uri="{FF2B5EF4-FFF2-40B4-BE49-F238E27FC236}">
                   <a16:creationId xmlns:a16="http://schemas.microsoft.com/office/drawing/2014/main" id="{E8898E90-044F-45FF-8B4D-CE0F6A630A46}"/>
@@ -16550,7 +17700,7 @@
         </p:sp>
         <p:sp>
           <p:nvSpPr>
-            <p:cNvPr id="142" name="Oval 141">
+            <p:cNvPr id="158" name="Oval 162">
               <a:extLst>
                 <a:ext uri="{FF2B5EF4-FFF2-40B4-BE49-F238E27FC236}">
                   <a16:creationId xmlns:a16="http://schemas.microsoft.com/office/drawing/2014/main" id="{923BF161-A852-4DA5-BB4C-2DFC336B7779}"/>
@@ -16625,10 +17775,1087 @@
           </p:txBody>
         </p:sp>
       </p:grpSp>
+      <p:pic>
+        <p:nvPicPr>
+          <p:cNvPr id="5" name="Picture 4">
+            <a:extLst>
+              <a:ext uri="{FF2B5EF4-FFF2-40B4-BE49-F238E27FC236}">
+                <a16:creationId xmlns:a16="http://schemas.microsoft.com/office/drawing/2014/main" id="{7620C44F-0366-4356-9135-DEDFF76D5444}"/>
+              </a:ext>
+            </a:extLst>
+          </p:cNvPr>
+          <p:cNvPicPr>
+            <a:picLocks noChangeAspect="1"/>
+          </p:cNvPicPr>
+          <p:nvPr/>
+        </p:nvPicPr>
+        <p:blipFill>
+          <a:blip r:embed="rId7"/>
+          <a:stretch>
+            <a:fillRect/>
+          </a:stretch>
+        </p:blipFill>
+        <p:spPr>
+          <a:xfrm>
+            <a:off x="0" y="299562"/>
+            <a:ext cx="7454555" cy="6258874"/>
+          </a:xfrm>
+          <a:prstGeom prst="rect">
+            <a:avLst/>
+          </a:prstGeom>
+        </p:spPr>
+      </p:pic>
     </p:spTree>
     <p:extLst>
       <p:ext uri="{BB962C8B-B14F-4D97-AF65-F5344CB8AC3E}">
         <p14:creationId xmlns:p14="http://schemas.microsoft.com/office/powerpoint/2010/main" val="597146098"/>
+      </p:ext>
+    </p:extLst>
+  </p:cSld>
+  <p:clrMapOvr>
+    <a:masterClrMapping/>
+  </p:clrMapOvr>
+</p:sld>
+</file>
+
+<file path=ppt/slides/slide25.xml><?xml version="1.0" encoding="utf-8"?>
+<p:sld xmlns:a="http://schemas.openxmlformats.org/drawingml/2006/main" xmlns:r="http://schemas.openxmlformats.org/officeDocument/2006/relationships" xmlns:p="http://schemas.openxmlformats.org/presentationml/2006/main">
+  <p:cSld>
+    <p:bg>
+      <p:bgPr>
+        <a:solidFill>
+          <a:schemeClr val="bg1"/>
+        </a:solidFill>
+        <a:effectLst/>
+      </p:bgPr>
+    </p:bg>
+    <p:spTree>
+      <p:nvGrpSpPr>
+        <p:cNvPr id="1" name=""/>
+        <p:cNvGrpSpPr/>
+        <p:nvPr/>
+      </p:nvGrpSpPr>
+      <p:grpSpPr>
+        <a:xfrm>
+          <a:off x="0" y="0"/>
+          <a:ext cx="0" cy="0"/>
+          <a:chOff x="0" y="0"/>
+          <a:chExt cx="0" cy="0"/>
+        </a:xfrm>
+      </p:grpSpPr>
+      <p:sp>
+        <p:nvSpPr>
+          <p:cNvPr id="103" name="Rectangle 102">
+            <a:extLst>
+              <a:ext uri="{FF2B5EF4-FFF2-40B4-BE49-F238E27FC236}">
+                <a16:creationId xmlns:a16="http://schemas.microsoft.com/office/drawing/2014/main" id="{501EBB4D-E42B-468D-B801-D16CF43ECBD2}"/>
+              </a:ext>
+              <a:ext uri="{C183D7F6-B498-43B3-948B-1728B52AA6E4}">
+                <adec:decorative xmlns:adec="http://schemas.microsoft.com/office/drawing/2017/decorative" val="1"/>
+              </a:ext>
+            </a:extLst>
+          </p:cNvPr>
+          <p:cNvSpPr>
+            <a:spLocks noGrp="1" noRot="1" noChangeAspect="1" noMove="1" noResize="1" noEditPoints="1" noAdjustHandles="1" noChangeArrowheads="1" noChangeShapeType="1" noTextEdit="1"/>
+          </p:cNvSpPr>
+          <p:nvPr>
+            <p:extLst>
+              <p:ext uri="{386F3935-93C4-4BCD-93E2-E3B085C9AB24}">
+                <p16:designElem xmlns:p16="http://schemas.microsoft.com/office/powerpoint/2015/main" val="1"/>
+              </p:ext>
+            </p:extLst>
+          </p:nvPr>
+        </p:nvSpPr>
+        <p:spPr>
+          <a:xfrm>
+            <a:off x="920834" y="1346946"/>
+            <a:ext cx="10222992" cy="80683"/>
+          </a:xfrm>
+          <a:prstGeom prst="rect">
+            <a:avLst/>
+          </a:prstGeom>
+          <a:blipFill dpi="0" rotWithShape="1">
+            <a:blip r:embed="rId2">
+              <a:alphaModFix amt="85000"/>
+              <a:lum bright="70000" contrast="-70000"/>
+              <a:extLst>
+                <a:ext uri="{BEBA8EAE-BF5A-486C-A8C5-ECC9F3942E4B}">
+                  <a14:imgProps xmlns:a14="http://schemas.microsoft.com/office/drawing/2010/main">
+                    <a14:imgLayer r:embed="rId3">
+                      <a14:imgEffect>
+                        <a14:sharpenSoften amount="61000"/>
+                      </a14:imgEffect>
+                    </a14:imgLayer>
+                  </a14:imgProps>
+                </a:ext>
+                <a:ext uri="{28A0092B-C50C-407E-A947-70E740481C1C}">
+                  <a14:useLocalDpi xmlns:a14="http://schemas.microsoft.com/office/drawing/2010/main" val="0"/>
+                </a:ext>
+              </a:extLst>
+            </a:blip>
+            <a:srcRect/>
+            <a:tile tx="0" ty="-762000" sx="92000" sy="89000" flip="xy" algn="ctr"/>
+          </a:blipFill>
+          <a:ln>
+            <a:noFill/>
+          </a:ln>
+        </p:spPr>
+        <p:style>
+          <a:lnRef idx="2">
+            <a:schemeClr val="accent1">
+              <a:shade val="50000"/>
+            </a:schemeClr>
+          </a:lnRef>
+          <a:fillRef idx="1">
+            <a:schemeClr val="accent1"/>
+          </a:fillRef>
+          <a:effectRef idx="0">
+            <a:schemeClr val="accent1"/>
+          </a:effectRef>
+          <a:fontRef idx="minor">
+            <a:schemeClr val="lt1"/>
+          </a:fontRef>
+        </p:style>
+        <p:txBody>
+          <a:bodyPr rtlCol="0" anchor="ctr"/>
+          <a:lstStyle/>
+          <a:p>
+            <a:pPr algn="ctr"/>
+            <a:endParaRPr lang="en-US"/>
+          </a:p>
+        </p:txBody>
+      </p:sp>
+      <p:sp>
+        <p:nvSpPr>
+          <p:cNvPr id="105" name="Rectangle 104">
+            <a:extLst>
+              <a:ext uri="{FF2B5EF4-FFF2-40B4-BE49-F238E27FC236}">
+                <a16:creationId xmlns:a16="http://schemas.microsoft.com/office/drawing/2014/main" id="{A7FBF63C-B061-4F66-8609-FED8EFFDAFE7}"/>
+              </a:ext>
+              <a:ext uri="{C183D7F6-B498-43B3-948B-1728B52AA6E4}">
+                <adec:decorative xmlns:adec="http://schemas.microsoft.com/office/drawing/2017/decorative" val="1"/>
+              </a:ext>
+            </a:extLst>
+          </p:cNvPr>
+          <p:cNvSpPr>
+            <a:spLocks noGrp="1" noRot="1" noChangeAspect="1" noMove="1" noResize="1" noEditPoints="1" noAdjustHandles="1" noChangeArrowheads="1" noChangeShapeType="1" noTextEdit="1"/>
+          </p:cNvSpPr>
+          <p:nvPr>
+            <p:extLst>
+              <p:ext uri="{386F3935-93C4-4BCD-93E2-E3B085C9AB24}">
+                <p16:designElem xmlns:p16="http://schemas.microsoft.com/office/powerpoint/2015/main" val="1"/>
+              </p:ext>
+            </p:extLst>
+          </p:nvPr>
+        </p:nvSpPr>
+        <p:spPr>
+          <a:xfrm>
+            <a:off x="920834" y="4299696"/>
+            <a:ext cx="10222992" cy="80683"/>
+          </a:xfrm>
+          <a:prstGeom prst="rect">
+            <a:avLst/>
+          </a:prstGeom>
+          <a:blipFill dpi="0" rotWithShape="1">
+            <a:blip r:embed="rId2">
+              <a:alphaModFix amt="85000"/>
+              <a:lum bright="70000" contrast="-70000"/>
+              <a:extLst>
+                <a:ext uri="{BEBA8EAE-BF5A-486C-A8C5-ECC9F3942E4B}">
+                  <a14:imgProps xmlns:a14="http://schemas.microsoft.com/office/drawing/2010/main">
+                    <a14:imgLayer r:embed="rId3">
+                      <a14:imgEffect>
+                        <a14:sharpenSoften amount="61000"/>
+                      </a14:imgEffect>
+                    </a14:imgLayer>
+                  </a14:imgProps>
+                </a:ext>
+                <a:ext uri="{28A0092B-C50C-407E-A947-70E740481C1C}">
+                  <a14:useLocalDpi xmlns:a14="http://schemas.microsoft.com/office/drawing/2010/main" val="0"/>
+                </a:ext>
+              </a:extLst>
+            </a:blip>
+            <a:srcRect/>
+            <a:tile tx="0" ty="-717550" sx="92000" sy="89000" flip="xy" algn="ctr"/>
+          </a:blipFill>
+          <a:ln>
+            <a:noFill/>
+          </a:ln>
+        </p:spPr>
+        <p:style>
+          <a:lnRef idx="2">
+            <a:schemeClr val="accent1">
+              <a:shade val="50000"/>
+            </a:schemeClr>
+          </a:lnRef>
+          <a:fillRef idx="1">
+            <a:schemeClr val="accent1"/>
+          </a:fillRef>
+          <a:effectRef idx="0">
+            <a:schemeClr val="accent1"/>
+          </a:effectRef>
+          <a:fontRef idx="minor">
+            <a:schemeClr val="lt1"/>
+          </a:fontRef>
+        </p:style>
+        <p:txBody>
+          <a:bodyPr rtlCol="0" anchor="ctr"/>
+          <a:lstStyle/>
+          <a:p>
+            <a:pPr algn="ctr"/>
+            <a:endParaRPr lang="en-US"/>
+          </a:p>
+        </p:txBody>
+      </p:sp>
+      <p:sp>
+        <p:nvSpPr>
+          <p:cNvPr id="107" name="Rectangle 106">
+            <a:extLst>
+              <a:ext uri="{FF2B5EF4-FFF2-40B4-BE49-F238E27FC236}">
+                <a16:creationId xmlns:a16="http://schemas.microsoft.com/office/drawing/2014/main" id="{D893CC27-5C56-4F6F-9B94-413AE08B922C}"/>
+              </a:ext>
+              <a:ext uri="{C183D7F6-B498-43B3-948B-1728B52AA6E4}">
+                <adec:decorative xmlns:adec="http://schemas.microsoft.com/office/drawing/2017/decorative" val="1"/>
+              </a:ext>
+            </a:extLst>
+          </p:cNvPr>
+          <p:cNvSpPr>
+            <a:spLocks noGrp="1" noRot="1" noChangeAspect="1" noMove="1" noResize="1" noEditPoints="1" noAdjustHandles="1" noChangeArrowheads="1" noChangeShapeType="1" noTextEdit="1"/>
+          </p:cNvSpPr>
+          <p:nvPr>
+            <p:extLst>
+              <p:ext uri="{386F3935-93C4-4BCD-93E2-E3B085C9AB24}">
+                <p16:designElem xmlns:p16="http://schemas.microsoft.com/office/powerpoint/2015/main" val="1"/>
+              </p:ext>
+            </p:extLst>
+          </p:nvPr>
+        </p:nvSpPr>
+        <p:spPr>
+          <a:xfrm>
+            <a:off x="920834" y="1484779"/>
+            <a:ext cx="10222992" cy="2743200"/>
+          </a:xfrm>
+          <a:prstGeom prst="rect">
+            <a:avLst/>
+          </a:prstGeom>
+          <a:blipFill dpi="0" rotWithShape="1">
+            <a:blip r:embed="rId2">
+              <a:alphaModFix amt="85000"/>
+              <a:lum bright="70000" contrast="-70000"/>
+              <a:extLst>
+                <a:ext uri="{BEBA8EAE-BF5A-486C-A8C5-ECC9F3942E4B}">
+                  <a14:imgProps xmlns:a14="http://schemas.microsoft.com/office/drawing/2010/main">
+                    <a14:imgLayer r:embed="rId3">
+                      <a14:imgEffect>
+                        <a14:sharpenSoften amount="61000"/>
+                      </a14:imgEffect>
+                    </a14:imgLayer>
+                  </a14:imgProps>
+                </a:ext>
+                <a:ext uri="{28A0092B-C50C-407E-A947-70E740481C1C}">
+                  <a14:useLocalDpi xmlns:a14="http://schemas.microsoft.com/office/drawing/2010/main" val="0"/>
+                </a:ext>
+              </a:extLst>
+            </a:blip>
+            <a:srcRect/>
+            <a:tile tx="0" ty="-704850" sx="92000" sy="89000" flip="xy" algn="ctr"/>
+          </a:blipFill>
+          <a:ln>
+            <a:noFill/>
+          </a:ln>
+        </p:spPr>
+        <p:style>
+          <a:lnRef idx="2">
+            <a:schemeClr val="accent1">
+              <a:shade val="50000"/>
+            </a:schemeClr>
+          </a:lnRef>
+          <a:fillRef idx="1">
+            <a:schemeClr val="accent1"/>
+          </a:fillRef>
+          <a:effectRef idx="0">
+            <a:schemeClr val="accent1"/>
+          </a:effectRef>
+          <a:fontRef idx="minor">
+            <a:schemeClr val="lt1"/>
+          </a:fontRef>
+        </p:style>
+        <p:txBody>
+          <a:bodyPr rtlCol="0" anchor="ctr"/>
+          <a:lstStyle/>
+          <a:p>
+            <a:pPr algn="ctr"/>
+            <a:endParaRPr lang="en-US"/>
+          </a:p>
+        </p:txBody>
+      </p:sp>
+      <p:grpSp>
+        <p:nvGrpSpPr>
+          <p:cNvPr id="109" name="Group 108">
+            <a:extLst>
+              <a:ext uri="{FF2B5EF4-FFF2-40B4-BE49-F238E27FC236}">
+                <a16:creationId xmlns:a16="http://schemas.microsoft.com/office/drawing/2014/main" id="{76D64082-5099-45DC-84A9-81EA54822BEE}"/>
+              </a:ext>
+              <a:ext uri="{C183D7F6-B498-43B3-948B-1728B52AA6E4}">
+                <adec:decorative xmlns:adec="http://schemas.microsoft.com/office/drawing/2017/decorative" val="1"/>
+              </a:ext>
+            </a:extLst>
+          </p:cNvPr>
+          <p:cNvGrpSpPr>
+            <a:grpSpLocks noGrp="1" noUngrp="1" noRot="1" noChangeAspect="1" noMove="1" noResize="1"/>
+          </p:cNvGrpSpPr>
+          <p:nvPr>
+            <p:extLst>
+              <p:ext uri="{386F3935-93C4-4BCD-93E2-E3B085C9AB24}">
+                <p16:designElem xmlns:p16="http://schemas.microsoft.com/office/powerpoint/2015/main" val="1"/>
+              </p:ext>
+            </p:extLst>
+          </p:nvPr>
+        </p:nvGrpSpPr>
+        <p:grpSpPr>
+          <a:xfrm>
+            <a:off x="9649215" y="4068923"/>
+            <a:ext cx="1080904" cy="1080902"/>
+            <a:chOff x="9685338" y="4460675"/>
+            <a:chExt cx="1080904" cy="1080902"/>
+          </a:xfrm>
+        </p:grpSpPr>
+        <p:sp>
+          <p:nvSpPr>
+            <p:cNvPr id="110" name="Oval 109">
+              <a:extLst>
+                <a:ext uri="{FF2B5EF4-FFF2-40B4-BE49-F238E27FC236}">
+                  <a16:creationId xmlns:a16="http://schemas.microsoft.com/office/drawing/2014/main" id="{A9E39E47-E101-4CE1-883E-6C6528BECEB6}"/>
+                </a:ext>
+                <a:ext uri="{C183D7F6-B498-43B3-948B-1728B52AA6E4}">
+                  <adec:decorative xmlns:adec="http://schemas.microsoft.com/office/drawing/2017/decorative" val="1"/>
+                </a:ext>
+              </a:extLst>
+            </p:cNvPr>
+            <p:cNvSpPr/>
+            <p:nvPr>
+              <p:extLst>
+                <p:ext uri="{386F3935-93C4-4BCD-93E2-E3B085C9AB24}">
+                  <p16:designElem xmlns:p16="http://schemas.microsoft.com/office/powerpoint/2015/main" val="1"/>
+                </p:ext>
+              </p:extLst>
+            </p:nvPr>
+          </p:nvSpPr>
+          <p:spPr>
+            <a:xfrm>
+              <a:off x="9685338" y="4460675"/>
+              <a:ext cx="1080904" cy="1080902"/>
+            </a:xfrm>
+            <a:prstGeom prst="ellipse">
+              <a:avLst/>
+            </a:prstGeom>
+            <a:blipFill dpi="0" rotWithShape="1">
+              <a:blip r:embed="rId4">
+                <a:duotone>
+                  <a:schemeClr val="accent1">
+                    <a:shade val="45000"/>
+                    <a:satMod val="135000"/>
+                  </a:schemeClr>
+                  <a:prstClr val="white"/>
+                </a:duotone>
+                <a:extLst>
+                  <a:ext uri="{BEBA8EAE-BF5A-486C-A8C5-ECC9F3942E4B}">
+                    <a14:imgProps xmlns:a14="http://schemas.microsoft.com/office/drawing/2010/main">
+                      <a14:imgLayer r:embed="rId5">
+                        <a14:imgEffect>
+                          <a14:saturation sat="95000"/>
+                        </a14:imgEffect>
+                      </a14:imgLayer>
+                    </a14:imgProps>
+                  </a:ext>
+                </a:extLst>
+              </a:blip>
+              <a:srcRect/>
+              <a:tile tx="0" ty="0" sx="85000" sy="85000" flip="none" algn="tl"/>
+            </a:blipFill>
+            <a:ln w="25400" cap="flat" cmpd="sng" algn="ctr">
+              <a:noFill/>
+              <a:prstDash val="solid"/>
+            </a:ln>
+            <a:effectLst/>
+          </p:spPr>
+          <p:txBody>
+            <a:bodyPr lIns="0" tIns="0" rIns="0" bIns="0" rtlCol="0" anchor="ctr"/>
+            <a:lstStyle/>
+            <a:p>
+              <a:pPr marL="0" marR="0" lvl="0" indent="0" algn="ctr" defTabSz="914400" eaLnBrk="1" fontAlgn="auto" latinLnBrk="0" hangingPunct="1">
+                <a:lnSpc>
+                  <a:spcPct val="100000"/>
+                </a:lnSpc>
+                <a:spcBef>
+                  <a:spcPts val="0"/>
+                </a:spcBef>
+                <a:spcAft>
+                  <a:spcPts val="0"/>
+                </a:spcAft>
+                <a:buClrTx/>
+                <a:buSzTx/>
+                <a:buFontTx/>
+                <a:buNone/>
+                <a:tabLst/>
+                <a:defRPr/>
+              </a:pPr>
+              <a:endParaRPr kumimoji="0" lang="en-US" sz="2000" b="0" i="0" u="none" strike="noStrike" kern="0" cap="none" spc="0" normalizeH="0" baseline="0" noProof="0" dirty="0">
+                <a:ln>
+                  <a:noFill/>
+                </a:ln>
+                <a:solidFill>
+                  <a:prstClr val="white"/>
+                </a:solidFill>
+                <a:effectLst/>
+                <a:uLnTx/>
+                <a:uFillTx/>
+                <a:latin typeface="Rockwell Extra Bold" pitchFamily="18" charset="0"/>
+                <a:ea typeface="+mn-ea"/>
+                <a:cs typeface="+mn-cs"/>
+              </a:endParaRPr>
+            </a:p>
+          </p:txBody>
+        </p:sp>
+        <p:sp>
+          <p:nvSpPr>
+            <p:cNvPr id="111" name="Oval 110">
+              <a:extLst>
+                <a:ext uri="{FF2B5EF4-FFF2-40B4-BE49-F238E27FC236}">
+                  <a16:creationId xmlns:a16="http://schemas.microsoft.com/office/drawing/2014/main" id="{2830CD01-B213-47C9-81AD-433E08F7DA95}"/>
+                </a:ext>
+                <a:ext uri="{C183D7F6-B498-43B3-948B-1728B52AA6E4}">
+                  <adec:decorative xmlns:adec="http://schemas.microsoft.com/office/drawing/2017/decorative" val="1"/>
+                </a:ext>
+              </a:extLst>
+            </p:cNvPr>
+            <p:cNvSpPr/>
+            <p:nvPr>
+              <p:extLst>
+                <p:ext uri="{386F3935-93C4-4BCD-93E2-E3B085C9AB24}">
+                  <p16:designElem xmlns:p16="http://schemas.microsoft.com/office/powerpoint/2015/main" val="1"/>
+                </p:ext>
+              </p:extLst>
+            </p:nvPr>
+          </p:nvSpPr>
+          <p:spPr>
+            <a:xfrm>
+              <a:off x="9793429" y="4568765"/>
+              <a:ext cx="864723" cy="864722"/>
+            </a:xfrm>
+            <a:prstGeom prst="ellipse">
+              <a:avLst/>
+            </a:prstGeom>
+            <a:noFill/>
+            <a:ln w="25400" cap="flat" cmpd="sng" algn="ctr">
+              <a:solidFill>
+                <a:sysClr val="window" lastClr="FFFFFF"/>
+              </a:solidFill>
+              <a:prstDash val="solid"/>
+            </a:ln>
+            <a:effectLst/>
+          </p:spPr>
+          <p:txBody>
+            <a:bodyPr rtlCol="0" anchor="ctr"/>
+            <a:lstStyle/>
+            <a:p>
+              <a:pPr marL="0" marR="0" lvl="0" indent="0" algn="ctr" defTabSz="914400" eaLnBrk="1" fontAlgn="auto" latinLnBrk="0" hangingPunct="1">
+                <a:lnSpc>
+                  <a:spcPct val="100000"/>
+                </a:lnSpc>
+                <a:spcBef>
+                  <a:spcPts val="0"/>
+                </a:spcBef>
+                <a:spcAft>
+                  <a:spcPts val="0"/>
+                </a:spcAft>
+                <a:buClrTx/>
+                <a:buSzTx/>
+                <a:buFontTx/>
+                <a:buNone/>
+                <a:tabLst/>
+                <a:defRPr/>
+              </a:pPr>
+              <a:endParaRPr kumimoji="0" lang="en-US" sz="1800" b="0" i="0" u="none" strike="noStrike" kern="0" cap="none" spc="0" normalizeH="0" baseline="0" noProof="0" dirty="0">
+                <a:ln>
+                  <a:noFill/>
+                </a:ln>
+                <a:solidFill>
+                  <a:prstClr val="white"/>
+                </a:solidFill>
+                <a:effectLst/>
+                <a:uLnTx/>
+                <a:uFillTx/>
+                <a:latin typeface="Calibri"/>
+                <a:ea typeface="+mn-ea"/>
+                <a:cs typeface="+mn-cs"/>
+              </a:endParaRPr>
+            </a:p>
+          </p:txBody>
+        </p:sp>
+      </p:grpSp>
+      <p:sp>
+        <p:nvSpPr>
+          <p:cNvPr id="113" name="Rectangle 112">
+            <a:extLst>
+              <a:ext uri="{FF2B5EF4-FFF2-40B4-BE49-F238E27FC236}">
+                <a16:creationId xmlns:a16="http://schemas.microsoft.com/office/drawing/2014/main" id="{D3942243-EB87-47B0-A725-FB513F644AB1}"/>
+              </a:ext>
+              <a:ext uri="{C183D7F6-B498-43B3-948B-1728B52AA6E4}">
+                <adec:decorative xmlns:adec="http://schemas.microsoft.com/office/drawing/2017/decorative" val="1"/>
+              </a:ext>
+            </a:extLst>
+          </p:cNvPr>
+          <p:cNvSpPr>
+            <a:spLocks noGrp="1" noRot="1" noChangeAspect="1" noMove="1" noResize="1" noEditPoints="1" noAdjustHandles="1" noChangeArrowheads="1" noChangeShapeType="1" noTextEdit="1"/>
+          </p:cNvSpPr>
+          <p:nvPr>
+            <p:extLst>
+              <p:ext uri="{386F3935-93C4-4BCD-93E2-E3B085C9AB24}">
+                <p16:designElem xmlns:p16="http://schemas.microsoft.com/office/powerpoint/2015/main" val="1"/>
+              </p:ext>
+            </p:extLst>
+          </p:nvPr>
+        </p:nvSpPr>
+        <p:spPr bwMode="white">
+          <a:xfrm>
+            <a:off x="-7620" y="-1"/>
+            <a:ext cx="12207240" cy="6858001"/>
+          </a:xfrm>
+          <a:prstGeom prst="rect">
+            <a:avLst/>
+          </a:prstGeom>
+          <a:solidFill>
+            <a:schemeClr val="bg1"/>
+          </a:solidFill>
+          <a:ln>
+            <a:noFill/>
+          </a:ln>
+        </p:spPr>
+        <p:style>
+          <a:lnRef idx="2">
+            <a:schemeClr val="accent1">
+              <a:shade val="50000"/>
+            </a:schemeClr>
+          </a:lnRef>
+          <a:fillRef idx="1">
+            <a:schemeClr val="accent1"/>
+          </a:fillRef>
+          <a:effectRef idx="0">
+            <a:schemeClr val="accent1"/>
+          </a:effectRef>
+          <a:fontRef idx="minor">
+            <a:schemeClr val="lt1"/>
+          </a:fontRef>
+        </p:style>
+        <p:txBody>
+          <a:bodyPr rot="0" spcFirstLastPara="0" vert="horz" wrap="square" lIns="91440" tIns="45720" rIns="91440" bIns="45720" numCol="1" spcCol="0" rtlCol="0" fromWordArt="0" anchor="ctr" anchorCtr="0" forceAA="0" compatLnSpc="1">
+            <a:prstTxWarp prst="textNoShape">
+              <a:avLst/>
+            </a:prstTxWarp>
+            <a:noAutofit/>
+          </a:bodyPr>
+          <a:lstStyle>
+            <a:defPPr>
+              <a:defRPr lang="en-US"/>
+            </a:defPPr>
+            <a:lvl1pPr marL="0" algn="l" defTabSz="914400" rtl="0" eaLnBrk="1" latinLnBrk="0" hangingPunct="1">
+              <a:defRPr sz="1800" kern="1200">
+                <a:solidFill>
+                  <a:schemeClr val="lt1"/>
+                </a:solidFill>
+                <a:latin typeface="+mn-lt"/>
+                <a:ea typeface="+mn-ea"/>
+                <a:cs typeface="+mn-cs"/>
+              </a:defRPr>
+            </a:lvl1pPr>
+            <a:lvl2pPr marL="457200" algn="l" defTabSz="914400" rtl="0" eaLnBrk="1" latinLnBrk="0" hangingPunct="1">
+              <a:defRPr sz="1800" kern="1200">
+                <a:solidFill>
+                  <a:schemeClr val="lt1"/>
+                </a:solidFill>
+                <a:latin typeface="+mn-lt"/>
+                <a:ea typeface="+mn-ea"/>
+                <a:cs typeface="+mn-cs"/>
+              </a:defRPr>
+            </a:lvl2pPr>
+            <a:lvl3pPr marL="914400" algn="l" defTabSz="914400" rtl="0" eaLnBrk="1" latinLnBrk="0" hangingPunct="1">
+              <a:defRPr sz="1800" kern="1200">
+                <a:solidFill>
+                  <a:schemeClr val="lt1"/>
+                </a:solidFill>
+                <a:latin typeface="+mn-lt"/>
+                <a:ea typeface="+mn-ea"/>
+                <a:cs typeface="+mn-cs"/>
+              </a:defRPr>
+            </a:lvl3pPr>
+            <a:lvl4pPr marL="1371600" algn="l" defTabSz="914400" rtl="0" eaLnBrk="1" latinLnBrk="0" hangingPunct="1">
+              <a:defRPr sz="1800" kern="1200">
+                <a:solidFill>
+                  <a:schemeClr val="lt1"/>
+                </a:solidFill>
+                <a:latin typeface="+mn-lt"/>
+                <a:ea typeface="+mn-ea"/>
+                <a:cs typeface="+mn-cs"/>
+              </a:defRPr>
+            </a:lvl4pPr>
+            <a:lvl5pPr marL="1828800" algn="l" defTabSz="914400" rtl="0" eaLnBrk="1" latinLnBrk="0" hangingPunct="1">
+              <a:defRPr sz="1800" kern="1200">
+                <a:solidFill>
+                  <a:schemeClr val="lt1"/>
+                </a:solidFill>
+                <a:latin typeface="+mn-lt"/>
+                <a:ea typeface="+mn-ea"/>
+                <a:cs typeface="+mn-cs"/>
+              </a:defRPr>
+            </a:lvl5pPr>
+            <a:lvl6pPr marL="2286000" algn="l" defTabSz="914400" rtl="0" eaLnBrk="1" latinLnBrk="0" hangingPunct="1">
+              <a:defRPr sz="1800" kern="1200">
+                <a:solidFill>
+                  <a:schemeClr val="lt1"/>
+                </a:solidFill>
+                <a:latin typeface="+mn-lt"/>
+                <a:ea typeface="+mn-ea"/>
+                <a:cs typeface="+mn-cs"/>
+              </a:defRPr>
+            </a:lvl6pPr>
+            <a:lvl7pPr marL="2743200" algn="l" defTabSz="914400" rtl="0" eaLnBrk="1" latinLnBrk="0" hangingPunct="1">
+              <a:defRPr sz="1800" kern="1200">
+                <a:solidFill>
+                  <a:schemeClr val="lt1"/>
+                </a:solidFill>
+                <a:latin typeface="+mn-lt"/>
+                <a:ea typeface="+mn-ea"/>
+                <a:cs typeface="+mn-cs"/>
+              </a:defRPr>
+            </a:lvl7pPr>
+            <a:lvl8pPr marL="3200400" algn="l" defTabSz="914400" rtl="0" eaLnBrk="1" latinLnBrk="0" hangingPunct="1">
+              <a:defRPr sz="1800" kern="1200">
+                <a:solidFill>
+                  <a:schemeClr val="lt1"/>
+                </a:solidFill>
+                <a:latin typeface="+mn-lt"/>
+                <a:ea typeface="+mn-ea"/>
+                <a:cs typeface="+mn-cs"/>
+              </a:defRPr>
+            </a:lvl8pPr>
+            <a:lvl9pPr marL="3657600" algn="l" defTabSz="914400" rtl="0" eaLnBrk="1" latinLnBrk="0" hangingPunct="1">
+              <a:defRPr sz="1800" kern="1200">
+                <a:solidFill>
+                  <a:schemeClr val="lt1"/>
+                </a:solidFill>
+                <a:latin typeface="+mn-lt"/>
+                <a:ea typeface="+mn-ea"/>
+                <a:cs typeface="+mn-cs"/>
+              </a:defRPr>
+            </a:lvl9pPr>
+          </a:lstStyle>
+          <a:p>
+            <a:pPr algn="ctr"/>
+            <a:endParaRPr lang="en-US"/>
+          </a:p>
+        </p:txBody>
+      </p:sp>
+      <p:pic>
+        <p:nvPicPr>
+          <p:cNvPr id="8" name="Picture 7">
+            <a:extLst>
+              <a:ext uri="{FF2B5EF4-FFF2-40B4-BE49-F238E27FC236}">
+                <a16:creationId xmlns:a16="http://schemas.microsoft.com/office/drawing/2014/main" id="{9DD9AD8A-3EEE-4EC6-8DA2-B540CB8FEC87}"/>
+              </a:ext>
+            </a:extLst>
+          </p:cNvPr>
+          <p:cNvPicPr>
+            <a:picLocks noChangeAspect="1"/>
+          </p:cNvPicPr>
+          <p:nvPr/>
+        </p:nvPicPr>
+        <p:blipFill rotWithShape="1">
+          <a:blip r:embed="rId6"/>
+          <a:srcRect t="2382" r="1" b="1"/>
+          <a:stretch/>
+        </p:blipFill>
+        <p:spPr>
+          <a:xfrm>
+            <a:off x="20" y="1"/>
+            <a:ext cx="6015547" cy="4257366"/>
+          </a:xfrm>
+          <a:prstGeom prst="rect">
+            <a:avLst/>
+          </a:prstGeom>
+        </p:spPr>
+      </p:pic>
+      <p:sp>
+        <p:nvSpPr>
+          <p:cNvPr id="115" name="Rectangle 114">
+            <a:extLst>
+              <a:ext uri="{FF2B5EF4-FFF2-40B4-BE49-F238E27FC236}">
+                <a16:creationId xmlns:a16="http://schemas.microsoft.com/office/drawing/2014/main" id="{51EA2B2F-0614-4D69-B22A-E70BCFCAD79C}"/>
+              </a:ext>
+              <a:ext uri="{C183D7F6-B498-43B3-948B-1728B52AA6E4}">
+                <adec:decorative xmlns:adec="http://schemas.microsoft.com/office/drawing/2017/decorative" val="1"/>
+              </a:ext>
+            </a:extLst>
+          </p:cNvPr>
+          <p:cNvSpPr>
+            <a:spLocks noGrp="1" noRot="1" noChangeAspect="1" noMove="1" noResize="1" noEditPoints="1" noAdjustHandles="1" noChangeArrowheads="1" noChangeShapeType="1" noTextEdit="1"/>
+          </p:cNvSpPr>
+          <p:nvPr>
+            <p:extLst>
+              <p:ext uri="{386F3935-93C4-4BCD-93E2-E3B085C9AB24}">
+                <p16:designElem xmlns:p16="http://schemas.microsoft.com/office/powerpoint/2015/main" val="1"/>
+              </p:ext>
+            </p:extLst>
+          </p:nvPr>
+        </p:nvSpPr>
+        <p:spPr>
+          <a:xfrm>
+            <a:off x="0" y="4257367"/>
+            <a:ext cx="12192000" cy="2610464"/>
+          </a:xfrm>
+          <a:prstGeom prst="rect">
+            <a:avLst/>
+          </a:prstGeom>
+          <a:blipFill dpi="0" rotWithShape="1">
+            <a:blip r:embed="rId2">
+              <a:alphaModFix amt="85000"/>
+              <a:lum bright="70000" contrast="-70000"/>
+              <a:extLst>
+                <a:ext uri="{BEBA8EAE-BF5A-486C-A8C5-ECC9F3942E4B}">
+                  <a14:imgProps xmlns:a14="http://schemas.microsoft.com/office/drawing/2010/main">
+                    <a14:imgLayer r:embed="rId3">
+                      <a14:imgEffect>
+                        <a14:sharpenSoften amount="61000"/>
+                      </a14:imgEffect>
+                    </a14:imgLayer>
+                  </a14:imgProps>
+                </a:ext>
+                <a:ext uri="{28A0092B-C50C-407E-A947-70E740481C1C}">
+                  <a14:useLocalDpi xmlns:a14="http://schemas.microsoft.com/office/drawing/2010/main" val="0"/>
+                </a:ext>
+              </a:extLst>
+            </a:blip>
+            <a:srcRect/>
+            <a:tile tx="0" ty="-704850" sx="92000" sy="89000" flip="xy" algn="ctr"/>
+          </a:blipFill>
+          <a:ln>
+            <a:noFill/>
+          </a:ln>
+        </p:spPr>
+        <p:style>
+          <a:lnRef idx="2">
+            <a:schemeClr val="accent1">
+              <a:shade val="50000"/>
+            </a:schemeClr>
+          </a:lnRef>
+          <a:fillRef idx="1">
+            <a:schemeClr val="accent1"/>
+          </a:fillRef>
+          <a:effectRef idx="0">
+            <a:schemeClr val="accent1"/>
+          </a:effectRef>
+          <a:fontRef idx="minor">
+            <a:schemeClr val="lt1"/>
+          </a:fontRef>
+        </p:style>
+        <p:txBody>
+          <a:bodyPr rtlCol="0" anchor="ctr"/>
+          <a:lstStyle/>
+          <a:p>
+            <a:pPr algn="ctr"/>
+            <a:endParaRPr lang="en-US"/>
+          </a:p>
+        </p:txBody>
+      </p:sp>
+      <p:sp>
+        <p:nvSpPr>
+          <p:cNvPr id="2" name="Title 1">
+            <a:extLst>
+              <a:ext uri="{FF2B5EF4-FFF2-40B4-BE49-F238E27FC236}">
+                <a16:creationId xmlns:a16="http://schemas.microsoft.com/office/drawing/2014/main" id="{1CD25530-E149-42E8-82D8-27CA1F5929D0}"/>
+              </a:ext>
+            </a:extLst>
+          </p:cNvPr>
+          <p:cNvSpPr>
+            <a:spLocks noGrp="1"/>
+          </p:cNvSpPr>
+          <p:nvPr>
+            <p:ph type="title"/>
+          </p:nvPr>
+        </p:nvSpPr>
+        <p:spPr>
+          <a:xfrm>
+            <a:off x="1051560" y="4355692"/>
+            <a:ext cx="9085940" cy="1472224"/>
+          </a:xfrm>
+        </p:spPr>
+        <p:txBody>
+          <a:bodyPr vert="horz" lIns="91440" tIns="45720" rIns="91440" bIns="45720" rtlCol="0" anchor="b">
+            <a:normAutofit/>
+          </a:bodyPr>
+          <a:lstStyle/>
+          <a:p>
+            <a:pPr>
+              <a:lnSpc>
+                <a:spcPct val="80000"/>
+              </a:lnSpc>
+            </a:pPr>
+            <a:r>
+              <a:rPr lang="en-US" sz="7200" kern="1200" cap="all" baseline="0">
+                <a:blipFill dpi="0" rotWithShape="1">
+                  <a:blip r:embed="rId4"/>
+                  <a:srcRect/>
+                  <a:tile tx="6350" ty="-127000" sx="65000" sy="64000" flip="none" algn="tl"/>
+                </a:blipFill>
+                <a:latin typeface="+mj-lt"/>
+                <a:ea typeface="+mj-ea"/>
+                <a:cs typeface="+mj-cs"/>
+              </a:rPr>
+              <a:t>XOr</a:t>
+            </a:r>
+            <a:r>
+              <a:rPr lang="en-US" sz="7200" kern="1200" cap="all" baseline="0" dirty="0">
+                <a:blipFill dpi="0" rotWithShape="1">
+                  <a:blip r:embed="rId4"/>
+                  <a:srcRect/>
+                  <a:tile tx="6350" ty="-127000" sx="65000" sy="64000" flip="none" algn="tl"/>
+                </a:blipFill>
+                <a:latin typeface="+mj-lt"/>
+                <a:ea typeface="+mj-ea"/>
+                <a:cs typeface="+mj-cs"/>
+              </a:rPr>
+              <a:t> V2 Test results</a:t>
+            </a:r>
+          </a:p>
+        </p:txBody>
+      </p:sp>
+      <p:pic>
+        <p:nvPicPr>
+          <p:cNvPr id="5" name="Picture 4">
+            <a:extLst>
+              <a:ext uri="{FF2B5EF4-FFF2-40B4-BE49-F238E27FC236}">
+                <a16:creationId xmlns:a16="http://schemas.microsoft.com/office/drawing/2014/main" id="{681E5C83-96B4-42FF-B016-E2CFEB914D96}"/>
+              </a:ext>
+            </a:extLst>
+          </p:cNvPr>
+          <p:cNvPicPr>
+            <a:picLocks noChangeAspect="1"/>
+          </p:cNvPicPr>
+          <p:nvPr/>
+        </p:nvPicPr>
+        <p:blipFill rotWithShape="1">
+          <a:blip r:embed="rId7"/>
+          <a:srcRect r="1" b="1960"/>
+          <a:stretch/>
+        </p:blipFill>
+        <p:spPr>
+          <a:xfrm>
+            <a:off x="6176433" y="-2"/>
+            <a:ext cx="6015567" cy="4261104"/>
+          </a:xfrm>
+          <a:prstGeom prst="rect">
+            <a:avLst/>
+          </a:prstGeom>
+        </p:spPr>
+      </p:pic>
+      <p:grpSp>
+        <p:nvGrpSpPr>
+          <p:cNvPr id="117" name="Group 116">
+            <a:extLst>
+              <a:ext uri="{FF2B5EF4-FFF2-40B4-BE49-F238E27FC236}">
+                <a16:creationId xmlns:a16="http://schemas.microsoft.com/office/drawing/2014/main" id="{74F14128-2B23-48F2-BD56-EA0849FACCDA}"/>
+              </a:ext>
+              <a:ext uri="{C183D7F6-B498-43B3-948B-1728B52AA6E4}">
+                <adec:decorative xmlns:adec="http://schemas.microsoft.com/office/drawing/2017/decorative" val="1"/>
+              </a:ext>
+            </a:extLst>
+          </p:cNvPr>
+          <p:cNvGrpSpPr>
+            <a:grpSpLocks noGrp="1" noUngrp="1" noRot="1" noChangeAspect="1" noMove="1" noResize="1"/>
+          </p:cNvGrpSpPr>
+          <p:nvPr>
+            <p:extLst>
+              <p:ext uri="{386F3935-93C4-4BCD-93E2-E3B085C9AB24}">
+                <p16:designElem xmlns:p16="http://schemas.microsoft.com/office/powerpoint/2015/main" val="1"/>
+              </p:ext>
+            </p:extLst>
+          </p:nvPr>
+        </p:nvGrpSpPr>
+        <p:grpSpPr>
+          <a:xfrm>
+            <a:off x="10245590" y="5111496"/>
+            <a:ext cx="1080904" cy="1080902"/>
+            <a:chOff x="9685338" y="4460675"/>
+            <a:chExt cx="1080904" cy="1080902"/>
+          </a:xfrm>
+        </p:grpSpPr>
+        <p:sp>
+          <p:nvSpPr>
+            <p:cNvPr id="118" name="Oval 117">
+              <a:extLst>
+                <a:ext uri="{FF2B5EF4-FFF2-40B4-BE49-F238E27FC236}">
+                  <a16:creationId xmlns:a16="http://schemas.microsoft.com/office/drawing/2014/main" id="{1E646914-1486-4A28-BF54-E138E8A7A2B1}"/>
+                </a:ext>
+                <a:ext uri="{C183D7F6-B498-43B3-948B-1728B52AA6E4}">
+                  <adec:decorative xmlns:adec="http://schemas.microsoft.com/office/drawing/2017/decorative" val="1"/>
+                </a:ext>
+              </a:extLst>
+            </p:cNvPr>
+            <p:cNvSpPr/>
+            <p:nvPr>
+              <p:extLst>
+                <p:ext uri="{386F3935-93C4-4BCD-93E2-E3B085C9AB24}">
+                  <p16:designElem xmlns:p16="http://schemas.microsoft.com/office/powerpoint/2015/main" val="1"/>
+                </p:ext>
+              </p:extLst>
+            </p:nvPr>
+          </p:nvSpPr>
+          <p:spPr>
+            <a:xfrm>
+              <a:off x="9685338" y="4460675"/>
+              <a:ext cx="1080904" cy="1080902"/>
+            </a:xfrm>
+            <a:prstGeom prst="ellipse">
+              <a:avLst/>
+            </a:prstGeom>
+            <a:blipFill dpi="0" rotWithShape="1">
+              <a:blip r:embed="rId4">
+                <a:duotone>
+                  <a:schemeClr val="accent1">
+                    <a:shade val="45000"/>
+                    <a:satMod val="135000"/>
+                  </a:schemeClr>
+                  <a:prstClr val="white"/>
+                </a:duotone>
+              </a:blip>
+              <a:srcRect/>
+              <a:tile tx="0" ty="0" sx="85000" sy="85000" flip="none" algn="tl"/>
+            </a:blipFill>
+            <a:ln w="25400" cap="flat" cmpd="sng" algn="ctr">
+              <a:noFill/>
+              <a:prstDash val="solid"/>
+            </a:ln>
+            <a:effectLst/>
+          </p:spPr>
+          <p:txBody>
+            <a:bodyPr lIns="0" tIns="0" rIns="0" bIns="0" rtlCol="0" anchor="ctr"/>
+            <a:lstStyle/>
+            <a:p>
+              <a:pPr marL="0" marR="0" lvl="0" indent="0" algn="ctr" defTabSz="914400" eaLnBrk="1" fontAlgn="auto" latinLnBrk="0" hangingPunct="1">
+                <a:lnSpc>
+                  <a:spcPct val="100000"/>
+                </a:lnSpc>
+                <a:spcBef>
+                  <a:spcPts val="0"/>
+                </a:spcBef>
+                <a:spcAft>
+                  <a:spcPts val="0"/>
+                </a:spcAft>
+                <a:buClrTx/>
+                <a:buSzTx/>
+                <a:buFontTx/>
+                <a:buNone/>
+                <a:tabLst/>
+                <a:defRPr/>
+              </a:pPr>
+              <a:endParaRPr kumimoji="0" lang="en-US" sz="2000" b="0" i="0" u="none" strike="noStrike" kern="0" cap="none" spc="0" normalizeH="0" baseline="0" noProof="0" dirty="0">
+                <a:ln>
+                  <a:noFill/>
+                </a:ln>
+                <a:solidFill>
+                  <a:prstClr val="white"/>
+                </a:solidFill>
+                <a:effectLst/>
+                <a:uLnTx/>
+                <a:uFillTx/>
+                <a:latin typeface="Rockwell Extra Bold" pitchFamily="18" charset="0"/>
+                <a:ea typeface="+mn-ea"/>
+                <a:cs typeface="+mn-cs"/>
+              </a:endParaRPr>
+            </a:p>
+          </p:txBody>
+        </p:sp>
+        <p:sp>
+          <p:nvSpPr>
+            <p:cNvPr id="119" name="Oval 118">
+              <a:extLst>
+                <a:ext uri="{FF2B5EF4-FFF2-40B4-BE49-F238E27FC236}">
+                  <a16:creationId xmlns:a16="http://schemas.microsoft.com/office/drawing/2014/main" id="{DD627D15-B201-4E06-B8F9-73B6A6D1E09F}"/>
+                </a:ext>
+                <a:ext uri="{C183D7F6-B498-43B3-948B-1728B52AA6E4}">
+                  <adec:decorative xmlns:adec="http://schemas.microsoft.com/office/drawing/2017/decorative" val="1"/>
+                </a:ext>
+              </a:extLst>
+            </p:cNvPr>
+            <p:cNvSpPr/>
+            <p:nvPr>
+              <p:extLst>
+                <p:ext uri="{386F3935-93C4-4BCD-93E2-E3B085C9AB24}">
+                  <p16:designElem xmlns:p16="http://schemas.microsoft.com/office/powerpoint/2015/main" val="1"/>
+                </p:ext>
+              </p:extLst>
+            </p:nvPr>
+          </p:nvSpPr>
+          <p:spPr>
+            <a:xfrm>
+              <a:off x="9793429" y="4568765"/>
+              <a:ext cx="864723" cy="864722"/>
+            </a:xfrm>
+            <a:prstGeom prst="ellipse">
+              <a:avLst/>
+            </a:prstGeom>
+            <a:noFill/>
+            <a:ln w="25400" cap="flat" cmpd="sng" algn="ctr">
+              <a:solidFill>
+                <a:sysClr val="window" lastClr="FFFFFF"/>
+              </a:solidFill>
+              <a:prstDash val="solid"/>
+            </a:ln>
+            <a:effectLst/>
+          </p:spPr>
+          <p:txBody>
+            <a:bodyPr rtlCol="0" anchor="ctr"/>
+            <a:lstStyle/>
+            <a:p>
+              <a:pPr marL="0" marR="0" lvl="0" indent="0" algn="ctr" defTabSz="914400" eaLnBrk="1" fontAlgn="auto" latinLnBrk="0" hangingPunct="1">
+                <a:lnSpc>
+                  <a:spcPct val="100000"/>
+                </a:lnSpc>
+                <a:spcBef>
+                  <a:spcPts val="0"/>
+                </a:spcBef>
+                <a:spcAft>
+                  <a:spcPts val="0"/>
+                </a:spcAft>
+                <a:buClrTx/>
+                <a:buSzTx/>
+                <a:buFontTx/>
+                <a:buNone/>
+                <a:tabLst/>
+                <a:defRPr/>
+              </a:pPr>
+              <a:endParaRPr kumimoji="0" lang="en-US" sz="1800" b="0" i="0" u="none" strike="noStrike" kern="0" cap="none" spc="0" normalizeH="0" baseline="0" noProof="0" dirty="0">
+                <a:ln>
+                  <a:noFill/>
+                </a:ln>
+                <a:solidFill>
+                  <a:prstClr val="white"/>
+                </a:solidFill>
+                <a:effectLst/>
+                <a:uLnTx/>
+                <a:uFillTx/>
+                <a:latin typeface="Calibri"/>
+                <a:ea typeface="+mn-ea"/>
+                <a:cs typeface="+mn-cs"/>
+              </a:endParaRPr>
+            </a:p>
+          </p:txBody>
+        </p:sp>
+      </p:grpSp>
+    </p:spTree>
+    <p:extLst>
+      <p:ext uri="{BB962C8B-B14F-4D97-AF65-F5344CB8AC3E}">
+        <p14:creationId xmlns:p14="http://schemas.microsoft.com/office/powerpoint/2010/main" val="1863327319"/>
       </p:ext>
     </p:extLst>
   </p:cSld>
